--- a/report/Projet_classification_MLOps_Partie2_Sarah.pptx
+++ b/report/Projet_classification_MLOps_Partie2_Sarah.pptx
@@ -240,7 +240,7 @@
           <a:p>
             <a:fld id="{F352A77B-D33C-49B3-A83C-450AA2ED72B3}" type="datetimeFigureOut">
               <a:rPr lang="en-US" smtClean="0"/>
-              <a:t>2/11/2025</a:t>
+              <a:t>2/12/2025</a:t>
             </a:fld>
             <a:endParaRPr lang="en-US" dirty="0"/>
           </a:p>
@@ -318,7 +318,7 @@
           <a:p>
             <a:fld id="{4BF9A36D-7FAC-478F-9944-F324014F6FD1}" type="slidenum">
               <a:rPr lang="en-US" smtClean="0"/>
-              <a:t>‹N°›</a:t>
+              <a:t>‹#›</a:t>
             </a:fld>
             <a:endParaRPr lang="en-US" dirty="0"/>
           </a:p>
@@ -417,7 +417,7 @@
           <a:p>
             <a:fld id="{E38D8F9A-F5CB-4EF8-A859-ED5E107B9763}" type="datetimeFigureOut">
               <a:rPr lang="en-US" smtClean="0"/>
-              <a:t>2/11/2025</a:t>
+              <a:t>2/12/2025</a:t>
             </a:fld>
             <a:endParaRPr lang="en-US" dirty="0"/>
           </a:p>
@@ -575,7 +575,7 @@
           <a:p>
             <a:fld id="{D4B9A9E5-4F7F-4A7D-9DE1-899232329269}" type="slidenum">
               <a:rPr lang="en-US" smtClean="0"/>
-              <a:t>‹N°›</a:t>
+              <a:t>‹#›</a:t>
             </a:fld>
             <a:endParaRPr lang="en-US" dirty="0"/>
           </a:p>
@@ -944,7 +944,7 @@
           <a:p>
             <a:fld id="{B5CEABB6-07DC-46E8-9B57-56EC44A396E5}" type="slidenum">
               <a:rPr lang="en-US" smtClean="0"/>
-              <a:t>‹N°›</a:t>
+              <a:t>‹#›</a:t>
             </a:fld>
             <a:endParaRPr lang="en-US" dirty="0"/>
           </a:p>
@@ -1709,7 +1709,7 @@
             <a:fld id="{B5CEABB6-07DC-46E8-9B57-56EC44A396E5}" type="slidenum">
               <a:rPr lang="en-US" smtClean="0"/>
               <a:pPr/>
-              <a:t>‹N°›</a:t>
+              <a:t>‹#›</a:t>
             </a:fld>
             <a:endParaRPr lang="en-US" dirty="0"/>
           </a:p>
@@ -2535,7 +2535,7 @@
           <a:p>
             <a:fld id="{B5CEABB6-07DC-46E8-9B57-56EC44A396E5}" type="slidenum">
               <a:rPr lang="en-US" smtClean="0"/>
-              <a:t>‹N°›</a:t>
+              <a:t>‹#›</a:t>
             </a:fld>
             <a:endParaRPr lang="en-US" dirty="0"/>
           </a:p>
@@ -3636,7 +3636,7 @@
           <a:p>
             <a:fld id="{B5CEABB6-07DC-46E8-9B57-56EC44A396E5}" type="slidenum">
               <a:rPr lang="en-US" smtClean="0"/>
-              <a:t>‹N°›</a:t>
+              <a:t>‹#›</a:t>
             </a:fld>
             <a:endParaRPr lang="en-US" dirty="0"/>
           </a:p>
@@ -4192,7 +4192,7 @@
           <a:p>
             <a:fld id="{B5CEABB6-07DC-46E8-9B57-56EC44A396E5}" type="slidenum">
               <a:rPr lang="en-US" smtClean="0"/>
-              <a:t>‹N°›</a:t>
+              <a:t>‹#›</a:t>
             </a:fld>
             <a:endParaRPr lang="en-US" dirty="0"/>
           </a:p>
@@ -4791,7 +4791,7 @@
           <a:p>
             <a:fld id="{B5CEABB6-07DC-46E8-9B57-56EC44A396E5}" type="slidenum">
               <a:rPr lang="en-US" smtClean="0"/>
-              <a:t>‹N°›</a:t>
+              <a:t>‹#›</a:t>
             </a:fld>
             <a:endParaRPr lang="en-US" dirty="0"/>
           </a:p>
@@ -6274,7 +6274,7 @@
           <a:p>
             <a:fld id="{B5CEABB6-07DC-46E8-9B57-56EC44A396E5}" type="slidenum">
               <a:rPr lang="en-US" noProof="0" smtClean="0"/>
-              <a:t>‹N°›</a:t>
+              <a:t>‹#›</a:t>
             </a:fld>
             <a:endParaRPr lang="en-US" noProof="0" dirty="0"/>
           </a:p>
@@ -7343,7 +7343,7 @@
           <a:p>
             <a:fld id="{B5CEABB6-07DC-46E8-9B57-56EC44A396E5}" type="slidenum">
               <a:rPr lang="en-US" smtClean="0"/>
-              <a:t>‹N°›</a:t>
+              <a:t>‹#›</a:t>
             </a:fld>
             <a:endParaRPr lang="en-US" dirty="0"/>
           </a:p>
@@ -9257,7 +9257,7 @@
           <a:p>
             <a:fld id="{B5CEABB6-07DC-46E8-9B57-56EC44A396E5}" type="slidenum">
               <a:rPr lang="en-US" smtClean="0"/>
-              <a:t>‹N°›</a:t>
+              <a:t>‹#›</a:t>
             </a:fld>
             <a:endParaRPr lang="en-US" dirty="0"/>
           </a:p>
@@ -10777,7 +10777,7 @@
           <a:p>
             <a:fld id="{B5CEABB6-07DC-46E8-9B57-56EC44A396E5}" type="slidenum">
               <a:rPr lang="en-US" smtClean="0"/>
-              <a:t>‹N°›</a:t>
+              <a:t>‹#›</a:t>
             </a:fld>
             <a:endParaRPr lang="en-US" dirty="0"/>
           </a:p>
@@ -11107,7 +11107,7 @@
           <a:p>
             <a:fld id="{B5CEABB6-07DC-46E8-9B57-56EC44A396E5}" type="slidenum">
               <a:rPr lang="en-US" smtClean="0"/>
-              <a:t>‹N°›</a:t>
+              <a:t>‹#›</a:t>
             </a:fld>
             <a:endParaRPr lang="en-US" dirty="0"/>
           </a:p>
@@ -11691,7 +11691,7 @@
           <a:p>
             <a:fld id="{B5CEABB6-07DC-46E8-9B57-56EC44A396E5}" type="slidenum">
               <a:rPr lang="en-US" smtClean="0"/>
-              <a:t>‹N°›</a:t>
+              <a:t>‹#›</a:t>
             </a:fld>
             <a:endParaRPr lang="en-US" dirty="0"/>
           </a:p>
@@ -12015,7 +12015,7 @@
           <a:p>
             <a:fld id="{B5CEABB6-07DC-46E8-9B57-56EC44A396E5}" type="slidenum">
               <a:rPr lang="en-US" smtClean="0"/>
-              <a:t>‹N°›</a:t>
+              <a:t>‹#›</a:t>
             </a:fld>
             <a:endParaRPr lang="en-US" dirty="0"/>
           </a:p>
@@ -12289,7 +12289,7 @@
           <a:p>
             <a:fld id="{B5CEABB6-07DC-46E8-9B57-56EC44A396E5}" type="slidenum">
               <a:rPr lang="en-US" smtClean="0"/>
-              <a:t>‹N°›</a:t>
+              <a:t>‹#›</a:t>
             </a:fld>
             <a:endParaRPr lang="en-US" dirty="0"/>
           </a:p>
@@ -12650,7 +12650,7 @@
           <a:p>
             <a:fld id="{B5CEABB6-07DC-46E8-9B57-56EC44A396E5}" type="slidenum">
               <a:rPr lang="en-US" smtClean="0"/>
-              <a:t>‹N°›</a:t>
+              <a:t>‹#›</a:t>
             </a:fld>
             <a:endParaRPr lang="en-US" dirty="0"/>
           </a:p>
@@ -13325,7 +13325,7 @@
           <a:p>
             <a:fld id="{B5CEABB6-07DC-46E8-9B57-56EC44A396E5}" type="slidenum">
               <a:rPr lang="en-US" smtClean="0"/>
-              <a:t>‹N°›</a:t>
+              <a:t>‹#›</a:t>
             </a:fld>
             <a:endParaRPr lang="en-US" dirty="0"/>
           </a:p>
@@ -14123,7 +14123,7 @@
           <a:p>
             <a:fld id="{B5CEABB6-07DC-46E8-9B57-56EC44A396E5}" type="slidenum">
               <a:rPr lang="en-US" smtClean="0"/>
-              <a:t>‹N°›</a:t>
+              <a:t>‹#›</a:t>
             </a:fld>
             <a:endParaRPr lang="en-US" dirty="0"/>
           </a:p>
@@ -14711,7 +14711,7 @@
           <a:p>
             <a:fld id="{B5CEABB6-07DC-46E8-9B57-56EC44A396E5}" type="slidenum">
               <a:rPr lang="en-US" smtClean="0"/>
-              <a:t>‹N°›</a:t>
+              <a:t>‹#›</a:t>
             </a:fld>
             <a:endParaRPr lang="en-US" dirty="0"/>
           </a:p>
@@ -15392,7 +15392,7 @@
             <a:fld id="{B5CEABB6-07DC-46E8-9B57-56EC44A396E5}" type="slidenum">
               <a:rPr lang="en-US" smtClean="0"/>
               <a:pPr/>
-              <a:t>‹N°›</a:t>
+              <a:t>‹#›</a:t>
             </a:fld>
             <a:endParaRPr lang="en-US" dirty="0"/>
           </a:p>
@@ -15840,7 +15840,7 @@
           <a:p>
             <a:fld id="{B5CEABB6-07DC-46E8-9B57-56EC44A396E5}" type="slidenum">
               <a:rPr lang="en-US" smtClean="0"/>
-              <a:t>‹N°›</a:t>
+              <a:t>‹#›</a:t>
             </a:fld>
             <a:endParaRPr lang="en-US" dirty="0"/>
           </a:p>
@@ -16126,7 +16126,7 @@
             <a:fld id="{B5CEABB6-07DC-46E8-9B57-56EC44A396E5}" type="slidenum">
               <a:rPr lang="en-US" smtClean="0"/>
               <a:pPr/>
-              <a:t>‹N°›</a:t>
+              <a:t>‹#›</a:t>
             </a:fld>
             <a:endParaRPr lang="en-US" dirty="0"/>
           </a:p>
@@ -23028,18 +23028,18 @@
             <a:pPr lvl="1"/>
             <a:r>
               <a:rPr lang="fr-FR" dirty="0"/>
-              <a:t>Utilisation de volumes</a:t>
+              <a:t>DVC in docker (branche dédiée git, gestion PR)</a:t>
             </a:r>
           </a:p>
           <a:p>
             <a:pPr lvl="1"/>
             <a:r>
               <a:rPr lang="fr-FR" dirty="0"/>
-              <a:t>Une branche Git dédiée Prod pour éviter le traitement des pull </a:t>
-            </a:r>
-            <a:r>
-              <a:rPr lang="fr-FR" dirty="0" err="1"/>
-              <a:t>requests</a:t>
+              <a:t>Orchestration &amp; gestion </a:t>
+            </a:r>
+            <a:r>
+              <a:rPr lang="fr-FR"/>
+              <a:t>des volumes</a:t>
             </a:r>
             <a:endParaRPr lang="fr-FR" dirty="0"/>
           </a:p>
@@ -23112,7 +23112,7 @@
         <p:spPr>
           <a:xfrm>
             <a:off x="7686674" y="3249891"/>
-            <a:ext cx="4114800" cy="2684325"/>
+            <a:ext cx="4114800" cy="3477362"/>
           </a:xfrm>
           <a:prstGeom prst="rect">
             <a:avLst/>
@@ -23165,6 +23165,28 @@
               <a:defRPr/>
             </a:pPr>
             <a:r>
+              <a:rPr lang="fr-FR" sz="2400" dirty="0">
+                <a:solidFill>
+                  <a:prstClr val="black"/>
+                </a:solidFill>
+                <a:latin typeface="Tenorite"/>
+              </a:rPr>
+              <a:t>état des services</a:t>
+            </a:r>
+          </a:p>
+          <a:p>
+            <a:pPr marL="685800" lvl="1" indent="-228600">
+              <a:lnSpc>
+                <a:spcPct val="90000"/>
+              </a:lnSpc>
+              <a:spcBef>
+                <a:spcPts val="500"/>
+              </a:spcBef>
+              <a:buFont typeface="Courier New" panose="02070309020205020404" pitchFamily="49" charset="0"/>
+              <a:buChar char="o"/>
+              <a:defRPr/>
+            </a:pPr>
+            <a:r>
               <a:rPr kumimoji="0" lang="fr-FR" sz="2400" b="0" i="0" u="none" strike="noStrike" kern="1200" cap="none" spc="0" normalizeH="0" baseline="0" noProof="0" dirty="0">
                 <a:ln>
                   <a:noFill/>
@@ -23179,7 +23201,7 @@
                 <a:ea typeface="+mn-ea"/>
                 <a:cs typeface="+mn-cs"/>
               </a:rPr>
-              <a:t>…</a:t>
+              <a:t>nombre de requêtes</a:t>
             </a:r>
           </a:p>
           <a:p>
@@ -23223,28 +23245,22 @@
               <a:defRPr/>
             </a:pPr>
             <a:r>
-              <a:rPr lang="fr-FR" sz="2400" dirty="0">
+              <a:rPr kumimoji="0" lang="fr-FR" sz="2400" b="0" i="0" u="none" strike="noStrike" kern="1200" cap="none" spc="0" normalizeH="0" baseline="0" noProof="0" dirty="0">
+                <a:ln>
+                  <a:noFill/>
+                </a:ln>
                 <a:solidFill>
                   <a:prstClr val="black"/>
                 </a:solidFill>
+                <a:effectLst/>
+                <a:uLnTx/>
+                <a:uFillTx/>
                 <a:latin typeface="Tenorite"/>
+                <a:ea typeface="+mn-ea"/>
+                <a:cs typeface="+mn-cs"/>
               </a:rPr>
-              <a:t>…</a:t>
-            </a:r>
-            <a:endParaRPr kumimoji="0" lang="fr-FR" sz="2400" b="0" i="0" u="none" strike="noStrike" kern="1200" cap="none" spc="0" normalizeH="0" baseline="0" noProof="0" dirty="0">
-              <a:ln>
-                <a:noFill/>
-              </a:ln>
-              <a:solidFill>
-                <a:prstClr val="black"/>
-              </a:solidFill>
-              <a:effectLst/>
-              <a:uLnTx/>
-              <a:uFillTx/>
-              <a:latin typeface="Tenorite"/>
-              <a:ea typeface="+mn-ea"/>
-              <a:cs typeface="+mn-cs"/>
-            </a:endParaRPr>
+              <a:t>1m down</a:t>
+            </a:r>
           </a:p>
           <a:p>
             <a:pPr>
@@ -23321,14 +23337,42 @@
               <a:defRPr/>
             </a:pPr>
             <a:r>
+              <a:rPr kumimoji="0" lang="fr-FR" sz="2400" b="0" i="0" u="none" strike="noStrike" kern="1200" cap="none" spc="0" normalizeH="0" baseline="0" noProof="0" dirty="0">
+                <a:ln>
+                  <a:noFill/>
+                </a:ln>
+                <a:solidFill>
+                  <a:prstClr val="black"/>
+                </a:solidFill>
+                <a:effectLst/>
+                <a:uLnTx/>
+                <a:uFillTx/>
+                <a:latin typeface="Tenorite"/>
+                <a:ea typeface="+mn-ea"/>
+                <a:cs typeface="+mn-cs"/>
+              </a:rPr>
+              <a:t>down </a:t>
+            </a:r>
+            <a:r>
               <a:rPr lang="fr-FR" sz="2400" dirty="0">
                 <a:solidFill>
                   <a:prstClr val="black"/>
                 </a:solidFill>
                 <a:latin typeface="Tenorite"/>
               </a:rPr>
-              <a:t>…</a:t>
-            </a:r>
+              <a:t>&gt; 1m</a:t>
+            </a:r>
+          </a:p>
+          <a:p>
+            <a:pPr lvl="1">
+              <a:lnSpc>
+                <a:spcPct val="90000"/>
+              </a:lnSpc>
+              <a:spcBef>
+                <a:spcPts val="500"/>
+              </a:spcBef>
+              <a:defRPr/>
+            </a:pPr>
             <a:endParaRPr kumimoji="0" lang="fr-FR" sz="2400" b="0" i="0" u="none" strike="noStrike" kern="1200" cap="none" spc="0" normalizeH="0" baseline="0" noProof="0" dirty="0">
               <a:ln>
                 <a:noFill/>
@@ -23412,7 +23456,7 @@
           <a:lstStyle/>
           <a:p>
             <a:r>
-              <a:rPr lang="fr-FR" dirty="0"/>
+              <a:rPr lang="fr-FR"/>
               <a:t>Monitoring Métrique Système</a:t>
             </a:r>
             <a:endParaRPr lang="en-US" dirty="0"/>
@@ -23446,9 +23490,10 @@
           <a:lstStyle/>
           <a:p>
             <a:r>
-              <a:rPr lang="en-US" dirty="0"/>
+              <a:rPr lang="en-US"/>
               <a:t>2025</a:t>
             </a:r>
+            <a:endParaRPr lang="en-US" dirty="0"/>
           </a:p>
         </p:txBody>
       </p:sp>
@@ -23523,10 +23568,10 @@
       </p:sp>
       <p:pic>
         <p:nvPicPr>
-          <p:cNvPr id="10" name="Image 9">
-            <a:extLst>
-              <a:ext uri="{FF2B5EF4-FFF2-40B4-BE49-F238E27FC236}">
-                <a16:creationId xmlns:a16="http://schemas.microsoft.com/office/drawing/2014/main" id="{F8E7DE0B-8C3A-BFB8-D21A-2DC5070A4229}"/>
+          <p:cNvPr id="7" name="Picture 6">
+            <a:extLst>
+              <a:ext uri="{FF2B5EF4-FFF2-40B4-BE49-F238E27FC236}">
+                <a16:creationId xmlns:a16="http://schemas.microsoft.com/office/drawing/2014/main" id="{8440DA12-A88C-CA0D-19CD-21934D4A765C}"/>
               </a:ext>
             </a:extLst>
           </p:cNvPr>
@@ -23543,8 +23588,8 @@
         </p:blipFill>
         <p:spPr>
           <a:xfrm>
-            <a:off x="2023260" y="881199"/>
-            <a:ext cx="8593153" cy="5475151"/>
+            <a:off x="0" y="686124"/>
+            <a:ext cx="12192000" cy="5485751"/>
           </a:xfrm>
           <a:prstGeom prst="rect">
             <a:avLst/>
@@ -24356,23 +24401,12 @@
 </file>
 
 <file path=customXml/item1.xml><?xml version="1.0" encoding="utf-8"?>
-<p:properties xmlns:p="http://schemas.microsoft.com/office/2006/metadata/properties" xmlns:xsi="http://www.w3.org/2001/XMLSchema-instance" xmlns:pc="http://schemas.microsoft.com/office/infopath/2007/PartnerControls">
-  <documentManagement>
-    <_ip_UnifiedCompliancePolicyUIAction xmlns="http://schemas.microsoft.com/sharepoint/v3" xsi:nil="true"/>
-    <Image xmlns="71af3243-3dd4-4a8d-8c0d-dd76da1f02a5">
-      <Url xsi:nil="true"/>
-      <Description xsi:nil="true"/>
-    </Image>
-    <Status xmlns="71af3243-3dd4-4a8d-8c0d-dd76da1f02a5">Not started</Status>
-    <Background xmlns="71af3243-3dd4-4a8d-8c0d-dd76da1f02a5">false</Background>
-    <_ip_UnifiedCompliancePolicyProperties xmlns="http://schemas.microsoft.com/sharepoint/v3" xsi:nil="true"/>
-    <ImageTagsTaxHTField xmlns="71af3243-3dd4-4a8d-8c0d-dd76da1f02a5">
-      <Terms xmlns="http://schemas.microsoft.com/office/infopath/2007/PartnerControls"/>
-    </ImageTagsTaxHTField>
-    <TaxCatchAll xmlns="230e9df3-be65-4c73-a93b-d1236ebd677e" xsi:nil="true"/>
-    <MediaServiceKeyPoints xmlns="71af3243-3dd4-4a8d-8c0d-dd76da1f02a5" xsi:nil="true"/>
-  </documentManagement>
-</p:properties>
+<?mso-contentType ?>
+<FormTemplates xmlns="http://schemas.microsoft.com/sharepoint/v3/contenttype/forms">
+  <Display>DocumentLibraryForm</Display>
+  <Edit>DocumentLibraryForm</Edit>
+  <New>DocumentLibraryForm</New>
+</FormTemplates>
 </file>
 
 <file path=customXml/item2.xml><?xml version="1.0" encoding="utf-8"?>
@@ -24682,22 +24716,29 @@
 </file>
 
 <file path=customXml/item3.xml><?xml version="1.0" encoding="utf-8"?>
-<?mso-contentType ?>
-<FormTemplates xmlns="http://schemas.microsoft.com/sharepoint/v3/contenttype/forms">
-  <Display>DocumentLibraryForm</Display>
-  <Edit>DocumentLibraryForm</Edit>
-  <New>DocumentLibraryForm</New>
-</FormTemplates>
+<p:properties xmlns:p="http://schemas.microsoft.com/office/2006/metadata/properties" xmlns:xsi="http://www.w3.org/2001/XMLSchema-instance" xmlns:pc="http://schemas.microsoft.com/office/infopath/2007/PartnerControls">
+  <documentManagement>
+    <_ip_UnifiedCompliancePolicyUIAction xmlns="http://schemas.microsoft.com/sharepoint/v3" xsi:nil="true"/>
+    <Image xmlns="71af3243-3dd4-4a8d-8c0d-dd76da1f02a5">
+      <Url xsi:nil="true"/>
+      <Description xsi:nil="true"/>
+    </Image>
+    <Status xmlns="71af3243-3dd4-4a8d-8c0d-dd76da1f02a5">Not started</Status>
+    <Background xmlns="71af3243-3dd4-4a8d-8c0d-dd76da1f02a5">false</Background>
+    <_ip_UnifiedCompliancePolicyProperties xmlns="http://schemas.microsoft.com/sharepoint/v3" xsi:nil="true"/>
+    <ImageTagsTaxHTField xmlns="71af3243-3dd4-4a8d-8c0d-dd76da1f02a5">
+      <Terms xmlns="http://schemas.microsoft.com/office/infopath/2007/PartnerControls"/>
+    </ImageTagsTaxHTField>
+    <TaxCatchAll xmlns="230e9df3-be65-4c73-a93b-d1236ebd677e" xsi:nil="true"/>
+    <MediaServiceKeyPoints xmlns="71af3243-3dd4-4a8d-8c0d-dd76da1f02a5" xsi:nil="true"/>
+  </documentManagement>
+</p:properties>
 </file>
 
 <file path=customXml/itemProps1.xml><?xml version="1.0" encoding="utf-8"?>
-<ds:datastoreItem xmlns:ds="http://schemas.openxmlformats.org/officeDocument/2006/customXml" ds:itemID="{6EA97235-BEC4-4F82-87A8-2F5DAD53B5F9}">
+<ds:datastoreItem xmlns:ds="http://schemas.openxmlformats.org/officeDocument/2006/customXml" ds:itemID="{79BF405E-7930-4D5C-ABB3-493E9D6D6CEA}">
   <ds:schemaRefs>
-    <ds:schemaRef ds:uri="http://schemas.microsoft.com/office/2006/metadata/properties"/>
-    <ds:schemaRef ds:uri="http://schemas.microsoft.com/office/infopath/2007/PartnerControls"/>
-    <ds:schemaRef ds:uri="http://schemas.microsoft.com/sharepoint/v3"/>
-    <ds:schemaRef ds:uri="71af3243-3dd4-4a8d-8c0d-dd76da1f02a5"/>
-    <ds:schemaRef ds:uri="230e9df3-be65-4c73-a93b-d1236ebd677e"/>
+    <ds:schemaRef ds:uri="http://schemas.microsoft.com/sharepoint/v3/contenttype/forms"/>
   </ds:schemaRefs>
 </ds:datastoreItem>
 </file>
@@ -24724,9 +24765,13 @@
 </file>
 
 <file path=customXml/itemProps3.xml><?xml version="1.0" encoding="utf-8"?>
-<ds:datastoreItem xmlns:ds="http://schemas.openxmlformats.org/officeDocument/2006/customXml" ds:itemID="{79BF405E-7930-4D5C-ABB3-493E9D6D6CEA}">
+<ds:datastoreItem xmlns:ds="http://schemas.openxmlformats.org/officeDocument/2006/customXml" ds:itemID="{6EA97235-BEC4-4F82-87A8-2F5DAD53B5F9}">
   <ds:schemaRefs>
-    <ds:schemaRef ds:uri="http://schemas.microsoft.com/sharepoint/v3/contenttype/forms"/>
+    <ds:schemaRef ds:uri="http://schemas.microsoft.com/office/2006/metadata/properties"/>
+    <ds:schemaRef ds:uri="http://schemas.microsoft.com/office/infopath/2007/PartnerControls"/>
+    <ds:schemaRef ds:uri="http://schemas.microsoft.com/sharepoint/v3"/>
+    <ds:schemaRef ds:uri="71af3243-3dd4-4a8d-8c0d-dd76da1f02a5"/>
+    <ds:schemaRef ds:uri="230e9df3-be65-4c73-a93b-d1236ebd677e"/>
   </ds:schemaRefs>
 </ds:datastoreItem>
 </file>

--- a/report/Projet_classification_MLOps_Partie2_Sarah.pptx
+++ b/report/Projet_classification_MLOps_Partie2_Sarah.pptx
@@ -5,15 +5,16 @@
     <p:sldMasterId id="2147483666" r:id="rId4"/>
   </p:sldMasterIdLst>
   <p:notesMasterIdLst>
-    <p:notesMasterId r:id="rId8"/>
+    <p:notesMasterId r:id="rId9"/>
   </p:notesMasterIdLst>
   <p:handoutMasterIdLst>
-    <p:handoutMasterId r:id="rId9"/>
+    <p:handoutMasterId r:id="rId10"/>
   </p:handoutMasterIdLst>
   <p:sldIdLst>
-    <p:sldId id="287" r:id="rId5"/>
-    <p:sldId id="284" r:id="rId6"/>
-    <p:sldId id="286" r:id="rId7"/>
+    <p:sldId id="289" r:id="rId5"/>
+    <p:sldId id="287" r:id="rId6"/>
+    <p:sldId id="284" r:id="rId7"/>
+    <p:sldId id="286" r:id="rId8"/>
   </p:sldIdLst>
   <p:sldSz cx="12192000" cy="6858000"/>
   <p:notesSz cx="6858000" cy="9144000"/>
@@ -240,7 +241,7 @@
           <a:p>
             <a:fld id="{F352A77B-D33C-49B3-A83C-450AA2ED72B3}" type="datetimeFigureOut">
               <a:rPr lang="en-US" smtClean="0"/>
-              <a:t>2/12/2025</a:t>
+              <a:t>2/13/2025</a:t>
             </a:fld>
             <a:endParaRPr lang="en-US" dirty="0"/>
           </a:p>
@@ -318,7 +319,7 @@
           <a:p>
             <a:fld id="{4BF9A36D-7FAC-478F-9944-F324014F6FD1}" type="slidenum">
               <a:rPr lang="en-US" smtClean="0"/>
-              <a:t>‹#›</a:t>
+              <a:t>‹N°›</a:t>
             </a:fld>
             <a:endParaRPr lang="en-US" dirty="0"/>
           </a:p>
@@ -417,7 +418,7 @@
           <a:p>
             <a:fld id="{E38D8F9A-F5CB-4EF8-A859-ED5E107B9763}" type="datetimeFigureOut">
               <a:rPr lang="en-US" smtClean="0"/>
-              <a:t>2/12/2025</a:t>
+              <a:t>2/13/2025</a:t>
             </a:fld>
             <a:endParaRPr lang="en-US" dirty="0"/>
           </a:p>
@@ -575,7 +576,7 @@
           <a:p>
             <a:fld id="{D4B9A9E5-4F7F-4A7D-9DE1-899232329269}" type="slidenum">
               <a:rPr lang="en-US" smtClean="0"/>
-              <a:t>‹#›</a:t>
+              <a:t>‹N°›</a:t>
             </a:fld>
             <a:endParaRPr lang="en-US" dirty="0"/>
           </a:p>
@@ -944,7 +945,7 @@
           <a:p>
             <a:fld id="{B5CEABB6-07DC-46E8-9B57-56EC44A396E5}" type="slidenum">
               <a:rPr lang="en-US" smtClean="0"/>
-              <a:t>‹#›</a:t>
+              <a:t>‹N°›</a:t>
             </a:fld>
             <a:endParaRPr lang="en-US" dirty="0"/>
           </a:p>
@@ -1709,7 +1710,7 @@
             <a:fld id="{B5CEABB6-07DC-46E8-9B57-56EC44A396E5}" type="slidenum">
               <a:rPr lang="en-US" smtClean="0"/>
               <a:pPr/>
-              <a:t>‹#›</a:t>
+              <a:t>‹N°›</a:t>
             </a:fld>
             <a:endParaRPr lang="en-US" dirty="0"/>
           </a:p>
@@ -2535,7 +2536,7 @@
           <a:p>
             <a:fld id="{B5CEABB6-07DC-46E8-9B57-56EC44A396E5}" type="slidenum">
               <a:rPr lang="en-US" smtClean="0"/>
-              <a:t>‹#›</a:t>
+              <a:t>‹N°›</a:t>
             </a:fld>
             <a:endParaRPr lang="en-US" dirty="0"/>
           </a:p>
@@ -3636,7 +3637,7 @@
           <a:p>
             <a:fld id="{B5CEABB6-07DC-46E8-9B57-56EC44A396E5}" type="slidenum">
               <a:rPr lang="en-US" smtClean="0"/>
-              <a:t>‹#›</a:t>
+              <a:t>‹N°›</a:t>
             </a:fld>
             <a:endParaRPr lang="en-US" dirty="0"/>
           </a:p>
@@ -4192,7 +4193,7 @@
           <a:p>
             <a:fld id="{B5CEABB6-07DC-46E8-9B57-56EC44A396E5}" type="slidenum">
               <a:rPr lang="en-US" smtClean="0"/>
-              <a:t>‹#›</a:t>
+              <a:t>‹N°›</a:t>
             </a:fld>
             <a:endParaRPr lang="en-US" dirty="0"/>
           </a:p>
@@ -4791,7 +4792,7 @@
           <a:p>
             <a:fld id="{B5CEABB6-07DC-46E8-9B57-56EC44A396E5}" type="slidenum">
               <a:rPr lang="en-US" smtClean="0"/>
-              <a:t>‹#›</a:t>
+              <a:t>‹N°›</a:t>
             </a:fld>
             <a:endParaRPr lang="en-US" dirty="0"/>
           </a:p>
@@ -6274,7 +6275,7 @@
           <a:p>
             <a:fld id="{B5CEABB6-07DC-46E8-9B57-56EC44A396E5}" type="slidenum">
               <a:rPr lang="en-US" noProof="0" smtClean="0"/>
-              <a:t>‹#›</a:t>
+              <a:t>‹N°›</a:t>
             </a:fld>
             <a:endParaRPr lang="en-US" noProof="0" dirty="0"/>
           </a:p>
@@ -7343,7 +7344,7 @@
           <a:p>
             <a:fld id="{B5CEABB6-07DC-46E8-9B57-56EC44A396E5}" type="slidenum">
               <a:rPr lang="en-US" smtClean="0"/>
-              <a:t>‹#›</a:t>
+              <a:t>‹N°›</a:t>
             </a:fld>
             <a:endParaRPr lang="en-US" dirty="0"/>
           </a:p>
@@ -9257,7 +9258,7 @@
           <a:p>
             <a:fld id="{B5CEABB6-07DC-46E8-9B57-56EC44A396E5}" type="slidenum">
               <a:rPr lang="en-US" smtClean="0"/>
-              <a:t>‹#›</a:t>
+              <a:t>‹N°›</a:t>
             </a:fld>
             <a:endParaRPr lang="en-US" dirty="0"/>
           </a:p>
@@ -10777,7 +10778,7 @@
           <a:p>
             <a:fld id="{B5CEABB6-07DC-46E8-9B57-56EC44A396E5}" type="slidenum">
               <a:rPr lang="en-US" smtClean="0"/>
-              <a:t>‹#›</a:t>
+              <a:t>‹N°›</a:t>
             </a:fld>
             <a:endParaRPr lang="en-US" dirty="0"/>
           </a:p>
@@ -11107,7 +11108,7 @@
           <a:p>
             <a:fld id="{B5CEABB6-07DC-46E8-9B57-56EC44A396E5}" type="slidenum">
               <a:rPr lang="en-US" smtClean="0"/>
-              <a:t>‹#›</a:t>
+              <a:t>‹N°›</a:t>
             </a:fld>
             <a:endParaRPr lang="en-US" dirty="0"/>
           </a:p>
@@ -11691,7 +11692,7 @@
           <a:p>
             <a:fld id="{B5CEABB6-07DC-46E8-9B57-56EC44A396E5}" type="slidenum">
               <a:rPr lang="en-US" smtClean="0"/>
-              <a:t>‹#›</a:t>
+              <a:t>‹N°›</a:t>
             </a:fld>
             <a:endParaRPr lang="en-US" dirty="0"/>
           </a:p>
@@ -12015,7 +12016,7 @@
           <a:p>
             <a:fld id="{B5CEABB6-07DC-46E8-9B57-56EC44A396E5}" type="slidenum">
               <a:rPr lang="en-US" smtClean="0"/>
-              <a:t>‹#›</a:t>
+              <a:t>‹N°›</a:t>
             </a:fld>
             <a:endParaRPr lang="en-US" dirty="0"/>
           </a:p>
@@ -12289,7 +12290,7 @@
           <a:p>
             <a:fld id="{B5CEABB6-07DC-46E8-9B57-56EC44A396E5}" type="slidenum">
               <a:rPr lang="en-US" smtClean="0"/>
-              <a:t>‹#›</a:t>
+              <a:t>‹N°›</a:t>
             </a:fld>
             <a:endParaRPr lang="en-US" dirty="0"/>
           </a:p>
@@ -12650,7 +12651,7 @@
           <a:p>
             <a:fld id="{B5CEABB6-07DC-46E8-9B57-56EC44A396E5}" type="slidenum">
               <a:rPr lang="en-US" smtClean="0"/>
-              <a:t>‹#›</a:t>
+              <a:t>‹N°›</a:t>
             </a:fld>
             <a:endParaRPr lang="en-US" dirty="0"/>
           </a:p>
@@ -13325,7 +13326,7 @@
           <a:p>
             <a:fld id="{B5CEABB6-07DC-46E8-9B57-56EC44A396E5}" type="slidenum">
               <a:rPr lang="en-US" smtClean="0"/>
-              <a:t>‹#›</a:t>
+              <a:t>‹N°›</a:t>
             </a:fld>
             <a:endParaRPr lang="en-US" dirty="0"/>
           </a:p>
@@ -14123,7 +14124,7 @@
           <a:p>
             <a:fld id="{B5CEABB6-07DC-46E8-9B57-56EC44A396E5}" type="slidenum">
               <a:rPr lang="en-US" smtClean="0"/>
-              <a:t>‹#›</a:t>
+              <a:t>‹N°›</a:t>
             </a:fld>
             <a:endParaRPr lang="en-US" dirty="0"/>
           </a:p>
@@ -14711,7 +14712,7 @@
           <a:p>
             <a:fld id="{B5CEABB6-07DC-46E8-9B57-56EC44A396E5}" type="slidenum">
               <a:rPr lang="en-US" smtClean="0"/>
-              <a:t>‹#›</a:t>
+              <a:t>‹N°›</a:t>
             </a:fld>
             <a:endParaRPr lang="en-US" dirty="0"/>
           </a:p>
@@ -15392,7 +15393,7 @@
             <a:fld id="{B5CEABB6-07DC-46E8-9B57-56EC44A396E5}" type="slidenum">
               <a:rPr lang="en-US" smtClean="0"/>
               <a:pPr/>
-              <a:t>‹#›</a:t>
+              <a:t>‹N°›</a:t>
             </a:fld>
             <a:endParaRPr lang="en-US" dirty="0"/>
           </a:p>
@@ -15840,7 +15841,7 @@
           <a:p>
             <a:fld id="{B5CEABB6-07DC-46E8-9B57-56EC44A396E5}" type="slidenum">
               <a:rPr lang="en-US" smtClean="0"/>
-              <a:t>‹#›</a:t>
+              <a:t>‹N°›</a:t>
             </a:fld>
             <a:endParaRPr lang="en-US" dirty="0"/>
           </a:p>
@@ -16126,7 +16127,7 @@
             <a:fld id="{B5CEABB6-07DC-46E8-9B57-56EC44A396E5}" type="slidenum">
               <a:rPr lang="en-US" smtClean="0"/>
               <a:pPr/>
-              <a:t>‹#›</a:t>
+              <a:t>‹N°›</a:t>
             </a:fld>
             <a:endParaRPr lang="en-US" dirty="0"/>
           </a:p>
@@ -16456,6 +16457,263 @@
         <p:cNvPr id="1" name="">
           <a:extLst>
             <a:ext uri="{FF2B5EF4-FFF2-40B4-BE49-F238E27FC236}">
+              <a16:creationId xmlns:a16="http://schemas.microsoft.com/office/drawing/2014/main" id="{0A6C99E7-28D1-1863-B843-BDB1BA72BEF8}"/>
+            </a:ext>
+          </a:extLst>
+        </p:cNvPr>
+        <p:cNvGrpSpPr/>
+        <p:nvPr/>
+      </p:nvGrpSpPr>
+      <p:grpSpPr>
+        <a:xfrm>
+          <a:off x="0" y="0"/>
+          <a:ext cx="0" cy="0"/>
+          <a:chOff x="0" y="0"/>
+          <a:chExt cx="0" cy="0"/>
+        </a:xfrm>
+      </p:grpSpPr>
+      <p:sp>
+        <p:nvSpPr>
+          <p:cNvPr id="2" name="Titre 1">
+            <a:extLst>
+              <a:ext uri="{FF2B5EF4-FFF2-40B4-BE49-F238E27FC236}">
+                <a16:creationId xmlns:a16="http://schemas.microsoft.com/office/drawing/2014/main" id="{BCE18273-212A-F2AE-D06C-5D55F27BA295}"/>
+              </a:ext>
+            </a:extLst>
+          </p:cNvPr>
+          <p:cNvSpPr>
+            <a:spLocks noGrp="1"/>
+          </p:cNvSpPr>
+          <p:nvPr>
+            <p:ph type="title"/>
+          </p:nvPr>
+        </p:nvSpPr>
+        <p:spPr>
+          <a:xfrm>
+            <a:off x="838200" y="222062"/>
+            <a:ext cx="10963274" cy="583781"/>
+          </a:xfrm>
+        </p:spPr>
+        <p:txBody>
+          <a:bodyPr/>
+          <a:lstStyle/>
+          <a:p>
+            <a:r>
+              <a:rPr lang="fr-FR" dirty="0"/>
+              <a:t>Plan de la présentation</a:t>
+            </a:r>
+            <a:endParaRPr lang="en-US" dirty="0"/>
+          </a:p>
+        </p:txBody>
+      </p:sp>
+      <p:sp>
+        <p:nvSpPr>
+          <p:cNvPr id="3" name="Espace réservé de la date 2">
+            <a:extLst>
+              <a:ext uri="{FF2B5EF4-FFF2-40B4-BE49-F238E27FC236}">
+                <a16:creationId xmlns:a16="http://schemas.microsoft.com/office/drawing/2014/main" id="{A9D7426C-AC89-D4F1-1CAC-0DFCA9D672FA}"/>
+              </a:ext>
+            </a:extLst>
+          </p:cNvPr>
+          <p:cNvSpPr>
+            <a:spLocks noGrp="1"/>
+          </p:cNvSpPr>
+          <p:nvPr>
+            <p:ph type="dt" sz="half" idx="10"/>
+          </p:nvPr>
+        </p:nvSpPr>
+        <p:spPr>
+          <a:xfrm>
+            <a:off x="838200" y="6356350"/>
+            <a:ext cx="2743200" cy="365125"/>
+          </a:xfrm>
+        </p:spPr>
+        <p:txBody>
+          <a:bodyPr/>
+          <a:lstStyle/>
+          <a:p>
+            <a:r>
+              <a:rPr lang="en-US"/>
+              <a:t>2024</a:t>
+            </a:r>
+            <a:endParaRPr lang="en-US" dirty="0"/>
+          </a:p>
+        </p:txBody>
+      </p:sp>
+      <p:sp>
+        <p:nvSpPr>
+          <p:cNvPr id="4" name="Espace réservé du pied de page 3">
+            <a:extLst>
+              <a:ext uri="{FF2B5EF4-FFF2-40B4-BE49-F238E27FC236}">
+                <a16:creationId xmlns:a16="http://schemas.microsoft.com/office/drawing/2014/main" id="{90746791-CA99-DF79-0910-02C52AF774DE}"/>
+              </a:ext>
+            </a:extLst>
+          </p:cNvPr>
+          <p:cNvSpPr>
+            <a:spLocks noGrp="1"/>
+          </p:cNvSpPr>
+          <p:nvPr>
+            <p:ph type="ftr" sz="quarter" idx="11"/>
+          </p:nvPr>
+        </p:nvSpPr>
+        <p:spPr>
+          <a:xfrm>
+            <a:off x="4038600" y="6356350"/>
+            <a:ext cx="4114800" cy="365125"/>
+          </a:xfrm>
+        </p:spPr>
+        <p:txBody>
+          <a:bodyPr/>
+          <a:lstStyle/>
+          <a:p>
+            <a:r>
+              <a:rPr lang="en-US"/>
+              <a:t>Projet classification de documents</a:t>
+            </a:r>
+            <a:endParaRPr lang="en-US" dirty="0"/>
+          </a:p>
+        </p:txBody>
+      </p:sp>
+      <p:sp>
+        <p:nvSpPr>
+          <p:cNvPr id="5" name="Espace réservé du numéro de diapositive 4">
+            <a:extLst>
+              <a:ext uri="{FF2B5EF4-FFF2-40B4-BE49-F238E27FC236}">
+                <a16:creationId xmlns:a16="http://schemas.microsoft.com/office/drawing/2014/main" id="{A3D6B29D-9783-626C-C979-1CB7066ADACD}"/>
+              </a:ext>
+            </a:extLst>
+          </p:cNvPr>
+          <p:cNvSpPr>
+            <a:spLocks noGrp="1"/>
+          </p:cNvSpPr>
+          <p:nvPr>
+            <p:ph type="sldNum" sz="quarter" idx="12"/>
+          </p:nvPr>
+        </p:nvSpPr>
+        <p:spPr>
+          <a:xfrm>
+            <a:off x="8610600" y="6356350"/>
+            <a:ext cx="2743200" cy="365125"/>
+          </a:xfrm>
+        </p:spPr>
+        <p:txBody>
+          <a:bodyPr/>
+          <a:lstStyle/>
+          <a:p>
+            <a:fld id="{B5CEABB6-07DC-46E8-9B57-56EC44A396E5}" type="slidenum">
+              <a:rPr lang="en-US" smtClean="0"/>
+              <a:pPr/>
+              <a:t>1</a:t>
+            </a:fld>
+            <a:endParaRPr lang="en-US" dirty="0"/>
+          </a:p>
+        </p:txBody>
+      </p:sp>
+      <p:sp>
+        <p:nvSpPr>
+          <p:cNvPr id="6" name="Espace réservé du contenu 5">
+            <a:extLst>
+              <a:ext uri="{FF2B5EF4-FFF2-40B4-BE49-F238E27FC236}">
+                <a16:creationId xmlns:a16="http://schemas.microsoft.com/office/drawing/2014/main" id="{FFA3E202-4659-00EF-1638-0CEE05105C9E}"/>
+              </a:ext>
+            </a:extLst>
+          </p:cNvPr>
+          <p:cNvSpPr>
+            <a:spLocks noGrp="1"/>
+          </p:cNvSpPr>
+          <p:nvPr>
+            <p:ph sz="quarter" idx="16"/>
+          </p:nvPr>
+        </p:nvSpPr>
+        <p:spPr>
+          <a:xfrm>
+            <a:off x="838200" y="1199072"/>
+            <a:ext cx="10963274" cy="4899803"/>
+          </a:xfrm>
+        </p:spPr>
+        <p:txBody>
+          <a:bodyPr/>
+          <a:lstStyle/>
+          <a:p>
+            <a:r>
+              <a:rPr lang="fr-FR" dirty="0"/>
+              <a:t>Introduction &amp; Démo</a:t>
+            </a:r>
+          </a:p>
+          <a:p>
+            <a:r>
+              <a:rPr lang="fr-FR" dirty="0"/>
+              <a:t>Modèles et jeu de données</a:t>
+            </a:r>
+          </a:p>
+          <a:p>
+            <a:r>
+              <a:rPr lang="fr-FR" b="1" dirty="0"/>
+              <a:t>Pipeline Training &amp; Monitoring</a:t>
+            </a:r>
+          </a:p>
+          <a:p>
+            <a:pPr lvl="1"/>
+            <a:r>
+              <a:rPr lang="fr-FR" dirty="0"/>
+              <a:t>Ajouter un slide sur le versioning des données et des modèles</a:t>
+            </a:r>
+          </a:p>
+          <a:p>
+            <a:r>
+              <a:rPr lang="fr-FR"/>
+              <a:t>Pipeline Prédiction </a:t>
+            </a:r>
+            <a:r>
+              <a:rPr lang="fr-FR" dirty="0"/>
+              <a:t>&amp; Feedback User</a:t>
+            </a:r>
+          </a:p>
+          <a:p>
+            <a:r>
+              <a:rPr lang="fr-FR" dirty="0"/>
+              <a:t>Déploiement </a:t>
+            </a:r>
+            <a:r>
+              <a:rPr lang="fr-FR" dirty="0" err="1"/>
+              <a:t>MLOps</a:t>
+            </a:r>
+            <a:r>
+              <a:rPr lang="fr-FR" dirty="0"/>
+              <a:t> (CI/CD, </a:t>
+            </a:r>
+            <a:r>
+              <a:rPr lang="fr-FR" dirty="0" err="1"/>
+              <a:t>Kubernetes</a:t>
+            </a:r>
+            <a:r>
+              <a:rPr lang="fr-FR" dirty="0"/>
+              <a:t>, Sécurisation)</a:t>
+            </a:r>
+          </a:p>
+        </p:txBody>
+      </p:sp>
+    </p:spTree>
+    <p:extLst>
+      <p:ext uri="{BB962C8B-B14F-4D97-AF65-F5344CB8AC3E}">
+        <p14:creationId xmlns:p14="http://schemas.microsoft.com/office/powerpoint/2010/main" val="502873019"/>
+      </p:ext>
+    </p:extLst>
+  </p:cSld>
+  <p:clrMapOvr>
+    <a:masterClrMapping/>
+  </p:clrMapOvr>
+</p:sld>
+</file>
+
+<file path=ppt/slides/slide2.xml><?xml version="1.0" encoding="utf-8"?>
+<p:sld xmlns:a="http://schemas.openxmlformats.org/drawingml/2006/main" xmlns:r="http://schemas.openxmlformats.org/officeDocument/2006/relationships" xmlns:p="http://schemas.openxmlformats.org/presentationml/2006/main">
+  <p:cSld>
+    <p:spTree>
+      <p:nvGrpSpPr>
+        <p:cNvPr id="1" name="">
+          <a:extLst>
+            <a:ext uri="{FF2B5EF4-FFF2-40B4-BE49-F238E27FC236}">
               <a16:creationId xmlns:a16="http://schemas.microsoft.com/office/drawing/2014/main" id="{28EA22B7-8529-686C-0C69-A6E4C9FF4B86}"/>
             </a:ext>
           </a:extLst>
@@ -20358,6 +20616,20 @@
               <a:r>
                 <a:rPr lang="fr-FR" b="1" dirty="0"/>
                 <a:t>ETL</a:t>
+              </a:r>
+            </a:p>
+            <a:p>
+              <a:r>
+                <a:rPr lang="fr-FR" sz="1400" dirty="0"/>
+                <a:t>- For </a:t>
+              </a:r>
+              <a:r>
+                <a:rPr lang="fr-FR" sz="1400" dirty="0" err="1"/>
+                <a:t>each</a:t>
+              </a:r>
+              <a:r>
+                <a:rPr lang="fr-FR" sz="1400" dirty="0"/>
+                <a:t> fil</a:t>
               </a:r>
             </a:p>
           </p:txBody>
@@ -22834,7 +23106,7 @@
 </p:sld>
 </file>
 
-<file path=ppt/slides/slide2.xml><?xml version="1.0" encoding="utf-8"?>
+<file path=ppt/slides/slide3.xml><?xml version="1.0" encoding="utf-8"?>
 <p:sld xmlns:a="http://schemas.openxmlformats.org/drawingml/2006/main" xmlns:r="http://schemas.openxmlformats.org/officeDocument/2006/relationships" xmlns:p="http://schemas.openxmlformats.org/presentationml/2006/main">
   <p:cSld>
     <p:spTree>
@@ -22987,7 +23259,7 @@
             <a:fld id="{B5CEABB6-07DC-46E8-9B57-56EC44A396E5}" type="slidenum">
               <a:rPr lang="en-US" smtClean="0"/>
               <a:pPr/>
-              <a:t>2</a:t>
+              <a:t>3</a:t>
             </a:fld>
             <a:endParaRPr lang="en-US" dirty="0"/>
           </a:p>
@@ -23406,7 +23678,7 @@
 </p:sld>
 </file>
 
-<file path=ppt/slides/slide3.xml><?xml version="1.0" encoding="utf-8"?>
+<file path=ppt/slides/slide4.xml><?xml version="1.0" encoding="utf-8"?>
 <p:sld xmlns:a="http://schemas.openxmlformats.org/drawingml/2006/main" xmlns:r="http://schemas.openxmlformats.org/officeDocument/2006/relationships" xmlns:p="http://schemas.openxmlformats.org/presentationml/2006/main">
   <p:cSld>
     <p:spTree>
@@ -23560,7 +23832,7 @@
             <a:fld id="{B5CEABB6-07DC-46E8-9B57-56EC44A396E5}" type="slidenum">
               <a:rPr lang="en-US" smtClean="0"/>
               <a:pPr/>
-              <a:t>3</a:t>
+              <a:t>4</a:t>
             </a:fld>
             <a:endParaRPr lang="en-US" dirty="0"/>
           </a:p>
@@ -24401,15 +24673,6 @@
 </file>
 
 <file path=customXml/item1.xml><?xml version="1.0" encoding="utf-8"?>
-<?mso-contentType ?>
-<FormTemplates xmlns="http://schemas.microsoft.com/sharepoint/v3/contenttype/forms">
-  <Display>DocumentLibraryForm</Display>
-  <Edit>DocumentLibraryForm</Edit>
-  <New>DocumentLibraryForm</New>
-</FormTemplates>
-</file>
-
-<file path=customXml/item2.xml><?xml version="1.0" encoding="utf-8"?>
 <ct:contentTypeSchema xmlns:ct="http://schemas.microsoft.com/office/2006/metadata/contentType" xmlns:ma="http://schemas.microsoft.com/office/2006/metadata/properties/metaAttributes" ct:_="" ma:_="" ma:contentTypeName="Document" ma:contentTypeID="0x01010079F111ED35F8CC479449609E8A0923A6" ma:contentTypeVersion="27" ma:contentTypeDescription="Create a new document." ma:contentTypeScope="" ma:versionID="c6f9a84f66a9c8b9a21755b9ffafb945">
   <xsd:schema xmlns:xsd="http://www.w3.org/2001/XMLSchema" xmlns:xs="http://www.w3.org/2001/XMLSchema" xmlns:p="http://schemas.microsoft.com/office/2006/metadata/properties" xmlns:ns1="http://schemas.microsoft.com/sharepoint/v3" xmlns:ns2="71af3243-3dd4-4a8d-8c0d-dd76da1f02a5" xmlns:ns3="16c05727-aa75-4e4a-9b5f-8a80a1165891" xmlns:ns4="230e9df3-be65-4c73-a93b-d1236ebd677e" targetNamespace="http://schemas.microsoft.com/office/2006/metadata/properties" ma:root="true" ma:fieldsID="27df39e3e7036dff54f89ddd5805ce72" ns1:_="" ns2:_="" ns3:_="" ns4:_="">
     <xsd:import namespace="http://schemas.microsoft.com/sharepoint/v3"/>
@@ -24715,7 +24978,7 @@
 </ct:contentTypeSchema>
 </file>
 
-<file path=customXml/item3.xml><?xml version="1.0" encoding="utf-8"?>
+<file path=customXml/item2.xml><?xml version="1.0" encoding="utf-8"?>
 <p:properties xmlns:p="http://schemas.microsoft.com/office/2006/metadata/properties" xmlns:xsi="http://www.w3.org/2001/XMLSchema-instance" xmlns:pc="http://schemas.microsoft.com/office/infopath/2007/PartnerControls">
   <documentManagement>
     <_ip_UnifiedCompliancePolicyUIAction xmlns="http://schemas.microsoft.com/sharepoint/v3" xsi:nil="true"/>
@@ -24735,15 +24998,16 @@
 </p:properties>
 </file>
 
-<file path=customXml/itemProps1.xml><?xml version="1.0" encoding="utf-8"?>
-<ds:datastoreItem xmlns:ds="http://schemas.openxmlformats.org/officeDocument/2006/customXml" ds:itemID="{79BF405E-7930-4D5C-ABB3-493E9D6D6CEA}">
-  <ds:schemaRefs>
-    <ds:schemaRef ds:uri="http://schemas.microsoft.com/sharepoint/v3/contenttype/forms"/>
-  </ds:schemaRefs>
-</ds:datastoreItem>
+<file path=customXml/item3.xml><?xml version="1.0" encoding="utf-8"?>
+<?mso-contentType ?>
+<FormTemplates xmlns="http://schemas.microsoft.com/sharepoint/v3/contenttype/forms">
+  <Display>DocumentLibraryForm</Display>
+  <Edit>DocumentLibraryForm</Edit>
+  <New>DocumentLibraryForm</New>
+</FormTemplates>
 </file>
 
-<file path=customXml/itemProps2.xml><?xml version="1.0" encoding="utf-8"?>
+<file path=customXml/itemProps1.xml><?xml version="1.0" encoding="utf-8"?>
 <ds:datastoreItem xmlns:ds="http://schemas.openxmlformats.org/officeDocument/2006/customXml" ds:itemID="{2C1F447F-FAA8-4106-988B-648F3C8EDB2D}">
   <ds:schemaRefs>
     <ds:schemaRef ds:uri="http://schemas.microsoft.com/office/2006/metadata/contentType"/>
@@ -24764,7 +25028,7 @@
 </ds:datastoreItem>
 </file>
 
-<file path=customXml/itemProps3.xml><?xml version="1.0" encoding="utf-8"?>
+<file path=customXml/itemProps2.xml><?xml version="1.0" encoding="utf-8"?>
 <ds:datastoreItem xmlns:ds="http://schemas.openxmlformats.org/officeDocument/2006/customXml" ds:itemID="{6EA97235-BEC4-4F82-87A8-2F5DAD53B5F9}">
   <ds:schemaRefs>
     <ds:schemaRef ds:uri="http://schemas.microsoft.com/office/2006/metadata/properties"/>
@@ -24776,6 +25040,14 @@
 </ds:datastoreItem>
 </file>
 
+<file path=customXml/itemProps3.xml><?xml version="1.0" encoding="utf-8"?>
+<ds:datastoreItem xmlns:ds="http://schemas.openxmlformats.org/officeDocument/2006/customXml" ds:itemID="{79BF405E-7930-4D5C-ABB3-493E9D6D6CEA}">
+  <ds:schemaRefs>
+    <ds:schemaRef ds:uri="http://schemas.microsoft.com/sharepoint/v3/contenttype/forms"/>
+  </ds:schemaRefs>
+</ds:datastoreItem>
+</file>
+
 <file path=docMetadata/LabelInfo.xml><?xml version="1.0" encoding="utf-8"?>
 <clbl:labelList xmlns:clbl="http://schemas.microsoft.com/office/2020/mipLabelMetadata"/>
 </file>
--- a/report/Projet_classification_MLOps_Partie2_Sarah.pptx
+++ b/report/Projet_classification_MLOps_Partie2_Sarah.pptx
@@ -5,16 +5,17 @@
     <p:sldMasterId id="2147483666" r:id="rId4"/>
   </p:sldMasterIdLst>
   <p:notesMasterIdLst>
-    <p:notesMasterId r:id="rId9"/>
+    <p:notesMasterId r:id="rId10"/>
   </p:notesMasterIdLst>
   <p:handoutMasterIdLst>
-    <p:handoutMasterId r:id="rId10"/>
+    <p:handoutMasterId r:id="rId11"/>
   </p:handoutMasterIdLst>
   <p:sldIdLst>
     <p:sldId id="289" r:id="rId5"/>
     <p:sldId id="287" r:id="rId6"/>
     <p:sldId id="284" r:id="rId7"/>
-    <p:sldId id="286" r:id="rId8"/>
+    <p:sldId id="290" r:id="rId8"/>
+    <p:sldId id="286" r:id="rId9"/>
   </p:sldIdLst>
   <p:sldSz cx="12192000" cy="6858000"/>
   <p:notesSz cx="6858000" cy="9144000"/>
@@ -16731,6 +16732,169 @@
       </p:grpSpPr>
       <p:grpSp>
         <p:nvGrpSpPr>
+          <p:cNvPr id="141" name="Groupe 140">
+            <a:extLst>
+              <a:ext uri="{FF2B5EF4-FFF2-40B4-BE49-F238E27FC236}">
+                <a16:creationId xmlns:a16="http://schemas.microsoft.com/office/drawing/2014/main" id="{67D15848-04FC-FE67-C1A5-D1E3705CFCFB}"/>
+              </a:ext>
+            </a:extLst>
+          </p:cNvPr>
+          <p:cNvGrpSpPr/>
+          <p:nvPr/>
+        </p:nvGrpSpPr>
+        <p:grpSpPr>
+          <a:xfrm>
+            <a:off x="3491849" y="3545869"/>
+            <a:ext cx="982641" cy="969486"/>
+            <a:chOff x="3724650" y="3670213"/>
+            <a:chExt cx="982641" cy="969486"/>
+          </a:xfrm>
+        </p:grpSpPr>
+        <p:sp>
+          <p:nvSpPr>
+            <p:cNvPr id="140" name="ZoneTexte 139">
+              <a:extLst>
+                <a:ext uri="{FF2B5EF4-FFF2-40B4-BE49-F238E27FC236}">
+                  <a16:creationId xmlns:a16="http://schemas.microsoft.com/office/drawing/2014/main" id="{7E527822-273A-85D6-64BE-54F1A62443CA}"/>
+                </a:ext>
+              </a:extLst>
+            </p:cNvPr>
+            <p:cNvSpPr txBox="1"/>
+            <p:nvPr/>
+          </p:nvSpPr>
+          <p:spPr>
+            <a:xfrm>
+              <a:off x="3724650" y="3670213"/>
+              <a:ext cx="982641" cy="276999"/>
+            </a:xfrm>
+            <a:prstGeom prst="rect">
+              <a:avLst/>
+            </a:prstGeom>
+            <a:solidFill>
+              <a:schemeClr val="bg1"/>
+            </a:solidFill>
+          </p:spPr>
+          <p:txBody>
+            <a:bodyPr wrap="none" rtlCol="0">
+              <a:spAutoFit/>
+            </a:bodyPr>
+            <a:lstStyle/>
+            <a:p>
+              <a:r>
+                <a:rPr lang="fr-FR" sz="1200" dirty="0" err="1">
+                  <a:solidFill>
+                    <a:schemeClr val="accent6">
+                      <a:lumMod val="75000"/>
+                    </a:schemeClr>
+                  </a:solidFill>
+                </a:rPr>
+                <a:t>Ocerized</a:t>
+              </a:r>
+              <a:r>
+                <a:rPr lang="fr-FR" sz="1200" dirty="0">
+                  <a:solidFill>
+                    <a:schemeClr val="accent6">
+                      <a:lumMod val="75000"/>
+                    </a:schemeClr>
+                  </a:solidFill>
+                </a:rPr>
+                <a:t> txt</a:t>
+              </a:r>
+            </a:p>
+          </p:txBody>
+        </p:sp>
+        <p:pic>
+          <p:nvPicPr>
+            <p:cNvPr id="75" name="Graphique 74" descr="Base de données avec un remplissage uni">
+              <a:extLst>
+                <a:ext uri="{FF2B5EF4-FFF2-40B4-BE49-F238E27FC236}">
+                  <a16:creationId xmlns:a16="http://schemas.microsoft.com/office/drawing/2014/main" id="{0A3733F4-D476-2671-E15B-41D6793A0D29}"/>
+                </a:ext>
+              </a:extLst>
+            </p:cNvPr>
+            <p:cNvPicPr>
+              <a:picLocks noChangeAspect="1"/>
+            </p:cNvPicPr>
+            <p:nvPr/>
+          </p:nvPicPr>
+          <p:blipFill>
+            <a:blip r:embed="rId2">
+              <a:extLst>
+                <a:ext uri="{96DAC541-7B7A-43D3-8B79-37D633B846F1}">
+                  <asvg:svgBlip xmlns:asvg="http://schemas.microsoft.com/office/drawing/2016/SVG/main" r:embed="rId3"/>
+                </a:ext>
+              </a:extLst>
+            </a:blip>
+            <a:stretch>
+              <a:fillRect/>
+            </a:stretch>
+          </p:blipFill>
+          <p:spPr>
+            <a:xfrm>
+              <a:off x="3823097" y="3917546"/>
+              <a:ext cx="722153" cy="722153"/>
+            </a:xfrm>
+            <a:prstGeom prst="rect">
+              <a:avLst/>
+            </a:prstGeom>
+          </p:spPr>
+        </p:pic>
+      </p:grpSp>
+      <p:sp>
+        <p:nvSpPr>
+          <p:cNvPr id="23" name="ZoneTexte 22">
+            <a:extLst>
+              <a:ext uri="{FF2B5EF4-FFF2-40B4-BE49-F238E27FC236}">
+                <a16:creationId xmlns:a16="http://schemas.microsoft.com/office/drawing/2014/main" id="{CBF78090-2E5D-353A-70C2-AB0653E59605}"/>
+              </a:ext>
+            </a:extLst>
+          </p:cNvPr>
+          <p:cNvSpPr txBox="1"/>
+          <p:nvPr/>
+        </p:nvSpPr>
+        <p:spPr>
+          <a:xfrm>
+            <a:off x="3510648" y="3545870"/>
+            <a:ext cx="947760" cy="276999"/>
+          </a:xfrm>
+          <a:prstGeom prst="rect">
+            <a:avLst/>
+          </a:prstGeom>
+          <a:solidFill>
+            <a:schemeClr val="bg1"/>
+          </a:solidFill>
+        </p:spPr>
+        <p:txBody>
+          <a:bodyPr wrap="none" rtlCol="0">
+            <a:spAutoFit/>
+          </a:bodyPr>
+          <a:lstStyle/>
+          <a:p>
+            <a:r>
+              <a:rPr lang="fr-FR" sz="1200" dirty="0" err="1">
+                <a:solidFill>
+                  <a:schemeClr val="accent6">
+                    <a:lumMod val="75000"/>
+                  </a:schemeClr>
+                </a:solidFill>
+              </a:rPr>
+              <a:t>Cleaned</a:t>
+            </a:r>
+            <a:r>
+              <a:rPr lang="fr-FR" sz="1200" dirty="0">
+                <a:solidFill>
+                  <a:schemeClr val="accent6">
+                    <a:lumMod val="75000"/>
+                  </a:schemeClr>
+                </a:solidFill>
+              </a:rPr>
+              <a:t> txt</a:t>
+            </a:r>
+          </a:p>
+        </p:txBody>
+      </p:sp>
+      <p:grpSp>
+        <p:nvGrpSpPr>
           <p:cNvPr id="88" name="Groupe 87">
             <a:extLst>
               <a:ext uri="{FF2B5EF4-FFF2-40B4-BE49-F238E27FC236}">
@@ -16816,7 +16980,7 @@
             <p:nvPr/>
           </p:nvPicPr>
           <p:blipFill>
-            <a:blip r:embed="rId2"/>
+            <a:blip r:embed="rId4"/>
             <a:stretch>
               <a:fillRect/>
             </a:stretch>
@@ -16978,7 +17142,7 @@
             <p:nvPr/>
           </p:nvPicPr>
           <p:blipFill>
-            <a:blip r:embed="rId2"/>
+            <a:blip r:embed="rId4"/>
             <a:stretch>
               <a:fillRect/>
             </a:stretch>
@@ -17587,7 +17751,7 @@
             <p:nvPr/>
           </p:nvPicPr>
           <p:blipFill>
-            <a:blip r:embed="rId2"/>
+            <a:blip r:embed="rId4"/>
             <a:stretch>
               <a:fillRect/>
             </a:stretch>
@@ -17751,7 +17915,7 @@
             <p:nvPr/>
           </p:nvPicPr>
           <p:blipFill>
-            <a:blip r:embed="rId2"/>
+            <a:blip r:embed="rId4"/>
             <a:stretch>
               <a:fillRect/>
             </a:stretch>
@@ -17816,11 +17980,11 @@
           <a:p>
             <a:pPr algn="ctr"/>
             <a:r>
-              <a:rPr lang="fr-FR" sz="1400" dirty="0" err="1"/>
+              <a:rPr lang="fr-FR" sz="1400" b="1" dirty="0" err="1"/>
               <a:t>dvc</a:t>
             </a:r>
             <a:r>
-              <a:rPr lang="fr-FR" sz="1400" dirty="0"/>
+              <a:rPr lang="fr-FR" sz="1400" b="1" dirty="0"/>
               <a:t> repro</a:t>
             </a:r>
           </a:p>
@@ -18507,7 +18671,7 @@
             <p:nvPr/>
           </p:nvPicPr>
           <p:blipFill>
-            <a:blip r:embed="rId2"/>
+            <a:blip r:embed="rId4"/>
             <a:stretch>
               <a:fillRect/>
             </a:stretch>
@@ -18811,7 +18975,7 @@
           <p:nvPr/>
         </p:nvPicPr>
         <p:blipFill>
-          <a:blip r:embed="rId3"/>
+          <a:blip r:embed="rId5"/>
           <a:srcRect l="-3197" t="27080" r="-3106" b="27204"/>
           <a:stretch/>
         </p:blipFill>
@@ -18840,7 +19004,7 @@
           <p:nvPr/>
         </p:nvPicPr>
         <p:blipFill>
-          <a:blip r:embed="rId4"/>
+          <a:blip r:embed="rId6"/>
           <a:srcRect l="30906" t="24775" r="30861" b="29405"/>
           <a:stretch/>
         </p:blipFill>
@@ -19167,10 +19331,10 @@
             <p:nvPr/>
           </p:nvPicPr>
           <p:blipFill>
-            <a:blip r:embed="rId5">
+            <a:blip r:embed="rId2">
               <a:extLst>
                 <a:ext uri="{96DAC541-7B7A-43D3-8B79-37D633B846F1}">
-                  <asvg:svgBlip xmlns:asvg="http://schemas.microsoft.com/office/drawing/2016/SVG/main" r:embed="rId6"/>
+                  <asvg:svgBlip xmlns:asvg="http://schemas.microsoft.com/office/drawing/2016/SVG/main" r:embed="rId7"/>
                 </a:ext>
               </a:extLst>
             </a:blip>
@@ -19232,104 +19396,6 @@
       </p:grpSp>
       <p:grpSp>
         <p:nvGrpSpPr>
-          <p:cNvPr id="141" name="Groupe 140">
-            <a:extLst>
-              <a:ext uri="{FF2B5EF4-FFF2-40B4-BE49-F238E27FC236}">
-                <a16:creationId xmlns:a16="http://schemas.microsoft.com/office/drawing/2014/main" id="{67D15848-04FC-FE67-C1A5-D1E3705CFCFB}"/>
-              </a:ext>
-            </a:extLst>
-          </p:cNvPr>
-          <p:cNvGrpSpPr/>
-          <p:nvPr/>
-        </p:nvGrpSpPr>
-        <p:grpSpPr>
-          <a:xfrm>
-            <a:off x="3590296" y="3581387"/>
-            <a:ext cx="722153" cy="933968"/>
-            <a:chOff x="3823097" y="3705731"/>
-            <a:chExt cx="722153" cy="933968"/>
-          </a:xfrm>
-        </p:grpSpPr>
-        <p:pic>
-          <p:nvPicPr>
-            <p:cNvPr id="75" name="Graphique 74" descr="Base de données avec un remplissage uni">
-              <a:extLst>
-                <a:ext uri="{FF2B5EF4-FFF2-40B4-BE49-F238E27FC236}">
-                  <a16:creationId xmlns:a16="http://schemas.microsoft.com/office/drawing/2014/main" id="{0A3733F4-D476-2671-E15B-41D6793A0D29}"/>
-                </a:ext>
-              </a:extLst>
-            </p:cNvPr>
-            <p:cNvPicPr>
-              <a:picLocks noChangeAspect="1"/>
-            </p:cNvPicPr>
-            <p:nvPr/>
-          </p:nvPicPr>
-          <p:blipFill>
-            <a:blip r:embed="rId5">
-              <a:extLst>
-                <a:ext uri="{96DAC541-7B7A-43D3-8B79-37D633B846F1}">
-                  <asvg:svgBlip xmlns:asvg="http://schemas.microsoft.com/office/drawing/2016/SVG/main" r:embed="rId7"/>
-                </a:ext>
-              </a:extLst>
-            </a:blip>
-            <a:stretch>
-              <a:fillRect/>
-            </a:stretch>
-          </p:blipFill>
-          <p:spPr>
-            <a:xfrm>
-              <a:off x="3823097" y="3917546"/>
-              <a:ext cx="722153" cy="722153"/>
-            </a:xfrm>
-            <a:prstGeom prst="rect">
-              <a:avLst/>
-            </a:prstGeom>
-          </p:spPr>
-        </p:pic>
-        <p:sp>
-          <p:nvSpPr>
-            <p:cNvPr id="140" name="ZoneTexte 139">
-              <a:extLst>
-                <a:ext uri="{FF2B5EF4-FFF2-40B4-BE49-F238E27FC236}">
-                  <a16:creationId xmlns:a16="http://schemas.microsoft.com/office/drawing/2014/main" id="{7E527822-273A-85D6-64BE-54F1A62443CA}"/>
-                </a:ext>
-              </a:extLst>
-            </p:cNvPr>
-            <p:cNvSpPr txBox="1"/>
-            <p:nvPr/>
-          </p:nvSpPr>
-          <p:spPr>
-            <a:xfrm>
-              <a:off x="3977097" y="3705731"/>
-              <a:ext cx="372218" cy="276999"/>
-            </a:xfrm>
-            <a:prstGeom prst="rect">
-              <a:avLst/>
-            </a:prstGeom>
-            <a:noFill/>
-          </p:spPr>
-          <p:txBody>
-            <a:bodyPr wrap="none" rtlCol="0">
-              <a:spAutoFit/>
-            </a:bodyPr>
-            <a:lstStyle/>
-            <a:p>
-              <a:r>
-                <a:rPr lang="fr-FR" sz="1200" dirty="0">
-                  <a:solidFill>
-                    <a:schemeClr val="accent6">
-                      <a:lumMod val="75000"/>
-                    </a:schemeClr>
-                  </a:solidFill>
-                </a:rPr>
-                <a:t>txt</a:t>
-              </a:r>
-            </a:p>
-          </p:txBody>
-        </p:sp>
-      </p:grpSp>
-      <p:grpSp>
-        <p:nvGrpSpPr>
           <p:cNvPr id="151" name="Groupe 150">
             <a:extLst>
               <a:ext uri="{FF2B5EF4-FFF2-40B4-BE49-F238E27FC236}">
@@ -19363,10 +19429,10 @@
             <p:nvPr/>
           </p:nvPicPr>
           <p:blipFill>
-            <a:blip r:embed="rId5">
+            <a:blip r:embed="rId2">
               <a:extLst>
                 <a:ext uri="{96DAC541-7B7A-43D3-8B79-37D633B846F1}">
-                  <asvg:svgBlip xmlns:asvg="http://schemas.microsoft.com/office/drawing/2016/SVG/main" r:embed="rId7"/>
+                  <asvg:svgBlip xmlns:asvg="http://schemas.microsoft.com/office/drawing/2016/SVG/main" r:embed="rId3"/>
                 </a:ext>
               </a:extLst>
             </a:blip>
@@ -19461,10 +19527,10 @@
             <p:nvPr/>
           </p:nvPicPr>
           <p:blipFill>
-            <a:blip r:embed="rId5">
+            <a:blip r:embed="rId2">
               <a:extLst>
                 <a:ext uri="{96DAC541-7B7A-43D3-8B79-37D633B846F1}">
-                  <asvg:svgBlip xmlns:asvg="http://schemas.microsoft.com/office/drawing/2016/SVG/main" r:embed="rId7"/>
+                  <asvg:svgBlip xmlns:asvg="http://schemas.microsoft.com/office/drawing/2016/SVG/main" r:embed="rId3"/>
                 </a:ext>
               </a:extLst>
             </a:blip>
@@ -19559,10 +19625,10 @@
             <p:nvPr/>
           </p:nvPicPr>
           <p:blipFill>
-            <a:blip r:embed="rId5">
+            <a:blip r:embed="rId2">
               <a:extLst>
                 <a:ext uri="{96DAC541-7B7A-43D3-8B79-37D633B846F1}">
-                  <asvg:svgBlip xmlns:asvg="http://schemas.microsoft.com/office/drawing/2016/SVG/main" r:embed="rId7"/>
+                  <asvg:svgBlip xmlns:asvg="http://schemas.microsoft.com/office/drawing/2016/SVG/main" r:embed="rId3"/>
                 </a:ext>
               </a:extLst>
             </a:blip>
@@ -19664,10 +19730,10 @@
             <p:nvPr/>
           </p:nvPicPr>
           <p:blipFill>
-            <a:blip r:embed="rId5">
+            <a:blip r:embed="rId2">
               <a:extLst>
                 <a:ext uri="{96DAC541-7B7A-43D3-8B79-37D633B846F1}">
-                  <asvg:svgBlip xmlns:asvg="http://schemas.microsoft.com/office/drawing/2016/SVG/main" r:embed="rId7"/>
+                  <asvg:svgBlip xmlns:asvg="http://schemas.microsoft.com/office/drawing/2016/SVG/main" r:embed="rId3"/>
                 </a:ext>
               </a:extLst>
             </a:blip>
@@ -20621,7 +20687,7 @@
             <a:p>
               <a:r>
                 <a:rPr lang="fr-FR" sz="1400" dirty="0"/>
-                <a:t>- For </a:t>
+                <a:t>For </a:t>
               </a:r>
               <a:r>
                 <a:rPr lang="fr-FR" sz="1400" dirty="0" err="1"/>
@@ -20629,7 +20695,7 @@
               </a:r>
               <a:r>
                 <a:rPr lang="fr-FR" sz="1400" dirty="0"/>
-                <a:t> fil</a:t>
+                <a:t> image</a:t>
               </a:r>
             </a:p>
           </p:txBody>
@@ -20649,7 +20715,7 @@
             <p:nvPr/>
           </p:nvPicPr>
           <p:blipFill>
-            <a:blip r:embed="rId2"/>
+            <a:blip r:embed="rId4"/>
             <a:stretch>
               <a:fillRect/>
             </a:stretch>
@@ -20700,10 +20766,10 @@
             <p:nvPr/>
           </p:nvPicPr>
           <p:blipFill>
-            <a:blip r:embed="rId5">
+            <a:blip r:embed="rId2">
               <a:extLst>
                 <a:ext uri="{96DAC541-7B7A-43D3-8B79-37D633B846F1}">
-                  <asvg:svgBlip xmlns:asvg="http://schemas.microsoft.com/office/drawing/2016/SVG/main" r:embed="rId7"/>
+                  <asvg:svgBlip xmlns:asvg="http://schemas.microsoft.com/office/drawing/2016/SVG/main" r:embed="rId3"/>
                 </a:ext>
               </a:extLst>
             </a:blip>
@@ -20914,7 +20980,7 @@
             <p:nvPr/>
           </p:nvPicPr>
           <p:blipFill>
-            <a:blip r:embed="rId2"/>
+            <a:blip r:embed="rId4"/>
             <a:stretch>
               <a:fillRect/>
             </a:stretch>
@@ -21559,6 +21625,555 @@
           <a:p>
             <a:pPr algn="ctr"/>
             <a:endParaRPr lang="fr-FR" dirty="0"/>
+          </a:p>
+        </p:txBody>
+      </p:sp>
+      <p:sp>
+        <p:nvSpPr>
+          <p:cNvPr id="24" name="Ellipse 23">
+            <a:extLst>
+              <a:ext uri="{FF2B5EF4-FFF2-40B4-BE49-F238E27FC236}">
+                <a16:creationId xmlns:a16="http://schemas.microsoft.com/office/drawing/2014/main" id="{F99FA572-186B-FA77-F2ED-018AC433C235}"/>
+              </a:ext>
+            </a:extLst>
+          </p:cNvPr>
+          <p:cNvSpPr/>
+          <p:nvPr/>
+        </p:nvSpPr>
+        <p:spPr>
+          <a:xfrm>
+            <a:off x="3293555" y="2364648"/>
+            <a:ext cx="341836" cy="332275"/>
+          </a:xfrm>
+          <a:prstGeom prst="ellipse">
+            <a:avLst/>
+          </a:prstGeom>
+        </p:spPr>
+        <p:style>
+          <a:lnRef idx="2">
+            <a:schemeClr val="accent1">
+              <a:shade val="15000"/>
+            </a:schemeClr>
+          </a:lnRef>
+          <a:fillRef idx="1">
+            <a:schemeClr val="accent1"/>
+          </a:fillRef>
+          <a:effectRef idx="0">
+            <a:schemeClr val="accent1"/>
+          </a:effectRef>
+          <a:fontRef idx="minor">
+            <a:schemeClr val="lt1"/>
+          </a:fontRef>
+        </p:style>
+        <p:txBody>
+          <a:bodyPr rtlCol="0" anchor="ctr"/>
+          <a:lstStyle/>
+          <a:p>
+            <a:pPr algn="ctr"/>
+            <a:r>
+              <a:rPr lang="fr-FR" dirty="0">
+                <a:ln w="0"/>
+                <a:solidFill>
+                  <a:schemeClr val="tx1"/>
+                </a:solidFill>
+                <a:effectLst>
+                  <a:outerShdw blurRad="38100" dist="19050" dir="2700000" algn="tl" rotWithShape="0">
+                    <a:schemeClr val="dk1">
+                      <a:alpha val="40000"/>
+                    </a:schemeClr>
+                  </a:outerShdw>
+                </a:effectLst>
+              </a:rPr>
+              <a:t>1</a:t>
+            </a:r>
+          </a:p>
+        </p:txBody>
+      </p:sp>
+      <p:sp>
+        <p:nvSpPr>
+          <p:cNvPr id="26" name="Ellipse 25">
+            <a:extLst>
+              <a:ext uri="{FF2B5EF4-FFF2-40B4-BE49-F238E27FC236}">
+                <a16:creationId xmlns:a16="http://schemas.microsoft.com/office/drawing/2014/main" id="{21A6E193-C5B5-C06E-2824-14FFC6D43E27}"/>
+              </a:ext>
+            </a:extLst>
+          </p:cNvPr>
+          <p:cNvSpPr/>
+          <p:nvPr/>
+        </p:nvSpPr>
+        <p:spPr>
+          <a:xfrm>
+            <a:off x="4543584" y="2313399"/>
+            <a:ext cx="341836" cy="332275"/>
+          </a:xfrm>
+          <a:prstGeom prst="ellipse">
+            <a:avLst/>
+          </a:prstGeom>
+        </p:spPr>
+        <p:style>
+          <a:lnRef idx="2">
+            <a:schemeClr val="accent1">
+              <a:shade val="15000"/>
+            </a:schemeClr>
+          </a:lnRef>
+          <a:fillRef idx="1">
+            <a:schemeClr val="accent1"/>
+          </a:fillRef>
+          <a:effectRef idx="0">
+            <a:schemeClr val="accent1"/>
+          </a:effectRef>
+          <a:fontRef idx="minor">
+            <a:schemeClr val="lt1"/>
+          </a:fontRef>
+        </p:style>
+        <p:txBody>
+          <a:bodyPr rtlCol="0" anchor="ctr"/>
+          <a:lstStyle/>
+          <a:p>
+            <a:pPr algn="ctr"/>
+            <a:r>
+              <a:rPr lang="fr-FR" dirty="0">
+                <a:ln w="0"/>
+                <a:solidFill>
+                  <a:schemeClr val="tx1"/>
+                </a:solidFill>
+                <a:effectLst>
+                  <a:outerShdw blurRad="38100" dist="19050" dir="2700000" algn="tl" rotWithShape="0">
+                    <a:schemeClr val="dk1">
+                      <a:alpha val="40000"/>
+                    </a:schemeClr>
+                  </a:outerShdw>
+                </a:effectLst>
+              </a:rPr>
+              <a:t>2</a:t>
+            </a:r>
+          </a:p>
+        </p:txBody>
+      </p:sp>
+      <p:sp>
+        <p:nvSpPr>
+          <p:cNvPr id="28" name="Ellipse 27">
+            <a:extLst>
+              <a:ext uri="{FF2B5EF4-FFF2-40B4-BE49-F238E27FC236}">
+                <a16:creationId xmlns:a16="http://schemas.microsoft.com/office/drawing/2014/main" id="{884B7D66-BD57-F3C9-812C-607947AEA05D}"/>
+              </a:ext>
+            </a:extLst>
+          </p:cNvPr>
+          <p:cNvSpPr/>
+          <p:nvPr/>
+        </p:nvSpPr>
+        <p:spPr>
+          <a:xfrm>
+            <a:off x="10271922" y="2344476"/>
+            <a:ext cx="341836" cy="332275"/>
+          </a:xfrm>
+          <a:prstGeom prst="ellipse">
+            <a:avLst/>
+          </a:prstGeom>
+        </p:spPr>
+        <p:style>
+          <a:lnRef idx="2">
+            <a:schemeClr val="accent1">
+              <a:shade val="15000"/>
+            </a:schemeClr>
+          </a:lnRef>
+          <a:fillRef idx="1">
+            <a:schemeClr val="accent1"/>
+          </a:fillRef>
+          <a:effectRef idx="0">
+            <a:schemeClr val="accent1"/>
+          </a:effectRef>
+          <a:fontRef idx="minor">
+            <a:schemeClr val="lt1"/>
+          </a:fontRef>
+        </p:style>
+        <p:txBody>
+          <a:bodyPr rtlCol="0" anchor="ctr"/>
+          <a:lstStyle/>
+          <a:p>
+            <a:pPr algn="ctr"/>
+            <a:r>
+              <a:rPr lang="fr-FR" dirty="0">
+                <a:ln w="0"/>
+                <a:solidFill>
+                  <a:schemeClr val="tx1"/>
+                </a:solidFill>
+                <a:effectLst>
+                  <a:outerShdw blurRad="38100" dist="19050" dir="2700000" algn="tl" rotWithShape="0">
+                    <a:schemeClr val="dk1">
+                      <a:alpha val="40000"/>
+                    </a:schemeClr>
+                  </a:outerShdw>
+                </a:effectLst>
+              </a:rPr>
+              <a:t>3</a:t>
+            </a:r>
+          </a:p>
+        </p:txBody>
+      </p:sp>
+      <p:sp>
+        <p:nvSpPr>
+          <p:cNvPr id="30" name="Ellipse 29">
+            <a:extLst>
+              <a:ext uri="{FF2B5EF4-FFF2-40B4-BE49-F238E27FC236}">
+                <a16:creationId xmlns:a16="http://schemas.microsoft.com/office/drawing/2014/main" id="{22200009-3815-FA76-8E57-A37DE6A6FA9C}"/>
+              </a:ext>
+            </a:extLst>
+          </p:cNvPr>
+          <p:cNvSpPr/>
+          <p:nvPr/>
+        </p:nvSpPr>
+        <p:spPr>
+          <a:xfrm>
+            <a:off x="4458407" y="1151010"/>
+            <a:ext cx="1518187" cy="332275"/>
+          </a:xfrm>
+          <a:prstGeom prst="ellipse">
+            <a:avLst/>
+          </a:prstGeom>
+        </p:spPr>
+        <p:style>
+          <a:lnRef idx="2">
+            <a:schemeClr val="accent1">
+              <a:shade val="15000"/>
+            </a:schemeClr>
+          </a:lnRef>
+          <a:fillRef idx="1">
+            <a:schemeClr val="accent1"/>
+          </a:fillRef>
+          <a:effectRef idx="0">
+            <a:schemeClr val="accent1"/>
+          </a:effectRef>
+          <a:fontRef idx="minor">
+            <a:schemeClr val="lt1"/>
+          </a:fontRef>
+        </p:style>
+        <p:txBody>
+          <a:bodyPr rtlCol="0" anchor="ctr"/>
+          <a:lstStyle/>
+          <a:p>
+            <a:pPr algn="ctr"/>
+            <a:r>
+              <a:rPr lang="fr-FR" dirty="0">
+                <a:ln w="0"/>
+                <a:solidFill>
+                  <a:schemeClr val="tx1"/>
+                </a:solidFill>
+                <a:effectLst>
+                  <a:outerShdw blurRad="38100" dist="19050" dir="2700000" algn="tl" rotWithShape="0">
+                    <a:schemeClr val="dk1">
+                      <a:alpha val="40000"/>
+                    </a:schemeClr>
+                  </a:outerShdw>
+                </a:effectLst>
+              </a:rPr>
+              <a:t>3 étapes</a:t>
+            </a:r>
+          </a:p>
+        </p:txBody>
+      </p:sp>
+      <p:sp>
+        <p:nvSpPr>
+          <p:cNvPr id="31" name="Ellipse 30">
+            <a:extLst>
+              <a:ext uri="{FF2B5EF4-FFF2-40B4-BE49-F238E27FC236}">
+                <a16:creationId xmlns:a16="http://schemas.microsoft.com/office/drawing/2014/main" id="{487C1595-6D32-92FD-DC15-EC88AC127210}"/>
+              </a:ext>
+            </a:extLst>
+          </p:cNvPr>
+          <p:cNvSpPr/>
+          <p:nvPr/>
+        </p:nvSpPr>
+        <p:spPr>
+          <a:xfrm>
+            <a:off x="1691116" y="3043328"/>
+            <a:ext cx="600178" cy="189974"/>
+          </a:xfrm>
+          <a:prstGeom prst="ellipse">
+            <a:avLst/>
+          </a:prstGeom>
+        </p:spPr>
+        <p:style>
+          <a:lnRef idx="2">
+            <a:schemeClr val="accent1">
+              <a:shade val="15000"/>
+            </a:schemeClr>
+          </a:lnRef>
+          <a:fillRef idx="1">
+            <a:schemeClr val="accent1"/>
+          </a:fillRef>
+          <a:effectRef idx="0">
+            <a:schemeClr val="accent1"/>
+          </a:effectRef>
+          <a:fontRef idx="minor">
+            <a:schemeClr val="lt1"/>
+          </a:fontRef>
+        </p:style>
+        <p:txBody>
+          <a:bodyPr rtlCol="0" anchor="ctr"/>
+          <a:lstStyle/>
+          <a:p>
+            <a:pPr algn="ctr"/>
+            <a:r>
+              <a:rPr lang="fr-FR" sz="1200" dirty="0">
+                <a:ln w="0"/>
+                <a:solidFill>
+                  <a:schemeClr val="tx1"/>
+                </a:solidFill>
+                <a:effectLst>
+                  <a:outerShdw blurRad="38100" dist="19050" dir="2700000" algn="tl" rotWithShape="0">
+                    <a:schemeClr val="dk1">
+                      <a:alpha val="40000"/>
+                    </a:schemeClr>
+                  </a:outerShdw>
+                </a:effectLst>
+              </a:rPr>
+              <a:t>1.1</a:t>
+            </a:r>
+          </a:p>
+        </p:txBody>
+      </p:sp>
+      <p:sp>
+        <p:nvSpPr>
+          <p:cNvPr id="33" name="Ellipse 32">
+            <a:extLst>
+              <a:ext uri="{FF2B5EF4-FFF2-40B4-BE49-F238E27FC236}">
+                <a16:creationId xmlns:a16="http://schemas.microsoft.com/office/drawing/2014/main" id="{884C4BD4-207F-39E4-823F-373FD53AEFD7}"/>
+              </a:ext>
+            </a:extLst>
+          </p:cNvPr>
+          <p:cNvSpPr/>
+          <p:nvPr/>
+        </p:nvSpPr>
+        <p:spPr>
+          <a:xfrm>
+            <a:off x="2955930" y="3053432"/>
+            <a:ext cx="600178" cy="189974"/>
+          </a:xfrm>
+          <a:prstGeom prst="ellipse">
+            <a:avLst/>
+          </a:prstGeom>
+        </p:spPr>
+        <p:style>
+          <a:lnRef idx="2">
+            <a:schemeClr val="accent1">
+              <a:shade val="15000"/>
+            </a:schemeClr>
+          </a:lnRef>
+          <a:fillRef idx="1">
+            <a:schemeClr val="accent1"/>
+          </a:fillRef>
+          <a:effectRef idx="0">
+            <a:schemeClr val="accent1"/>
+          </a:effectRef>
+          <a:fontRef idx="minor">
+            <a:schemeClr val="lt1"/>
+          </a:fontRef>
+        </p:style>
+        <p:txBody>
+          <a:bodyPr rtlCol="0" anchor="ctr"/>
+          <a:lstStyle/>
+          <a:p>
+            <a:pPr algn="ctr"/>
+            <a:r>
+              <a:rPr lang="fr-FR" sz="1200" dirty="0">
+                <a:ln w="0"/>
+                <a:solidFill>
+                  <a:schemeClr val="tx1"/>
+                </a:solidFill>
+                <a:effectLst>
+                  <a:outerShdw blurRad="38100" dist="19050" dir="2700000" algn="tl" rotWithShape="0">
+                    <a:schemeClr val="dk1">
+                      <a:alpha val="40000"/>
+                    </a:schemeClr>
+                  </a:outerShdw>
+                </a:effectLst>
+              </a:rPr>
+              <a:t>1.2</a:t>
+            </a:r>
+          </a:p>
+        </p:txBody>
+      </p:sp>
+      <p:sp>
+        <p:nvSpPr>
+          <p:cNvPr id="34" name="Ellipse 33">
+            <a:extLst>
+              <a:ext uri="{FF2B5EF4-FFF2-40B4-BE49-F238E27FC236}">
+                <a16:creationId xmlns:a16="http://schemas.microsoft.com/office/drawing/2014/main" id="{3A16DBE0-B603-F81E-2381-33FF39D44B03}"/>
+              </a:ext>
+            </a:extLst>
+          </p:cNvPr>
+          <p:cNvSpPr/>
+          <p:nvPr/>
+        </p:nvSpPr>
+        <p:spPr>
+          <a:xfrm>
+            <a:off x="5424828" y="3043328"/>
+            <a:ext cx="600178" cy="189974"/>
+          </a:xfrm>
+          <a:prstGeom prst="ellipse">
+            <a:avLst/>
+          </a:prstGeom>
+        </p:spPr>
+        <p:style>
+          <a:lnRef idx="2">
+            <a:schemeClr val="accent1">
+              <a:shade val="15000"/>
+            </a:schemeClr>
+          </a:lnRef>
+          <a:fillRef idx="1">
+            <a:schemeClr val="accent1"/>
+          </a:fillRef>
+          <a:effectRef idx="0">
+            <a:schemeClr val="accent1"/>
+          </a:effectRef>
+          <a:fontRef idx="minor">
+            <a:schemeClr val="lt1"/>
+          </a:fontRef>
+        </p:style>
+        <p:txBody>
+          <a:bodyPr rtlCol="0" anchor="ctr"/>
+          <a:lstStyle/>
+          <a:p>
+            <a:pPr algn="ctr"/>
+            <a:r>
+              <a:rPr lang="fr-FR" sz="1200" dirty="0">
+                <a:ln w="0"/>
+                <a:solidFill>
+                  <a:schemeClr val="tx1"/>
+                </a:solidFill>
+                <a:effectLst>
+                  <a:outerShdw blurRad="38100" dist="19050" dir="2700000" algn="tl" rotWithShape="0">
+                    <a:schemeClr val="dk1">
+                      <a:alpha val="40000"/>
+                    </a:schemeClr>
+                  </a:outerShdw>
+                </a:effectLst>
+              </a:rPr>
+              <a:t>1.3</a:t>
+            </a:r>
+          </a:p>
+        </p:txBody>
+      </p:sp>
+      <p:sp>
+        <p:nvSpPr>
+          <p:cNvPr id="35" name="Ellipse 34">
+            <a:extLst>
+              <a:ext uri="{FF2B5EF4-FFF2-40B4-BE49-F238E27FC236}">
+                <a16:creationId xmlns:a16="http://schemas.microsoft.com/office/drawing/2014/main" id="{2B2AE4AE-5C22-98F7-96C4-5C075517CCD5}"/>
+              </a:ext>
+            </a:extLst>
+          </p:cNvPr>
+          <p:cNvSpPr/>
+          <p:nvPr/>
+        </p:nvSpPr>
+        <p:spPr>
+          <a:xfrm>
+            <a:off x="7972190" y="3632895"/>
+            <a:ext cx="600178" cy="189974"/>
+          </a:xfrm>
+          <a:prstGeom prst="ellipse">
+            <a:avLst/>
+          </a:prstGeom>
+        </p:spPr>
+        <p:style>
+          <a:lnRef idx="2">
+            <a:schemeClr val="accent1">
+              <a:shade val="15000"/>
+            </a:schemeClr>
+          </a:lnRef>
+          <a:fillRef idx="1">
+            <a:schemeClr val="accent1"/>
+          </a:fillRef>
+          <a:effectRef idx="0">
+            <a:schemeClr val="accent1"/>
+          </a:effectRef>
+          <a:fontRef idx="minor">
+            <a:schemeClr val="lt1"/>
+          </a:fontRef>
+        </p:style>
+        <p:txBody>
+          <a:bodyPr rtlCol="0" anchor="ctr"/>
+          <a:lstStyle/>
+          <a:p>
+            <a:pPr algn="ctr"/>
+            <a:r>
+              <a:rPr lang="fr-FR" sz="1200" dirty="0">
+                <a:ln w="0"/>
+                <a:solidFill>
+                  <a:schemeClr val="tx1"/>
+                </a:solidFill>
+                <a:effectLst>
+                  <a:outerShdw blurRad="38100" dist="19050" dir="2700000" algn="tl" rotWithShape="0">
+                    <a:schemeClr val="dk1">
+                      <a:alpha val="40000"/>
+                    </a:schemeClr>
+                  </a:outerShdw>
+                </a:effectLst>
+              </a:rPr>
+              <a:t>1.4</a:t>
+            </a:r>
+          </a:p>
+        </p:txBody>
+      </p:sp>
+      <p:sp>
+        <p:nvSpPr>
+          <p:cNvPr id="36" name="Ellipse 35">
+            <a:extLst>
+              <a:ext uri="{FF2B5EF4-FFF2-40B4-BE49-F238E27FC236}">
+                <a16:creationId xmlns:a16="http://schemas.microsoft.com/office/drawing/2014/main" id="{843DBB18-9F21-4168-F021-EE2E7431C48D}"/>
+              </a:ext>
+            </a:extLst>
+          </p:cNvPr>
+          <p:cNvSpPr/>
+          <p:nvPr/>
+        </p:nvSpPr>
+        <p:spPr>
+          <a:xfrm>
+            <a:off x="9405833" y="4731817"/>
+            <a:ext cx="600178" cy="189974"/>
+          </a:xfrm>
+          <a:prstGeom prst="ellipse">
+            <a:avLst/>
+          </a:prstGeom>
+        </p:spPr>
+        <p:style>
+          <a:lnRef idx="2">
+            <a:schemeClr val="accent1">
+              <a:shade val="15000"/>
+            </a:schemeClr>
+          </a:lnRef>
+          <a:fillRef idx="1">
+            <a:schemeClr val="accent1"/>
+          </a:fillRef>
+          <a:effectRef idx="0">
+            <a:schemeClr val="accent1"/>
+          </a:effectRef>
+          <a:fontRef idx="minor">
+            <a:schemeClr val="lt1"/>
+          </a:fontRef>
+        </p:style>
+        <p:txBody>
+          <a:bodyPr rtlCol="0" anchor="ctr"/>
+          <a:lstStyle/>
+          <a:p>
+            <a:pPr algn="ctr"/>
+            <a:r>
+              <a:rPr lang="fr-FR" sz="1200" dirty="0">
+                <a:ln w="0"/>
+                <a:solidFill>
+                  <a:schemeClr val="tx1"/>
+                </a:solidFill>
+                <a:effectLst>
+                  <a:outerShdw blurRad="38100" dist="19050" dir="2700000" algn="tl" rotWithShape="0">
+                    <a:schemeClr val="dk1">
+                      <a:alpha val="40000"/>
+                    </a:schemeClr>
+                  </a:outerShdw>
+                </a:effectLst>
+              </a:rPr>
+              <a:t>1.5</a:t>
+            </a:r>
           </a:p>
         </p:txBody>
       </p:sp>
@@ -21835,26 +22450,35 @@
                                   </p:childTnLst>
                                 </p:cTn>
                               </p:par>
-                            </p:childTnLst>
-                          </p:cTn>
-                        </p:par>
-                      </p:childTnLst>
-                    </p:cTn>
-                  </p:par>
-                  <p:par>
-                    <p:cTn id="25" fill="hold">
-                      <p:stCondLst>
-                        <p:cond delay="indefinite"/>
-                      </p:stCondLst>
-                      <p:childTnLst>
-                        <p:par>
-                          <p:cTn id="26" fill="hold">
-                            <p:stCondLst>
-                              <p:cond delay="0"/>
-                            </p:stCondLst>
-                            <p:childTnLst>
                               <p:par>
-                                <p:cTn id="27" presetID="1" presetClass="entr" presetSubtype="0" fill="hold" nodeType="clickEffect">
+                                <p:cTn id="25" presetID="1" presetClass="entr" presetSubtype="0" fill="hold" grpId="0" nodeType="withEffect">
+                                  <p:stCondLst>
+                                    <p:cond delay="0"/>
+                                  </p:stCondLst>
+                                  <p:childTnLst>
+                                    <p:set>
+                                      <p:cBhvr>
+                                        <p:cTn id="26" dur="1" fill="hold">
+                                          <p:stCondLst>
+                                            <p:cond delay="0"/>
+                                          </p:stCondLst>
+                                        </p:cTn>
+                                        <p:tgtEl>
+                                          <p:spTgt spid="24"/>
+                                        </p:tgtEl>
+                                        <p:attrNameLst>
+                                          <p:attrName>style.visibility</p:attrName>
+                                        </p:attrNameLst>
+                                      </p:cBhvr>
+                                      <p:to>
+                                        <p:strVal val="visible"/>
+                                      </p:to>
+                                    </p:set>
+                                  </p:childTnLst>
+                                </p:cTn>
+                              </p:par>
+                              <p:par>
+                                <p:cTn id="27" presetID="1" presetClass="entr" presetSubtype="0" fill="hold" grpId="0" nodeType="withEffect">
                                   <p:stCondLst>
                                     <p:cond delay="0"/>
                                   </p:stCondLst>
@@ -21867,7 +22491,7 @@
                                           </p:stCondLst>
                                         </p:cTn>
                                         <p:tgtEl>
-                                          <p:spTgt spid="56"/>
+                                          <p:spTgt spid="30"/>
                                         </p:tgtEl>
                                         <p:attrNameLst>
                                           <p:attrName>style.visibility</p:attrName>
@@ -21912,7 +22536,7 @@
                                           </p:stCondLst>
                                         </p:cTn>
                                         <p:tgtEl>
-                                          <p:spTgt spid="3"/>
+                                          <p:spTgt spid="56"/>
                                         </p:tgtEl>
                                         <p:attrNameLst>
                                           <p:attrName>style.visibility</p:attrName>
@@ -21926,7 +22550,7 @@
                                 </p:cTn>
                               </p:par>
                               <p:par>
-                                <p:cTn id="33" presetID="1" presetClass="entr" presetSubtype="0" fill="hold" nodeType="withEffect">
+                                <p:cTn id="33" presetID="1" presetClass="entr" presetSubtype="0" fill="hold" grpId="0" nodeType="withEffect">
                                   <p:stCondLst>
                                     <p:cond delay="0"/>
                                   </p:stCondLst>
@@ -21939,7 +22563,7 @@
                                           </p:stCondLst>
                                         </p:cTn>
                                         <p:tgtEl>
-                                          <p:spTgt spid="10"/>
+                                          <p:spTgt spid="31"/>
                                         </p:tgtEl>
                                         <p:attrNameLst>
                                           <p:attrName>style.visibility</p:attrName>
@@ -21952,35 +22576,26 @@
                                   </p:childTnLst>
                                 </p:cTn>
                               </p:par>
+                            </p:childTnLst>
+                          </p:cTn>
+                        </p:par>
+                      </p:childTnLst>
+                    </p:cTn>
+                  </p:par>
+                  <p:par>
+                    <p:cTn id="35" fill="hold">
+                      <p:stCondLst>
+                        <p:cond delay="indefinite"/>
+                      </p:stCondLst>
+                      <p:childTnLst>
+                        <p:par>
+                          <p:cTn id="36" fill="hold">
+                            <p:stCondLst>
+                              <p:cond delay="0"/>
+                            </p:stCondLst>
+                            <p:childTnLst>
                               <p:par>
-                                <p:cTn id="35" presetID="1" presetClass="entr" presetSubtype="0" fill="hold" grpId="0" nodeType="withEffect">
-                                  <p:stCondLst>
-                                    <p:cond delay="0"/>
-                                  </p:stCondLst>
-                                  <p:childTnLst>
-                                    <p:set>
-                                      <p:cBhvr>
-                                        <p:cTn id="36" dur="1" fill="hold">
-                                          <p:stCondLst>
-                                            <p:cond delay="0"/>
-                                          </p:stCondLst>
-                                        </p:cTn>
-                                        <p:tgtEl>
-                                          <p:spTgt spid="18"/>
-                                        </p:tgtEl>
-                                        <p:attrNameLst>
-                                          <p:attrName>style.visibility</p:attrName>
-                                        </p:attrNameLst>
-                                      </p:cBhvr>
-                                      <p:to>
-                                        <p:strVal val="visible"/>
-                                      </p:to>
-                                    </p:set>
-                                  </p:childTnLst>
-                                </p:cTn>
-                              </p:par>
-                              <p:par>
-                                <p:cTn id="37" presetID="1" presetClass="entr" presetSubtype="0" fill="hold" grpId="0" nodeType="withEffect">
+                                <p:cTn id="37" presetID="1" presetClass="entr" presetSubtype="0" fill="hold" nodeType="clickEffect">
                                   <p:stCondLst>
                                     <p:cond delay="0"/>
                                   </p:stCondLst>
@@ -21993,7 +22608,7 @@
                                           </p:stCondLst>
                                         </p:cTn>
                                         <p:tgtEl>
-                                          <p:spTgt spid="19"/>
+                                          <p:spTgt spid="3"/>
                                         </p:tgtEl>
                                         <p:attrNameLst>
                                           <p:attrName>style.visibility</p:attrName>
@@ -22020,6 +22635,87 @@
                                           </p:stCondLst>
                                         </p:cTn>
                                         <p:tgtEl>
+                                          <p:spTgt spid="10"/>
+                                        </p:tgtEl>
+                                        <p:attrNameLst>
+                                          <p:attrName>style.visibility</p:attrName>
+                                        </p:attrNameLst>
+                                      </p:cBhvr>
+                                      <p:to>
+                                        <p:strVal val="visible"/>
+                                      </p:to>
+                                    </p:set>
+                                  </p:childTnLst>
+                                </p:cTn>
+                              </p:par>
+                              <p:par>
+                                <p:cTn id="41" presetID="1" presetClass="entr" presetSubtype="0" fill="hold" grpId="0" nodeType="withEffect">
+                                  <p:stCondLst>
+                                    <p:cond delay="0"/>
+                                  </p:stCondLst>
+                                  <p:childTnLst>
+                                    <p:set>
+                                      <p:cBhvr>
+                                        <p:cTn id="42" dur="1" fill="hold">
+                                          <p:stCondLst>
+                                            <p:cond delay="0"/>
+                                          </p:stCondLst>
+                                        </p:cTn>
+                                        <p:tgtEl>
+                                          <p:spTgt spid="18"/>
+                                        </p:tgtEl>
+                                        <p:attrNameLst>
+                                          <p:attrName>style.visibility</p:attrName>
+                                        </p:attrNameLst>
+                                      </p:cBhvr>
+                                      <p:to>
+                                        <p:strVal val="visible"/>
+                                      </p:to>
+                                    </p:set>
+                                  </p:childTnLst>
+                                </p:cTn>
+                              </p:par>
+                              <p:par>
+                                <p:cTn id="43" presetID="1" presetClass="entr" presetSubtype="0" fill="hold" grpId="0" nodeType="withEffect">
+                                  <p:stCondLst>
+                                    <p:cond delay="0"/>
+                                  </p:stCondLst>
+                                  <p:childTnLst>
+                                    <p:set>
+                                      <p:cBhvr>
+                                        <p:cTn id="44" dur="1" fill="hold">
+                                          <p:stCondLst>
+                                            <p:cond delay="0"/>
+                                          </p:stCondLst>
+                                        </p:cTn>
+                                        <p:tgtEl>
+                                          <p:spTgt spid="19"/>
+                                        </p:tgtEl>
+                                        <p:attrNameLst>
+                                          <p:attrName>style.visibility</p:attrName>
+                                        </p:attrNameLst>
+                                      </p:cBhvr>
+                                      <p:to>
+                                        <p:strVal val="visible"/>
+                                      </p:to>
+                                    </p:set>
+                                  </p:childTnLst>
+                                </p:cTn>
+                              </p:par>
+                              <p:par>
+                                <p:cTn id="45" presetID="1" presetClass="entr" presetSubtype="0" fill="hold" nodeType="withEffect">
+                                  <p:stCondLst>
+                                    <p:cond delay="0"/>
+                                  </p:stCondLst>
+                                  <p:childTnLst>
+                                    <p:set>
+                                      <p:cBhvr>
+                                        <p:cTn id="46" dur="1" fill="hold">
+                                          <p:stCondLst>
+                                            <p:cond delay="0"/>
+                                          </p:stCondLst>
+                                        </p:cTn>
+                                        <p:tgtEl>
                                           <p:spTgt spid="141"/>
                                         </p:tgtEl>
                                         <p:attrNameLst>
@@ -22040,32 +22736,59 @@
                     </p:cTn>
                   </p:par>
                   <p:par>
-                    <p:cTn id="41" fill="hold">
+                    <p:cTn id="47" fill="hold">
                       <p:stCondLst>
                         <p:cond delay="indefinite"/>
                       </p:stCondLst>
                       <p:childTnLst>
                         <p:par>
-                          <p:cTn id="42" fill="hold">
+                          <p:cTn id="48" fill="hold">
                             <p:stCondLst>
                               <p:cond delay="0"/>
                             </p:stCondLst>
                             <p:childTnLst>
                               <p:par>
-                                <p:cTn id="43" presetID="1" presetClass="entr" presetSubtype="0" fill="hold" nodeType="clickEffect">
+                                <p:cTn id="49" presetID="1" presetClass="entr" presetSubtype="0" fill="hold" nodeType="clickEffect">
                                   <p:stCondLst>
                                     <p:cond delay="0"/>
                                   </p:stCondLst>
                                   <p:childTnLst>
                                     <p:set>
                                       <p:cBhvr>
-                                        <p:cTn id="44" dur="1" fill="hold">
+                                        <p:cTn id="50" dur="1" fill="hold">
                                           <p:stCondLst>
                                             <p:cond delay="0"/>
                                           </p:stCondLst>
                                         </p:cTn>
                                         <p:tgtEl>
                                           <p:spTgt spid="55"/>
+                                        </p:tgtEl>
+                                        <p:attrNameLst>
+                                          <p:attrName>style.visibility</p:attrName>
+                                        </p:attrNameLst>
+                                      </p:cBhvr>
+                                      <p:to>
+                                        <p:strVal val="visible"/>
+                                      </p:to>
+                                    </p:set>
+                                  </p:childTnLst>
+                                </p:cTn>
+                              </p:par>
+                              <p:par>
+                                <p:cTn id="51" presetID="1" presetClass="entr" presetSubtype="0" fill="hold" grpId="0" nodeType="withEffect">
+                                  <p:stCondLst>
+                                    <p:cond delay="0"/>
+                                  </p:stCondLst>
+                                  <p:childTnLst>
+                                    <p:set>
+                                      <p:cBhvr>
+                                        <p:cTn id="52" dur="1" fill="hold">
+                                          <p:stCondLst>
+                                            <p:cond delay="0"/>
+                                          </p:stCondLst>
+                                        </p:cTn>
+                                        <p:tgtEl>
+                                          <p:spTgt spid="33"/>
                                         </p:tgtEl>
                                         <p:attrNameLst>
                                           <p:attrName>style.visibility</p:attrName>
@@ -22085,26 +22808,26 @@
                     </p:cTn>
                   </p:par>
                   <p:par>
-                    <p:cTn id="45" fill="hold">
+                    <p:cTn id="53" fill="hold">
                       <p:stCondLst>
                         <p:cond delay="indefinite"/>
                       </p:stCondLst>
                       <p:childTnLst>
                         <p:par>
-                          <p:cTn id="46" fill="hold">
+                          <p:cTn id="54" fill="hold">
                             <p:stCondLst>
                               <p:cond delay="0"/>
                             </p:stCondLst>
                             <p:childTnLst>
                               <p:par>
-                                <p:cTn id="47" presetID="1" presetClass="entr" presetSubtype="0" fill="hold" nodeType="clickEffect">
+                                <p:cTn id="55" presetID="1" presetClass="entr" presetSubtype="0" fill="hold" nodeType="clickEffect">
                                   <p:stCondLst>
                                     <p:cond delay="0"/>
                                   </p:stCondLst>
                                   <p:childTnLst>
                                     <p:set>
                                       <p:cBhvr>
-                                        <p:cTn id="48" dur="1" fill="hold">
+                                        <p:cTn id="56" dur="1" fill="hold">
                                           <p:stCondLst>
                                             <p:cond delay="0"/>
                                           </p:stCondLst>
@@ -22124,97 +22847,7 @@
                                 </p:cTn>
                               </p:par>
                               <p:par>
-                                <p:cTn id="49" presetID="1" presetClass="entr" presetSubtype="0" fill="hold" nodeType="withEffect">
-                                  <p:stCondLst>
-                                    <p:cond delay="0"/>
-                                  </p:stCondLst>
-                                  <p:childTnLst>
-                                    <p:set>
-                                      <p:cBhvr>
-                                        <p:cTn id="50" dur="1" fill="hold">
-                                          <p:stCondLst>
-                                            <p:cond delay="0"/>
-                                          </p:stCondLst>
-                                        </p:cTn>
-                                        <p:tgtEl>
-                                          <p:spTgt spid="13"/>
-                                        </p:tgtEl>
-                                        <p:attrNameLst>
-                                          <p:attrName>style.visibility</p:attrName>
-                                        </p:attrNameLst>
-                                      </p:cBhvr>
-                                      <p:to>
-                                        <p:strVal val="visible"/>
-                                      </p:to>
-                                    </p:set>
-                                  </p:childTnLst>
-                                </p:cTn>
-                              </p:par>
-                            </p:childTnLst>
-                          </p:cTn>
-                        </p:par>
-                      </p:childTnLst>
-                    </p:cTn>
-                  </p:par>
-                  <p:par>
-                    <p:cTn id="51" fill="hold">
-                      <p:stCondLst>
-                        <p:cond delay="indefinite"/>
-                      </p:stCondLst>
-                      <p:childTnLst>
-                        <p:par>
-                          <p:cTn id="52" fill="hold">
-                            <p:stCondLst>
-                              <p:cond delay="0"/>
-                            </p:stCondLst>
-                            <p:childTnLst>
-                              <p:par>
-                                <p:cTn id="53" presetID="1" presetClass="entr" presetSubtype="0" fill="hold" nodeType="clickEffect">
-                                  <p:stCondLst>
-                                    <p:cond delay="0"/>
-                                  </p:stCondLst>
-                                  <p:childTnLst>
-                                    <p:set>
-                                      <p:cBhvr>
-                                        <p:cTn id="54" dur="1" fill="hold">
-                                          <p:stCondLst>
-                                            <p:cond delay="0"/>
-                                          </p:stCondLst>
-                                        </p:cTn>
-                                        <p:tgtEl>
-                                          <p:spTgt spid="96"/>
-                                        </p:tgtEl>
-                                        <p:attrNameLst>
-                                          <p:attrName>style.visibility</p:attrName>
-                                        </p:attrNameLst>
-                                      </p:cBhvr>
-                                      <p:to>
-                                        <p:strVal val="visible"/>
-                                      </p:to>
-                                    </p:set>
-                                  </p:childTnLst>
-                                </p:cTn>
-                              </p:par>
-                            </p:childTnLst>
-                          </p:cTn>
-                        </p:par>
-                      </p:childTnLst>
-                    </p:cTn>
-                  </p:par>
-                  <p:par>
-                    <p:cTn id="55" fill="hold">
-                      <p:stCondLst>
-                        <p:cond delay="indefinite"/>
-                      </p:stCondLst>
-                      <p:childTnLst>
-                        <p:par>
-                          <p:cTn id="56" fill="hold">
-                            <p:stCondLst>
-                              <p:cond delay="0"/>
-                            </p:stCondLst>
-                            <p:childTnLst>
-                              <p:par>
-                                <p:cTn id="57" presetID="1" presetClass="entr" presetSubtype="0" fill="hold" grpId="0" nodeType="clickEffect">
+                                <p:cTn id="57" presetID="1" presetClass="entr" presetSubtype="0" fill="hold" nodeType="withEffect">
                                   <p:stCondLst>
                                     <p:cond delay="0"/>
                                   </p:stCondLst>
@@ -22227,7 +22860,7 @@
                                           </p:stCondLst>
                                         </p:cTn>
                                         <p:tgtEl>
-                                          <p:spTgt spid="114"/>
+                                          <p:spTgt spid="13"/>
                                         </p:tgtEl>
                                         <p:attrNameLst>
                                           <p:attrName>style.visibility</p:attrName>
@@ -22254,7 +22887,7 @@
                                           </p:stCondLst>
                                         </p:cTn>
                                         <p:tgtEl>
-                                          <p:spTgt spid="160"/>
+                                          <p:spTgt spid="23"/>
                                         </p:tgtEl>
                                         <p:attrNameLst>
                                           <p:attrName>style.visibility</p:attrName>
@@ -22267,35 +22900,26 @@
                                   </p:childTnLst>
                                 </p:cTn>
                               </p:par>
+                            </p:childTnLst>
+                          </p:cTn>
+                        </p:par>
+                      </p:childTnLst>
+                    </p:cTn>
+                  </p:par>
+                  <p:par>
+                    <p:cTn id="61" fill="hold">
+                      <p:stCondLst>
+                        <p:cond delay="indefinite"/>
+                      </p:stCondLst>
+                      <p:childTnLst>
+                        <p:par>
+                          <p:cTn id="62" fill="hold">
+                            <p:stCondLst>
+                              <p:cond delay="0"/>
+                            </p:stCondLst>
+                            <p:childTnLst>
                               <p:par>
-                                <p:cTn id="61" presetID="1" presetClass="entr" presetSubtype="0" fill="hold" nodeType="withEffect">
-                                  <p:stCondLst>
-                                    <p:cond delay="0"/>
-                                  </p:stCondLst>
-                                  <p:childTnLst>
-                                    <p:set>
-                                      <p:cBhvr>
-                                        <p:cTn id="62" dur="1" fill="hold">
-                                          <p:stCondLst>
-                                            <p:cond delay="0"/>
-                                          </p:stCondLst>
-                                        </p:cTn>
-                                        <p:tgtEl>
-                                          <p:spTgt spid="159"/>
-                                        </p:tgtEl>
-                                        <p:attrNameLst>
-                                          <p:attrName>style.visibility</p:attrName>
-                                        </p:attrNameLst>
-                                      </p:cBhvr>
-                                      <p:to>
-                                        <p:strVal val="visible"/>
-                                      </p:to>
-                                    </p:set>
-                                  </p:childTnLst>
-                                </p:cTn>
-                              </p:par>
-                              <p:par>
-                                <p:cTn id="63" presetID="1" presetClass="entr" presetSubtype="0" fill="hold" nodeType="withEffect">
+                                <p:cTn id="63" presetID="1" presetClass="entr" presetSubtype="0" fill="hold" nodeType="clickEffect">
                                   <p:stCondLst>
                                     <p:cond delay="0"/>
                                   </p:stCondLst>
@@ -22308,7 +22932,7 @@
                                           </p:stCondLst>
                                         </p:cTn>
                                         <p:tgtEl>
-                                          <p:spTgt spid="151"/>
+                                          <p:spTgt spid="96"/>
                                         </p:tgtEl>
                                         <p:attrNameLst>
                                           <p:attrName>style.visibility</p:attrName>
@@ -22335,61 +22959,7 @@
                                           </p:stCondLst>
                                         </p:cTn>
                                         <p:tgtEl>
-                                          <p:spTgt spid="119"/>
-                                        </p:tgtEl>
-                                        <p:attrNameLst>
-                                          <p:attrName>style.visibility</p:attrName>
-                                        </p:attrNameLst>
-                                      </p:cBhvr>
-                                      <p:to>
-                                        <p:strVal val="visible"/>
-                                      </p:to>
-                                    </p:set>
-                                  </p:childTnLst>
-                                </p:cTn>
-                              </p:par>
-                              <p:par>
-                                <p:cTn id="67" presetID="1" presetClass="entr" presetSubtype="0" fill="hold" grpId="0" nodeType="withEffect">
-                                  <p:stCondLst>
-                                    <p:cond delay="0"/>
-                                  </p:stCondLst>
-                                  <p:childTnLst>
-                                    <p:set>
-                                      <p:cBhvr>
-                                        <p:cTn id="68" dur="1" fill="hold">
-                                          <p:stCondLst>
-                                            <p:cond delay="0"/>
-                                          </p:stCondLst>
-                                        </p:cTn>
-                                        <p:tgtEl>
-                                          <p:spTgt spid="182"/>
-                                        </p:tgtEl>
-                                        <p:attrNameLst>
-                                          <p:attrName>style.visibility</p:attrName>
-                                        </p:attrNameLst>
-                                      </p:cBhvr>
-                                      <p:to>
-                                        <p:strVal val="visible"/>
-                                      </p:to>
-                                    </p:set>
-                                  </p:childTnLst>
-                                </p:cTn>
-                              </p:par>
-                              <p:par>
-                                <p:cTn id="69" presetID="1" presetClass="entr" presetSubtype="0" fill="hold" nodeType="withEffect">
-                                  <p:stCondLst>
-                                    <p:cond delay="0"/>
-                                  </p:stCondLst>
-                                  <p:childTnLst>
-                                    <p:set>
-                                      <p:cBhvr>
-                                        <p:cTn id="70" dur="1" fill="hold">
-                                          <p:stCondLst>
-                                            <p:cond delay="0"/>
-                                          </p:stCondLst>
-                                        </p:cTn>
-                                        <p:tgtEl>
-                                          <p:spTgt spid="176"/>
+                                          <p:spTgt spid="34"/>
                                         </p:tgtEl>
                                         <p:attrNameLst>
                                           <p:attrName>style.visibility</p:attrName>
@@ -22409,32 +22979,32 @@
                     </p:cTn>
                   </p:par>
                   <p:par>
-                    <p:cTn id="71" fill="hold">
+                    <p:cTn id="67" fill="hold">
                       <p:stCondLst>
                         <p:cond delay="indefinite"/>
                       </p:stCondLst>
                       <p:childTnLst>
                         <p:par>
-                          <p:cTn id="72" fill="hold">
+                          <p:cTn id="68" fill="hold">
                             <p:stCondLst>
                               <p:cond delay="0"/>
                             </p:stCondLst>
                             <p:childTnLst>
                               <p:par>
-                                <p:cTn id="73" presetID="1" presetClass="entr" presetSubtype="0" fill="hold" nodeType="clickEffect">
+                                <p:cTn id="69" presetID="1" presetClass="entr" presetSubtype="0" fill="hold" grpId="0" nodeType="clickEffect">
                                   <p:stCondLst>
                                     <p:cond delay="0"/>
                                   </p:stCondLst>
                                   <p:childTnLst>
                                     <p:set>
                                       <p:cBhvr>
-                                        <p:cTn id="74" dur="1" fill="hold">
+                                        <p:cTn id="70" dur="1" fill="hold">
                                           <p:stCondLst>
                                             <p:cond delay="0"/>
                                           </p:stCondLst>
                                         </p:cTn>
                                         <p:tgtEl>
-                                          <p:spTgt spid="134"/>
+                                          <p:spTgt spid="114"/>
                                         </p:tgtEl>
                                         <p:attrNameLst>
                                           <p:attrName>style.visibility</p:attrName>
@@ -22448,20 +23018,20 @@
                                 </p:cTn>
                               </p:par>
                               <p:par>
-                                <p:cTn id="75" presetID="1" presetClass="entr" presetSubtype="0" fill="hold" grpId="0" nodeType="withEffect">
+                                <p:cTn id="71" presetID="1" presetClass="entr" presetSubtype="0" fill="hold" grpId="0" nodeType="withEffect">
                                   <p:stCondLst>
                                     <p:cond delay="0"/>
                                   </p:stCondLst>
                                   <p:childTnLst>
                                     <p:set>
                                       <p:cBhvr>
-                                        <p:cTn id="76" dur="1" fill="hold">
+                                        <p:cTn id="72" dur="1" fill="hold">
                                           <p:stCondLst>
                                             <p:cond delay="0"/>
                                           </p:stCondLst>
                                         </p:cTn>
                                         <p:tgtEl>
-                                          <p:spTgt spid="132"/>
+                                          <p:spTgt spid="160"/>
                                         </p:tgtEl>
                                         <p:attrNameLst>
                                           <p:attrName>style.visibility</p:attrName>
@@ -22475,7 +23045,61 @@
                                 </p:cTn>
                               </p:par>
                               <p:par>
-                                <p:cTn id="77" presetID="1" presetClass="entr" presetSubtype="0" fill="hold" nodeType="withEffect">
+                                <p:cTn id="73" presetID="1" presetClass="entr" presetSubtype="0" fill="hold" nodeType="withEffect">
+                                  <p:stCondLst>
+                                    <p:cond delay="0"/>
+                                  </p:stCondLst>
+                                  <p:childTnLst>
+                                    <p:set>
+                                      <p:cBhvr>
+                                        <p:cTn id="74" dur="1" fill="hold">
+                                          <p:stCondLst>
+                                            <p:cond delay="0"/>
+                                          </p:stCondLst>
+                                        </p:cTn>
+                                        <p:tgtEl>
+                                          <p:spTgt spid="159"/>
+                                        </p:tgtEl>
+                                        <p:attrNameLst>
+                                          <p:attrName>style.visibility</p:attrName>
+                                        </p:attrNameLst>
+                                      </p:cBhvr>
+                                      <p:to>
+                                        <p:strVal val="visible"/>
+                                      </p:to>
+                                    </p:set>
+                                  </p:childTnLst>
+                                </p:cTn>
+                              </p:par>
+                              <p:par>
+                                <p:cTn id="75" presetID="1" presetClass="entr" presetSubtype="0" fill="hold" nodeType="withEffect">
+                                  <p:stCondLst>
+                                    <p:cond delay="0"/>
+                                  </p:stCondLst>
+                                  <p:childTnLst>
+                                    <p:set>
+                                      <p:cBhvr>
+                                        <p:cTn id="76" dur="1" fill="hold">
+                                          <p:stCondLst>
+                                            <p:cond delay="0"/>
+                                          </p:stCondLst>
+                                        </p:cTn>
+                                        <p:tgtEl>
+                                          <p:spTgt spid="151"/>
+                                        </p:tgtEl>
+                                        <p:attrNameLst>
+                                          <p:attrName>style.visibility</p:attrName>
+                                        </p:attrNameLst>
+                                      </p:cBhvr>
+                                      <p:to>
+                                        <p:strVal val="visible"/>
+                                      </p:to>
+                                    </p:set>
+                                  </p:childTnLst>
+                                </p:cTn>
+                              </p:par>
+                              <p:par>
+                                <p:cTn id="77" presetID="1" presetClass="entr" presetSubtype="0" fill="hold" grpId="0" nodeType="withEffect">
                                   <p:stCondLst>
                                     <p:cond delay="0"/>
                                   </p:stCondLst>
@@ -22488,7 +23112,7 @@
                                           </p:stCondLst>
                                         </p:cTn>
                                         <p:tgtEl>
-                                          <p:spTgt spid="158"/>
+                                          <p:spTgt spid="119"/>
                                         </p:tgtEl>
                                         <p:attrNameLst>
                                           <p:attrName>style.visibility</p:attrName>
@@ -22515,7 +23139,34 @@
                                           </p:stCondLst>
                                         </p:cTn>
                                         <p:tgtEl>
-                                          <p:spTgt spid="118"/>
+                                          <p:spTgt spid="182"/>
+                                        </p:tgtEl>
+                                        <p:attrNameLst>
+                                          <p:attrName>style.visibility</p:attrName>
+                                        </p:attrNameLst>
+                                      </p:cBhvr>
+                                      <p:to>
+                                        <p:strVal val="visible"/>
+                                      </p:to>
+                                    </p:set>
+                                  </p:childTnLst>
+                                </p:cTn>
+                              </p:par>
+                              <p:par>
+                                <p:cTn id="81" presetID="1" presetClass="entr" presetSubtype="0" fill="hold" nodeType="withEffect">
+                                  <p:stCondLst>
+                                    <p:cond delay="0"/>
+                                  </p:stCondLst>
+                                  <p:childTnLst>
+                                    <p:set>
+                                      <p:cBhvr>
+                                        <p:cTn id="82" dur="1" fill="hold">
+                                          <p:stCondLst>
+                                            <p:cond delay="0"/>
+                                          </p:stCondLst>
+                                        </p:cTn>
+                                        <p:tgtEl>
+                                          <p:spTgt spid="176"/>
                                         </p:tgtEl>
                                         <p:attrNameLst>
                                           <p:attrName>style.visibility</p:attrName>
@@ -22535,46 +23186,19 @@
                     </p:cTn>
                   </p:par>
                   <p:par>
-                    <p:cTn id="81" fill="hold">
+                    <p:cTn id="83" fill="hold">
                       <p:stCondLst>
                         <p:cond delay="indefinite"/>
                       </p:stCondLst>
                       <p:childTnLst>
                         <p:par>
-                          <p:cTn id="82" fill="hold">
+                          <p:cTn id="84" fill="hold">
                             <p:stCondLst>
                               <p:cond delay="0"/>
                             </p:stCondLst>
                             <p:childTnLst>
                               <p:par>
-                                <p:cTn id="83" presetID="1" presetClass="entr" presetSubtype="0" fill="hold" nodeType="clickEffect">
-                                  <p:stCondLst>
-                                    <p:cond delay="0"/>
-                                  </p:stCondLst>
-                                  <p:childTnLst>
-                                    <p:set>
-                                      <p:cBhvr>
-                                        <p:cTn id="84" dur="1" fill="hold">
-                                          <p:stCondLst>
-                                            <p:cond delay="0"/>
-                                          </p:stCondLst>
-                                        </p:cTn>
-                                        <p:tgtEl>
-                                          <p:spTgt spid="153"/>
-                                        </p:tgtEl>
-                                        <p:attrNameLst>
-                                          <p:attrName>style.visibility</p:attrName>
-                                        </p:attrNameLst>
-                                      </p:cBhvr>
-                                      <p:to>
-                                        <p:strVal val="visible"/>
-                                      </p:to>
-                                    </p:set>
-                                  </p:childTnLst>
-                                </p:cTn>
-                              </p:par>
-                              <p:par>
-                                <p:cTn id="85" presetID="1" presetClass="entr" presetSubtype="0" fill="hold" grpId="0" nodeType="withEffect">
+                                <p:cTn id="85" presetID="1" presetClass="entr" presetSubtype="0" fill="hold" nodeType="clickEffect">
                                   <p:stCondLst>
                                     <p:cond delay="0"/>
                                   </p:stCondLst>
@@ -22587,7 +23211,7 @@
                                           </p:stCondLst>
                                         </p:cTn>
                                         <p:tgtEl>
-                                          <p:spTgt spid="167"/>
+                                          <p:spTgt spid="134"/>
                                         </p:tgtEl>
                                         <p:attrNameLst>
                                           <p:attrName>style.visibility</p:attrName>
@@ -22614,7 +23238,7 @@
                                           </p:stCondLst>
                                         </p:cTn>
                                         <p:tgtEl>
-                                          <p:spTgt spid="164"/>
+                                          <p:spTgt spid="35"/>
                                         </p:tgtEl>
                                         <p:attrNameLst>
                                           <p:attrName>style.visibility</p:attrName>
@@ -22641,7 +23265,7 @@
                                           </p:stCondLst>
                                         </p:cTn>
                                         <p:tgtEl>
-                                          <p:spTgt spid="163"/>
+                                          <p:spTgt spid="132"/>
                                         </p:tgtEl>
                                         <p:attrNameLst>
                                           <p:attrName>style.visibility</p:attrName>
@@ -22668,7 +23292,34 @@
                                           </p:stCondLst>
                                         </p:cTn>
                                         <p:tgtEl>
-                                          <p:spTgt spid="149"/>
+                                          <p:spTgt spid="158"/>
+                                        </p:tgtEl>
+                                        <p:attrNameLst>
+                                          <p:attrName>style.visibility</p:attrName>
+                                        </p:attrNameLst>
+                                      </p:cBhvr>
+                                      <p:to>
+                                        <p:strVal val="visible"/>
+                                      </p:to>
+                                    </p:set>
+                                  </p:childTnLst>
+                                </p:cTn>
+                              </p:par>
+                              <p:par>
+                                <p:cTn id="93" presetID="1" presetClass="entr" presetSubtype="0" fill="hold" grpId="0" nodeType="withEffect">
+                                  <p:stCondLst>
+                                    <p:cond delay="0"/>
+                                  </p:stCondLst>
+                                  <p:childTnLst>
+                                    <p:set>
+                                      <p:cBhvr>
+                                        <p:cTn id="94" dur="1" fill="hold">
+                                          <p:stCondLst>
+                                            <p:cond delay="0"/>
+                                          </p:stCondLst>
+                                        </p:cTn>
+                                        <p:tgtEl>
+                                          <p:spTgt spid="118"/>
                                         </p:tgtEl>
                                         <p:attrNameLst>
                                           <p:attrName>style.visibility</p:attrName>
@@ -22688,32 +23339,32 @@
                     </p:cTn>
                   </p:par>
                   <p:par>
-                    <p:cTn id="93" fill="hold">
+                    <p:cTn id="95" fill="hold">
                       <p:stCondLst>
                         <p:cond delay="indefinite"/>
                       </p:stCondLst>
                       <p:childTnLst>
                         <p:par>
-                          <p:cTn id="94" fill="hold">
+                          <p:cTn id="96" fill="hold">
                             <p:stCondLst>
                               <p:cond delay="0"/>
                             </p:stCondLst>
                             <p:childTnLst>
                               <p:par>
-                                <p:cTn id="95" presetID="1" presetClass="entr" presetSubtype="0" fill="hold" grpId="0" nodeType="clickEffect">
+                                <p:cTn id="97" presetID="1" presetClass="entr" presetSubtype="0" fill="hold" nodeType="clickEffect">
                                   <p:stCondLst>
                                     <p:cond delay="0"/>
                                   </p:stCondLst>
                                   <p:childTnLst>
                                     <p:set>
                                       <p:cBhvr>
-                                        <p:cTn id="96" dur="1" fill="hold">
+                                        <p:cTn id="98" dur="1" fill="hold">
                                           <p:stCondLst>
                                             <p:cond delay="0"/>
                                           </p:stCondLst>
                                         </p:cTn>
                                         <p:tgtEl>
-                                          <p:spTgt spid="85"/>
+                                          <p:spTgt spid="153"/>
                                         </p:tgtEl>
                                         <p:attrNameLst>
                                           <p:attrName>style.visibility</p:attrName>
@@ -22726,26 +23377,8 @@
                                   </p:childTnLst>
                                 </p:cTn>
                               </p:par>
-                            </p:childTnLst>
-                          </p:cTn>
-                        </p:par>
-                      </p:childTnLst>
-                    </p:cTn>
-                  </p:par>
-                  <p:par>
-                    <p:cTn id="97" fill="hold">
-                      <p:stCondLst>
-                        <p:cond delay="indefinite"/>
-                      </p:stCondLst>
-                      <p:childTnLst>
-                        <p:par>
-                          <p:cTn id="98" fill="hold">
-                            <p:stCondLst>
-                              <p:cond delay="0"/>
-                            </p:stCondLst>
-                            <p:childTnLst>
                               <p:par>
-                                <p:cTn id="99" presetID="1" presetClass="entr" presetSubtype="0" fill="hold" grpId="0" nodeType="clickEffect">
+                                <p:cTn id="99" presetID="1" presetClass="entr" presetSubtype="0" fill="hold" grpId="0" nodeType="withEffect">
                                   <p:stCondLst>
                                     <p:cond delay="0"/>
                                   </p:stCondLst>
@@ -22758,7 +23391,7 @@
                                           </p:stCondLst>
                                         </p:cTn>
                                         <p:tgtEl>
-                                          <p:spTgt spid="69"/>
+                                          <p:spTgt spid="167"/>
                                         </p:tgtEl>
                                         <p:attrNameLst>
                                           <p:attrName>style.visibility</p:attrName>
@@ -22785,7 +23418,7 @@
                                           </p:stCondLst>
                                         </p:cTn>
                                         <p:tgtEl>
-                                          <p:spTgt spid="171"/>
+                                          <p:spTgt spid="164"/>
                                         </p:tgtEl>
                                         <p:attrNameLst>
                                           <p:attrName>style.visibility</p:attrName>
@@ -22798,26 +23431,35 @@
                                   </p:childTnLst>
                                 </p:cTn>
                               </p:par>
-                            </p:childTnLst>
-                          </p:cTn>
-                        </p:par>
-                      </p:childTnLst>
-                    </p:cTn>
-                  </p:par>
-                  <p:par>
-                    <p:cTn id="103" fill="hold">
-                      <p:stCondLst>
-                        <p:cond delay="indefinite"/>
-                      </p:stCondLst>
-                      <p:childTnLst>
-                        <p:par>
-                          <p:cTn id="104" fill="hold">
-                            <p:stCondLst>
-                              <p:cond delay="0"/>
-                            </p:stCondLst>
-                            <p:childTnLst>
                               <p:par>
-                                <p:cTn id="105" presetID="1" presetClass="entr" presetSubtype="0" fill="hold" nodeType="clickEffect">
+                                <p:cTn id="103" presetID="1" presetClass="entr" presetSubtype="0" fill="hold" grpId="0" nodeType="withEffect">
+                                  <p:stCondLst>
+                                    <p:cond delay="0"/>
+                                  </p:stCondLst>
+                                  <p:childTnLst>
+                                    <p:set>
+                                      <p:cBhvr>
+                                        <p:cTn id="104" dur="1" fill="hold">
+                                          <p:stCondLst>
+                                            <p:cond delay="0"/>
+                                          </p:stCondLst>
+                                        </p:cTn>
+                                        <p:tgtEl>
+                                          <p:spTgt spid="163"/>
+                                        </p:tgtEl>
+                                        <p:attrNameLst>
+                                          <p:attrName>style.visibility</p:attrName>
+                                        </p:attrNameLst>
+                                      </p:cBhvr>
+                                      <p:to>
+                                        <p:strVal val="visible"/>
+                                      </p:to>
+                                    </p:set>
+                                  </p:childTnLst>
+                                </p:cTn>
+                              </p:par>
+                              <p:par>
+                                <p:cTn id="105" presetID="1" presetClass="entr" presetSubtype="0" fill="hold" nodeType="withEffect">
                                   <p:stCondLst>
                                     <p:cond delay="0"/>
                                   </p:stCondLst>
@@ -22830,7 +23472,7 @@
                                           </p:stCondLst>
                                         </p:cTn>
                                         <p:tgtEl>
-                                          <p:spTgt spid="91"/>
+                                          <p:spTgt spid="149"/>
                                         </p:tgtEl>
                                         <p:attrNameLst>
                                           <p:attrName>style.visibility</p:attrName>
@@ -22857,7 +23499,7 @@
                                           </p:stCondLst>
                                         </p:cTn>
                                         <p:tgtEl>
-                                          <p:spTgt spid="117"/>
+                                          <p:spTgt spid="36"/>
                                         </p:tgtEl>
                                         <p:attrNameLst>
                                           <p:attrName>style.visibility</p:attrName>
@@ -22870,35 +23512,26 @@
                                   </p:childTnLst>
                                 </p:cTn>
                               </p:par>
+                            </p:childTnLst>
+                          </p:cTn>
+                        </p:par>
+                      </p:childTnLst>
+                    </p:cTn>
+                  </p:par>
+                  <p:par>
+                    <p:cTn id="109" fill="hold">
+                      <p:stCondLst>
+                        <p:cond delay="indefinite"/>
+                      </p:stCondLst>
+                      <p:childTnLst>
+                        <p:par>
+                          <p:cTn id="110" fill="hold">
+                            <p:stCondLst>
+                              <p:cond delay="0"/>
+                            </p:stCondLst>
+                            <p:childTnLst>
                               <p:par>
-                                <p:cTn id="109" presetID="1" presetClass="entr" presetSubtype="0" fill="hold" grpId="0" nodeType="withEffect">
-                                  <p:stCondLst>
-                                    <p:cond delay="0"/>
-                                  </p:stCondLst>
-                                  <p:childTnLst>
-                                    <p:set>
-                                      <p:cBhvr>
-                                        <p:cTn id="110" dur="1" fill="hold">
-                                          <p:stCondLst>
-                                            <p:cond delay="0"/>
-                                          </p:stCondLst>
-                                        </p:cTn>
-                                        <p:tgtEl>
-                                          <p:spTgt spid="185"/>
-                                        </p:tgtEl>
-                                        <p:attrNameLst>
-                                          <p:attrName>style.visibility</p:attrName>
-                                        </p:attrNameLst>
-                                      </p:cBhvr>
-                                      <p:to>
-                                        <p:strVal val="visible"/>
-                                      </p:to>
-                                    </p:set>
-                                  </p:childTnLst>
-                                </p:cTn>
-                              </p:par>
-                              <p:par>
-                                <p:cTn id="111" presetID="1" presetClass="entr" presetSubtype="0" fill="hold" grpId="0" nodeType="withEffect">
+                                <p:cTn id="111" presetID="1" presetClass="entr" presetSubtype="0" fill="hold" grpId="0" nodeType="clickEffect">
                                   <p:stCondLst>
                                     <p:cond delay="0"/>
                                   </p:stCondLst>
@@ -22911,7 +23544,7 @@
                                           </p:stCondLst>
                                         </p:cTn>
                                         <p:tgtEl>
-                                          <p:spTgt spid="131"/>
+                                          <p:spTgt spid="85"/>
                                         </p:tgtEl>
                                         <p:attrNameLst>
                                           <p:attrName>style.visibility</p:attrName>
@@ -22938,34 +23571,7 @@
                                           </p:stCondLst>
                                         </p:cTn>
                                         <p:tgtEl>
-                                          <p:spTgt spid="133"/>
-                                        </p:tgtEl>
-                                        <p:attrNameLst>
-                                          <p:attrName>style.visibility</p:attrName>
-                                        </p:attrNameLst>
-                                      </p:cBhvr>
-                                      <p:to>
-                                        <p:strVal val="visible"/>
-                                      </p:to>
-                                    </p:set>
-                                  </p:childTnLst>
-                                </p:cTn>
-                              </p:par>
-                              <p:par>
-                                <p:cTn id="115" presetID="1" presetClass="entr" presetSubtype="0" fill="hold" nodeType="withEffect">
-                                  <p:stCondLst>
-                                    <p:cond delay="0"/>
-                                  </p:stCondLst>
-                                  <p:childTnLst>
-                                    <p:set>
-                                      <p:cBhvr>
-                                        <p:cTn id="116" dur="1" fill="hold">
-                                          <p:stCondLst>
-                                            <p:cond delay="0"/>
-                                          </p:stCondLst>
-                                        </p:cTn>
-                                        <p:tgtEl>
-                                          <p:spTgt spid="165"/>
+                                          <p:spTgt spid="26"/>
                                         </p:tgtEl>
                                         <p:attrNameLst>
                                           <p:attrName>style.visibility</p:attrName>
@@ -22985,19 +23591,46 @@
                     </p:cTn>
                   </p:par>
                   <p:par>
-                    <p:cTn id="117" fill="hold">
+                    <p:cTn id="115" fill="hold">
                       <p:stCondLst>
                         <p:cond delay="indefinite"/>
                       </p:stCondLst>
                       <p:childTnLst>
                         <p:par>
-                          <p:cTn id="118" fill="hold">
+                          <p:cTn id="116" fill="hold">
                             <p:stCondLst>
                               <p:cond delay="0"/>
                             </p:stCondLst>
                             <p:childTnLst>
                               <p:par>
-                                <p:cTn id="119" presetID="1" presetClass="entr" presetSubtype="0" fill="hold" grpId="0" nodeType="clickEffect">
+                                <p:cTn id="117" presetID="1" presetClass="entr" presetSubtype="0" fill="hold" grpId="0" nodeType="clickEffect">
+                                  <p:stCondLst>
+                                    <p:cond delay="0"/>
+                                  </p:stCondLst>
+                                  <p:childTnLst>
+                                    <p:set>
+                                      <p:cBhvr>
+                                        <p:cTn id="118" dur="1" fill="hold">
+                                          <p:stCondLst>
+                                            <p:cond delay="0"/>
+                                          </p:stCondLst>
+                                        </p:cTn>
+                                        <p:tgtEl>
+                                          <p:spTgt spid="69"/>
+                                        </p:tgtEl>
+                                        <p:attrNameLst>
+                                          <p:attrName>style.visibility</p:attrName>
+                                        </p:attrNameLst>
+                                      </p:cBhvr>
+                                      <p:to>
+                                        <p:strVal val="visible"/>
+                                      </p:to>
+                                    </p:set>
+                                  </p:childTnLst>
+                                </p:cTn>
+                              </p:par>
+                              <p:par>
+                                <p:cTn id="119" presetID="1" presetClass="entr" presetSubtype="0" fill="hold" grpId="0" nodeType="withEffect">
                                   <p:stCondLst>
                                     <p:cond delay="0"/>
                                   </p:stCondLst>
@@ -23005,6 +23638,78 @@
                                     <p:set>
                                       <p:cBhvr>
                                         <p:cTn id="120" dur="1" fill="hold">
+                                          <p:stCondLst>
+                                            <p:cond delay="0"/>
+                                          </p:stCondLst>
+                                        </p:cTn>
+                                        <p:tgtEl>
+                                          <p:spTgt spid="171"/>
+                                        </p:tgtEl>
+                                        <p:attrNameLst>
+                                          <p:attrName>style.visibility</p:attrName>
+                                        </p:attrNameLst>
+                                      </p:cBhvr>
+                                      <p:to>
+                                        <p:strVal val="visible"/>
+                                      </p:to>
+                                    </p:set>
+                                  </p:childTnLst>
+                                </p:cTn>
+                              </p:par>
+                              <p:par>
+                                <p:cTn id="121" presetID="1" presetClass="entr" presetSubtype="0" fill="hold" grpId="0" nodeType="withEffect">
+                                  <p:stCondLst>
+                                    <p:cond delay="0"/>
+                                  </p:stCondLst>
+                                  <p:childTnLst>
+                                    <p:set>
+                                      <p:cBhvr>
+                                        <p:cTn id="122" dur="1" fill="hold">
+                                          <p:stCondLst>
+                                            <p:cond delay="0"/>
+                                          </p:stCondLst>
+                                        </p:cTn>
+                                        <p:tgtEl>
+                                          <p:spTgt spid="28"/>
+                                        </p:tgtEl>
+                                        <p:attrNameLst>
+                                          <p:attrName>style.visibility</p:attrName>
+                                        </p:attrNameLst>
+                                      </p:cBhvr>
+                                      <p:to>
+                                        <p:strVal val="visible"/>
+                                      </p:to>
+                                    </p:set>
+                                  </p:childTnLst>
+                                </p:cTn>
+                              </p:par>
+                            </p:childTnLst>
+                          </p:cTn>
+                        </p:par>
+                      </p:childTnLst>
+                    </p:cTn>
+                  </p:par>
+                  <p:par>
+                    <p:cTn id="123" fill="hold">
+                      <p:stCondLst>
+                        <p:cond delay="indefinite"/>
+                      </p:stCondLst>
+                      <p:childTnLst>
+                        <p:par>
+                          <p:cTn id="124" fill="hold">
+                            <p:stCondLst>
+                              <p:cond delay="0"/>
+                            </p:stCondLst>
+                            <p:childTnLst>
+                              <p:par>
+                                <p:cTn id="125" presetID="1" presetClass="entr" presetSubtype="0" fill="hold" grpId="0" nodeType="clickEffect">
+                                  <p:stCondLst>
+                                    <p:cond delay="0"/>
+                                  </p:stCondLst>
+                                  <p:childTnLst>
+                                    <p:set>
+                                      <p:cBhvr>
+                                        <p:cTn id="126" dur="1" fill="hold">
                                           <p:stCondLst>
                                             <p:cond delay="0"/>
                                           </p:stCondLst>
@@ -23024,20 +23729,200 @@
                                 </p:cTn>
                               </p:par>
                               <p:par>
-                                <p:cTn id="121" presetID="1" presetClass="entr" presetSubtype="0" fill="hold" nodeType="withEffect">
+                                <p:cTn id="127" presetID="1" presetClass="entr" presetSubtype="0" fill="hold" nodeType="withEffect">
                                   <p:stCondLst>
                                     <p:cond delay="0"/>
                                   </p:stCondLst>
                                   <p:childTnLst>
                                     <p:set>
                                       <p:cBhvr>
-                                        <p:cTn id="122" dur="1" fill="hold">
+                                        <p:cTn id="128" dur="1" fill="hold">
                                           <p:stCondLst>
                                             <p:cond delay="0"/>
                                           </p:stCondLst>
                                         </p:cTn>
                                         <p:tgtEl>
                                           <p:spTgt spid="172"/>
+                                        </p:tgtEl>
+                                        <p:attrNameLst>
+                                          <p:attrName>style.visibility</p:attrName>
+                                        </p:attrNameLst>
+                                      </p:cBhvr>
+                                      <p:to>
+                                        <p:strVal val="visible"/>
+                                      </p:to>
+                                    </p:set>
+                                  </p:childTnLst>
+                                </p:cTn>
+                              </p:par>
+                            </p:childTnLst>
+                          </p:cTn>
+                        </p:par>
+                      </p:childTnLst>
+                    </p:cTn>
+                  </p:par>
+                  <p:par>
+                    <p:cTn id="129" fill="hold">
+                      <p:stCondLst>
+                        <p:cond delay="indefinite"/>
+                      </p:stCondLst>
+                      <p:childTnLst>
+                        <p:par>
+                          <p:cTn id="130" fill="hold">
+                            <p:stCondLst>
+                              <p:cond delay="0"/>
+                            </p:stCondLst>
+                            <p:childTnLst>
+                              <p:par>
+                                <p:cTn id="131" presetID="1" presetClass="entr" presetSubtype="0" fill="hold" nodeType="clickEffect">
+                                  <p:stCondLst>
+                                    <p:cond delay="0"/>
+                                  </p:stCondLst>
+                                  <p:childTnLst>
+                                    <p:set>
+                                      <p:cBhvr>
+                                        <p:cTn id="132" dur="1" fill="hold">
+                                          <p:stCondLst>
+                                            <p:cond delay="0"/>
+                                          </p:stCondLst>
+                                        </p:cTn>
+                                        <p:tgtEl>
+                                          <p:spTgt spid="91"/>
+                                        </p:tgtEl>
+                                        <p:attrNameLst>
+                                          <p:attrName>style.visibility</p:attrName>
+                                        </p:attrNameLst>
+                                      </p:cBhvr>
+                                      <p:to>
+                                        <p:strVal val="visible"/>
+                                      </p:to>
+                                    </p:set>
+                                  </p:childTnLst>
+                                </p:cTn>
+                              </p:par>
+                              <p:par>
+                                <p:cTn id="133" presetID="1" presetClass="entr" presetSubtype="0" fill="hold" grpId="0" nodeType="withEffect">
+                                  <p:stCondLst>
+                                    <p:cond delay="0"/>
+                                  </p:stCondLst>
+                                  <p:childTnLst>
+                                    <p:set>
+                                      <p:cBhvr>
+                                        <p:cTn id="134" dur="1" fill="hold">
+                                          <p:stCondLst>
+                                            <p:cond delay="0"/>
+                                          </p:stCondLst>
+                                        </p:cTn>
+                                        <p:tgtEl>
+                                          <p:spTgt spid="117"/>
+                                        </p:tgtEl>
+                                        <p:attrNameLst>
+                                          <p:attrName>style.visibility</p:attrName>
+                                        </p:attrNameLst>
+                                      </p:cBhvr>
+                                      <p:to>
+                                        <p:strVal val="visible"/>
+                                      </p:to>
+                                    </p:set>
+                                  </p:childTnLst>
+                                </p:cTn>
+                              </p:par>
+                              <p:par>
+                                <p:cTn id="135" presetID="1" presetClass="entr" presetSubtype="0" fill="hold" grpId="0" nodeType="withEffect">
+                                  <p:stCondLst>
+                                    <p:cond delay="0"/>
+                                  </p:stCondLst>
+                                  <p:childTnLst>
+                                    <p:set>
+                                      <p:cBhvr>
+                                        <p:cTn id="136" dur="1" fill="hold">
+                                          <p:stCondLst>
+                                            <p:cond delay="0"/>
+                                          </p:stCondLst>
+                                        </p:cTn>
+                                        <p:tgtEl>
+                                          <p:spTgt spid="185"/>
+                                        </p:tgtEl>
+                                        <p:attrNameLst>
+                                          <p:attrName>style.visibility</p:attrName>
+                                        </p:attrNameLst>
+                                      </p:cBhvr>
+                                      <p:to>
+                                        <p:strVal val="visible"/>
+                                      </p:to>
+                                    </p:set>
+                                  </p:childTnLst>
+                                </p:cTn>
+                              </p:par>
+                              <p:par>
+                                <p:cTn id="137" presetID="1" presetClass="entr" presetSubtype="0" fill="hold" grpId="0" nodeType="withEffect">
+                                  <p:stCondLst>
+                                    <p:cond delay="0"/>
+                                  </p:stCondLst>
+                                  <p:childTnLst>
+                                    <p:set>
+                                      <p:cBhvr>
+                                        <p:cTn id="138" dur="1" fill="hold">
+                                          <p:stCondLst>
+                                            <p:cond delay="0"/>
+                                          </p:stCondLst>
+                                        </p:cTn>
+                                        <p:tgtEl>
+                                          <p:spTgt spid="131"/>
+                                        </p:tgtEl>
+                                        <p:attrNameLst>
+                                          <p:attrName>style.visibility</p:attrName>
+                                        </p:attrNameLst>
+                                      </p:cBhvr>
+                                      <p:to>
+                                        <p:strVal val="visible"/>
+                                      </p:to>
+                                    </p:set>
+                                  </p:childTnLst>
+                                </p:cTn>
+                              </p:par>
+                              <p:par>
+                                <p:cTn id="139" presetID="1" presetClass="entr" presetSubtype="0" fill="hold" grpId="0" nodeType="withEffect">
+                                  <p:stCondLst>
+                                    <p:cond delay="0"/>
+                                  </p:stCondLst>
+                                  <p:childTnLst>
+                                    <p:set>
+                                      <p:cBhvr>
+                                        <p:cTn id="140" dur="1" fill="hold">
+                                          <p:stCondLst>
+                                            <p:cond delay="0"/>
+                                          </p:stCondLst>
+                                        </p:cTn>
+                                        <p:tgtEl>
+                                          <p:spTgt spid="133"/>
+                                        </p:tgtEl>
+                                        <p:attrNameLst>
+                                          <p:attrName>style.visibility</p:attrName>
+                                        </p:attrNameLst>
+                                      </p:cBhvr>
+                                      <p:to>
+                                        <p:strVal val="visible"/>
+                                      </p:to>
+                                    </p:set>
+                                  </p:childTnLst>
+                                </p:cTn>
+                              </p:par>
+                              <p:par>
+                                <p:cTn id="141" presetID="1" presetClass="entr" presetSubtype="0" fill="hold" nodeType="withEffect">
+                                  <p:stCondLst>
+                                    <p:cond delay="0"/>
+                                  </p:stCondLst>
+                                  <p:childTnLst>
+                                    <p:set>
+                                      <p:cBhvr>
+                                        <p:cTn id="142" dur="1" fill="hold">
+                                          <p:stCondLst>
+                                            <p:cond delay="0"/>
+                                          </p:stCondLst>
+                                        </p:cTn>
+                                        <p:tgtEl>
+                                          <p:spTgt spid="165"/>
                                         </p:tgtEl>
                                         <p:attrNameLst>
                                           <p:attrName>style.visibility</p:attrName>
@@ -23078,6 +23963,7 @@
       </p:par>
     </p:tnLst>
     <p:bldLst>
+      <p:bldP spid="23" grpId="0" animBg="1"/>
       <p:bldP spid="69" grpId="0" animBg="1"/>
       <p:bldP spid="84" grpId="0" animBg="1"/>
       <p:bldP spid="85" grpId="0" animBg="1"/>
@@ -23101,6 +23987,15 @@
       <p:bldP spid="185" grpId="0" animBg="1"/>
       <p:bldP spid="18" grpId="0" animBg="1"/>
       <p:bldP spid="19" grpId="0" animBg="1"/>
+      <p:bldP spid="24" grpId="0" animBg="1"/>
+      <p:bldP spid="26" grpId="0" animBg="1"/>
+      <p:bldP spid="28" grpId="0" animBg="1"/>
+      <p:bldP spid="30" grpId="0" animBg="1"/>
+      <p:bldP spid="31" grpId="0" animBg="1"/>
+      <p:bldP spid="33" grpId="0" animBg="1"/>
+      <p:bldP spid="34" grpId="0" animBg="1"/>
+      <p:bldP spid="35" grpId="0" animBg="1"/>
+      <p:bldP spid="36" grpId="0" animBg="1"/>
     </p:bldLst>
   </p:timing>
 </p:sld>
@@ -23157,7 +24052,7 @@
           <a:p>
             <a:r>
               <a:rPr lang="fr-FR" dirty="0"/>
-              <a:t>Pipeline Training &amp; Monitoring</a:t>
+              <a:t>Versioning des données</a:t>
             </a:r>
             <a:endParaRPr lang="en-US" dirty="0"/>
           </a:p>
@@ -23283,6 +24178,1418 @@
         </p:nvSpPr>
         <p:spPr>
           <a:xfrm>
+            <a:off x="828773" y="1198563"/>
+            <a:ext cx="10963275" cy="5155078"/>
+          </a:xfrm>
+        </p:spPr>
+        <p:txBody>
+          <a:bodyPr/>
+          <a:lstStyle/>
+          <a:p>
+            <a:r>
+              <a:rPr lang="fr-FR" dirty="0"/>
+              <a:t>Docker TRAINING-Admin-Backend</a:t>
+            </a:r>
+          </a:p>
+          <a:p>
+            <a:pPr lvl="1"/>
+            <a:r>
+              <a:rPr lang="fr-FR" dirty="0"/>
+              <a:t>Au lancement du docker : Les données sont initialisées</a:t>
+            </a:r>
+          </a:p>
+          <a:p>
+            <a:pPr lvl="2"/>
+            <a:r>
+              <a:rPr lang="fr-FR" b="1" dirty="0"/>
+              <a:t>git clone</a:t>
+            </a:r>
+          </a:p>
+          <a:p>
+            <a:pPr lvl="2"/>
+            <a:r>
+              <a:rPr lang="fr-FR" b="1" dirty="0" err="1"/>
+              <a:t>dvc</a:t>
+            </a:r>
+            <a:r>
+              <a:rPr lang="fr-FR" b="1" dirty="0"/>
+              <a:t> pull</a:t>
+            </a:r>
+          </a:p>
+          <a:p>
+            <a:pPr lvl="1"/>
+            <a:r>
+              <a:rPr lang="fr-FR" dirty="0"/>
+              <a:t>Ce docker tourne en continu</a:t>
+            </a:r>
+          </a:p>
+          <a:p>
+            <a:pPr lvl="1"/>
+            <a:r>
+              <a:rPr lang="fr-FR" dirty="0"/>
+              <a:t>Gestion des données dans une branche /Prod sous Git</a:t>
+            </a:r>
+          </a:p>
+          <a:p>
+            <a:pPr lvl="1"/>
+            <a:r>
+              <a:rPr lang="fr-FR" sz="2400" dirty="0">
+                <a:solidFill>
+                  <a:schemeClr val="accent5"/>
+                </a:solidFill>
+              </a:rPr>
+              <a:t>/train</a:t>
+            </a:r>
+          </a:p>
+          <a:p>
+            <a:pPr lvl="2"/>
+            <a:r>
+              <a:rPr lang="fr-FR" dirty="0"/>
+              <a:t>Pipeline DVC exécutée avec </a:t>
+            </a:r>
+            <a:r>
+              <a:rPr lang="fr-FR" b="1" dirty="0" err="1"/>
+              <a:t>dvc</a:t>
+            </a:r>
+            <a:r>
+              <a:rPr lang="fr-FR" b="1" dirty="0"/>
+              <a:t> repro</a:t>
+            </a:r>
+          </a:p>
+          <a:p>
+            <a:pPr lvl="2"/>
+            <a:r>
+              <a:rPr lang="en-US" dirty="0" err="1"/>
+              <a:t>dvc</a:t>
+            </a:r>
+            <a:r>
+              <a:rPr lang="en-US" dirty="0"/>
+              <a:t> </a:t>
+            </a:r>
+            <a:r>
+              <a:rPr lang="en-US" b="1" dirty="0"/>
+              <a:t>commit</a:t>
+            </a:r>
+            <a:r>
+              <a:rPr lang="en-US" dirty="0"/>
+              <a:t> / git </a:t>
+            </a:r>
+            <a:r>
+              <a:rPr lang="en-US" b="1" dirty="0"/>
+              <a:t>commit </a:t>
+            </a:r>
+            <a:r>
+              <a:rPr lang="en-US" dirty="0"/>
+              <a:t>/ </a:t>
+            </a:r>
+            <a:r>
+              <a:rPr lang="en-US" dirty="0" err="1"/>
+              <a:t>dvc</a:t>
+            </a:r>
+            <a:r>
+              <a:rPr lang="en-US" dirty="0"/>
+              <a:t> </a:t>
+            </a:r>
+            <a:r>
+              <a:rPr lang="en-US" b="1" dirty="0"/>
+              <a:t>push </a:t>
+            </a:r>
+            <a:r>
+              <a:rPr lang="en-US" dirty="0"/>
+              <a:t>/ git </a:t>
+            </a:r>
+            <a:r>
+              <a:rPr lang="en-US" b="1" dirty="0"/>
+              <a:t>push</a:t>
+            </a:r>
+          </a:p>
+          <a:p>
+            <a:pPr lvl="2"/>
+            <a:r>
+              <a:rPr lang="en-US" dirty="0" err="1"/>
+              <a:t>Récupération</a:t>
+            </a:r>
+            <a:r>
+              <a:rPr lang="en-US" dirty="0"/>
+              <a:t> du Git Hash </a:t>
+            </a:r>
+            <a:r>
+              <a:rPr lang="en-US" dirty="0">
+                <a:sym typeface="Wingdings" panose="05000000000000000000" pitchFamily="2" charset="2"/>
+              </a:rPr>
+              <a:t> Stockage sur</a:t>
+            </a:r>
+            <a:endParaRPr lang="en-US" dirty="0"/>
+          </a:p>
+          <a:p>
+            <a:r>
+              <a:rPr lang="en-US" dirty="0" err="1"/>
+              <a:t>Reproductibilité</a:t>
+            </a:r>
+            <a:r>
+              <a:rPr lang="en-US" dirty="0"/>
+              <a:t> et retour </a:t>
+            </a:r>
+            <a:r>
+              <a:rPr lang="en-US" dirty="0" err="1"/>
+              <a:t>en</a:t>
+            </a:r>
+            <a:r>
+              <a:rPr lang="en-US" dirty="0"/>
+              <a:t> </a:t>
+            </a:r>
+            <a:r>
+              <a:rPr lang="en-US" dirty="0" err="1"/>
+              <a:t>arrière</a:t>
+            </a:r>
+            <a:endParaRPr lang="en-US" dirty="0"/>
+          </a:p>
+          <a:p>
+            <a:pPr lvl="1"/>
+            <a:r>
+              <a:rPr lang="fr-FR" dirty="0"/>
+              <a:t> </a:t>
+            </a:r>
+            <a:r>
+              <a:rPr lang="fr-FR" dirty="0">
+                <a:solidFill>
+                  <a:schemeClr val="accent5"/>
+                </a:solidFill>
+              </a:rPr>
+              <a:t>/</a:t>
+            </a:r>
+            <a:r>
+              <a:rPr lang="fr-FR" dirty="0" err="1">
+                <a:solidFill>
+                  <a:schemeClr val="accent5"/>
+                </a:solidFill>
+              </a:rPr>
+              <a:t>revert_to_commit</a:t>
+            </a:r>
+            <a:r>
+              <a:rPr lang="fr-FR" dirty="0">
+                <a:solidFill>
+                  <a:schemeClr val="accent5"/>
+                </a:solidFill>
+              </a:rPr>
+              <a:t> </a:t>
+            </a:r>
+            <a:r>
+              <a:rPr lang="fr-FR" dirty="0"/>
+              <a:t>restaure le contenu avec git/</a:t>
+            </a:r>
+            <a:r>
+              <a:rPr lang="fr-FR" dirty="0" err="1"/>
+              <a:t>dvc</a:t>
+            </a:r>
+            <a:endParaRPr lang="fr-FR" dirty="0"/>
+          </a:p>
+          <a:p>
+            <a:endParaRPr lang="en-US" dirty="0"/>
+          </a:p>
+          <a:p>
+            <a:pPr lvl="1"/>
+            <a:endParaRPr lang="en-US" b="1" dirty="0"/>
+          </a:p>
+          <a:p>
+            <a:pPr marL="914400" lvl="2" indent="0">
+              <a:buNone/>
+            </a:pPr>
+            <a:endParaRPr lang="fr-FR" dirty="0"/>
+          </a:p>
+          <a:p>
+            <a:pPr lvl="2"/>
+            <a:endParaRPr lang="fr-FR" dirty="0"/>
+          </a:p>
+          <a:p>
+            <a:pPr lvl="2"/>
+            <a:endParaRPr lang="fr-FR" dirty="0"/>
+          </a:p>
+          <a:p>
+            <a:endParaRPr lang="fr-FR" dirty="0"/>
+          </a:p>
+        </p:txBody>
+      </p:sp>
+      <p:pic>
+        <p:nvPicPr>
+          <p:cNvPr id="15" name="Image 14" descr="Une image contenant Police, logo, symbole, Graphique&#10;&#10;Le contenu généré par l’IA peut être incorrect.">
+            <a:extLst>
+              <a:ext uri="{FF2B5EF4-FFF2-40B4-BE49-F238E27FC236}">
+                <a16:creationId xmlns:a16="http://schemas.microsoft.com/office/drawing/2014/main" id="{E0030924-02DA-B594-C11C-D6AC724A83F0}"/>
+              </a:ext>
+            </a:extLst>
+          </p:cNvPr>
+          <p:cNvPicPr>
+            <a:picLocks noChangeAspect="1"/>
+          </p:cNvPicPr>
+          <p:nvPr/>
+        </p:nvPicPr>
+        <p:blipFill>
+          <a:blip r:embed="rId2"/>
+          <a:srcRect l="-3197" t="27080" r="-3106" b="27204"/>
+          <a:stretch/>
+        </p:blipFill>
+        <p:spPr>
+          <a:xfrm>
+            <a:off x="6237925" y="234372"/>
+            <a:ext cx="1170212" cy="503265"/>
+          </a:xfrm>
+          <a:prstGeom prst="rect">
+            <a:avLst/>
+          </a:prstGeom>
+        </p:spPr>
+      </p:pic>
+      <p:pic>
+        <p:nvPicPr>
+          <p:cNvPr id="16" name="Image 15" descr="Une image contenant Graphique, logo, graphisme, Police&#10;&#10;Le contenu généré par l’IA peut être incorrect.">
+            <a:extLst>
+              <a:ext uri="{FF2B5EF4-FFF2-40B4-BE49-F238E27FC236}">
+                <a16:creationId xmlns:a16="http://schemas.microsoft.com/office/drawing/2014/main" id="{5223911B-3BA6-D000-192D-9E012F5D72E6}"/>
+              </a:ext>
+            </a:extLst>
+          </p:cNvPr>
+          <p:cNvPicPr>
+            <a:picLocks noChangeAspect="1"/>
+          </p:cNvPicPr>
+          <p:nvPr/>
+        </p:nvPicPr>
+        <p:blipFill>
+          <a:blip r:embed="rId3"/>
+          <a:srcRect l="30906" t="24775" r="30861" b="29405"/>
+          <a:stretch/>
+        </p:blipFill>
+        <p:spPr>
+          <a:xfrm>
+            <a:off x="7557545" y="178494"/>
+            <a:ext cx="761300" cy="528870"/>
+          </a:xfrm>
+          <a:prstGeom prst="rect">
+            <a:avLst/>
+          </a:prstGeom>
+        </p:spPr>
+      </p:pic>
+      <p:pic>
+        <p:nvPicPr>
+          <p:cNvPr id="18" name="Image 17">
+            <a:extLst>
+              <a:ext uri="{FF2B5EF4-FFF2-40B4-BE49-F238E27FC236}">
+                <a16:creationId xmlns:a16="http://schemas.microsoft.com/office/drawing/2014/main" id="{0406DD96-0D47-0CBB-77CA-0194E6C41A30}"/>
+              </a:ext>
+            </a:extLst>
+          </p:cNvPr>
+          <p:cNvPicPr>
+            <a:picLocks noChangeAspect="1"/>
+          </p:cNvPicPr>
+          <p:nvPr/>
+        </p:nvPicPr>
+        <p:blipFill>
+          <a:blip r:embed="rId4"/>
+          <a:srcRect l="16004" r="6415"/>
+          <a:stretch/>
+        </p:blipFill>
+        <p:spPr>
+          <a:xfrm>
+            <a:off x="9592362" y="33453"/>
+            <a:ext cx="2554664" cy="6824547"/>
+          </a:xfrm>
+          <a:prstGeom prst="rect">
+            <a:avLst/>
+          </a:prstGeom>
+        </p:spPr>
+      </p:pic>
+      <p:grpSp>
+        <p:nvGrpSpPr>
+          <p:cNvPr id="21" name="Groupe 20">
+            <a:extLst>
+              <a:ext uri="{FF2B5EF4-FFF2-40B4-BE49-F238E27FC236}">
+                <a16:creationId xmlns:a16="http://schemas.microsoft.com/office/drawing/2014/main" id="{7B30AE66-1B3D-18C3-0720-D71B6CF6E7ED}"/>
+              </a:ext>
+            </a:extLst>
+          </p:cNvPr>
+          <p:cNvGrpSpPr/>
+          <p:nvPr/>
+        </p:nvGrpSpPr>
+        <p:grpSpPr>
+          <a:xfrm>
+            <a:off x="6771902" y="4550110"/>
+            <a:ext cx="2273149" cy="385902"/>
+            <a:chOff x="8119532" y="4555035"/>
+            <a:chExt cx="2273149" cy="385902"/>
+          </a:xfrm>
+        </p:grpSpPr>
+        <p:pic>
+          <p:nvPicPr>
+            <p:cNvPr id="19" name="Image 18" descr="Une image contenant dessin humoristique, clipart, Police, lapin&#10;&#10;Le contenu généré par l’IA peut être incorrect.">
+              <a:extLst>
+                <a:ext uri="{FF2B5EF4-FFF2-40B4-BE49-F238E27FC236}">
+                  <a16:creationId xmlns:a16="http://schemas.microsoft.com/office/drawing/2014/main" id="{3F7CA652-F17D-35D5-4835-FA02462BFC9E}"/>
+                </a:ext>
+              </a:extLst>
+            </p:cNvPr>
+            <p:cNvPicPr>
+              <a:picLocks noChangeAspect="1"/>
+            </p:cNvPicPr>
+            <p:nvPr/>
+          </p:nvPicPr>
+          <p:blipFill>
+            <a:blip r:embed="rId5"/>
+            <a:stretch>
+              <a:fillRect/>
+            </a:stretch>
+          </p:blipFill>
+          <p:spPr>
+            <a:xfrm>
+              <a:off x="9110493" y="4555035"/>
+              <a:ext cx="1282188" cy="366339"/>
+            </a:xfrm>
+            <a:prstGeom prst="rect">
+              <a:avLst/>
+            </a:prstGeom>
+          </p:spPr>
+        </p:pic>
+        <p:pic>
+          <p:nvPicPr>
+            <p:cNvPr id="20" name="Image 19" descr="Une image contenant Police, Graphique, graphisme, logo&#10;&#10;Le contenu généré par l’IA peut être incorrect.">
+              <a:extLst>
+                <a:ext uri="{FF2B5EF4-FFF2-40B4-BE49-F238E27FC236}">
+                  <a16:creationId xmlns:a16="http://schemas.microsoft.com/office/drawing/2014/main" id="{EEC13E4E-E6F5-4528-F434-190F4B708E84}"/>
+                </a:ext>
+              </a:extLst>
+            </p:cNvPr>
+            <p:cNvPicPr>
+              <a:picLocks noChangeAspect="1"/>
+            </p:cNvPicPr>
+            <p:nvPr/>
+          </p:nvPicPr>
+          <p:blipFill>
+            <a:blip r:embed="rId6"/>
+            <a:stretch>
+              <a:fillRect/>
+            </a:stretch>
+          </p:blipFill>
+          <p:spPr>
+            <a:xfrm>
+              <a:off x="8119532" y="4574598"/>
+              <a:ext cx="999108" cy="366339"/>
+            </a:xfrm>
+            <a:prstGeom prst="rect">
+              <a:avLst/>
+            </a:prstGeom>
+          </p:spPr>
+        </p:pic>
+      </p:grpSp>
+      <p:grpSp>
+        <p:nvGrpSpPr>
+          <p:cNvPr id="22" name="Groupe 21">
+            <a:extLst>
+              <a:ext uri="{FF2B5EF4-FFF2-40B4-BE49-F238E27FC236}">
+                <a16:creationId xmlns:a16="http://schemas.microsoft.com/office/drawing/2014/main" id="{96043283-506B-E612-EC0E-FFFFD84A3A5C}"/>
+              </a:ext>
+            </a:extLst>
+          </p:cNvPr>
+          <p:cNvGrpSpPr/>
+          <p:nvPr/>
+        </p:nvGrpSpPr>
+        <p:grpSpPr>
+          <a:xfrm>
+            <a:off x="9765970" y="1363176"/>
+            <a:ext cx="982641" cy="969486"/>
+            <a:chOff x="3724650" y="3670213"/>
+            <a:chExt cx="982641" cy="969486"/>
+          </a:xfrm>
+        </p:grpSpPr>
+        <p:sp>
+          <p:nvSpPr>
+            <p:cNvPr id="23" name="ZoneTexte 22">
+              <a:extLst>
+                <a:ext uri="{FF2B5EF4-FFF2-40B4-BE49-F238E27FC236}">
+                  <a16:creationId xmlns:a16="http://schemas.microsoft.com/office/drawing/2014/main" id="{1C4A2E10-5A11-935B-D37D-90D5248488AF}"/>
+                </a:ext>
+              </a:extLst>
+            </p:cNvPr>
+            <p:cNvSpPr txBox="1"/>
+            <p:nvPr/>
+          </p:nvSpPr>
+          <p:spPr>
+            <a:xfrm>
+              <a:off x="3724650" y="3670213"/>
+              <a:ext cx="982641" cy="276999"/>
+            </a:xfrm>
+            <a:prstGeom prst="rect">
+              <a:avLst/>
+            </a:prstGeom>
+            <a:solidFill>
+              <a:schemeClr val="bg1"/>
+            </a:solidFill>
+          </p:spPr>
+          <p:txBody>
+            <a:bodyPr wrap="none" rtlCol="0">
+              <a:spAutoFit/>
+            </a:bodyPr>
+            <a:lstStyle/>
+            <a:p>
+              <a:r>
+                <a:rPr lang="fr-FR" sz="1200" dirty="0" err="1">
+                  <a:solidFill>
+                    <a:schemeClr val="accent6">
+                      <a:lumMod val="75000"/>
+                    </a:schemeClr>
+                  </a:solidFill>
+                </a:rPr>
+                <a:t>Ocerized</a:t>
+              </a:r>
+              <a:r>
+                <a:rPr lang="fr-FR" sz="1200" dirty="0">
+                  <a:solidFill>
+                    <a:schemeClr val="accent6">
+                      <a:lumMod val="75000"/>
+                    </a:schemeClr>
+                  </a:solidFill>
+                </a:rPr>
+                <a:t> txt</a:t>
+              </a:r>
+            </a:p>
+          </p:txBody>
+        </p:sp>
+        <p:pic>
+          <p:nvPicPr>
+            <p:cNvPr id="24" name="Graphique 23" descr="Base de données avec un remplissage uni">
+              <a:extLst>
+                <a:ext uri="{FF2B5EF4-FFF2-40B4-BE49-F238E27FC236}">
+                  <a16:creationId xmlns:a16="http://schemas.microsoft.com/office/drawing/2014/main" id="{A0771888-FA3D-2ED4-137E-544CAB3F3645}"/>
+                </a:ext>
+              </a:extLst>
+            </p:cNvPr>
+            <p:cNvPicPr>
+              <a:picLocks noChangeAspect="1"/>
+            </p:cNvPicPr>
+            <p:nvPr/>
+          </p:nvPicPr>
+          <p:blipFill>
+            <a:blip r:embed="rId7">
+              <a:extLst>
+                <a:ext uri="{96DAC541-7B7A-43D3-8B79-37D633B846F1}">
+                  <asvg:svgBlip xmlns:asvg="http://schemas.microsoft.com/office/drawing/2016/SVG/main" r:embed="rId8"/>
+                </a:ext>
+              </a:extLst>
+            </a:blip>
+            <a:stretch>
+              <a:fillRect/>
+            </a:stretch>
+          </p:blipFill>
+          <p:spPr>
+            <a:xfrm>
+              <a:off x="3823097" y="3917546"/>
+              <a:ext cx="722153" cy="722153"/>
+            </a:xfrm>
+            <a:prstGeom prst="rect">
+              <a:avLst/>
+            </a:prstGeom>
+          </p:spPr>
+        </p:pic>
+      </p:grpSp>
+      <p:grpSp>
+        <p:nvGrpSpPr>
+          <p:cNvPr id="25" name="Groupe 24">
+            <a:extLst>
+              <a:ext uri="{FF2B5EF4-FFF2-40B4-BE49-F238E27FC236}">
+                <a16:creationId xmlns:a16="http://schemas.microsoft.com/office/drawing/2014/main" id="{1473BFCA-3339-4B0B-4BB5-BC82A073E424}"/>
+              </a:ext>
+            </a:extLst>
+          </p:cNvPr>
+          <p:cNvGrpSpPr/>
+          <p:nvPr/>
+        </p:nvGrpSpPr>
+        <p:grpSpPr>
+          <a:xfrm>
+            <a:off x="9820267" y="329583"/>
+            <a:ext cx="736757" cy="896929"/>
+            <a:chOff x="418605" y="3671742"/>
+            <a:chExt cx="736757" cy="896929"/>
+          </a:xfrm>
+        </p:grpSpPr>
+        <p:pic>
+          <p:nvPicPr>
+            <p:cNvPr id="26" name="Graphique 25" descr="Base de données avec un remplissage uni">
+              <a:extLst>
+                <a:ext uri="{FF2B5EF4-FFF2-40B4-BE49-F238E27FC236}">
+                  <a16:creationId xmlns:a16="http://schemas.microsoft.com/office/drawing/2014/main" id="{ECAC4365-8445-6A22-6882-CD8B9D8213ED}"/>
+                </a:ext>
+              </a:extLst>
+            </p:cNvPr>
+            <p:cNvPicPr>
+              <a:picLocks noChangeAspect="1"/>
+            </p:cNvPicPr>
+            <p:nvPr/>
+          </p:nvPicPr>
+          <p:blipFill>
+            <a:blip r:embed="rId7">
+              <a:extLst>
+                <a:ext uri="{96DAC541-7B7A-43D3-8B79-37D633B846F1}">
+                  <asvg:svgBlip xmlns:asvg="http://schemas.microsoft.com/office/drawing/2016/SVG/main" r:embed="rId9"/>
+                </a:ext>
+              </a:extLst>
+            </a:blip>
+            <a:stretch>
+              <a:fillRect/>
+            </a:stretch>
+          </p:blipFill>
+          <p:spPr>
+            <a:xfrm>
+              <a:off x="433209" y="3846518"/>
+              <a:ext cx="722153" cy="722153"/>
+            </a:xfrm>
+            <a:prstGeom prst="rect">
+              <a:avLst/>
+            </a:prstGeom>
+          </p:spPr>
+        </p:pic>
+        <p:sp>
+          <p:nvSpPr>
+            <p:cNvPr id="27" name="ZoneTexte 26">
+              <a:extLst>
+                <a:ext uri="{FF2B5EF4-FFF2-40B4-BE49-F238E27FC236}">
+                  <a16:creationId xmlns:a16="http://schemas.microsoft.com/office/drawing/2014/main" id="{4FED59BB-3FFB-75BB-AFD2-1A1631C76E54}"/>
+                </a:ext>
+              </a:extLst>
+            </p:cNvPr>
+            <p:cNvSpPr txBox="1"/>
+            <p:nvPr/>
+          </p:nvSpPr>
+          <p:spPr>
+            <a:xfrm>
+              <a:off x="418605" y="3671742"/>
+              <a:ext cx="667170" cy="276999"/>
+            </a:xfrm>
+            <a:prstGeom prst="rect">
+              <a:avLst/>
+            </a:prstGeom>
+            <a:noFill/>
+          </p:spPr>
+          <p:txBody>
+            <a:bodyPr wrap="none" rtlCol="0">
+              <a:spAutoFit/>
+            </a:bodyPr>
+            <a:lstStyle/>
+            <a:p>
+              <a:r>
+                <a:rPr lang="fr-FR" sz="1200" dirty="0">
+                  <a:solidFill>
+                    <a:schemeClr val="accent6">
+                      <a:lumMod val="75000"/>
+                    </a:schemeClr>
+                  </a:solidFill>
+                </a:rPr>
+                <a:t>images</a:t>
+              </a:r>
+            </a:p>
+          </p:txBody>
+        </p:sp>
+      </p:grpSp>
+      <p:grpSp>
+        <p:nvGrpSpPr>
+          <p:cNvPr id="28" name="Groupe 27">
+            <a:extLst>
+              <a:ext uri="{FF2B5EF4-FFF2-40B4-BE49-F238E27FC236}">
+                <a16:creationId xmlns:a16="http://schemas.microsoft.com/office/drawing/2014/main" id="{D150C14D-5B90-4DCE-9F5F-157E8517797E}"/>
+              </a:ext>
+            </a:extLst>
+          </p:cNvPr>
+          <p:cNvGrpSpPr/>
+          <p:nvPr/>
+        </p:nvGrpSpPr>
+        <p:grpSpPr>
+          <a:xfrm>
+            <a:off x="10286479" y="4209582"/>
+            <a:ext cx="865173" cy="884775"/>
+            <a:chOff x="5074635" y="5243008"/>
+            <a:chExt cx="865173" cy="884775"/>
+          </a:xfrm>
+        </p:grpSpPr>
+        <p:pic>
+          <p:nvPicPr>
+            <p:cNvPr id="29" name="Graphique 28" descr="Base de données avec un remplissage uni">
+              <a:extLst>
+                <a:ext uri="{FF2B5EF4-FFF2-40B4-BE49-F238E27FC236}">
+                  <a16:creationId xmlns:a16="http://schemas.microsoft.com/office/drawing/2014/main" id="{78DB0856-3288-477F-ABB0-C3EBD018444B}"/>
+                </a:ext>
+              </a:extLst>
+            </p:cNvPr>
+            <p:cNvPicPr>
+              <a:picLocks noChangeAspect="1"/>
+            </p:cNvPicPr>
+            <p:nvPr/>
+          </p:nvPicPr>
+          <p:blipFill>
+            <a:blip r:embed="rId7">
+              <a:extLst>
+                <a:ext uri="{96DAC541-7B7A-43D3-8B79-37D633B846F1}">
+                  <asvg:svgBlip xmlns:asvg="http://schemas.microsoft.com/office/drawing/2016/SVG/main" r:embed="rId8"/>
+                </a:ext>
+              </a:extLst>
+            </a:blip>
+            <a:stretch>
+              <a:fillRect/>
+            </a:stretch>
+          </p:blipFill>
+          <p:spPr>
+            <a:xfrm>
+              <a:off x="5175691" y="5405630"/>
+              <a:ext cx="722153" cy="722153"/>
+            </a:xfrm>
+            <a:prstGeom prst="rect">
+              <a:avLst/>
+            </a:prstGeom>
+          </p:spPr>
+        </p:pic>
+        <p:sp>
+          <p:nvSpPr>
+            <p:cNvPr id="30" name="ZoneTexte 29">
+              <a:extLst>
+                <a:ext uri="{FF2B5EF4-FFF2-40B4-BE49-F238E27FC236}">
+                  <a16:creationId xmlns:a16="http://schemas.microsoft.com/office/drawing/2014/main" id="{EC689107-55B2-6542-EFA9-4F03011A0D32}"/>
+                </a:ext>
+              </a:extLst>
+            </p:cNvPr>
+            <p:cNvSpPr txBox="1"/>
+            <p:nvPr/>
+          </p:nvSpPr>
+          <p:spPr>
+            <a:xfrm>
+              <a:off x="5074635" y="5243008"/>
+              <a:ext cx="865173" cy="276999"/>
+            </a:xfrm>
+            <a:prstGeom prst="rect">
+              <a:avLst/>
+            </a:prstGeom>
+            <a:noFill/>
+          </p:spPr>
+          <p:txBody>
+            <a:bodyPr wrap="none" rtlCol="0">
+              <a:spAutoFit/>
+            </a:bodyPr>
+            <a:lstStyle/>
+            <a:p>
+              <a:r>
+                <a:rPr lang="fr-FR" sz="1200" dirty="0">
+                  <a:solidFill>
+                    <a:schemeClr val="accent6">
+                      <a:lumMod val="75000"/>
+                    </a:schemeClr>
+                  </a:solidFill>
+                </a:rPr>
+                <a:t>Train data</a:t>
+              </a:r>
+            </a:p>
+          </p:txBody>
+        </p:sp>
+      </p:grpSp>
+      <p:grpSp>
+        <p:nvGrpSpPr>
+          <p:cNvPr id="31" name="Groupe 30">
+            <a:extLst>
+              <a:ext uri="{FF2B5EF4-FFF2-40B4-BE49-F238E27FC236}">
+                <a16:creationId xmlns:a16="http://schemas.microsoft.com/office/drawing/2014/main" id="{5698F6D0-4A71-CD9D-6F3D-064C40CF9500}"/>
+              </a:ext>
+            </a:extLst>
+          </p:cNvPr>
+          <p:cNvGrpSpPr/>
+          <p:nvPr/>
+        </p:nvGrpSpPr>
+        <p:grpSpPr>
+          <a:xfrm>
+            <a:off x="11543723" y="5163778"/>
+            <a:ext cx="722153" cy="943256"/>
+            <a:chOff x="7742702" y="3541388"/>
+            <a:chExt cx="722153" cy="943256"/>
+          </a:xfrm>
+        </p:grpSpPr>
+        <p:pic>
+          <p:nvPicPr>
+            <p:cNvPr id="32" name="Graphique 31" descr="Base de données avec un remplissage uni">
+              <a:extLst>
+                <a:ext uri="{FF2B5EF4-FFF2-40B4-BE49-F238E27FC236}">
+                  <a16:creationId xmlns:a16="http://schemas.microsoft.com/office/drawing/2014/main" id="{1AA52FED-334F-517C-4D73-A2B65CC46145}"/>
+                </a:ext>
+              </a:extLst>
+            </p:cNvPr>
+            <p:cNvPicPr>
+              <a:picLocks noChangeAspect="1"/>
+            </p:cNvPicPr>
+            <p:nvPr/>
+          </p:nvPicPr>
+          <p:blipFill>
+            <a:blip r:embed="rId7">
+              <a:extLst>
+                <a:ext uri="{96DAC541-7B7A-43D3-8B79-37D633B846F1}">
+                  <asvg:svgBlip xmlns:asvg="http://schemas.microsoft.com/office/drawing/2016/SVG/main" r:embed="rId8"/>
+                </a:ext>
+              </a:extLst>
+            </a:blip>
+            <a:stretch>
+              <a:fillRect/>
+            </a:stretch>
+          </p:blipFill>
+          <p:spPr>
+            <a:xfrm>
+              <a:off x="7742702" y="3762491"/>
+              <a:ext cx="722153" cy="722153"/>
+            </a:xfrm>
+            <a:prstGeom prst="rect">
+              <a:avLst/>
+            </a:prstGeom>
+          </p:spPr>
+        </p:pic>
+        <p:sp>
+          <p:nvSpPr>
+            <p:cNvPr id="33" name="ZoneTexte 32">
+              <a:extLst>
+                <a:ext uri="{FF2B5EF4-FFF2-40B4-BE49-F238E27FC236}">
+                  <a16:creationId xmlns:a16="http://schemas.microsoft.com/office/drawing/2014/main" id="{72786D1A-DD60-D1D1-58CA-F98BF4E7C730}"/>
+                </a:ext>
+              </a:extLst>
+            </p:cNvPr>
+            <p:cNvSpPr txBox="1"/>
+            <p:nvPr/>
+          </p:nvSpPr>
+          <p:spPr>
+            <a:xfrm>
+              <a:off x="7763512" y="3541388"/>
+              <a:ext cx="596253" cy="276999"/>
+            </a:xfrm>
+            <a:prstGeom prst="rect">
+              <a:avLst/>
+            </a:prstGeom>
+            <a:noFill/>
+          </p:spPr>
+          <p:txBody>
+            <a:bodyPr wrap="none" rtlCol="0">
+              <a:spAutoFit/>
+            </a:bodyPr>
+            <a:lstStyle/>
+            <a:p>
+              <a:r>
+                <a:rPr lang="fr-FR" sz="1200" dirty="0">
+                  <a:solidFill>
+                    <a:schemeClr val="accent6">
+                      <a:lumMod val="75000"/>
+                    </a:schemeClr>
+                  </a:solidFill>
+                </a:rPr>
+                <a:t>Model</a:t>
+              </a:r>
+            </a:p>
+          </p:txBody>
+        </p:sp>
+      </p:grpSp>
+      <p:grpSp>
+        <p:nvGrpSpPr>
+          <p:cNvPr id="34" name="Groupe 33">
+            <a:extLst>
+              <a:ext uri="{FF2B5EF4-FFF2-40B4-BE49-F238E27FC236}">
+                <a16:creationId xmlns:a16="http://schemas.microsoft.com/office/drawing/2014/main" id="{83C62F6B-04BA-8E02-89E0-A1C3B9B4CF20}"/>
+              </a:ext>
+            </a:extLst>
+          </p:cNvPr>
+          <p:cNvGrpSpPr/>
+          <p:nvPr/>
+        </p:nvGrpSpPr>
+        <p:grpSpPr>
+          <a:xfrm>
+            <a:off x="8959415" y="5942687"/>
+            <a:ext cx="722153" cy="979233"/>
+            <a:chOff x="9474411" y="3573862"/>
+            <a:chExt cx="722153" cy="979233"/>
+          </a:xfrm>
+        </p:grpSpPr>
+        <p:pic>
+          <p:nvPicPr>
+            <p:cNvPr id="35" name="Graphique 34" descr="Base de données avec un remplissage uni">
+              <a:extLst>
+                <a:ext uri="{FF2B5EF4-FFF2-40B4-BE49-F238E27FC236}">
+                  <a16:creationId xmlns:a16="http://schemas.microsoft.com/office/drawing/2014/main" id="{19897385-430E-7803-E51D-DB9D7A7E67F9}"/>
+                </a:ext>
+              </a:extLst>
+            </p:cNvPr>
+            <p:cNvPicPr>
+              <a:picLocks noChangeAspect="1"/>
+            </p:cNvPicPr>
+            <p:nvPr/>
+          </p:nvPicPr>
+          <p:blipFill>
+            <a:blip r:embed="rId7">
+              <a:extLst>
+                <a:ext uri="{96DAC541-7B7A-43D3-8B79-37D633B846F1}">
+                  <asvg:svgBlip xmlns:asvg="http://schemas.microsoft.com/office/drawing/2016/SVG/main" r:embed="rId8"/>
+                </a:ext>
+              </a:extLst>
+            </a:blip>
+            <a:stretch>
+              <a:fillRect/>
+            </a:stretch>
+          </p:blipFill>
+          <p:spPr>
+            <a:xfrm>
+              <a:off x="9474411" y="3830942"/>
+              <a:ext cx="722153" cy="722153"/>
+            </a:xfrm>
+            <a:prstGeom prst="rect">
+              <a:avLst/>
+            </a:prstGeom>
+          </p:spPr>
+        </p:pic>
+        <p:sp>
+          <p:nvSpPr>
+            <p:cNvPr id="36" name="ZoneTexte 35">
+              <a:extLst>
+                <a:ext uri="{FF2B5EF4-FFF2-40B4-BE49-F238E27FC236}">
+                  <a16:creationId xmlns:a16="http://schemas.microsoft.com/office/drawing/2014/main" id="{6ACCEF71-4188-E1F9-BF4A-47AA93144002}"/>
+                </a:ext>
+              </a:extLst>
+            </p:cNvPr>
+            <p:cNvSpPr txBox="1"/>
+            <p:nvPr/>
+          </p:nvSpPr>
+          <p:spPr>
+            <a:xfrm>
+              <a:off x="9502126" y="3573862"/>
+              <a:ext cx="672428" cy="276999"/>
+            </a:xfrm>
+            <a:prstGeom prst="rect">
+              <a:avLst/>
+            </a:prstGeom>
+            <a:noFill/>
+          </p:spPr>
+          <p:txBody>
+            <a:bodyPr wrap="none" rtlCol="0">
+              <a:spAutoFit/>
+            </a:bodyPr>
+            <a:lstStyle/>
+            <a:p>
+              <a:r>
+                <a:rPr lang="fr-FR" sz="1200" dirty="0" err="1">
+                  <a:solidFill>
+                    <a:schemeClr val="accent6">
+                      <a:lumMod val="75000"/>
+                    </a:schemeClr>
+                  </a:solidFill>
+                </a:rPr>
+                <a:t>Metrics</a:t>
+              </a:r>
+              <a:endParaRPr lang="fr-FR" sz="1200" dirty="0">
+                <a:solidFill>
+                  <a:schemeClr val="accent6">
+                    <a:lumMod val="75000"/>
+                  </a:schemeClr>
+                </a:solidFill>
+              </a:endParaRPr>
+            </a:p>
+          </p:txBody>
+        </p:sp>
+      </p:grpSp>
+      <p:grpSp>
+        <p:nvGrpSpPr>
+          <p:cNvPr id="37" name="Groupe 36">
+            <a:extLst>
+              <a:ext uri="{FF2B5EF4-FFF2-40B4-BE49-F238E27FC236}">
+                <a16:creationId xmlns:a16="http://schemas.microsoft.com/office/drawing/2014/main" id="{DCAD0582-F1A1-9BF5-2162-5F8968EA75AB}"/>
+              </a:ext>
+            </a:extLst>
+          </p:cNvPr>
+          <p:cNvGrpSpPr/>
+          <p:nvPr/>
+        </p:nvGrpSpPr>
+        <p:grpSpPr>
+          <a:xfrm>
+            <a:off x="9106953" y="4614344"/>
+            <a:ext cx="804195" cy="936230"/>
+            <a:chOff x="5075960" y="5451419"/>
+            <a:chExt cx="804195" cy="936230"/>
+          </a:xfrm>
+        </p:grpSpPr>
+        <p:pic>
+          <p:nvPicPr>
+            <p:cNvPr id="38" name="Graphique 37" descr="Base de données avec un remplissage uni">
+              <a:extLst>
+                <a:ext uri="{FF2B5EF4-FFF2-40B4-BE49-F238E27FC236}">
+                  <a16:creationId xmlns:a16="http://schemas.microsoft.com/office/drawing/2014/main" id="{0CE6DA26-C592-43C9-4E6E-40DE036FA1AD}"/>
+                </a:ext>
+              </a:extLst>
+            </p:cNvPr>
+            <p:cNvPicPr>
+              <a:picLocks noChangeAspect="1"/>
+            </p:cNvPicPr>
+            <p:nvPr/>
+          </p:nvPicPr>
+          <p:blipFill>
+            <a:blip r:embed="rId7">
+              <a:extLst>
+                <a:ext uri="{96DAC541-7B7A-43D3-8B79-37D633B846F1}">
+                  <asvg:svgBlip xmlns:asvg="http://schemas.microsoft.com/office/drawing/2016/SVG/main" r:embed="rId8"/>
+                </a:ext>
+              </a:extLst>
+            </a:blip>
+            <a:stretch>
+              <a:fillRect/>
+            </a:stretch>
+          </p:blipFill>
+          <p:spPr>
+            <a:xfrm>
+              <a:off x="5151298" y="5665496"/>
+              <a:ext cx="722153" cy="722153"/>
+            </a:xfrm>
+            <a:prstGeom prst="rect">
+              <a:avLst/>
+            </a:prstGeom>
+          </p:spPr>
+        </p:pic>
+        <p:sp>
+          <p:nvSpPr>
+            <p:cNvPr id="39" name="ZoneTexte 38">
+              <a:extLst>
+                <a:ext uri="{FF2B5EF4-FFF2-40B4-BE49-F238E27FC236}">
+                  <a16:creationId xmlns:a16="http://schemas.microsoft.com/office/drawing/2014/main" id="{30A5AE36-18F6-04FF-E42A-934F34DB6D48}"/>
+                </a:ext>
+              </a:extLst>
+            </p:cNvPr>
+            <p:cNvSpPr txBox="1"/>
+            <p:nvPr/>
+          </p:nvSpPr>
+          <p:spPr>
+            <a:xfrm>
+              <a:off x="5075960" y="5451419"/>
+              <a:ext cx="804195" cy="276999"/>
+            </a:xfrm>
+            <a:prstGeom prst="rect">
+              <a:avLst/>
+            </a:prstGeom>
+            <a:noFill/>
+          </p:spPr>
+          <p:txBody>
+            <a:bodyPr wrap="none" rtlCol="0">
+              <a:spAutoFit/>
+            </a:bodyPr>
+            <a:lstStyle/>
+            <a:p>
+              <a:r>
+                <a:rPr lang="fr-FR" sz="1200" dirty="0">
+                  <a:solidFill>
+                    <a:schemeClr val="accent6">
+                      <a:lumMod val="75000"/>
+                    </a:schemeClr>
+                  </a:solidFill>
+                </a:rPr>
+                <a:t>Test data</a:t>
+              </a:r>
+            </a:p>
+          </p:txBody>
+        </p:sp>
+      </p:grpSp>
+      <p:grpSp>
+        <p:nvGrpSpPr>
+          <p:cNvPr id="40" name="Groupe 39">
+            <a:extLst>
+              <a:ext uri="{FF2B5EF4-FFF2-40B4-BE49-F238E27FC236}">
+                <a16:creationId xmlns:a16="http://schemas.microsoft.com/office/drawing/2014/main" id="{4BD7082C-56E7-BBB4-847B-EBD2A36BCBB6}"/>
+              </a:ext>
+            </a:extLst>
+          </p:cNvPr>
+          <p:cNvGrpSpPr/>
+          <p:nvPr/>
+        </p:nvGrpSpPr>
+        <p:grpSpPr>
+          <a:xfrm>
+            <a:off x="11454268" y="4093666"/>
+            <a:ext cx="837602" cy="919381"/>
+            <a:chOff x="5074636" y="5208402"/>
+            <a:chExt cx="837602" cy="919381"/>
+          </a:xfrm>
+        </p:grpSpPr>
+        <p:pic>
+          <p:nvPicPr>
+            <p:cNvPr id="41" name="Graphique 40" descr="Base de données avec un remplissage uni">
+              <a:extLst>
+                <a:ext uri="{FF2B5EF4-FFF2-40B4-BE49-F238E27FC236}">
+                  <a16:creationId xmlns:a16="http://schemas.microsoft.com/office/drawing/2014/main" id="{FA0CDBCA-EC47-830B-5192-CD37FA086BA7}"/>
+                </a:ext>
+              </a:extLst>
+            </p:cNvPr>
+            <p:cNvPicPr>
+              <a:picLocks noChangeAspect="1"/>
+            </p:cNvPicPr>
+            <p:nvPr/>
+          </p:nvPicPr>
+          <p:blipFill>
+            <a:blip r:embed="rId7">
+              <a:extLst>
+                <a:ext uri="{96DAC541-7B7A-43D3-8B79-37D633B846F1}">
+                  <asvg:svgBlip xmlns:asvg="http://schemas.microsoft.com/office/drawing/2016/SVG/main" r:embed="rId8"/>
+                </a:ext>
+              </a:extLst>
+            </a:blip>
+            <a:stretch>
+              <a:fillRect/>
+            </a:stretch>
+          </p:blipFill>
+          <p:spPr>
+            <a:xfrm>
+              <a:off x="5175691" y="5405630"/>
+              <a:ext cx="722153" cy="722153"/>
+            </a:xfrm>
+            <a:prstGeom prst="rect">
+              <a:avLst/>
+            </a:prstGeom>
+          </p:spPr>
+        </p:pic>
+        <p:sp>
+          <p:nvSpPr>
+            <p:cNvPr id="42" name="ZoneTexte 41">
+              <a:extLst>
+                <a:ext uri="{FF2B5EF4-FFF2-40B4-BE49-F238E27FC236}">
+                  <a16:creationId xmlns:a16="http://schemas.microsoft.com/office/drawing/2014/main" id="{3EF40398-B86A-0A45-2C15-758AE4400023}"/>
+                </a:ext>
+              </a:extLst>
+            </p:cNvPr>
+            <p:cNvSpPr txBox="1"/>
+            <p:nvPr/>
+          </p:nvSpPr>
+          <p:spPr>
+            <a:xfrm>
+              <a:off x="5074636" y="5208402"/>
+              <a:ext cx="837602" cy="276999"/>
+            </a:xfrm>
+            <a:prstGeom prst="rect">
+              <a:avLst/>
+            </a:prstGeom>
+            <a:noFill/>
+          </p:spPr>
+          <p:txBody>
+            <a:bodyPr wrap="none" rtlCol="0">
+              <a:spAutoFit/>
+            </a:bodyPr>
+            <a:lstStyle/>
+            <a:p>
+              <a:r>
+                <a:rPr lang="fr-FR" sz="1200" dirty="0" err="1">
+                  <a:solidFill>
+                    <a:schemeClr val="accent6">
+                      <a:lumMod val="75000"/>
+                    </a:schemeClr>
+                  </a:solidFill>
+                </a:rPr>
+                <a:t>Vectorizer</a:t>
+              </a:r>
+              <a:endParaRPr lang="fr-FR" sz="1200" dirty="0">
+                <a:solidFill>
+                  <a:schemeClr val="accent6">
+                    <a:lumMod val="75000"/>
+                  </a:schemeClr>
+                </a:solidFill>
+              </a:endParaRPr>
+            </a:p>
+          </p:txBody>
+        </p:sp>
+      </p:grpSp>
+      <p:grpSp>
+        <p:nvGrpSpPr>
+          <p:cNvPr id="43" name="Groupe 42">
+            <a:extLst>
+              <a:ext uri="{FF2B5EF4-FFF2-40B4-BE49-F238E27FC236}">
+                <a16:creationId xmlns:a16="http://schemas.microsoft.com/office/drawing/2014/main" id="{25E5F32D-3132-E937-BD07-34B479C84C66}"/>
+              </a:ext>
+            </a:extLst>
+          </p:cNvPr>
+          <p:cNvGrpSpPr/>
+          <p:nvPr/>
+        </p:nvGrpSpPr>
+        <p:grpSpPr>
+          <a:xfrm>
+            <a:off x="9783410" y="2597667"/>
+            <a:ext cx="947760" cy="912376"/>
+            <a:chOff x="3619236" y="3678454"/>
+            <a:chExt cx="947760" cy="912376"/>
+          </a:xfrm>
+        </p:grpSpPr>
+        <p:sp>
+          <p:nvSpPr>
+            <p:cNvPr id="44" name="ZoneTexte 43">
+              <a:extLst>
+                <a:ext uri="{FF2B5EF4-FFF2-40B4-BE49-F238E27FC236}">
+                  <a16:creationId xmlns:a16="http://schemas.microsoft.com/office/drawing/2014/main" id="{90770276-AE71-1A54-ABD4-968AF8DA73B6}"/>
+                </a:ext>
+              </a:extLst>
+            </p:cNvPr>
+            <p:cNvSpPr txBox="1"/>
+            <p:nvPr/>
+          </p:nvSpPr>
+          <p:spPr>
+            <a:xfrm>
+              <a:off x="3619236" y="3678454"/>
+              <a:ext cx="947760" cy="276999"/>
+            </a:xfrm>
+            <a:prstGeom prst="rect">
+              <a:avLst/>
+            </a:prstGeom>
+            <a:solidFill>
+              <a:schemeClr val="bg1"/>
+            </a:solidFill>
+          </p:spPr>
+          <p:txBody>
+            <a:bodyPr wrap="none" rtlCol="0">
+              <a:spAutoFit/>
+            </a:bodyPr>
+            <a:lstStyle/>
+            <a:p>
+              <a:r>
+                <a:rPr lang="fr-FR" sz="1200" dirty="0" err="1">
+                  <a:solidFill>
+                    <a:schemeClr val="accent6">
+                      <a:lumMod val="75000"/>
+                    </a:schemeClr>
+                  </a:solidFill>
+                </a:rPr>
+                <a:t>Cleaned</a:t>
+              </a:r>
+              <a:r>
+                <a:rPr lang="fr-FR" sz="1200" dirty="0">
+                  <a:solidFill>
+                    <a:schemeClr val="accent6">
+                      <a:lumMod val="75000"/>
+                    </a:schemeClr>
+                  </a:solidFill>
+                </a:rPr>
+                <a:t> txt</a:t>
+              </a:r>
+            </a:p>
+          </p:txBody>
+        </p:sp>
+        <p:pic>
+          <p:nvPicPr>
+            <p:cNvPr id="45" name="Graphique 44" descr="Base de données avec un remplissage uni">
+              <a:extLst>
+                <a:ext uri="{FF2B5EF4-FFF2-40B4-BE49-F238E27FC236}">
+                  <a16:creationId xmlns:a16="http://schemas.microsoft.com/office/drawing/2014/main" id="{F17238C7-9B9F-CAC0-89A1-EB76A44CB10F}"/>
+                </a:ext>
+              </a:extLst>
+            </p:cNvPr>
+            <p:cNvPicPr>
+              <a:picLocks noChangeAspect="1"/>
+            </p:cNvPicPr>
+            <p:nvPr/>
+          </p:nvPicPr>
+          <p:blipFill>
+            <a:blip r:embed="rId7">
+              <a:extLst>
+                <a:ext uri="{96DAC541-7B7A-43D3-8B79-37D633B846F1}">
+                  <asvg:svgBlip xmlns:asvg="http://schemas.microsoft.com/office/drawing/2016/SVG/main" r:embed="rId8"/>
+                </a:ext>
+              </a:extLst>
+            </a:blip>
+            <a:stretch>
+              <a:fillRect/>
+            </a:stretch>
+          </p:blipFill>
+          <p:spPr>
+            <a:xfrm>
+              <a:off x="3732039" y="3868677"/>
+              <a:ext cx="722153" cy="722153"/>
+            </a:xfrm>
+            <a:prstGeom prst="rect">
+              <a:avLst/>
+            </a:prstGeom>
+          </p:spPr>
+        </p:pic>
+      </p:grpSp>
+    </p:spTree>
+    <p:extLst>
+      <p:ext uri="{BB962C8B-B14F-4D97-AF65-F5344CB8AC3E}">
+        <p14:creationId xmlns:p14="http://schemas.microsoft.com/office/powerpoint/2010/main" val="3653425637"/>
+      </p:ext>
+    </p:extLst>
+  </p:cSld>
+  <p:clrMapOvr>
+    <a:masterClrMapping/>
+  </p:clrMapOvr>
+</p:sld>
+</file>
+
+<file path=ppt/slides/slide4.xml><?xml version="1.0" encoding="utf-8"?>
+<p:sld xmlns:a="http://schemas.openxmlformats.org/drawingml/2006/main" xmlns:r="http://schemas.openxmlformats.org/officeDocument/2006/relationships" xmlns:p="http://schemas.openxmlformats.org/presentationml/2006/main">
+  <p:cSld>
+    <p:spTree>
+      <p:nvGrpSpPr>
+        <p:cNvPr id="1" name="">
+          <a:extLst>
+            <a:ext uri="{FF2B5EF4-FFF2-40B4-BE49-F238E27FC236}">
+              <a16:creationId xmlns:a16="http://schemas.microsoft.com/office/drawing/2014/main" id="{1630554B-A196-B3B8-8382-3C0E61A3D4BA}"/>
+            </a:ext>
+          </a:extLst>
+        </p:cNvPr>
+        <p:cNvGrpSpPr/>
+        <p:nvPr/>
+      </p:nvGrpSpPr>
+      <p:grpSpPr>
+        <a:xfrm>
+          <a:off x="0" y="0"/>
+          <a:ext cx="0" cy="0"/>
+          <a:chOff x="0" y="0"/>
+          <a:chExt cx="0" cy="0"/>
+        </a:xfrm>
+      </p:grpSpPr>
+      <p:sp>
+        <p:nvSpPr>
+          <p:cNvPr id="2" name="Titre 1">
+            <a:extLst>
+              <a:ext uri="{FF2B5EF4-FFF2-40B4-BE49-F238E27FC236}">
+                <a16:creationId xmlns:a16="http://schemas.microsoft.com/office/drawing/2014/main" id="{AB055B42-37C6-FA97-4781-C95431FD7850}"/>
+              </a:ext>
+            </a:extLst>
+          </p:cNvPr>
+          <p:cNvSpPr>
+            <a:spLocks noGrp="1"/>
+          </p:cNvSpPr>
+          <p:nvPr>
+            <p:ph type="title"/>
+          </p:nvPr>
+        </p:nvSpPr>
+        <p:spPr>
+          <a:xfrm>
+            <a:off x="838200" y="222062"/>
+            <a:ext cx="10963274" cy="583781"/>
+          </a:xfrm>
+        </p:spPr>
+        <p:txBody>
+          <a:bodyPr/>
+          <a:lstStyle/>
+          <a:p>
+            <a:r>
+              <a:rPr lang="fr-FR" dirty="0"/>
+              <a:t>Pipeline Training &amp; Monitoring</a:t>
+            </a:r>
+            <a:endParaRPr lang="en-US" dirty="0"/>
+          </a:p>
+        </p:txBody>
+      </p:sp>
+      <p:sp>
+        <p:nvSpPr>
+          <p:cNvPr id="3" name="Espace réservé de la date 2">
+            <a:extLst>
+              <a:ext uri="{FF2B5EF4-FFF2-40B4-BE49-F238E27FC236}">
+                <a16:creationId xmlns:a16="http://schemas.microsoft.com/office/drawing/2014/main" id="{85F3F443-7225-3D08-4477-AFFBE200D995}"/>
+              </a:ext>
+            </a:extLst>
+          </p:cNvPr>
+          <p:cNvSpPr>
+            <a:spLocks noGrp="1"/>
+          </p:cNvSpPr>
+          <p:nvPr>
+            <p:ph type="dt" sz="half" idx="10"/>
+          </p:nvPr>
+        </p:nvSpPr>
+        <p:spPr>
+          <a:xfrm>
+            <a:off x="838200" y="6356350"/>
+            <a:ext cx="2743200" cy="365125"/>
+          </a:xfrm>
+        </p:spPr>
+        <p:txBody>
+          <a:bodyPr/>
+          <a:lstStyle/>
+          <a:p>
+            <a:r>
+              <a:rPr lang="en-US" dirty="0"/>
+              <a:t>2025</a:t>
+            </a:r>
+          </a:p>
+        </p:txBody>
+      </p:sp>
+      <p:sp>
+        <p:nvSpPr>
+          <p:cNvPr id="4" name="Espace réservé du pied de page 3">
+            <a:extLst>
+              <a:ext uri="{FF2B5EF4-FFF2-40B4-BE49-F238E27FC236}">
+                <a16:creationId xmlns:a16="http://schemas.microsoft.com/office/drawing/2014/main" id="{354E9724-58A4-DB4B-39D0-618F88CB45BE}"/>
+              </a:ext>
+            </a:extLst>
+          </p:cNvPr>
+          <p:cNvSpPr>
+            <a:spLocks noGrp="1"/>
+          </p:cNvSpPr>
+          <p:nvPr>
+            <p:ph type="ftr" sz="quarter" idx="11"/>
+          </p:nvPr>
+        </p:nvSpPr>
+        <p:spPr>
+          <a:xfrm>
+            <a:off x="4038600" y="6356350"/>
+            <a:ext cx="4114800" cy="365125"/>
+          </a:xfrm>
+        </p:spPr>
+        <p:txBody>
+          <a:bodyPr/>
+          <a:lstStyle/>
+          <a:p>
+            <a:r>
+              <a:rPr lang="en-US"/>
+              <a:t>Projet classification de documents</a:t>
+            </a:r>
+            <a:endParaRPr lang="en-US" dirty="0"/>
+          </a:p>
+        </p:txBody>
+      </p:sp>
+      <p:sp>
+        <p:nvSpPr>
+          <p:cNvPr id="5" name="Espace réservé du numéro de diapositive 4">
+            <a:extLst>
+              <a:ext uri="{FF2B5EF4-FFF2-40B4-BE49-F238E27FC236}">
+                <a16:creationId xmlns:a16="http://schemas.microsoft.com/office/drawing/2014/main" id="{9842D78A-32A8-2DF8-2218-415C76021386}"/>
+              </a:ext>
+            </a:extLst>
+          </p:cNvPr>
+          <p:cNvSpPr>
+            <a:spLocks noGrp="1"/>
+          </p:cNvSpPr>
+          <p:nvPr>
+            <p:ph type="sldNum" sz="quarter" idx="12"/>
+          </p:nvPr>
+        </p:nvSpPr>
+        <p:spPr>
+          <a:xfrm>
+            <a:off x="8610600" y="6356350"/>
+            <a:ext cx="2743200" cy="365125"/>
+          </a:xfrm>
+        </p:spPr>
+        <p:txBody>
+          <a:bodyPr/>
+          <a:lstStyle/>
+          <a:p>
+            <a:fld id="{B5CEABB6-07DC-46E8-9B57-56EC44A396E5}" type="slidenum">
+              <a:rPr lang="en-US" smtClean="0"/>
+              <a:pPr/>
+              <a:t>4</a:t>
+            </a:fld>
+            <a:endParaRPr lang="en-US" dirty="0"/>
+          </a:p>
+        </p:txBody>
+      </p:sp>
+      <p:sp>
+        <p:nvSpPr>
+          <p:cNvPr id="6" name="Espace réservé du contenu 5">
+            <a:extLst>
+              <a:ext uri="{FF2B5EF4-FFF2-40B4-BE49-F238E27FC236}">
+                <a16:creationId xmlns:a16="http://schemas.microsoft.com/office/drawing/2014/main" id="{EB1AFB43-9FB6-DF5E-C281-E1D16B6C49F7}"/>
+              </a:ext>
+            </a:extLst>
+          </p:cNvPr>
+          <p:cNvSpPr>
+            <a:spLocks noGrp="1"/>
+          </p:cNvSpPr>
+          <p:nvPr>
+            <p:ph sz="quarter" idx="16"/>
+          </p:nvPr>
+        </p:nvSpPr>
+        <p:spPr>
+          <a:xfrm>
             <a:off x="838200" y="1198563"/>
             <a:ext cx="11353800" cy="4900612"/>
           </a:xfrm>
@@ -23307,13 +25614,8 @@
             <a:pPr lvl="1"/>
             <a:r>
               <a:rPr lang="fr-FR" dirty="0"/>
-              <a:t>Orchestration &amp; gestion </a:t>
-            </a:r>
-            <a:r>
-              <a:rPr lang="fr-FR"/>
-              <a:t>des volumes</a:t>
-            </a:r>
-            <a:endParaRPr lang="fr-FR" dirty="0"/>
+              <a:t>Orchestration &amp; gestion des volumes</a:t>
+            </a:r>
           </a:p>
           <a:p>
             <a:r>
@@ -23344,7 +25646,7 @@
           <p:cNvPr id="8" name="Image 7">
             <a:extLst>
               <a:ext uri="{FF2B5EF4-FFF2-40B4-BE49-F238E27FC236}">
-                <a16:creationId xmlns:a16="http://schemas.microsoft.com/office/drawing/2014/main" id="{B72DAC03-AA10-14C2-8BAC-9A545984978D}"/>
+                <a16:creationId xmlns:a16="http://schemas.microsoft.com/office/drawing/2014/main" id="{CD86D711-96DD-57C4-9451-0B0FB451AE17}"/>
               </a:ext>
             </a:extLst>
           </p:cNvPr>
@@ -23374,7 +25676,7 @@
           <p:cNvPr id="7" name="ZoneTexte 6">
             <a:extLst>
               <a:ext uri="{FF2B5EF4-FFF2-40B4-BE49-F238E27FC236}">
-                <a16:creationId xmlns:a16="http://schemas.microsoft.com/office/drawing/2014/main" id="{97FAB25E-404C-41C7-1F77-4AA32919AEEC}"/>
+                <a16:creationId xmlns:a16="http://schemas.microsoft.com/office/drawing/2014/main" id="{4D7A1EF8-A394-F7D6-F0B2-2A09CE6C1673}"/>
               </a:ext>
             </a:extLst>
           </p:cNvPr>
@@ -23665,10 +25967,71 @@
           </a:p>
         </p:txBody>
       </p:sp>
+      <p:sp>
+        <p:nvSpPr>
+          <p:cNvPr id="9" name="ZoneTexte 8">
+            <a:extLst>
+              <a:ext uri="{FF2B5EF4-FFF2-40B4-BE49-F238E27FC236}">
+                <a16:creationId xmlns:a16="http://schemas.microsoft.com/office/drawing/2014/main" id="{67797CEF-DF44-97CB-ABE1-2538143C2729}"/>
+              </a:ext>
+            </a:extLst>
+          </p:cNvPr>
+          <p:cNvSpPr txBox="1"/>
+          <p:nvPr/>
+        </p:nvSpPr>
+        <p:spPr>
+          <a:xfrm>
+            <a:off x="7540658" y="1192785"/>
+            <a:ext cx="3200400" cy="461665"/>
+          </a:xfrm>
+          <a:prstGeom prst="rect">
+            <a:avLst/>
+          </a:prstGeom>
+          <a:noFill/>
+        </p:spPr>
+        <p:txBody>
+          <a:bodyPr wrap="square" rtlCol="0">
+            <a:spAutoFit/>
+          </a:bodyPr>
+          <a:lstStyle/>
+          <a:p>
+            <a:pPr algn="ctr"/>
+            <a:r>
+              <a:rPr lang="fr-FR" sz="2400" b="1" dirty="0">
+                <a:solidFill>
+                  <a:srgbClr val="FFC000"/>
+                </a:solidFill>
+              </a:rPr>
+              <a:t>A SIMPLIFIER</a:t>
+            </a:r>
+            <a:r>
+              <a:rPr lang="fr-FR" b="1" dirty="0">
+                <a:solidFill>
+                  <a:srgbClr val="FFC000"/>
+                </a:solidFill>
+              </a:rPr>
+              <a:t> </a:t>
+            </a:r>
+            <a:r>
+              <a:rPr lang="fr-FR" sz="2400" b="1" dirty="0">
+                <a:solidFill>
+                  <a:srgbClr val="FFC000"/>
+                </a:solidFill>
+              </a:rPr>
+              <a:t>?</a:t>
+            </a:r>
+            <a:endParaRPr lang="fr-FR" b="1" dirty="0">
+              <a:solidFill>
+                <a:srgbClr val="FFC000"/>
+              </a:solidFill>
+            </a:endParaRPr>
+          </a:p>
+        </p:txBody>
+      </p:sp>
     </p:spTree>
     <p:extLst>
       <p:ext uri="{BB962C8B-B14F-4D97-AF65-F5344CB8AC3E}">
-        <p14:creationId xmlns:p14="http://schemas.microsoft.com/office/powerpoint/2010/main" val="3653425637"/>
+        <p14:creationId xmlns:p14="http://schemas.microsoft.com/office/powerpoint/2010/main" val="3295641446"/>
       </p:ext>
     </p:extLst>
   </p:cSld>
@@ -23678,7 +26041,7 @@
 </p:sld>
 </file>
 
-<file path=ppt/slides/slide4.xml><?xml version="1.0" encoding="utf-8"?>
+<file path=ppt/slides/slide5.xml><?xml version="1.0" encoding="utf-8"?>
 <p:sld xmlns:a="http://schemas.openxmlformats.org/drawingml/2006/main" xmlns:r="http://schemas.openxmlformats.org/officeDocument/2006/relationships" xmlns:p="http://schemas.openxmlformats.org/presentationml/2006/main">
   <p:cSld>
     <p:spTree>
@@ -23832,7 +26195,7 @@
             <a:fld id="{B5CEABB6-07DC-46E8-9B57-56EC44A396E5}" type="slidenum">
               <a:rPr lang="en-US" smtClean="0"/>
               <a:pPr/>
-              <a:t>4</a:t>
+              <a:t>5</a:t>
             </a:fld>
             <a:endParaRPr lang="en-US" dirty="0"/>
           </a:p>
@@ -23860,7 +26223,7 @@
         </p:blipFill>
         <p:spPr>
           <a:xfrm>
-            <a:off x="0" y="686124"/>
+            <a:off x="0" y="870599"/>
             <a:ext cx="12192000" cy="5485751"/>
           </a:xfrm>
           <a:prstGeom prst="rect">
@@ -24673,6 +27036,26 @@
 </file>
 
 <file path=customXml/item1.xml><?xml version="1.0" encoding="utf-8"?>
+<p:properties xmlns:p="http://schemas.microsoft.com/office/2006/metadata/properties" xmlns:xsi="http://www.w3.org/2001/XMLSchema-instance" xmlns:pc="http://schemas.microsoft.com/office/infopath/2007/PartnerControls">
+  <documentManagement>
+    <_ip_UnifiedCompliancePolicyUIAction xmlns="http://schemas.microsoft.com/sharepoint/v3" xsi:nil="true"/>
+    <Image xmlns="71af3243-3dd4-4a8d-8c0d-dd76da1f02a5">
+      <Url xsi:nil="true"/>
+      <Description xsi:nil="true"/>
+    </Image>
+    <Status xmlns="71af3243-3dd4-4a8d-8c0d-dd76da1f02a5">Not started</Status>
+    <Background xmlns="71af3243-3dd4-4a8d-8c0d-dd76da1f02a5">false</Background>
+    <_ip_UnifiedCompliancePolicyProperties xmlns="http://schemas.microsoft.com/sharepoint/v3" xsi:nil="true"/>
+    <ImageTagsTaxHTField xmlns="71af3243-3dd4-4a8d-8c0d-dd76da1f02a5">
+      <Terms xmlns="http://schemas.microsoft.com/office/infopath/2007/PartnerControls"/>
+    </ImageTagsTaxHTField>
+    <TaxCatchAll xmlns="230e9df3-be65-4c73-a93b-d1236ebd677e" xsi:nil="true"/>
+    <MediaServiceKeyPoints xmlns="71af3243-3dd4-4a8d-8c0d-dd76da1f02a5" xsi:nil="true"/>
+  </documentManagement>
+</p:properties>
+</file>
+
+<file path=customXml/item2.xml><?xml version="1.0" encoding="utf-8"?>
 <ct:contentTypeSchema xmlns:ct="http://schemas.microsoft.com/office/2006/metadata/contentType" xmlns:ma="http://schemas.microsoft.com/office/2006/metadata/properties/metaAttributes" ct:_="" ma:_="" ma:contentTypeName="Document" ma:contentTypeID="0x01010079F111ED35F8CC479449609E8A0923A6" ma:contentTypeVersion="27" ma:contentTypeDescription="Create a new document." ma:contentTypeScope="" ma:versionID="c6f9a84f66a9c8b9a21755b9ffafb945">
   <xsd:schema xmlns:xsd="http://www.w3.org/2001/XMLSchema" xmlns:xs="http://www.w3.org/2001/XMLSchema" xmlns:p="http://schemas.microsoft.com/office/2006/metadata/properties" xmlns:ns1="http://schemas.microsoft.com/sharepoint/v3" xmlns:ns2="71af3243-3dd4-4a8d-8c0d-dd76da1f02a5" xmlns:ns3="16c05727-aa75-4e4a-9b5f-8a80a1165891" xmlns:ns4="230e9df3-be65-4c73-a93b-d1236ebd677e" targetNamespace="http://schemas.microsoft.com/office/2006/metadata/properties" ma:root="true" ma:fieldsID="27df39e3e7036dff54f89ddd5805ce72" ns1:_="" ns2:_="" ns3:_="" ns4:_="">
     <xsd:import namespace="http://schemas.microsoft.com/sharepoint/v3"/>
@@ -24978,26 +27361,6 @@
 </ct:contentTypeSchema>
 </file>
 
-<file path=customXml/item2.xml><?xml version="1.0" encoding="utf-8"?>
-<p:properties xmlns:p="http://schemas.microsoft.com/office/2006/metadata/properties" xmlns:xsi="http://www.w3.org/2001/XMLSchema-instance" xmlns:pc="http://schemas.microsoft.com/office/infopath/2007/PartnerControls">
-  <documentManagement>
-    <_ip_UnifiedCompliancePolicyUIAction xmlns="http://schemas.microsoft.com/sharepoint/v3" xsi:nil="true"/>
-    <Image xmlns="71af3243-3dd4-4a8d-8c0d-dd76da1f02a5">
-      <Url xsi:nil="true"/>
-      <Description xsi:nil="true"/>
-    </Image>
-    <Status xmlns="71af3243-3dd4-4a8d-8c0d-dd76da1f02a5">Not started</Status>
-    <Background xmlns="71af3243-3dd4-4a8d-8c0d-dd76da1f02a5">false</Background>
-    <_ip_UnifiedCompliancePolicyProperties xmlns="http://schemas.microsoft.com/sharepoint/v3" xsi:nil="true"/>
-    <ImageTagsTaxHTField xmlns="71af3243-3dd4-4a8d-8c0d-dd76da1f02a5">
-      <Terms xmlns="http://schemas.microsoft.com/office/infopath/2007/PartnerControls"/>
-    </ImageTagsTaxHTField>
-    <TaxCatchAll xmlns="230e9df3-be65-4c73-a93b-d1236ebd677e" xsi:nil="true"/>
-    <MediaServiceKeyPoints xmlns="71af3243-3dd4-4a8d-8c0d-dd76da1f02a5" xsi:nil="true"/>
-  </documentManagement>
-</p:properties>
-</file>
-
 <file path=customXml/item3.xml><?xml version="1.0" encoding="utf-8"?>
 <?mso-contentType ?>
 <FormTemplates xmlns="http://schemas.microsoft.com/sharepoint/v3/contenttype/forms">
@@ -25008,6 +27371,18 @@
 </file>
 
 <file path=customXml/itemProps1.xml><?xml version="1.0" encoding="utf-8"?>
+<ds:datastoreItem xmlns:ds="http://schemas.openxmlformats.org/officeDocument/2006/customXml" ds:itemID="{6EA97235-BEC4-4F82-87A8-2F5DAD53B5F9}">
+  <ds:schemaRefs>
+    <ds:schemaRef ds:uri="http://schemas.microsoft.com/office/2006/metadata/properties"/>
+    <ds:schemaRef ds:uri="http://schemas.microsoft.com/office/infopath/2007/PartnerControls"/>
+    <ds:schemaRef ds:uri="http://schemas.microsoft.com/sharepoint/v3"/>
+    <ds:schemaRef ds:uri="71af3243-3dd4-4a8d-8c0d-dd76da1f02a5"/>
+    <ds:schemaRef ds:uri="230e9df3-be65-4c73-a93b-d1236ebd677e"/>
+  </ds:schemaRefs>
+</ds:datastoreItem>
+</file>
+
+<file path=customXml/itemProps2.xml><?xml version="1.0" encoding="utf-8"?>
 <ds:datastoreItem xmlns:ds="http://schemas.openxmlformats.org/officeDocument/2006/customXml" ds:itemID="{2C1F447F-FAA8-4106-988B-648F3C8EDB2D}">
   <ds:schemaRefs>
     <ds:schemaRef ds:uri="http://schemas.microsoft.com/office/2006/metadata/contentType"/>
@@ -25028,18 +27403,6 @@
 </ds:datastoreItem>
 </file>
 
-<file path=customXml/itemProps2.xml><?xml version="1.0" encoding="utf-8"?>
-<ds:datastoreItem xmlns:ds="http://schemas.openxmlformats.org/officeDocument/2006/customXml" ds:itemID="{6EA97235-BEC4-4F82-87A8-2F5DAD53B5F9}">
-  <ds:schemaRefs>
-    <ds:schemaRef ds:uri="http://schemas.microsoft.com/office/2006/metadata/properties"/>
-    <ds:schemaRef ds:uri="http://schemas.microsoft.com/office/infopath/2007/PartnerControls"/>
-    <ds:schemaRef ds:uri="http://schemas.microsoft.com/sharepoint/v3"/>
-    <ds:schemaRef ds:uri="71af3243-3dd4-4a8d-8c0d-dd76da1f02a5"/>
-    <ds:schemaRef ds:uri="230e9df3-be65-4c73-a93b-d1236ebd677e"/>
-  </ds:schemaRefs>
-</ds:datastoreItem>
-</file>
-
 <file path=customXml/itemProps3.xml><?xml version="1.0" encoding="utf-8"?>
 <ds:datastoreItem xmlns:ds="http://schemas.openxmlformats.org/officeDocument/2006/customXml" ds:itemID="{79BF405E-7930-4D5C-ABB3-493E9D6D6CEA}">
   <ds:schemaRefs>

--- a/report/Projet_classification_MLOps_Partie2_Sarah.pptx
+++ b/report/Projet_classification_MLOps_Partie2_Sarah.pptx
@@ -16654,20 +16654,13 @@
             </a:r>
           </a:p>
           <a:p>
-            <a:pPr lvl="1"/>
+            <a:r>
+              <a:rPr lang="fr-FR"/>
+              <a:t>Pipeline </a:t>
+            </a:r>
             <a:r>
               <a:rPr lang="fr-FR" dirty="0"/>
-              <a:t>Ajouter un slide sur le versioning des données et des modèles</a:t>
-            </a:r>
-          </a:p>
-          <a:p>
-            <a:r>
-              <a:rPr lang="fr-FR"/>
-              <a:t>Pipeline Prédiction </a:t>
-            </a:r>
-            <a:r>
-              <a:rPr lang="fr-FR" dirty="0"/>
-              <a:t>&amp; Feedback User</a:t>
+              <a:t>Prédiction &amp; Feedback User</a:t>
             </a:r>
           </a:p>
           <a:p>
@@ -27036,26 +27029,6 @@
 </file>
 
 <file path=customXml/item1.xml><?xml version="1.0" encoding="utf-8"?>
-<p:properties xmlns:p="http://schemas.microsoft.com/office/2006/metadata/properties" xmlns:xsi="http://www.w3.org/2001/XMLSchema-instance" xmlns:pc="http://schemas.microsoft.com/office/infopath/2007/PartnerControls">
-  <documentManagement>
-    <_ip_UnifiedCompliancePolicyUIAction xmlns="http://schemas.microsoft.com/sharepoint/v3" xsi:nil="true"/>
-    <Image xmlns="71af3243-3dd4-4a8d-8c0d-dd76da1f02a5">
-      <Url xsi:nil="true"/>
-      <Description xsi:nil="true"/>
-    </Image>
-    <Status xmlns="71af3243-3dd4-4a8d-8c0d-dd76da1f02a5">Not started</Status>
-    <Background xmlns="71af3243-3dd4-4a8d-8c0d-dd76da1f02a5">false</Background>
-    <_ip_UnifiedCompliancePolicyProperties xmlns="http://schemas.microsoft.com/sharepoint/v3" xsi:nil="true"/>
-    <ImageTagsTaxHTField xmlns="71af3243-3dd4-4a8d-8c0d-dd76da1f02a5">
-      <Terms xmlns="http://schemas.microsoft.com/office/infopath/2007/PartnerControls"/>
-    </ImageTagsTaxHTField>
-    <TaxCatchAll xmlns="230e9df3-be65-4c73-a93b-d1236ebd677e" xsi:nil="true"/>
-    <MediaServiceKeyPoints xmlns="71af3243-3dd4-4a8d-8c0d-dd76da1f02a5" xsi:nil="true"/>
-  </documentManagement>
-</p:properties>
-</file>
-
-<file path=customXml/item2.xml><?xml version="1.0" encoding="utf-8"?>
 <ct:contentTypeSchema xmlns:ct="http://schemas.microsoft.com/office/2006/metadata/contentType" xmlns:ma="http://schemas.microsoft.com/office/2006/metadata/properties/metaAttributes" ct:_="" ma:_="" ma:contentTypeName="Document" ma:contentTypeID="0x01010079F111ED35F8CC479449609E8A0923A6" ma:contentTypeVersion="27" ma:contentTypeDescription="Create a new document." ma:contentTypeScope="" ma:versionID="c6f9a84f66a9c8b9a21755b9ffafb945">
   <xsd:schema xmlns:xsd="http://www.w3.org/2001/XMLSchema" xmlns:xs="http://www.w3.org/2001/XMLSchema" xmlns:p="http://schemas.microsoft.com/office/2006/metadata/properties" xmlns:ns1="http://schemas.microsoft.com/sharepoint/v3" xmlns:ns2="71af3243-3dd4-4a8d-8c0d-dd76da1f02a5" xmlns:ns3="16c05727-aa75-4e4a-9b5f-8a80a1165891" xmlns:ns4="230e9df3-be65-4c73-a93b-d1236ebd677e" targetNamespace="http://schemas.microsoft.com/office/2006/metadata/properties" ma:root="true" ma:fieldsID="27df39e3e7036dff54f89ddd5805ce72" ns1:_="" ns2:_="" ns3:_="" ns4:_="">
     <xsd:import namespace="http://schemas.microsoft.com/sharepoint/v3"/>
@@ -27361,6 +27334,26 @@
 </ct:contentTypeSchema>
 </file>
 
+<file path=customXml/item2.xml><?xml version="1.0" encoding="utf-8"?>
+<p:properties xmlns:p="http://schemas.microsoft.com/office/2006/metadata/properties" xmlns:xsi="http://www.w3.org/2001/XMLSchema-instance" xmlns:pc="http://schemas.microsoft.com/office/infopath/2007/PartnerControls">
+  <documentManagement>
+    <_ip_UnifiedCompliancePolicyUIAction xmlns="http://schemas.microsoft.com/sharepoint/v3" xsi:nil="true"/>
+    <Image xmlns="71af3243-3dd4-4a8d-8c0d-dd76da1f02a5">
+      <Url xsi:nil="true"/>
+      <Description xsi:nil="true"/>
+    </Image>
+    <Status xmlns="71af3243-3dd4-4a8d-8c0d-dd76da1f02a5">Not started</Status>
+    <Background xmlns="71af3243-3dd4-4a8d-8c0d-dd76da1f02a5">false</Background>
+    <_ip_UnifiedCompliancePolicyProperties xmlns="http://schemas.microsoft.com/sharepoint/v3" xsi:nil="true"/>
+    <ImageTagsTaxHTField xmlns="71af3243-3dd4-4a8d-8c0d-dd76da1f02a5">
+      <Terms xmlns="http://schemas.microsoft.com/office/infopath/2007/PartnerControls"/>
+    </ImageTagsTaxHTField>
+    <TaxCatchAll xmlns="230e9df3-be65-4c73-a93b-d1236ebd677e" xsi:nil="true"/>
+    <MediaServiceKeyPoints xmlns="71af3243-3dd4-4a8d-8c0d-dd76da1f02a5" xsi:nil="true"/>
+  </documentManagement>
+</p:properties>
+</file>
+
 <file path=customXml/item3.xml><?xml version="1.0" encoding="utf-8"?>
 <?mso-contentType ?>
 <FormTemplates xmlns="http://schemas.microsoft.com/sharepoint/v3/contenttype/forms">
@@ -27371,18 +27364,6 @@
 </file>
 
 <file path=customXml/itemProps1.xml><?xml version="1.0" encoding="utf-8"?>
-<ds:datastoreItem xmlns:ds="http://schemas.openxmlformats.org/officeDocument/2006/customXml" ds:itemID="{6EA97235-BEC4-4F82-87A8-2F5DAD53B5F9}">
-  <ds:schemaRefs>
-    <ds:schemaRef ds:uri="http://schemas.microsoft.com/office/2006/metadata/properties"/>
-    <ds:schemaRef ds:uri="http://schemas.microsoft.com/office/infopath/2007/PartnerControls"/>
-    <ds:schemaRef ds:uri="http://schemas.microsoft.com/sharepoint/v3"/>
-    <ds:schemaRef ds:uri="71af3243-3dd4-4a8d-8c0d-dd76da1f02a5"/>
-    <ds:schemaRef ds:uri="230e9df3-be65-4c73-a93b-d1236ebd677e"/>
-  </ds:schemaRefs>
-</ds:datastoreItem>
-</file>
-
-<file path=customXml/itemProps2.xml><?xml version="1.0" encoding="utf-8"?>
 <ds:datastoreItem xmlns:ds="http://schemas.openxmlformats.org/officeDocument/2006/customXml" ds:itemID="{2C1F447F-FAA8-4106-988B-648F3C8EDB2D}">
   <ds:schemaRefs>
     <ds:schemaRef ds:uri="http://schemas.microsoft.com/office/2006/metadata/contentType"/>
@@ -27403,6 +27384,18 @@
 </ds:datastoreItem>
 </file>
 
+<file path=customXml/itemProps2.xml><?xml version="1.0" encoding="utf-8"?>
+<ds:datastoreItem xmlns:ds="http://schemas.openxmlformats.org/officeDocument/2006/customXml" ds:itemID="{6EA97235-BEC4-4F82-87A8-2F5DAD53B5F9}">
+  <ds:schemaRefs>
+    <ds:schemaRef ds:uri="http://schemas.microsoft.com/office/2006/metadata/properties"/>
+    <ds:schemaRef ds:uri="http://schemas.microsoft.com/office/infopath/2007/PartnerControls"/>
+    <ds:schemaRef ds:uri="http://schemas.microsoft.com/sharepoint/v3"/>
+    <ds:schemaRef ds:uri="71af3243-3dd4-4a8d-8c0d-dd76da1f02a5"/>
+    <ds:schemaRef ds:uri="230e9df3-be65-4c73-a93b-d1236ebd677e"/>
+  </ds:schemaRefs>
+</ds:datastoreItem>
+</file>
+
 <file path=customXml/itemProps3.xml><?xml version="1.0" encoding="utf-8"?>
 <ds:datastoreItem xmlns:ds="http://schemas.openxmlformats.org/officeDocument/2006/customXml" ds:itemID="{79BF405E-7930-4D5C-ABB3-493E9D6D6CEA}">
   <ds:schemaRefs>

--- a/report/Projet_classification_MLOps_Partie2_Sarah.pptx
+++ b/report/Projet_classification_MLOps_Partie2_Sarah.pptx
@@ -5,17 +5,18 @@
     <p:sldMasterId id="2147483666" r:id="rId4"/>
   </p:sldMasterIdLst>
   <p:notesMasterIdLst>
-    <p:notesMasterId r:id="rId10"/>
+    <p:notesMasterId r:id="rId11"/>
   </p:notesMasterIdLst>
   <p:handoutMasterIdLst>
-    <p:handoutMasterId r:id="rId11"/>
+    <p:handoutMasterId r:id="rId12"/>
   </p:handoutMasterIdLst>
   <p:sldIdLst>
     <p:sldId id="289" r:id="rId5"/>
     <p:sldId id="287" r:id="rId6"/>
     <p:sldId id="284" r:id="rId7"/>
-    <p:sldId id="290" r:id="rId8"/>
-    <p:sldId id="286" r:id="rId9"/>
+    <p:sldId id="291" r:id="rId8"/>
+    <p:sldId id="290" r:id="rId9"/>
+    <p:sldId id="286" r:id="rId10"/>
   </p:sldIdLst>
   <p:sldSz cx="12192000" cy="6858000"/>
   <p:notesSz cx="6858000" cy="9144000"/>
@@ -242,7 +243,7 @@
           <a:p>
             <a:fld id="{F352A77B-D33C-49B3-A83C-450AA2ED72B3}" type="datetimeFigureOut">
               <a:rPr lang="en-US" smtClean="0"/>
-              <a:t>2/13/2025</a:t>
+              <a:t>2/16/2025</a:t>
             </a:fld>
             <a:endParaRPr lang="en-US" dirty="0"/>
           </a:p>
@@ -419,7 +420,7 @@
           <a:p>
             <a:fld id="{E38D8F9A-F5CB-4EF8-A859-ED5E107B9763}" type="datetimeFigureOut">
               <a:rPr lang="en-US" smtClean="0"/>
-              <a:t>2/13/2025</a:t>
+              <a:t>2/16/2025</a:t>
             </a:fld>
             <a:endParaRPr lang="en-US" dirty="0"/>
           </a:p>
@@ -16701,7 +16702,7 @@
 </file>
 
 <file path=ppt/slides/slide2.xml><?xml version="1.0" encoding="utf-8"?>
-<p:sld xmlns:a="http://schemas.openxmlformats.org/drawingml/2006/main" xmlns:r="http://schemas.openxmlformats.org/officeDocument/2006/relationships" xmlns:p="http://schemas.openxmlformats.org/presentationml/2006/main">
+<p:sld xmlns:a="http://schemas.openxmlformats.org/drawingml/2006/main" xmlns:r="http://schemas.openxmlformats.org/officeDocument/2006/relationships" xmlns:p="http://schemas.openxmlformats.org/presentationml/2006/main" show="0">
   <p:cSld>
     <p:spTree>
       <p:nvGrpSpPr>
@@ -17017,9 +17018,24 @@
           <a:p>
             <a:r>
               <a:rPr lang="fr-FR" dirty="0"/>
-              <a:t>Pipeline DVC Training avec micro-services</a:t>
-            </a:r>
-            <a:endParaRPr lang="en-US" dirty="0"/>
+              <a:t>Pipeline DVC Training avec micro-services </a:t>
+            </a:r>
+            <a:br>
+              <a:rPr lang="fr-FR" dirty="0"/>
+            </a:br>
+            <a:r>
+              <a:rPr lang="fr-FR" sz="2400" dirty="0">
+                <a:solidFill>
+                  <a:srgbClr val="FF0000"/>
+                </a:solidFill>
+              </a:rPr>
+              <a:t>SLIDE MASQUEE</a:t>
+            </a:r>
+            <a:endParaRPr lang="en-US" dirty="0">
+              <a:solidFill>
+                <a:srgbClr val="FF0000"/>
+              </a:solidFill>
+            </a:endParaRPr>
           </a:p>
         </p:txBody>
       </p:sp>
@@ -18085,7 +18101,7 @@
         </p:nvGrpSpPr>
         <p:grpSpPr>
           <a:xfrm>
-            <a:off x="7814361" y="1027786"/>
+            <a:off x="6884655" y="1011603"/>
             <a:ext cx="1387624" cy="671329"/>
             <a:chOff x="10257940" y="1022096"/>
             <a:chExt cx="1387624" cy="671329"/>
@@ -19138,9 +19154,9 @@
           <p:nvPr/>
         </p:nvSpPr>
         <p:spPr>
-          <a:xfrm>
-            <a:off x="9762484" y="2484086"/>
-            <a:ext cx="135340" cy="929748"/>
+          <a:xfrm rot="10800000">
+            <a:off x="9692975" y="1549788"/>
+            <a:ext cx="168084" cy="519055"/>
           </a:xfrm>
           <a:prstGeom prst="downArrow">
             <a:avLst/>
@@ -19920,7 +19936,7 @@
         </p:nvGrpSpPr>
         <p:grpSpPr>
           <a:xfrm>
-            <a:off x="9492478" y="3423696"/>
+            <a:off x="9381274" y="553499"/>
             <a:ext cx="762420" cy="960763"/>
             <a:chOff x="8474329" y="3786059"/>
             <a:chExt cx="957921" cy="1167191"/>
@@ -22227,26 +22243,35 @@
                                   </p:childTnLst>
                                 </p:cTn>
                               </p:par>
-                            </p:childTnLst>
-                          </p:cTn>
-                        </p:par>
-                      </p:childTnLst>
-                    </p:cTn>
-                  </p:par>
-                  <p:par>
-                    <p:cTn id="7" fill="hold">
-                      <p:stCondLst>
-                        <p:cond delay="indefinite"/>
-                      </p:stCondLst>
-                      <p:childTnLst>
-                        <p:par>
-                          <p:cTn id="8" fill="hold">
-                            <p:stCondLst>
-                              <p:cond delay="0"/>
-                            </p:stCondLst>
-                            <p:childTnLst>
                               <p:par>
-                                <p:cTn id="9" presetID="1" presetClass="entr" presetSubtype="0" fill="hold" grpId="0" nodeType="clickEffect">
+                                <p:cTn id="7" presetID="1" presetClass="entr" presetSubtype="0" fill="hold" grpId="0" nodeType="withEffect">
+                                  <p:stCondLst>
+                                    <p:cond delay="0"/>
+                                  </p:stCondLst>
+                                  <p:childTnLst>
+                                    <p:set>
+                                      <p:cBhvr>
+                                        <p:cTn id="8" dur="1" fill="hold">
+                                          <p:stCondLst>
+                                            <p:cond delay="0"/>
+                                          </p:stCondLst>
+                                        </p:cTn>
+                                        <p:tgtEl>
+                                          <p:spTgt spid="120"/>
+                                        </p:tgtEl>
+                                        <p:attrNameLst>
+                                          <p:attrName>style.visibility</p:attrName>
+                                        </p:attrNameLst>
+                                      </p:cBhvr>
+                                      <p:to>
+                                        <p:strVal val="visible"/>
+                                      </p:to>
+                                    </p:set>
+                                  </p:childTnLst>
+                                </p:cTn>
+                              </p:par>
+                              <p:par>
+                                <p:cTn id="9" presetID="1" presetClass="entr" presetSubtype="0" fill="hold" grpId="0" nodeType="withEffect">
                                   <p:stCondLst>
                                     <p:cond delay="0"/>
                                   </p:stCondLst>
@@ -22254,6 +22279,33 @@
                                     <p:set>
                                       <p:cBhvr>
                                         <p:cTn id="10" dur="1" fill="hold">
+                                          <p:stCondLst>
+                                            <p:cond delay="0"/>
+                                          </p:stCondLst>
+                                        </p:cTn>
+                                        <p:tgtEl>
+                                          <p:spTgt spid="121"/>
+                                        </p:tgtEl>
+                                        <p:attrNameLst>
+                                          <p:attrName>style.visibility</p:attrName>
+                                        </p:attrNameLst>
+                                      </p:cBhvr>
+                                      <p:to>
+                                        <p:strVal val="visible"/>
+                                      </p:to>
+                                    </p:set>
+                                  </p:childTnLst>
+                                </p:cTn>
+                              </p:par>
+                              <p:par>
+                                <p:cTn id="11" presetID="1" presetClass="entr" presetSubtype="0" fill="hold" grpId="0" nodeType="withEffect">
+                                  <p:stCondLst>
+                                    <p:cond delay="0"/>
+                                  </p:stCondLst>
+                                  <p:childTnLst>
+                                    <p:set>
+                                      <p:cBhvr>
+                                        <p:cTn id="12" dur="1" fill="hold">
                                           <p:stCondLst>
                                             <p:cond delay="0"/>
                                           </p:stCondLst>
@@ -22273,14 +22325,14 @@
                                 </p:cTn>
                               </p:par>
                               <p:par>
-                                <p:cTn id="11" presetID="1" presetClass="entr" presetSubtype="0" fill="hold" nodeType="withEffect">
+                                <p:cTn id="13" presetID="1" presetClass="entr" presetSubtype="0" fill="hold" nodeType="withEffect">
                                   <p:stCondLst>
                                     <p:cond delay="0"/>
                                   </p:stCondLst>
                                   <p:childTnLst>
                                     <p:set>
                                       <p:cBhvr>
-                                        <p:cTn id="12" dur="1" fill="hold">
+                                        <p:cTn id="14" dur="1" fill="hold">
                                           <p:stCondLst>
                                             <p:cond delay="0"/>
                                           </p:stCondLst>
@@ -22306,32 +22358,32 @@
                     </p:cTn>
                   </p:par>
                   <p:par>
-                    <p:cTn id="13" fill="hold">
+                    <p:cTn id="15" fill="hold">
                       <p:stCondLst>
                         <p:cond delay="indefinite"/>
                       </p:stCondLst>
                       <p:childTnLst>
                         <p:par>
-                          <p:cTn id="14" fill="hold">
+                          <p:cTn id="16" fill="hold">
                             <p:stCondLst>
                               <p:cond delay="0"/>
                             </p:stCondLst>
                             <p:childTnLst>
                               <p:par>
-                                <p:cTn id="15" presetID="1" presetClass="entr" presetSubtype="0" fill="hold" grpId="0" nodeType="clickEffect">
+                                <p:cTn id="17" presetID="1" presetClass="entr" presetSubtype="0" fill="hold" nodeType="clickEffect">
                                   <p:stCondLst>
                                     <p:cond delay="0"/>
                                   </p:stCondLst>
                                   <p:childTnLst>
                                     <p:set>
                                       <p:cBhvr>
-                                        <p:cTn id="16" dur="1" fill="hold">
+                                        <p:cTn id="18" dur="1" fill="hold">
                                           <p:stCondLst>
                                             <p:cond delay="0"/>
                                           </p:stCondLst>
                                         </p:cTn>
                                         <p:tgtEl>
-                                          <p:spTgt spid="120"/>
+                                          <p:spTgt spid="59"/>
                                         </p:tgtEl>
                                         <p:attrNameLst>
                                           <p:attrName>style.visibility</p:attrName>
@@ -22345,20 +22397,20 @@
                                 </p:cTn>
                               </p:par>
                               <p:par>
-                                <p:cTn id="17" presetID="1" presetClass="entr" presetSubtype="0" fill="hold" grpId="0" nodeType="withEffect">
+                                <p:cTn id="19" presetID="1" presetClass="entr" presetSubtype="0" fill="hold" grpId="0" nodeType="withEffect">
                                   <p:stCondLst>
                                     <p:cond delay="0"/>
                                   </p:stCondLst>
                                   <p:childTnLst>
                                     <p:set>
                                       <p:cBhvr>
-                                        <p:cTn id="18" dur="1" fill="hold">
+                                        <p:cTn id="20" dur="1" fill="hold">
                                           <p:stCondLst>
                                             <p:cond delay="0"/>
                                           </p:stCondLst>
                                         </p:cTn>
                                         <p:tgtEl>
-                                          <p:spTgt spid="121"/>
+                                          <p:spTgt spid="84"/>
                                         </p:tgtEl>
                                         <p:attrNameLst>
                                           <p:attrName>style.visibility</p:attrName>
@@ -22371,26 +22423,8 @@
                                   </p:childTnLst>
                                 </p:cTn>
                               </p:par>
-                            </p:childTnLst>
-                          </p:cTn>
-                        </p:par>
-                      </p:childTnLst>
-                    </p:cTn>
-                  </p:par>
-                  <p:par>
-                    <p:cTn id="19" fill="hold">
-                      <p:stCondLst>
-                        <p:cond delay="indefinite"/>
-                      </p:stCondLst>
-                      <p:childTnLst>
-                        <p:par>
-                          <p:cTn id="20" fill="hold">
-                            <p:stCondLst>
-                              <p:cond delay="0"/>
-                            </p:stCondLst>
-                            <p:childTnLst>
                               <p:par>
-                                <p:cTn id="21" presetID="1" presetClass="entr" presetSubtype="0" fill="hold" nodeType="clickEffect">
+                                <p:cTn id="21" presetID="1" presetClass="entr" presetSubtype="0" fill="hold" grpId="0" nodeType="withEffect">
                                   <p:stCondLst>
                                     <p:cond delay="0"/>
                                   </p:stCondLst>
@@ -22403,7 +22437,7 @@
                                           </p:stCondLst>
                                         </p:cTn>
                                         <p:tgtEl>
-                                          <p:spTgt spid="59"/>
+                                          <p:spTgt spid="24"/>
                                         </p:tgtEl>
                                         <p:attrNameLst>
                                           <p:attrName>style.visibility</p:attrName>
@@ -22430,60 +22464,6 @@
                                           </p:stCondLst>
                                         </p:cTn>
                                         <p:tgtEl>
-                                          <p:spTgt spid="84"/>
-                                        </p:tgtEl>
-                                        <p:attrNameLst>
-                                          <p:attrName>style.visibility</p:attrName>
-                                        </p:attrNameLst>
-                                      </p:cBhvr>
-                                      <p:to>
-                                        <p:strVal val="visible"/>
-                                      </p:to>
-                                    </p:set>
-                                  </p:childTnLst>
-                                </p:cTn>
-                              </p:par>
-                              <p:par>
-                                <p:cTn id="25" presetID="1" presetClass="entr" presetSubtype="0" fill="hold" grpId="0" nodeType="withEffect">
-                                  <p:stCondLst>
-                                    <p:cond delay="0"/>
-                                  </p:stCondLst>
-                                  <p:childTnLst>
-                                    <p:set>
-                                      <p:cBhvr>
-                                        <p:cTn id="26" dur="1" fill="hold">
-                                          <p:stCondLst>
-                                            <p:cond delay="0"/>
-                                          </p:stCondLst>
-                                        </p:cTn>
-                                        <p:tgtEl>
-                                          <p:spTgt spid="24"/>
-                                        </p:tgtEl>
-                                        <p:attrNameLst>
-                                          <p:attrName>style.visibility</p:attrName>
-                                        </p:attrNameLst>
-                                      </p:cBhvr>
-                                      <p:to>
-                                        <p:strVal val="visible"/>
-                                      </p:to>
-                                    </p:set>
-                                  </p:childTnLst>
-                                </p:cTn>
-                              </p:par>
-                              <p:par>
-                                <p:cTn id="27" presetID="1" presetClass="entr" presetSubtype="0" fill="hold" grpId="0" nodeType="withEffect">
-                                  <p:stCondLst>
-                                    <p:cond delay="0"/>
-                                  </p:stCondLst>
-                                  <p:childTnLst>
-                                    <p:set>
-                                      <p:cBhvr>
-                                        <p:cTn id="28" dur="1" fill="hold">
-                                          <p:stCondLst>
-                                            <p:cond delay="0"/>
-                                          </p:stCondLst>
-                                        </p:cTn>
-                                        <p:tgtEl>
                                           <p:spTgt spid="30"/>
                                         </p:tgtEl>
                                         <p:attrNameLst>
@@ -22504,26 +22484,26 @@
                     </p:cTn>
                   </p:par>
                   <p:par>
-                    <p:cTn id="29" fill="hold">
+                    <p:cTn id="25" fill="hold">
                       <p:stCondLst>
                         <p:cond delay="indefinite"/>
                       </p:stCondLst>
                       <p:childTnLst>
                         <p:par>
-                          <p:cTn id="30" fill="hold">
+                          <p:cTn id="26" fill="hold">
                             <p:stCondLst>
                               <p:cond delay="0"/>
                             </p:stCondLst>
                             <p:childTnLst>
                               <p:par>
-                                <p:cTn id="31" presetID="1" presetClass="entr" presetSubtype="0" fill="hold" nodeType="clickEffect">
+                                <p:cTn id="27" presetID="1" presetClass="entr" presetSubtype="0" fill="hold" nodeType="clickEffect">
                                   <p:stCondLst>
                                     <p:cond delay="0"/>
                                   </p:stCondLst>
                                   <p:childTnLst>
                                     <p:set>
                                       <p:cBhvr>
-                                        <p:cTn id="32" dur="1" fill="hold">
+                                        <p:cTn id="28" dur="1" fill="hold">
                                           <p:stCondLst>
                                             <p:cond delay="0"/>
                                           </p:stCondLst>
@@ -22543,14 +22523,14 @@
                                 </p:cTn>
                               </p:par>
                               <p:par>
-                                <p:cTn id="33" presetID="1" presetClass="entr" presetSubtype="0" fill="hold" grpId="0" nodeType="withEffect">
+                                <p:cTn id="29" presetID="1" presetClass="entr" presetSubtype="0" fill="hold" grpId="0" nodeType="withEffect">
                                   <p:stCondLst>
                                     <p:cond delay="0"/>
                                   </p:stCondLst>
                                   <p:childTnLst>
                                     <p:set>
                                       <p:cBhvr>
-                                        <p:cTn id="34" dur="1" fill="hold">
+                                        <p:cTn id="30" dur="1" fill="hold">
                                           <p:stCondLst>
                                             <p:cond delay="0"/>
                                           </p:stCondLst>
@@ -22569,26 +22549,89 @@
                                   </p:childTnLst>
                                 </p:cTn>
                               </p:par>
-                            </p:childTnLst>
-                          </p:cTn>
-                        </p:par>
-                      </p:childTnLst>
-                    </p:cTn>
-                  </p:par>
-                  <p:par>
-                    <p:cTn id="35" fill="hold">
-                      <p:stCondLst>
-                        <p:cond delay="indefinite"/>
-                      </p:stCondLst>
-                      <p:childTnLst>
-                        <p:par>
-                          <p:cTn id="36" fill="hold">
-                            <p:stCondLst>
-                              <p:cond delay="0"/>
-                            </p:stCondLst>
-                            <p:childTnLst>
                               <p:par>
-                                <p:cTn id="37" presetID="1" presetClass="entr" presetSubtype="0" fill="hold" nodeType="clickEffect">
+                                <p:cTn id="31" presetID="1" presetClass="entr" presetSubtype="0" fill="hold" nodeType="withEffect">
+                                  <p:stCondLst>
+                                    <p:cond delay="0"/>
+                                  </p:stCondLst>
+                                  <p:childTnLst>
+                                    <p:set>
+                                      <p:cBhvr>
+                                        <p:cTn id="32" dur="1" fill="hold">
+                                          <p:stCondLst>
+                                            <p:cond delay="0"/>
+                                          </p:stCondLst>
+                                        </p:cTn>
+                                        <p:tgtEl>
+                                          <p:spTgt spid="3"/>
+                                        </p:tgtEl>
+                                        <p:attrNameLst>
+                                          <p:attrName>style.visibility</p:attrName>
+                                        </p:attrNameLst>
+                                      </p:cBhvr>
+                                      <p:to>
+                                        <p:strVal val="visible"/>
+                                      </p:to>
+                                    </p:set>
+                                  </p:childTnLst>
+                                </p:cTn>
+                              </p:par>
+                              <p:par>
+                                <p:cTn id="33" presetID="1" presetClass="entr" presetSubtype="0" fill="hold" nodeType="withEffect">
+                                  <p:stCondLst>
+                                    <p:cond delay="0"/>
+                                  </p:stCondLst>
+                                  <p:childTnLst>
+                                    <p:set>
+                                      <p:cBhvr>
+                                        <p:cTn id="34" dur="1" fill="hold">
+                                          <p:stCondLst>
+                                            <p:cond delay="0"/>
+                                          </p:stCondLst>
+                                        </p:cTn>
+                                        <p:tgtEl>
+                                          <p:spTgt spid="10"/>
+                                        </p:tgtEl>
+                                        <p:attrNameLst>
+                                          <p:attrName>style.visibility</p:attrName>
+                                        </p:attrNameLst>
+                                      </p:cBhvr>
+                                      <p:to>
+                                        <p:strVal val="visible"/>
+                                      </p:to>
+                                    </p:set>
+                                  </p:childTnLst>
+                                </p:cTn>
+                              </p:par>
+                              <p:par>
+                                <p:cTn id="35" presetID="1" presetClass="entr" presetSubtype="0" fill="hold" grpId="0" nodeType="withEffect">
+                                  <p:stCondLst>
+                                    <p:cond delay="0"/>
+                                  </p:stCondLst>
+                                  <p:childTnLst>
+                                    <p:set>
+                                      <p:cBhvr>
+                                        <p:cTn id="36" dur="1" fill="hold">
+                                          <p:stCondLst>
+                                            <p:cond delay="0"/>
+                                          </p:stCondLst>
+                                        </p:cTn>
+                                        <p:tgtEl>
+                                          <p:spTgt spid="18"/>
+                                        </p:tgtEl>
+                                        <p:attrNameLst>
+                                          <p:attrName>style.visibility</p:attrName>
+                                        </p:attrNameLst>
+                                      </p:cBhvr>
+                                      <p:to>
+                                        <p:strVal val="visible"/>
+                                      </p:to>
+                                    </p:set>
+                                  </p:childTnLst>
+                                </p:cTn>
+                              </p:par>
+                              <p:par>
+                                <p:cTn id="37" presetID="1" presetClass="entr" presetSubtype="0" fill="hold" grpId="0" nodeType="withEffect">
                                   <p:stCondLst>
                                     <p:cond delay="0"/>
                                   </p:stCondLst>
@@ -22601,7 +22644,7 @@
                                           </p:stCondLst>
                                         </p:cTn>
                                         <p:tgtEl>
-                                          <p:spTgt spid="3"/>
+                                          <p:spTgt spid="19"/>
                                         </p:tgtEl>
                                         <p:attrNameLst>
                                           <p:attrName>style.visibility</p:attrName>
@@ -22628,7 +22671,7 @@
                                           </p:stCondLst>
                                         </p:cTn>
                                         <p:tgtEl>
-                                          <p:spTgt spid="10"/>
+                                          <p:spTgt spid="141"/>
                                         </p:tgtEl>
                                         <p:attrNameLst>
                                           <p:attrName>style.visibility</p:attrName>
@@ -22642,7 +22685,7 @@
                                 </p:cTn>
                               </p:par>
                               <p:par>
-                                <p:cTn id="41" presetID="1" presetClass="entr" presetSubtype="0" fill="hold" grpId="0" nodeType="withEffect">
+                                <p:cTn id="41" presetID="1" presetClass="entr" presetSubtype="0" fill="hold" nodeType="withEffect">
                                   <p:stCondLst>
                                     <p:cond delay="0"/>
                                   </p:stCondLst>
@@ -22655,7 +22698,7 @@
                                           </p:stCondLst>
                                         </p:cTn>
                                         <p:tgtEl>
-                                          <p:spTgt spid="18"/>
+                                          <p:spTgt spid="55"/>
                                         </p:tgtEl>
                                         <p:attrNameLst>
                                           <p:attrName>style.visibility</p:attrName>
@@ -22682,7 +22725,7 @@
                                           </p:stCondLst>
                                         </p:cTn>
                                         <p:tgtEl>
-                                          <p:spTgt spid="19"/>
+                                          <p:spTgt spid="33"/>
                                         </p:tgtEl>
                                         <p:attrNameLst>
                                           <p:attrName>style.visibility</p:attrName>
@@ -22709,7 +22752,61 @@
                                           </p:stCondLst>
                                         </p:cTn>
                                         <p:tgtEl>
-                                          <p:spTgt spid="141"/>
+                                          <p:spTgt spid="6"/>
+                                        </p:tgtEl>
+                                        <p:attrNameLst>
+                                          <p:attrName>style.visibility</p:attrName>
+                                        </p:attrNameLst>
+                                      </p:cBhvr>
+                                      <p:to>
+                                        <p:strVal val="visible"/>
+                                      </p:to>
+                                    </p:set>
+                                  </p:childTnLst>
+                                </p:cTn>
+                              </p:par>
+                              <p:par>
+                                <p:cTn id="47" presetID="1" presetClass="entr" presetSubtype="0" fill="hold" nodeType="withEffect">
+                                  <p:stCondLst>
+                                    <p:cond delay="0"/>
+                                  </p:stCondLst>
+                                  <p:childTnLst>
+                                    <p:set>
+                                      <p:cBhvr>
+                                        <p:cTn id="48" dur="1" fill="hold">
+                                          <p:stCondLst>
+                                            <p:cond delay="0"/>
+                                          </p:stCondLst>
+                                        </p:cTn>
+                                        <p:tgtEl>
+                                          <p:spTgt spid="13"/>
+                                        </p:tgtEl>
+                                        <p:attrNameLst>
+                                          <p:attrName>style.visibility</p:attrName>
+                                        </p:attrNameLst>
+                                      </p:cBhvr>
+                                      <p:to>
+                                        <p:strVal val="visible"/>
+                                      </p:to>
+                                    </p:set>
+                                  </p:childTnLst>
+                                </p:cTn>
+                              </p:par>
+                              <p:par>
+                                <p:cTn id="49" presetID="1" presetClass="entr" presetSubtype="0" fill="hold" grpId="0" nodeType="withEffect">
+                                  <p:stCondLst>
+                                    <p:cond delay="0"/>
+                                  </p:stCondLst>
+                                  <p:childTnLst>
+                                    <p:set>
+                                      <p:cBhvr>
+                                        <p:cTn id="50" dur="1" fill="hold">
+                                          <p:stCondLst>
+                                            <p:cond delay="0"/>
+                                          </p:stCondLst>
+                                        </p:cTn>
+                                        <p:tgtEl>
+                                          <p:spTgt spid="23"/>
                                         </p:tgtEl>
                                         <p:attrNameLst>
                                           <p:attrName>style.visibility</p:attrName>
@@ -22729,32 +22826,32 @@
                     </p:cTn>
                   </p:par>
                   <p:par>
-                    <p:cTn id="47" fill="hold">
+                    <p:cTn id="51" fill="hold">
                       <p:stCondLst>
                         <p:cond delay="indefinite"/>
                       </p:stCondLst>
                       <p:childTnLst>
                         <p:par>
-                          <p:cTn id="48" fill="hold">
+                          <p:cTn id="52" fill="hold">
                             <p:stCondLst>
                               <p:cond delay="0"/>
                             </p:stCondLst>
                             <p:childTnLst>
                               <p:par>
-                                <p:cTn id="49" presetID="1" presetClass="entr" presetSubtype="0" fill="hold" nodeType="clickEffect">
+                                <p:cTn id="53" presetID="1" presetClass="entr" presetSubtype="0" fill="hold" nodeType="clickEffect">
                                   <p:stCondLst>
                                     <p:cond delay="0"/>
                                   </p:stCondLst>
                                   <p:childTnLst>
                                     <p:set>
                                       <p:cBhvr>
-                                        <p:cTn id="50" dur="1" fill="hold">
+                                        <p:cTn id="54" dur="1" fill="hold">
                                           <p:stCondLst>
                                             <p:cond delay="0"/>
                                           </p:stCondLst>
                                         </p:cTn>
                                         <p:tgtEl>
-                                          <p:spTgt spid="55"/>
+                                          <p:spTgt spid="96"/>
                                         </p:tgtEl>
                                         <p:attrNameLst>
                                           <p:attrName>style.visibility</p:attrName>
@@ -22768,52 +22865,7 @@
                                 </p:cTn>
                               </p:par>
                               <p:par>
-                                <p:cTn id="51" presetID="1" presetClass="entr" presetSubtype="0" fill="hold" grpId="0" nodeType="withEffect">
-                                  <p:stCondLst>
-                                    <p:cond delay="0"/>
-                                  </p:stCondLst>
-                                  <p:childTnLst>
-                                    <p:set>
-                                      <p:cBhvr>
-                                        <p:cTn id="52" dur="1" fill="hold">
-                                          <p:stCondLst>
-                                            <p:cond delay="0"/>
-                                          </p:stCondLst>
-                                        </p:cTn>
-                                        <p:tgtEl>
-                                          <p:spTgt spid="33"/>
-                                        </p:tgtEl>
-                                        <p:attrNameLst>
-                                          <p:attrName>style.visibility</p:attrName>
-                                        </p:attrNameLst>
-                                      </p:cBhvr>
-                                      <p:to>
-                                        <p:strVal val="visible"/>
-                                      </p:to>
-                                    </p:set>
-                                  </p:childTnLst>
-                                </p:cTn>
-                              </p:par>
-                            </p:childTnLst>
-                          </p:cTn>
-                        </p:par>
-                      </p:childTnLst>
-                    </p:cTn>
-                  </p:par>
-                  <p:par>
-                    <p:cTn id="53" fill="hold">
-                      <p:stCondLst>
-                        <p:cond delay="indefinite"/>
-                      </p:stCondLst>
-                      <p:childTnLst>
-                        <p:par>
-                          <p:cTn id="54" fill="hold">
-                            <p:stCondLst>
-                              <p:cond delay="0"/>
-                            </p:stCondLst>
-                            <p:childTnLst>
-                              <p:par>
-                                <p:cTn id="55" presetID="1" presetClass="entr" presetSubtype="0" fill="hold" nodeType="clickEffect">
+                                <p:cTn id="55" presetID="1" presetClass="entr" presetSubtype="0" fill="hold" grpId="0" nodeType="withEffect">
                                   <p:stCondLst>
                                     <p:cond delay="0"/>
                                   </p:stCondLst>
@@ -22826,7 +22878,7 @@
                                           </p:stCondLst>
                                         </p:cTn>
                                         <p:tgtEl>
-                                          <p:spTgt spid="6"/>
+                                          <p:spTgt spid="34"/>
                                         </p:tgtEl>
                                         <p:attrNameLst>
                                           <p:attrName>style.visibility</p:attrName>
@@ -22840,7 +22892,7 @@
                                 </p:cTn>
                               </p:par>
                               <p:par>
-                                <p:cTn id="57" presetID="1" presetClass="entr" presetSubtype="0" fill="hold" nodeType="withEffect">
+                                <p:cTn id="57" presetID="1" presetClass="entr" presetSubtype="0" fill="hold" grpId="0" nodeType="withEffect">
                                   <p:stCondLst>
                                     <p:cond delay="0"/>
                                   </p:stCondLst>
@@ -22853,7 +22905,7 @@
                                           </p:stCondLst>
                                         </p:cTn>
                                         <p:tgtEl>
-                                          <p:spTgt spid="13"/>
+                                          <p:spTgt spid="114"/>
                                         </p:tgtEl>
                                         <p:attrNameLst>
                                           <p:attrName>style.visibility</p:attrName>
@@ -22880,7 +22932,7 @@
                                           </p:stCondLst>
                                         </p:cTn>
                                         <p:tgtEl>
-                                          <p:spTgt spid="23"/>
+                                          <p:spTgt spid="160"/>
                                         </p:tgtEl>
                                         <p:attrNameLst>
                                           <p:attrName>style.visibility</p:attrName>
@@ -22893,26 +22945,35 @@
                                   </p:childTnLst>
                                 </p:cTn>
                               </p:par>
-                            </p:childTnLst>
-                          </p:cTn>
-                        </p:par>
-                      </p:childTnLst>
-                    </p:cTn>
-                  </p:par>
-                  <p:par>
-                    <p:cTn id="61" fill="hold">
-                      <p:stCondLst>
-                        <p:cond delay="indefinite"/>
-                      </p:stCondLst>
-                      <p:childTnLst>
-                        <p:par>
-                          <p:cTn id="62" fill="hold">
-                            <p:stCondLst>
-                              <p:cond delay="0"/>
-                            </p:stCondLst>
-                            <p:childTnLst>
                               <p:par>
-                                <p:cTn id="63" presetID="1" presetClass="entr" presetSubtype="0" fill="hold" nodeType="clickEffect">
+                                <p:cTn id="61" presetID="1" presetClass="entr" presetSubtype="0" fill="hold" nodeType="withEffect">
+                                  <p:stCondLst>
+                                    <p:cond delay="0"/>
+                                  </p:stCondLst>
+                                  <p:childTnLst>
+                                    <p:set>
+                                      <p:cBhvr>
+                                        <p:cTn id="62" dur="1" fill="hold">
+                                          <p:stCondLst>
+                                            <p:cond delay="0"/>
+                                          </p:stCondLst>
+                                        </p:cTn>
+                                        <p:tgtEl>
+                                          <p:spTgt spid="159"/>
+                                        </p:tgtEl>
+                                        <p:attrNameLst>
+                                          <p:attrName>style.visibility</p:attrName>
+                                        </p:attrNameLst>
+                                      </p:cBhvr>
+                                      <p:to>
+                                        <p:strVal val="visible"/>
+                                      </p:to>
+                                    </p:set>
+                                  </p:childTnLst>
+                                </p:cTn>
+                              </p:par>
+                              <p:par>
+                                <p:cTn id="63" presetID="1" presetClass="entr" presetSubtype="0" fill="hold" nodeType="withEffect">
                                   <p:stCondLst>
                                     <p:cond delay="0"/>
                                   </p:stCondLst>
@@ -22925,7 +22986,7 @@
                                           </p:stCondLst>
                                         </p:cTn>
                                         <p:tgtEl>
-                                          <p:spTgt spid="96"/>
+                                          <p:spTgt spid="151"/>
                                         </p:tgtEl>
                                         <p:attrNameLst>
                                           <p:attrName>style.visibility</p:attrName>
@@ -22952,7 +23013,61 @@
                                           </p:stCondLst>
                                         </p:cTn>
                                         <p:tgtEl>
-                                          <p:spTgt spid="34"/>
+                                          <p:spTgt spid="119"/>
+                                        </p:tgtEl>
+                                        <p:attrNameLst>
+                                          <p:attrName>style.visibility</p:attrName>
+                                        </p:attrNameLst>
+                                      </p:cBhvr>
+                                      <p:to>
+                                        <p:strVal val="visible"/>
+                                      </p:to>
+                                    </p:set>
+                                  </p:childTnLst>
+                                </p:cTn>
+                              </p:par>
+                              <p:par>
+                                <p:cTn id="67" presetID="1" presetClass="entr" presetSubtype="0" fill="hold" grpId="0" nodeType="withEffect">
+                                  <p:stCondLst>
+                                    <p:cond delay="0"/>
+                                  </p:stCondLst>
+                                  <p:childTnLst>
+                                    <p:set>
+                                      <p:cBhvr>
+                                        <p:cTn id="68" dur="1" fill="hold">
+                                          <p:stCondLst>
+                                            <p:cond delay="0"/>
+                                          </p:stCondLst>
+                                        </p:cTn>
+                                        <p:tgtEl>
+                                          <p:spTgt spid="182"/>
+                                        </p:tgtEl>
+                                        <p:attrNameLst>
+                                          <p:attrName>style.visibility</p:attrName>
+                                        </p:attrNameLst>
+                                      </p:cBhvr>
+                                      <p:to>
+                                        <p:strVal val="visible"/>
+                                      </p:to>
+                                    </p:set>
+                                  </p:childTnLst>
+                                </p:cTn>
+                              </p:par>
+                              <p:par>
+                                <p:cTn id="69" presetID="1" presetClass="entr" presetSubtype="0" fill="hold" nodeType="withEffect">
+                                  <p:stCondLst>
+                                    <p:cond delay="0"/>
+                                  </p:stCondLst>
+                                  <p:childTnLst>
+                                    <p:set>
+                                      <p:cBhvr>
+                                        <p:cTn id="70" dur="1" fill="hold">
+                                          <p:stCondLst>
+                                            <p:cond delay="0"/>
+                                          </p:stCondLst>
+                                        </p:cTn>
+                                        <p:tgtEl>
+                                          <p:spTgt spid="176"/>
                                         </p:tgtEl>
                                         <p:attrNameLst>
                                           <p:attrName>style.visibility</p:attrName>
@@ -22972,32 +23087,32 @@
                     </p:cTn>
                   </p:par>
                   <p:par>
-                    <p:cTn id="67" fill="hold">
+                    <p:cTn id="71" fill="hold">
                       <p:stCondLst>
                         <p:cond delay="indefinite"/>
                       </p:stCondLst>
                       <p:childTnLst>
                         <p:par>
-                          <p:cTn id="68" fill="hold">
+                          <p:cTn id="72" fill="hold">
                             <p:stCondLst>
                               <p:cond delay="0"/>
                             </p:stCondLst>
                             <p:childTnLst>
                               <p:par>
-                                <p:cTn id="69" presetID="1" presetClass="entr" presetSubtype="0" fill="hold" grpId="0" nodeType="clickEffect">
+                                <p:cTn id="73" presetID="1" presetClass="entr" presetSubtype="0" fill="hold" nodeType="clickEffect">
                                   <p:stCondLst>
                                     <p:cond delay="0"/>
                                   </p:stCondLst>
                                   <p:childTnLst>
                                     <p:set>
                                       <p:cBhvr>
-                                        <p:cTn id="70" dur="1" fill="hold">
+                                        <p:cTn id="74" dur="1" fill="hold">
                                           <p:stCondLst>
                                             <p:cond delay="0"/>
                                           </p:stCondLst>
                                         </p:cTn>
                                         <p:tgtEl>
-                                          <p:spTgt spid="114"/>
+                                          <p:spTgt spid="134"/>
                                         </p:tgtEl>
                                         <p:attrNameLst>
                                           <p:attrName>style.visibility</p:attrName>
@@ -23011,61 +23126,7 @@
                                 </p:cTn>
                               </p:par>
                               <p:par>
-                                <p:cTn id="71" presetID="1" presetClass="entr" presetSubtype="0" fill="hold" grpId="0" nodeType="withEffect">
-                                  <p:stCondLst>
-                                    <p:cond delay="0"/>
-                                  </p:stCondLst>
-                                  <p:childTnLst>
-                                    <p:set>
-                                      <p:cBhvr>
-                                        <p:cTn id="72" dur="1" fill="hold">
-                                          <p:stCondLst>
-                                            <p:cond delay="0"/>
-                                          </p:stCondLst>
-                                        </p:cTn>
-                                        <p:tgtEl>
-                                          <p:spTgt spid="160"/>
-                                        </p:tgtEl>
-                                        <p:attrNameLst>
-                                          <p:attrName>style.visibility</p:attrName>
-                                        </p:attrNameLst>
-                                      </p:cBhvr>
-                                      <p:to>
-                                        <p:strVal val="visible"/>
-                                      </p:to>
-                                    </p:set>
-                                  </p:childTnLst>
-                                </p:cTn>
-                              </p:par>
-                              <p:par>
-                                <p:cTn id="73" presetID="1" presetClass="entr" presetSubtype="0" fill="hold" nodeType="withEffect">
-                                  <p:stCondLst>
-                                    <p:cond delay="0"/>
-                                  </p:stCondLst>
-                                  <p:childTnLst>
-                                    <p:set>
-                                      <p:cBhvr>
-                                        <p:cTn id="74" dur="1" fill="hold">
-                                          <p:stCondLst>
-                                            <p:cond delay="0"/>
-                                          </p:stCondLst>
-                                        </p:cTn>
-                                        <p:tgtEl>
-                                          <p:spTgt spid="159"/>
-                                        </p:tgtEl>
-                                        <p:attrNameLst>
-                                          <p:attrName>style.visibility</p:attrName>
-                                        </p:attrNameLst>
-                                      </p:cBhvr>
-                                      <p:to>
-                                        <p:strVal val="visible"/>
-                                      </p:to>
-                                    </p:set>
-                                  </p:childTnLst>
-                                </p:cTn>
-                              </p:par>
-                              <p:par>
-                                <p:cTn id="75" presetID="1" presetClass="entr" presetSubtype="0" fill="hold" nodeType="withEffect">
+                                <p:cTn id="75" presetID="1" presetClass="entr" presetSubtype="0" fill="hold" grpId="0" nodeType="withEffect">
                                   <p:stCondLst>
                                     <p:cond delay="0"/>
                                   </p:stCondLst>
@@ -23078,7 +23139,7 @@
                                           </p:stCondLst>
                                         </p:cTn>
                                         <p:tgtEl>
-                                          <p:spTgt spid="151"/>
+                                          <p:spTgt spid="35"/>
                                         </p:tgtEl>
                                         <p:attrNameLst>
                                           <p:attrName>style.visibility</p:attrName>
@@ -23105,7 +23166,7 @@
                                           </p:stCondLst>
                                         </p:cTn>
                                         <p:tgtEl>
-                                          <p:spTgt spid="119"/>
+                                          <p:spTgt spid="132"/>
                                         </p:tgtEl>
                                         <p:attrNameLst>
                                           <p:attrName>style.visibility</p:attrName>
@@ -23119,7 +23180,7 @@
                                 </p:cTn>
                               </p:par>
                               <p:par>
-                                <p:cTn id="79" presetID="1" presetClass="entr" presetSubtype="0" fill="hold" grpId="0" nodeType="withEffect">
+                                <p:cTn id="79" presetID="1" presetClass="entr" presetSubtype="0" fill="hold" nodeType="withEffect">
                                   <p:stCondLst>
                                     <p:cond delay="0"/>
                                   </p:stCondLst>
@@ -23132,7 +23193,7 @@
                                           </p:stCondLst>
                                         </p:cTn>
                                         <p:tgtEl>
-                                          <p:spTgt spid="182"/>
+                                          <p:spTgt spid="158"/>
                                         </p:tgtEl>
                                         <p:attrNameLst>
                                           <p:attrName>style.visibility</p:attrName>
@@ -23146,7 +23207,7 @@
                                 </p:cTn>
                               </p:par>
                               <p:par>
-                                <p:cTn id="81" presetID="1" presetClass="entr" presetSubtype="0" fill="hold" nodeType="withEffect">
+                                <p:cTn id="81" presetID="1" presetClass="entr" presetSubtype="0" fill="hold" grpId="0" nodeType="withEffect">
                                   <p:stCondLst>
                                     <p:cond delay="0"/>
                                   </p:stCondLst>
@@ -23159,7 +23220,7 @@
                                           </p:stCondLst>
                                         </p:cTn>
                                         <p:tgtEl>
-                                          <p:spTgt spid="176"/>
+                                          <p:spTgt spid="118"/>
                                         </p:tgtEl>
                                         <p:attrNameLst>
                                           <p:attrName>style.visibility</p:attrName>
@@ -23204,7 +23265,7 @@
                                           </p:stCondLst>
                                         </p:cTn>
                                         <p:tgtEl>
-                                          <p:spTgt spid="134"/>
+                                          <p:spTgt spid="153"/>
                                         </p:tgtEl>
                                         <p:attrNameLst>
                                           <p:attrName>style.visibility</p:attrName>
@@ -23231,7 +23292,7 @@
                                           </p:stCondLst>
                                         </p:cTn>
                                         <p:tgtEl>
-                                          <p:spTgt spid="35"/>
+                                          <p:spTgt spid="167"/>
                                         </p:tgtEl>
                                         <p:attrNameLst>
                                           <p:attrName>style.visibility</p:attrName>
@@ -23258,7 +23319,7 @@
                                           </p:stCondLst>
                                         </p:cTn>
                                         <p:tgtEl>
-                                          <p:spTgt spid="132"/>
+                                          <p:spTgt spid="164"/>
                                         </p:tgtEl>
                                         <p:attrNameLst>
                                           <p:attrName>style.visibility</p:attrName>
@@ -23272,7 +23333,7 @@
                                 </p:cTn>
                               </p:par>
                               <p:par>
-                                <p:cTn id="91" presetID="1" presetClass="entr" presetSubtype="0" fill="hold" nodeType="withEffect">
+                                <p:cTn id="91" presetID="1" presetClass="entr" presetSubtype="0" fill="hold" grpId="0" nodeType="withEffect">
                                   <p:stCondLst>
                                     <p:cond delay="0"/>
                                   </p:stCondLst>
@@ -23285,7 +23346,7 @@
                                           </p:stCondLst>
                                         </p:cTn>
                                         <p:tgtEl>
-                                          <p:spTgt spid="158"/>
+                                          <p:spTgt spid="163"/>
                                         </p:tgtEl>
                                         <p:attrNameLst>
                                           <p:attrName>style.visibility</p:attrName>
@@ -23299,7 +23360,7 @@
                                 </p:cTn>
                               </p:par>
                               <p:par>
-                                <p:cTn id="93" presetID="1" presetClass="entr" presetSubtype="0" fill="hold" grpId="0" nodeType="withEffect">
+                                <p:cTn id="93" presetID="1" presetClass="entr" presetSubtype="0" fill="hold" nodeType="withEffect">
                                   <p:stCondLst>
                                     <p:cond delay="0"/>
                                   </p:stCondLst>
@@ -23312,7 +23373,34 @@
                                           </p:stCondLst>
                                         </p:cTn>
                                         <p:tgtEl>
-                                          <p:spTgt spid="118"/>
+                                          <p:spTgt spid="149"/>
+                                        </p:tgtEl>
+                                        <p:attrNameLst>
+                                          <p:attrName>style.visibility</p:attrName>
+                                        </p:attrNameLst>
+                                      </p:cBhvr>
+                                      <p:to>
+                                        <p:strVal val="visible"/>
+                                      </p:to>
+                                    </p:set>
+                                  </p:childTnLst>
+                                </p:cTn>
+                              </p:par>
+                              <p:par>
+                                <p:cTn id="95" presetID="1" presetClass="entr" presetSubtype="0" fill="hold" grpId="0" nodeType="withEffect">
+                                  <p:stCondLst>
+                                    <p:cond delay="0"/>
+                                  </p:stCondLst>
+                                  <p:childTnLst>
+                                    <p:set>
+                                      <p:cBhvr>
+                                        <p:cTn id="96" dur="1" fill="hold">
+                                          <p:stCondLst>
+                                            <p:cond delay="0"/>
+                                          </p:stCondLst>
+                                        </p:cTn>
+                                        <p:tgtEl>
+                                          <p:spTgt spid="36"/>
                                         </p:tgtEl>
                                         <p:attrNameLst>
                                           <p:attrName>style.visibility</p:attrName>
@@ -23332,46 +23420,19 @@
                     </p:cTn>
                   </p:par>
                   <p:par>
-                    <p:cTn id="95" fill="hold">
+                    <p:cTn id="97" fill="hold">
                       <p:stCondLst>
                         <p:cond delay="indefinite"/>
                       </p:stCondLst>
                       <p:childTnLst>
                         <p:par>
-                          <p:cTn id="96" fill="hold">
+                          <p:cTn id="98" fill="hold">
                             <p:stCondLst>
                               <p:cond delay="0"/>
                             </p:stCondLst>
                             <p:childTnLst>
                               <p:par>
-                                <p:cTn id="97" presetID="1" presetClass="entr" presetSubtype="0" fill="hold" nodeType="clickEffect">
-                                  <p:stCondLst>
-                                    <p:cond delay="0"/>
-                                  </p:stCondLst>
-                                  <p:childTnLst>
-                                    <p:set>
-                                      <p:cBhvr>
-                                        <p:cTn id="98" dur="1" fill="hold">
-                                          <p:stCondLst>
-                                            <p:cond delay="0"/>
-                                          </p:stCondLst>
-                                        </p:cTn>
-                                        <p:tgtEl>
-                                          <p:spTgt spid="153"/>
-                                        </p:tgtEl>
-                                        <p:attrNameLst>
-                                          <p:attrName>style.visibility</p:attrName>
-                                        </p:attrNameLst>
-                                      </p:cBhvr>
-                                      <p:to>
-                                        <p:strVal val="visible"/>
-                                      </p:to>
-                                    </p:set>
-                                  </p:childTnLst>
-                                </p:cTn>
-                              </p:par>
-                              <p:par>
-                                <p:cTn id="99" presetID="1" presetClass="entr" presetSubtype="0" fill="hold" grpId="0" nodeType="withEffect">
+                                <p:cTn id="99" presetID="1" presetClass="entr" presetSubtype="0" fill="hold" grpId="0" nodeType="clickEffect">
                                   <p:stCondLst>
                                     <p:cond delay="0"/>
                                   </p:stCondLst>
@@ -23384,7 +23445,7 @@
                                           </p:stCondLst>
                                         </p:cTn>
                                         <p:tgtEl>
-                                          <p:spTgt spid="167"/>
+                                          <p:spTgt spid="85"/>
                                         </p:tgtEl>
                                         <p:attrNameLst>
                                           <p:attrName>style.visibility</p:attrName>
@@ -23411,7 +23472,7 @@
                                           </p:stCondLst>
                                         </p:cTn>
                                         <p:tgtEl>
-                                          <p:spTgt spid="164"/>
+                                          <p:spTgt spid="26"/>
                                         </p:tgtEl>
                                         <p:attrNameLst>
                                           <p:attrName>style.visibility</p:attrName>
@@ -23424,35 +23485,26 @@
                                   </p:childTnLst>
                                 </p:cTn>
                               </p:par>
+                            </p:childTnLst>
+                          </p:cTn>
+                        </p:par>
+                      </p:childTnLst>
+                    </p:cTn>
+                  </p:par>
+                  <p:par>
+                    <p:cTn id="103" fill="hold">
+                      <p:stCondLst>
+                        <p:cond delay="indefinite"/>
+                      </p:stCondLst>
+                      <p:childTnLst>
+                        <p:par>
+                          <p:cTn id="104" fill="hold">
+                            <p:stCondLst>
+                              <p:cond delay="0"/>
+                            </p:stCondLst>
+                            <p:childTnLst>
                               <p:par>
-                                <p:cTn id="103" presetID="1" presetClass="entr" presetSubtype="0" fill="hold" grpId="0" nodeType="withEffect">
-                                  <p:stCondLst>
-                                    <p:cond delay="0"/>
-                                  </p:stCondLst>
-                                  <p:childTnLst>
-                                    <p:set>
-                                      <p:cBhvr>
-                                        <p:cTn id="104" dur="1" fill="hold">
-                                          <p:stCondLst>
-                                            <p:cond delay="0"/>
-                                          </p:stCondLst>
-                                        </p:cTn>
-                                        <p:tgtEl>
-                                          <p:spTgt spid="163"/>
-                                        </p:tgtEl>
-                                        <p:attrNameLst>
-                                          <p:attrName>style.visibility</p:attrName>
-                                        </p:attrNameLst>
-                                      </p:cBhvr>
-                                      <p:to>
-                                        <p:strVal val="visible"/>
-                                      </p:to>
-                                    </p:set>
-                                  </p:childTnLst>
-                                </p:cTn>
-                              </p:par>
-                              <p:par>
-                                <p:cTn id="105" presetID="1" presetClass="entr" presetSubtype="0" fill="hold" nodeType="withEffect">
+                                <p:cTn id="105" presetID="1" presetClass="entr" presetSubtype="0" fill="hold" grpId="0" nodeType="clickEffect">
                                   <p:stCondLst>
                                     <p:cond delay="0"/>
                                   </p:stCondLst>
@@ -23465,7 +23517,7 @@
                                           </p:stCondLst>
                                         </p:cTn>
                                         <p:tgtEl>
-                                          <p:spTgt spid="149"/>
+                                          <p:spTgt spid="69"/>
                                         </p:tgtEl>
                                         <p:attrNameLst>
                                           <p:attrName>style.visibility</p:attrName>
@@ -23492,7 +23544,34 @@
                                           </p:stCondLst>
                                         </p:cTn>
                                         <p:tgtEl>
-                                          <p:spTgt spid="36"/>
+                                          <p:spTgt spid="171"/>
+                                        </p:tgtEl>
+                                        <p:attrNameLst>
+                                          <p:attrName>style.visibility</p:attrName>
+                                        </p:attrNameLst>
+                                      </p:cBhvr>
+                                      <p:to>
+                                        <p:strVal val="visible"/>
+                                      </p:to>
+                                    </p:set>
+                                  </p:childTnLst>
+                                </p:cTn>
+                              </p:par>
+                              <p:par>
+                                <p:cTn id="109" presetID="1" presetClass="entr" presetSubtype="0" fill="hold" grpId="0" nodeType="withEffect">
+                                  <p:stCondLst>
+                                    <p:cond delay="0"/>
+                                  </p:stCondLst>
+                                  <p:childTnLst>
+                                    <p:set>
+                                      <p:cBhvr>
+                                        <p:cTn id="110" dur="1" fill="hold">
+                                          <p:stCondLst>
+                                            <p:cond delay="0"/>
+                                          </p:stCondLst>
+                                        </p:cTn>
+                                        <p:tgtEl>
+                                          <p:spTgt spid="28"/>
                                         </p:tgtEl>
                                         <p:attrNameLst>
                                           <p:attrName>style.visibility</p:attrName>
@@ -23512,32 +23591,32 @@
                     </p:cTn>
                   </p:par>
                   <p:par>
-                    <p:cTn id="109" fill="hold">
+                    <p:cTn id="111" fill="hold">
                       <p:stCondLst>
                         <p:cond delay="indefinite"/>
                       </p:stCondLst>
                       <p:childTnLst>
                         <p:par>
-                          <p:cTn id="110" fill="hold">
+                          <p:cTn id="112" fill="hold">
                             <p:stCondLst>
                               <p:cond delay="0"/>
                             </p:stCondLst>
                             <p:childTnLst>
                               <p:par>
-                                <p:cTn id="111" presetID="1" presetClass="entr" presetSubtype="0" fill="hold" grpId="0" nodeType="clickEffect">
+                                <p:cTn id="113" presetID="1" presetClass="entr" presetSubtype="0" fill="hold" grpId="0" nodeType="clickEffect">
                                   <p:stCondLst>
                                     <p:cond delay="0"/>
                                   </p:stCondLst>
                                   <p:childTnLst>
                                     <p:set>
                                       <p:cBhvr>
-                                        <p:cTn id="112" dur="1" fill="hold">
+                                        <p:cTn id="114" dur="1" fill="hold">
                                           <p:stCondLst>
                                             <p:cond delay="0"/>
                                           </p:stCondLst>
                                         </p:cTn>
                                         <p:tgtEl>
-                                          <p:spTgt spid="85"/>
+                                          <p:spTgt spid="103"/>
                                         </p:tgtEl>
                                         <p:attrNameLst>
                                           <p:attrName>style.visibility</p:attrName>
@@ -23551,20 +23630,20 @@
                                 </p:cTn>
                               </p:par>
                               <p:par>
-                                <p:cTn id="113" presetID="1" presetClass="entr" presetSubtype="0" fill="hold" grpId="0" nodeType="withEffect">
+                                <p:cTn id="115" presetID="1" presetClass="entr" presetSubtype="0" fill="hold" nodeType="withEffect">
                                   <p:stCondLst>
                                     <p:cond delay="0"/>
                                   </p:stCondLst>
                                   <p:childTnLst>
                                     <p:set>
                                       <p:cBhvr>
-                                        <p:cTn id="114" dur="1" fill="hold">
+                                        <p:cTn id="116" dur="1" fill="hold">
                                           <p:stCondLst>
                                             <p:cond delay="0"/>
                                           </p:stCondLst>
                                         </p:cTn>
                                         <p:tgtEl>
-                                          <p:spTgt spid="26"/>
+                                          <p:spTgt spid="172"/>
                                         </p:tgtEl>
                                         <p:attrNameLst>
                                           <p:attrName>style.visibility</p:attrName>
@@ -23584,46 +23663,19 @@
                     </p:cTn>
                   </p:par>
                   <p:par>
-                    <p:cTn id="115" fill="hold">
+                    <p:cTn id="117" fill="hold">
                       <p:stCondLst>
                         <p:cond delay="indefinite"/>
                       </p:stCondLst>
                       <p:childTnLst>
                         <p:par>
-                          <p:cTn id="116" fill="hold">
+                          <p:cTn id="118" fill="hold">
                             <p:stCondLst>
                               <p:cond delay="0"/>
                             </p:stCondLst>
                             <p:childTnLst>
                               <p:par>
-                                <p:cTn id="117" presetID="1" presetClass="entr" presetSubtype="0" fill="hold" grpId="0" nodeType="clickEffect">
-                                  <p:stCondLst>
-                                    <p:cond delay="0"/>
-                                  </p:stCondLst>
-                                  <p:childTnLst>
-                                    <p:set>
-                                      <p:cBhvr>
-                                        <p:cTn id="118" dur="1" fill="hold">
-                                          <p:stCondLst>
-                                            <p:cond delay="0"/>
-                                          </p:stCondLst>
-                                        </p:cTn>
-                                        <p:tgtEl>
-                                          <p:spTgt spid="69"/>
-                                        </p:tgtEl>
-                                        <p:attrNameLst>
-                                          <p:attrName>style.visibility</p:attrName>
-                                        </p:attrNameLst>
-                                      </p:cBhvr>
-                                      <p:to>
-                                        <p:strVal val="visible"/>
-                                      </p:to>
-                                    </p:set>
-                                  </p:childTnLst>
-                                </p:cTn>
-                              </p:par>
-                              <p:par>
-                                <p:cTn id="119" presetID="1" presetClass="entr" presetSubtype="0" fill="hold" grpId="0" nodeType="withEffect">
+                                <p:cTn id="119" presetID="1" presetClass="entr" presetSubtype="0" fill="hold" nodeType="clickEffect">
                                   <p:stCondLst>
                                     <p:cond delay="0"/>
                                   </p:stCondLst>
@@ -23636,7 +23688,7 @@
                                           </p:stCondLst>
                                         </p:cTn>
                                         <p:tgtEl>
-                                          <p:spTgt spid="171"/>
+                                          <p:spTgt spid="91"/>
                                         </p:tgtEl>
                                         <p:attrNameLst>
                                           <p:attrName>style.visibility</p:attrName>
@@ -23663,150 +23715,6 @@
                                           </p:stCondLst>
                                         </p:cTn>
                                         <p:tgtEl>
-                                          <p:spTgt spid="28"/>
-                                        </p:tgtEl>
-                                        <p:attrNameLst>
-                                          <p:attrName>style.visibility</p:attrName>
-                                        </p:attrNameLst>
-                                      </p:cBhvr>
-                                      <p:to>
-                                        <p:strVal val="visible"/>
-                                      </p:to>
-                                    </p:set>
-                                  </p:childTnLst>
-                                </p:cTn>
-                              </p:par>
-                            </p:childTnLst>
-                          </p:cTn>
-                        </p:par>
-                      </p:childTnLst>
-                    </p:cTn>
-                  </p:par>
-                  <p:par>
-                    <p:cTn id="123" fill="hold">
-                      <p:stCondLst>
-                        <p:cond delay="indefinite"/>
-                      </p:stCondLst>
-                      <p:childTnLst>
-                        <p:par>
-                          <p:cTn id="124" fill="hold">
-                            <p:stCondLst>
-                              <p:cond delay="0"/>
-                            </p:stCondLst>
-                            <p:childTnLst>
-                              <p:par>
-                                <p:cTn id="125" presetID="1" presetClass="entr" presetSubtype="0" fill="hold" grpId="0" nodeType="clickEffect">
-                                  <p:stCondLst>
-                                    <p:cond delay="0"/>
-                                  </p:stCondLst>
-                                  <p:childTnLst>
-                                    <p:set>
-                                      <p:cBhvr>
-                                        <p:cTn id="126" dur="1" fill="hold">
-                                          <p:stCondLst>
-                                            <p:cond delay="0"/>
-                                          </p:stCondLst>
-                                        </p:cTn>
-                                        <p:tgtEl>
-                                          <p:spTgt spid="103"/>
-                                        </p:tgtEl>
-                                        <p:attrNameLst>
-                                          <p:attrName>style.visibility</p:attrName>
-                                        </p:attrNameLst>
-                                      </p:cBhvr>
-                                      <p:to>
-                                        <p:strVal val="visible"/>
-                                      </p:to>
-                                    </p:set>
-                                  </p:childTnLst>
-                                </p:cTn>
-                              </p:par>
-                              <p:par>
-                                <p:cTn id="127" presetID="1" presetClass="entr" presetSubtype="0" fill="hold" nodeType="withEffect">
-                                  <p:stCondLst>
-                                    <p:cond delay="0"/>
-                                  </p:stCondLst>
-                                  <p:childTnLst>
-                                    <p:set>
-                                      <p:cBhvr>
-                                        <p:cTn id="128" dur="1" fill="hold">
-                                          <p:stCondLst>
-                                            <p:cond delay="0"/>
-                                          </p:stCondLst>
-                                        </p:cTn>
-                                        <p:tgtEl>
-                                          <p:spTgt spid="172"/>
-                                        </p:tgtEl>
-                                        <p:attrNameLst>
-                                          <p:attrName>style.visibility</p:attrName>
-                                        </p:attrNameLst>
-                                      </p:cBhvr>
-                                      <p:to>
-                                        <p:strVal val="visible"/>
-                                      </p:to>
-                                    </p:set>
-                                  </p:childTnLst>
-                                </p:cTn>
-                              </p:par>
-                            </p:childTnLst>
-                          </p:cTn>
-                        </p:par>
-                      </p:childTnLst>
-                    </p:cTn>
-                  </p:par>
-                  <p:par>
-                    <p:cTn id="129" fill="hold">
-                      <p:stCondLst>
-                        <p:cond delay="indefinite"/>
-                      </p:stCondLst>
-                      <p:childTnLst>
-                        <p:par>
-                          <p:cTn id="130" fill="hold">
-                            <p:stCondLst>
-                              <p:cond delay="0"/>
-                            </p:stCondLst>
-                            <p:childTnLst>
-                              <p:par>
-                                <p:cTn id="131" presetID="1" presetClass="entr" presetSubtype="0" fill="hold" nodeType="clickEffect">
-                                  <p:stCondLst>
-                                    <p:cond delay="0"/>
-                                  </p:stCondLst>
-                                  <p:childTnLst>
-                                    <p:set>
-                                      <p:cBhvr>
-                                        <p:cTn id="132" dur="1" fill="hold">
-                                          <p:stCondLst>
-                                            <p:cond delay="0"/>
-                                          </p:stCondLst>
-                                        </p:cTn>
-                                        <p:tgtEl>
-                                          <p:spTgt spid="91"/>
-                                        </p:tgtEl>
-                                        <p:attrNameLst>
-                                          <p:attrName>style.visibility</p:attrName>
-                                        </p:attrNameLst>
-                                      </p:cBhvr>
-                                      <p:to>
-                                        <p:strVal val="visible"/>
-                                      </p:to>
-                                    </p:set>
-                                  </p:childTnLst>
-                                </p:cTn>
-                              </p:par>
-                              <p:par>
-                                <p:cTn id="133" presetID="1" presetClass="entr" presetSubtype="0" fill="hold" grpId="0" nodeType="withEffect">
-                                  <p:stCondLst>
-                                    <p:cond delay="0"/>
-                                  </p:stCondLst>
-                                  <p:childTnLst>
-                                    <p:set>
-                                      <p:cBhvr>
-                                        <p:cTn id="134" dur="1" fill="hold">
-                                          <p:stCondLst>
-                                            <p:cond delay="0"/>
-                                          </p:stCondLst>
-                                        </p:cTn>
-                                        <p:tgtEl>
                                           <p:spTgt spid="117"/>
                                         </p:tgtEl>
                                         <p:attrNameLst>
@@ -23821,14 +23729,14 @@
                                 </p:cTn>
                               </p:par>
                               <p:par>
-                                <p:cTn id="135" presetID="1" presetClass="entr" presetSubtype="0" fill="hold" grpId="0" nodeType="withEffect">
+                                <p:cTn id="123" presetID="1" presetClass="entr" presetSubtype="0" fill="hold" grpId="0" nodeType="withEffect">
                                   <p:stCondLst>
                                     <p:cond delay="0"/>
                                   </p:stCondLst>
                                   <p:childTnLst>
                                     <p:set>
                                       <p:cBhvr>
-                                        <p:cTn id="136" dur="1" fill="hold">
+                                        <p:cTn id="124" dur="1" fill="hold">
                                           <p:stCondLst>
                                             <p:cond delay="0"/>
                                           </p:stCondLst>
@@ -23848,14 +23756,14 @@
                                 </p:cTn>
                               </p:par>
                               <p:par>
-                                <p:cTn id="137" presetID="1" presetClass="entr" presetSubtype="0" fill="hold" grpId="0" nodeType="withEffect">
+                                <p:cTn id="125" presetID="1" presetClass="entr" presetSubtype="0" fill="hold" grpId="0" nodeType="withEffect">
                                   <p:stCondLst>
                                     <p:cond delay="0"/>
                                   </p:stCondLst>
                                   <p:childTnLst>
                                     <p:set>
                                       <p:cBhvr>
-                                        <p:cTn id="138" dur="1" fill="hold">
+                                        <p:cTn id="126" dur="1" fill="hold">
                                           <p:stCondLst>
                                             <p:cond delay="0"/>
                                           </p:stCondLst>
@@ -23875,14 +23783,14 @@
                                 </p:cTn>
                               </p:par>
                               <p:par>
-                                <p:cTn id="139" presetID="1" presetClass="entr" presetSubtype="0" fill="hold" grpId="0" nodeType="withEffect">
+                                <p:cTn id="127" presetID="1" presetClass="entr" presetSubtype="0" fill="hold" grpId="0" nodeType="withEffect">
                                   <p:stCondLst>
                                     <p:cond delay="0"/>
                                   </p:stCondLst>
                                   <p:childTnLst>
                                     <p:set>
                                       <p:cBhvr>
-                                        <p:cTn id="140" dur="1" fill="hold">
+                                        <p:cTn id="128" dur="1" fill="hold">
                                           <p:stCondLst>
                                             <p:cond delay="0"/>
                                           </p:stCondLst>
@@ -23902,14 +23810,14 @@
                                 </p:cTn>
                               </p:par>
                               <p:par>
-                                <p:cTn id="141" presetID="1" presetClass="entr" presetSubtype="0" fill="hold" nodeType="withEffect">
+                                <p:cTn id="129" presetID="1" presetClass="entr" presetSubtype="0" fill="hold" nodeType="withEffect">
                                   <p:stCondLst>
                                     <p:cond delay="0"/>
                                   </p:stCondLst>
                                   <p:childTnLst>
                                     <p:set>
                                       <p:cBhvr>
-                                        <p:cTn id="142" dur="1" fill="hold">
+                                        <p:cTn id="130" dur="1" fill="hold">
                                           <p:stCondLst>
                                             <p:cond delay="0"/>
                                           </p:stCondLst>
@@ -24017,398 +23925,12 @@
           <a:chExt cx="0" cy="0"/>
         </a:xfrm>
       </p:grpSpPr>
-      <p:sp>
-        <p:nvSpPr>
-          <p:cNvPr id="2" name="Titre 1">
-            <a:extLst>
-              <a:ext uri="{FF2B5EF4-FFF2-40B4-BE49-F238E27FC236}">
-                <a16:creationId xmlns:a16="http://schemas.microsoft.com/office/drawing/2014/main" id="{C9278465-5620-2E5C-D409-78E70781E96E}"/>
-              </a:ext>
-            </a:extLst>
-          </p:cNvPr>
-          <p:cNvSpPr>
-            <a:spLocks noGrp="1"/>
-          </p:cNvSpPr>
-          <p:nvPr>
-            <p:ph type="title"/>
-          </p:nvPr>
-        </p:nvSpPr>
-        <p:spPr>
-          <a:xfrm>
-            <a:off x="838200" y="222062"/>
-            <a:ext cx="10963274" cy="583781"/>
-          </a:xfrm>
-        </p:spPr>
-        <p:txBody>
-          <a:bodyPr/>
-          <a:lstStyle/>
-          <a:p>
-            <a:r>
-              <a:rPr lang="fr-FR" dirty="0"/>
-              <a:t>Versioning des données</a:t>
-            </a:r>
-            <a:endParaRPr lang="en-US" dirty="0"/>
-          </a:p>
-        </p:txBody>
-      </p:sp>
-      <p:sp>
-        <p:nvSpPr>
-          <p:cNvPr id="3" name="Espace réservé de la date 2">
-            <a:extLst>
-              <a:ext uri="{FF2B5EF4-FFF2-40B4-BE49-F238E27FC236}">
-                <a16:creationId xmlns:a16="http://schemas.microsoft.com/office/drawing/2014/main" id="{C402D5D9-9C62-CF19-7F76-AE3D11A17A85}"/>
-              </a:ext>
-            </a:extLst>
-          </p:cNvPr>
-          <p:cNvSpPr>
-            <a:spLocks noGrp="1"/>
-          </p:cNvSpPr>
-          <p:nvPr>
-            <p:ph type="dt" sz="half" idx="10"/>
-          </p:nvPr>
-        </p:nvSpPr>
-        <p:spPr>
-          <a:xfrm>
-            <a:off x="838200" y="6356350"/>
-            <a:ext cx="2743200" cy="365125"/>
-          </a:xfrm>
-        </p:spPr>
-        <p:txBody>
-          <a:bodyPr/>
-          <a:lstStyle/>
-          <a:p>
-            <a:r>
-              <a:rPr lang="en-US" dirty="0"/>
-              <a:t>2025</a:t>
-            </a:r>
-          </a:p>
-        </p:txBody>
-      </p:sp>
-      <p:sp>
-        <p:nvSpPr>
-          <p:cNvPr id="4" name="Espace réservé du pied de page 3">
-            <a:extLst>
-              <a:ext uri="{FF2B5EF4-FFF2-40B4-BE49-F238E27FC236}">
-                <a16:creationId xmlns:a16="http://schemas.microsoft.com/office/drawing/2014/main" id="{6582985A-7C6C-7037-F5CE-A4A3B5498E65}"/>
-              </a:ext>
-            </a:extLst>
-          </p:cNvPr>
-          <p:cNvSpPr>
-            <a:spLocks noGrp="1"/>
-          </p:cNvSpPr>
-          <p:nvPr>
-            <p:ph type="ftr" sz="quarter" idx="11"/>
-          </p:nvPr>
-        </p:nvSpPr>
-        <p:spPr>
-          <a:xfrm>
-            <a:off x="4038600" y="6356350"/>
-            <a:ext cx="4114800" cy="365125"/>
-          </a:xfrm>
-        </p:spPr>
-        <p:txBody>
-          <a:bodyPr/>
-          <a:lstStyle/>
-          <a:p>
-            <a:r>
-              <a:rPr lang="en-US"/>
-              <a:t>Projet classification de documents</a:t>
-            </a:r>
-            <a:endParaRPr lang="en-US" dirty="0"/>
-          </a:p>
-        </p:txBody>
-      </p:sp>
-      <p:sp>
-        <p:nvSpPr>
-          <p:cNvPr id="5" name="Espace réservé du numéro de diapositive 4">
-            <a:extLst>
-              <a:ext uri="{FF2B5EF4-FFF2-40B4-BE49-F238E27FC236}">
-                <a16:creationId xmlns:a16="http://schemas.microsoft.com/office/drawing/2014/main" id="{24635DE6-DADE-AD50-A2B1-CC780B8A6CE1}"/>
-              </a:ext>
-            </a:extLst>
-          </p:cNvPr>
-          <p:cNvSpPr>
-            <a:spLocks noGrp="1"/>
-          </p:cNvSpPr>
-          <p:nvPr>
-            <p:ph type="sldNum" sz="quarter" idx="12"/>
-          </p:nvPr>
-        </p:nvSpPr>
-        <p:spPr>
-          <a:xfrm>
-            <a:off x="8610600" y="6356350"/>
-            <a:ext cx="2743200" cy="365125"/>
-          </a:xfrm>
-        </p:spPr>
-        <p:txBody>
-          <a:bodyPr/>
-          <a:lstStyle/>
-          <a:p>
-            <a:fld id="{B5CEABB6-07DC-46E8-9B57-56EC44A396E5}" type="slidenum">
-              <a:rPr lang="en-US" smtClean="0"/>
-              <a:pPr/>
-              <a:t>3</a:t>
-            </a:fld>
-            <a:endParaRPr lang="en-US" dirty="0"/>
-          </a:p>
-        </p:txBody>
-      </p:sp>
-      <p:sp>
-        <p:nvSpPr>
-          <p:cNvPr id="6" name="Espace réservé du contenu 5">
-            <a:extLst>
-              <a:ext uri="{FF2B5EF4-FFF2-40B4-BE49-F238E27FC236}">
-                <a16:creationId xmlns:a16="http://schemas.microsoft.com/office/drawing/2014/main" id="{B1601D69-96B6-161F-980F-BD5E211B4DBC}"/>
-              </a:ext>
-            </a:extLst>
-          </p:cNvPr>
-          <p:cNvSpPr>
-            <a:spLocks noGrp="1"/>
-          </p:cNvSpPr>
-          <p:nvPr>
-            <p:ph sz="quarter" idx="16"/>
-          </p:nvPr>
-        </p:nvSpPr>
-        <p:spPr>
-          <a:xfrm>
-            <a:off x="828773" y="1198563"/>
-            <a:ext cx="10963275" cy="5155078"/>
-          </a:xfrm>
-        </p:spPr>
-        <p:txBody>
-          <a:bodyPr/>
-          <a:lstStyle/>
-          <a:p>
-            <a:r>
-              <a:rPr lang="fr-FR" dirty="0"/>
-              <a:t>Docker TRAINING-Admin-Backend</a:t>
-            </a:r>
-          </a:p>
-          <a:p>
-            <a:pPr lvl="1"/>
-            <a:r>
-              <a:rPr lang="fr-FR" dirty="0"/>
-              <a:t>Au lancement du docker : Les données sont initialisées</a:t>
-            </a:r>
-          </a:p>
-          <a:p>
-            <a:pPr lvl="2"/>
-            <a:r>
-              <a:rPr lang="fr-FR" b="1" dirty="0"/>
-              <a:t>git clone</a:t>
-            </a:r>
-          </a:p>
-          <a:p>
-            <a:pPr lvl="2"/>
-            <a:r>
-              <a:rPr lang="fr-FR" b="1" dirty="0" err="1"/>
-              <a:t>dvc</a:t>
-            </a:r>
-            <a:r>
-              <a:rPr lang="fr-FR" b="1" dirty="0"/>
-              <a:t> pull</a:t>
-            </a:r>
-          </a:p>
-          <a:p>
-            <a:pPr lvl="1"/>
-            <a:r>
-              <a:rPr lang="fr-FR" dirty="0"/>
-              <a:t>Ce docker tourne en continu</a:t>
-            </a:r>
-          </a:p>
-          <a:p>
-            <a:pPr lvl="1"/>
-            <a:r>
-              <a:rPr lang="fr-FR" dirty="0"/>
-              <a:t>Gestion des données dans une branche /Prod sous Git</a:t>
-            </a:r>
-          </a:p>
-          <a:p>
-            <a:pPr lvl="1"/>
-            <a:r>
-              <a:rPr lang="fr-FR" sz="2400" dirty="0">
-                <a:solidFill>
-                  <a:schemeClr val="accent5"/>
-                </a:solidFill>
-              </a:rPr>
-              <a:t>/train</a:t>
-            </a:r>
-          </a:p>
-          <a:p>
-            <a:pPr lvl="2"/>
-            <a:r>
-              <a:rPr lang="fr-FR" dirty="0"/>
-              <a:t>Pipeline DVC exécutée avec </a:t>
-            </a:r>
-            <a:r>
-              <a:rPr lang="fr-FR" b="1" dirty="0" err="1"/>
-              <a:t>dvc</a:t>
-            </a:r>
-            <a:r>
-              <a:rPr lang="fr-FR" b="1" dirty="0"/>
-              <a:t> repro</a:t>
-            </a:r>
-          </a:p>
-          <a:p>
-            <a:pPr lvl="2"/>
-            <a:r>
-              <a:rPr lang="en-US" dirty="0" err="1"/>
-              <a:t>dvc</a:t>
-            </a:r>
-            <a:r>
-              <a:rPr lang="en-US" dirty="0"/>
-              <a:t> </a:t>
-            </a:r>
-            <a:r>
-              <a:rPr lang="en-US" b="1" dirty="0"/>
-              <a:t>commit</a:t>
-            </a:r>
-            <a:r>
-              <a:rPr lang="en-US" dirty="0"/>
-              <a:t> / git </a:t>
-            </a:r>
-            <a:r>
-              <a:rPr lang="en-US" b="1" dirty="0"/>
-              <a:t>commit </a:t>
-            </a:r>
-            <a:r>
-              <a:rPr lang="en-US" dirty="0"/>
-              <a:t>/ </a:t>
-            </a:r>
-            <a:r>
-              <a:rPr lang="en-US" dirty="0" err="1"/>
-              <a:t>dvc</a:t>
-            </a:r>
-            <a:r>
-              <a:rPr lang="en-US" dirty="0"/>
-              <a:t> </a:t>
-            </a:r>
-            <a:r>
-              <a:rPr lang="en-US" b="1" dirty="0"/>
-              <a:t>push </a:t>
-            </a:r>
-            <a:r>
-              <a:rPr lang="en-US" dirty="0"/>
-              <a:t>/ git </a:t>
-            </a:r>
-            <a:r>
-              <a:rPr lang="en-US" b="1" dirty="0"/>
-              <a:t>push</a:t>
-            </a:r>
-          </a:p>
-          <a:p>
-            <a:pPr lvl="2"/>
-            <a:r>
-              <a:rPr lang="en-US" dirty="0" err="1"/>
-              <a:t>Récupération</a:t>
-            </a:r>
-            <a:r>
-              <a:rPr lang="en-US" dirty="0"/>
-              <a:t> du Git Hash </a:t>
-            </a:r>
-            <a:r>
-              <a:rPr lang="en-US" dirty="0">
-                <a:sym typeface="Wingdings" panose="05000000000000000000" pitchFamily="2" charset="2"/>
-              </a:rPr>
-              <a:t> Stockage sur</a:t>
-            </a:r>
-            <a:endParaRPr lang="en-US" dirty="0"/>
-          </a:p>
-          <a:p>
-            <a:r>
-              <a:rPr lang="en-US" dirty="0" err="1"/>
-              <a:t>Reproductibilité</a:t>
-            </a:r>
-            <a:r>
-              <a:rPr lang="en-US" dirty="0"/>
-              <a:t> et retour </a:t>
-            </a:r>
-            <a:r>
-              <a:rPr lang="en-US" dirty="0" err="1"/>
-              <a:t>en</a:t>
-            </a:r>
-            <a:r>
-              <a:rPr lang="en-US" dirty="0"/>
-              <a:t> </a:t>
-            </a:r>
-            <a:r>
-              <a:rPr lang="en-US" dirty="0" err="1"/>
-              <a:t>arrière</a:t>
-            </a:r>
-            <a:endParaRPr lang="en-US" dirty="0"/>
-          </a:p>
-          <a:p>
-            <a:pPr lvl="1"/>
-            <a:r>
-              <a:rPr lang="fr-FR" dirty="0"/>
-              <a:t> </a:t>
-            </a:r>
-            <a:r>
-              <a:rPr lang="fr-FR" dirty="0">
-                <a:solidFill>
-                  <a:schemeClr val="accent5"/>
-                </a:solidFill>
-              </a:rPr>
-              <a:t>/</a:t>
-            </a:r>
-            <a:r>
-              <a:rPr lang="fr-FR" dirty="0" err="1">
-                <a:solidFill>
-                  <a:schemeClr val="accent5"/>
-                </a:solidFill>
-              </a:rPr>
-              <a:t>revert_to_commit</a:t>
-            </a:r>
-            <a:r>
-              <a:rPr lang="fr-FR" dirty="0">
-                <a:solidFill>
-                  <a:schemeClr val="accent5"/>
-                </a:solidFill>
-              </a:rPr>
-              <a:t> </a:t>
-            </a:r>
-            <a:r>
-              <a:rPr lang="fr-FR" dirty="0"/>
-              <a:t>restaure le contenu avec git/</a:t>
-            </a:r>
-            <a:r>
-              <a:rPr lang="fr-FR" dirty="0" err="1"/>
-              <a:t>dvc</a:t>
-            </a:r>
-            <a:endParaRPr lang="fr-FR" dirty="0"/>
-          </a:p>
-          <a:p>
-            <a:endParaRPr lang="en-US" dirty="0"/>
-          </a:p>
-          <a:p>
-            <a:pPr lvl="1"/>
-            <a:endParaRPr lang="en-US" b="1" dirty="0"/>
-          </a:p>
-          <a:p>
-            <a:pPr marL="914400" lvl="2" indent="0">
-              <a:buNone/>
-            </a:pPr>
-            <a:endParaRPr lang="fr-FR" dirty="0"/>
-          </a:p>
-          <a:p>
-            <a:pPr lvl="2"/>
-            <a:endParaRPr lang="fr-FR" dirty="0"/>
-          </a:p>
-          <a:p>
-            <a:pPr lvl="2"/>
-            <a:endParaRPr lang="fr-FR" dirty="0"/>
-          </a:p>
-          <a:p>
-            <a:endParaRPr lang="fr-FR" dirty="0"/>
-          </a:p>
-        </p:txBody>
-      </p:sp>
       <p:pic>
         <p:nvPicPr>
-          <p:cNvPr id="15" name="Image 14" descr="Une image contenant Police, logo, symbole, Graphique&#10;&#10;Le contenu généré par l’IA peut être incorrect.">
-            <a:extLst>
-              <a:ext uri="{FF2B5EF4-FFF2-40B4-BE49-F238E27FC236}">
-                <a16:creationId xmlns:a16="http://schemas.microsoft.com/office/drawing/2014/main" id="{E0030924-02DA-B594-C11C-D6AC724A83F0}"/>
+          <p:cNvPr id="18" name="Image 17">
+            <a:extLst>
+              <a:ext uri="{FF2B5EF4-FFF2-40B4-BE49-F238E27FC236}">
+                <a16:creationId xmlns:a16="http://schemas.microsoft.com/office/drawing/2014/main" id="{0406DD96-0D47-0CBB-77CA-0194E6C41A30}"/>
               </a:ext>
             </a:extLst>
           </p:cNvPr>
@@ -24419,25 +23941,360 @@
         </p:nvPicPr>
         <p:blipFill>
           <a:blip r:embed="rId2"/>
-          <a:srcRect l="-3197" t="27080" r="-3106" b="27204"/>
+          <a:srcRect l="16004" r="6415"/>
           <a:stretch/>
         </p:blipFill>
         <p:spPr>
           <a:xfrm>
-            <a:off x="6237925" y="234372"/>
-            <a:ext cx="1170212" cy="503265"/>
+            <a:off x="8670599" y="0"/>
+            <a:ext cx="2554664" cy="6824547"/>
           </a:xfrm>
           <a:prstGeom prst="rect">
             <a:avLst/>
           </a:prstGeom>
         </p:spPr>
       </p:pic>
+      <p:sp>
+        <p:nvSpPr>
+          <p:cNvPr id="2" name="Titre 1">
+            <a:extLst>
+              <a:ext uri="{FF2B5EF4-FFF2-40B4-BE49-F238E27FC236}">
+                <a16:creationId xmlns:a16="http://schemas.microsoft.com/office/drawing/2014/main" id="{C9278465-5620-2E5C-D409-78E70781E96E}"/>
+              </a:ext>
+            </a:extLst>
+          </p:cNvPr>
+          <p:cNvSpPr>
+            <a:spLocks noGrp="1"/>
+          </p:cNvSpPr>
+          <p:nvPr>
+            <p:ph type="title"/>
+          </p:nvPr>
+        </p:nvSpPr>
+        <p:spPr>
+          <a:xfrm>
+            <a:off x="838200" y="222062"/>
+            <a:ext cx="10963274" cy="583781"/>
+          </a:xfrm>
+        </p:spPr>
+        <p:txBody>
+          <a:bodyPr/>
+          <a:lstStyle/>
+          <a:p>
+            <a:r>
+              <a:rPr lang="fr-FR" dirty="0"/>
+              <a:t>Versioning des données</a:t>
+            </a:r>
+            <a:endParaRPr lang="en-US" dirty="0"/>
+          </a:p>
+        </p:txBody>
+      </p:sp>
+      <p:sp>
+        <p:nvSpPr>
+          <p:cNvPr id="3" name="Espace réservé de la date 2">
+            <a:extLst>
+              <a:ext uri="{FF2B5EF4-FFF2-40B4-BE49-F238E27FC236}">
+                <a16:creationId xmlns:a16="http://schemas.microsoft.com/office/drawing/2014/main" id="{C402D5D9-9C62-CF19-7F76-AE3D11A17A85}"/>
+              </a:ext>
+            </a:extLst>
+          </p:cNvPr>
+          <p:cNvSpPr>
+            <a:spLocks noGrp="1"/>
+          </p:cNvSpPr>
+          <p:nvPr>
+            <p:ph type="dt" sz="half" idx="10"/>
+          </p:nvPr>
+        </p:nvSpPr>
+        <p:spPr>
+          <a:xfrm>
+            <a:off x="838200" y="6356350"/>
+            <a:ext cx="2743200" cy="365125"/>
+          </a:xfrm>
+        </p:spPr>
+        <p:txBody>
+          <a:bodyPr/>
+          <a:lstStyle/>
+          <a:p>
+            <a:r>
+              <a:rPr lang="en-US" dirty="0"/>
+              <a:t>2025</a:t>
+            </a:r>
+          </a:p>
+        </p:txBody>
+      </p:sp>
+      <p:sp>
+        <p:nvSpPr>
+          <p:cNvPr id="4" name="Espace réservé du pied de page 3">
+            <a:extLst>
+              <a:ext uri="{FF2B5EF4-FFF2-40B4-BE49-F238E27FC236}">
+                <a16:creationId xmlns:a16="http://schemas.microsoft.com/office/drawing/2014/main" id="{6582985A-7C6C-7037-F5CE-A4A3B5498E65}"/>
+              </a:ext>
+            </a:extLst>
+          </p:cNvPr>
+          <p:cNvSpPr>
+            <a:spLocks noGrp="1"/>
+          </p:cNvSpPr>
+          <p:nvPr>
+            <p:ph type="ftr" sz="quarter" idx="11"/>
+          </p:nvPr>
+        </p:nvSpPr>
+        <p:spPr>
+          <a:xfrm>
+            <a:off x="4038600" y="6356350"/>
+            <a:ext cx="4114800" cy="365125"/>
+          </a:xfrm>
+        </p:spPr>
+        <p:txBody>
+          <a:bodyPr/>
+          <a:lstStyle/>
+          <a:p>
+            <a:r>
+              <a:rPr lang="en-US"/>
+              <a:t>Projet classification de documents</a:t>
+            </a:r>
+            <a:endParaRPr lang="en-US" dirty="0"/>
+          </a:p>
+        </p:txBody>
+      </p:sp>
+      <p:sp>
+        <p:nvSpPr>
+          <p:cNvPr id="5" name="Espace réservé du numéro de diapositive 4">
+            <a:extLst>
+              <a:ext uri="{FF2B5EF4-FFF2-40B4-BE49-F238E27FC236}">
+                <a16:creationId xmlns:a16="http://schemas.microsoft.com/office/drawing/2014/main" id="{24635DE6-DADE-AD50-A2B1-CC780B8A6CE1}"/>
+              </a:ext>
+            </a:extLst>
+          </p:cNvPr>
+          <p:cNvSpPr>
+            <a:spLocks noGrp="1"/>
+          </p:cNvSpPr>
+          <p:nvPr>
+            <p:ph type="sldNum" sz="quarter" idx="12"/>
+          </p:nvPr>
+        </p:nvSpPr>
+        <p:spPr>
+          <a:xfrm>
+            <a:off x="8610600" y="6356350"/>
+            <a:ext cx="2743200" cy="365125"/>
+          </a:xfrm>
+        </p:spPr>
+        <p:txBody>
+          <a:bodyPr/>
+          <a:lstStyle/>
+          <a:p>
+            <a:fld id="{B5CEABB6-07DC-46E8-9B57-56EC44A396E5}" type="slidenum">
+              <a:rPr lang="en-US" smtClean="0"/>
+              <a:pPr/>
+              <a:t>3</a:t>
+            </a:fld>
+            <a:endParaRPr lang="en-US" dirty="0"/>
+          </a:p>
+        </p:txBody>
+      </p:sp>
+      <p:sp>
+        <p:nvSpPr>
+          <p:cNvPr id="6" name="Espace réservé du contenu 5">
+            <a:extLst>
+              <a:ext uri="{FF2B5EF4-FFF2-40B4-BE49-F238E27FC236}">
+                <a16:creationId xmlns:a16="http://schemas.microsoft.com/office/drawing/2014/main" id="{B1601D69-96B6-161F-980F-BD5E211B4DBC}"/>
+              </a:ext>
+            </a:extLst>
+          </p:cNvPr>
+          <p:cNvSpPr>
+            <a:spLocks noGrp="1"/>
+          </p:cNvSpPr>
+          <p:nvPr>
+            <p:ph sz="quarter" idx="16"/>
+          </p:nvPr>
+        </p:nvSpPr>
+        <p:spPr>
+          <a:xfrm>
+            <a:off x="828773" y="1198563"/>
+            <a:ext cx="8048053" cy="5155078"/>
+          </a:xfrm>
+        </p:spPr>
+        <p:txBody>
+          <a:bodyPr/>
+          <a:lstStyle/>
+          <a:p>
+            <a:r>
+              <a:rPr lang="fr-FR" b="1" u="sng" dirty="0"/>
+              <a:t>Docker TRAINING-Admin-Backend</a:t>
+            </a:r>
+          </a:p>
+          <a:p>
+            <a:pPr lvl="1"/>
+            <a:r>
+              <a:rPr lang="fr-FR" dirty="0"/>
+              <a:t>Au lancement du docker : Les données sont initialisées</a:t>
+            </a:r>
+          </a:p>
+          <a:p>
+            <a:pPr lvl="2"/>
+            <a:r>
+              <a:rPr lang="fr-FR" b="1" dirty="0"/>
+              <a:t>git clone</a:t>
+            </a:r>
+          </a:p>
+          <a:p>
+            <a:pPr lvl="2"/>
+            <a:r>
+              <a:rPr lang="fr-FR" b="1" dirty="0" err="1"/>
+              <a:t>dvc</a:t>
+            </a:r>
+            <a:r>
+              <a:rPr lang="fr-FR" b="1" dirty="0"/>
+              <a:t> pull</a:t>
+            </a:r>
+          </a:p>
+          <a:p>
+            <a:pPr lvl="1"/>
+            <a:r>
+              <a:rPr lang="fr-FR" dirty="0"/>
+              <a:t>Ce docker tourne en continu et n’est jamais arrêté</a:t>
+            </a:r>
+          </a:p>
+          <a:p>
+            <a:pPr lvl="1"/>
+            <a:r>
+              <a:rPr lang="fr-FR" dirty="0"/>
+              <a:t>Gestion des données dans une </a:t>
+            </a:r>
+            <a:r>
+              <a:rPr lang="fr-FR" b="1" dirty="0"/>
+              <a:t>branche /Prod </a:t>
+            </a:r>
+            <a:r>
+              <a:rPr lang="fr-FR" dirty="0"/>
+              <a:t>sous Git</a:t>
+            </a:r>
+          </a:p>
+          <a:p>
+            <a:pPr lvl="1"/>
+            <a:r>
+              <a:rPr lang="fr-FR" sz="2400" dirty="0"/>
+              <a:t> </a:t>
+            </a:r>
+            <a:r>
+              <a:rPr lang="fr-FR" sz="2400" dirty="0">
+                <a:solidFill>
+                  <a:schemeClr val="accent5"/>
+                </a:solidFill>
+              </a:rPr>
+              <a:t>/train</a:t>
+            </a:r>
+          </a:p>
+          <a:p>
+            <a:pPr marL="1371600" lvl="2" indent="-457200">
+              <a:buFont typeface="+mj-lt"/>
+              <a:buAutoNum type="arabicPeriod"/>
+            </a:pPr>
+            <a:r>
+              <a:rPr lang="fr-FR" dirty="0"/>
+              <a:t>Pipeline DVC exécutée avec </a:t>
+            </a:r>
+            <a:r>
+              <a:rPr lang="fr-FR" b="1" dirty="0" err="1"/>
+              <a:t>dvc</a:t>
+            </a:r>
+            <a:r>
+              <a:rPr lang="fr-FR" b="1" dirty="0"/>
+              <a:t> repro</a:t>
+            </a:r>
+          </a:p>
+          <a:p>
+            <a:pPr lvl="3"/>
+            <a:r>
+              <a:rPr lang="fr-FR" dirty="0"/>
+              <a:t>Architecture en micro-services </a:t>
+            </a:r>
+            <a:r>
+              <a:rPr lang="fr-FR" b="1" dirty="0"/>
+              <a:t>Dockers</a:t>
+            </a:r>
+          </a:p>
+          <a:p>
+            <a:pPr marL="1371600" lvl="2" indent="-457200">
+              <a:buFont typeface="+mj-lt"/>
+              <a:buAutoNum type="arabicPeriod"/>
+            </a:pPr>
+            <a:r>
+              <a:rPr lang="en-US" dirty="0" err="1"/>
+              <a:t>dvc</a:t>
+            </a:r>
+            <a:r>
+              <a:rPr lang="en-US" dirty="0"/>
+              <a:t> </a:t>
+            </a:r>
+            <a:r>
+              <a:rPr lang="en-US" b="1" dirty="0"/>
+              <a:t>commit</a:t>
+            </a:r>
+            <a:r>
+              <a:rPr lang="en-US" dirty="0"/>
+              <a:t> / git </a:t>
+            </a:r>
+            <a:r>
+              <a:rPr lang="en-US" b="1" dirty="0"/>
+              <a:t>commit </a:t>
+            </a:r>
+            <a:r>
+              <a:rPr lang="en-US" dirty="0"/>
+              <a:t>/ </a:t>
+            </a:r>
+            <a:r>
+              <a:rPr lang="en-US" dirty="0" err="1"/>
+              <a:t>dvc</a:t>
+            </a:r>
+            <a:r>
+              <a:rPr lang="en-US" dirty="0"/>
+              <a:t> </a:t>
+            </a:r>
+            <a:r>
+              <a:rPr lang="en-US" b="1" dirty="0"/>
+              <a:t>push </a:t>
+            </a:r>
+            <a:r>
+              <a:rPr lang="en-US" dirty="0"/>
+              <a:t>/ git </a:t>
+            </a:r>
+            <a:r>
+              <a:rPr lang="en-US" b="1" dirty="0"/>
+              <a:t>push</a:t>
+            </a:r>
+          </a:p>
+          <a:p>
+            <a:pPr marL="1371600" lvl="2" indent="-457200">
+              <a:buFont typeface="+mj-lt"/>
+              <a:buAutoNum type="arabicPeriod"/>
+            </a:pPr>
+            <a:r>
+              <a:rPr lang="en-US" dirty="0" err="1"/>
+              <a:t>Récupération</a:t>
+            </a:r>
+            <a:r>
+              <a:rPr lang="en-US" dirty="0"/>
+              <a:t> du </a:t>
+            </a:r>
+            <a:r>
+              <a:rPr lang="en-US" b="1" dirty="0"/>
+              <a:t>Git Hash </a:t>
+            </a:r>
+            <a:r>
+              <a:rPr lang="en-US" dirty="0">
+                <a:sym typeface="Wingdings" panose="05000000000000000000" pitchFamily="2" charset="2"/>
+              </a:rPr>
+              <a:t> Stockage sur</a:t>
+            </a:r>
+            <a:endParaRPr lang="en-US" dirty="0"/>
+          </a:p>
+        </p:txBody>
+      </p:sp>
       <p:pic>
         <p:nvPicPr>
-          <p:cNvPr id="16" name="Image 15" descr="Une image contenant Graphique, logo, graphisme, Police&#10;&#10;Le contenu généré par l’IA peut être incorrect.">
-            <a:extLst>
-              <a:ext uri="{FF2B5EF4-FFF2-40B4-BE49-F238E27FC236}">
-                <a16:creationId xmlns:a16="http://schemas.microsoft.com/office/drawing/2014/main" id="{5223911B-3BA6-D000-192D-9E012F5D72E6}"/>
+          <p:cNvPr id="15" name="Image 14" descr="Une image contenant Police, logo, symbole, Graphique&#10;&#10;Le contenu généré par l’IA peut être incorrect.">
+            <a:extLst>
+              <a:ext uri="{FF2B5EF4-FFF2-40B4-BE49-F238E27FC236}">
+                <a16:creationId xmlns:a16="http://schemas.microsoft.com/office/drawing/2014/main" id="{E0030924-02DA-B594-C11C-D6AC724A83F0}"/>
               </a:ext>
             </a:extLst>
           </p:cNvPr>
@@ -24448,13 +24305,13 @@
         </p:nvPicPr>
         <p:blipFill>
           <a:blip r:embed="rId3"/>
-          <a:srcRect l="30906" t="24775" r="30861" b="29405"/>
+          <a:srcRect l="-3197" t="27080" r="-3106" b="27204"/>
           <a:stretch/>
         </p:blipFill>
         <p:spPr>
           <a:xfrm>
-            <a:off x="7557545" y="178494"/>
-            <a:ext cx="761300" cy="528870"/>
+            <a:off x="4209946" y="2060949"/>
+            <a:ext cx="1170212" cy="503265"/>
           </a:xfrm>
           <a:prstGeom prst="rect">
             <a:avLst/>
@@ -24463,10 +24320,10 @@
       </p:pic>
       <p:pic>
         <p:nvPicPr>
-          <p:cNvPr id="18" name="Image 17">
-            <a:extLst>
-              <a:ext uri="{FF2B5EF4-FFF2-40B4-BE49-F238E27FC236}">
-                <a16:creationId xmlns:a16="http://schemas.microsoft.com/office/drawing/2014/main" id="{0406DD96-0D47-0CBB-77CA-0194E6C41A30}"/>
+          <p:cNvPr id="16" name="Image 15" descr="Une image contenant Graphique, logo, graphisme, Police&#10;&#10;Le contenu généré par l’IA peut être incorrect.">
+            <a:extLst>
+              <a:ext uri="{FF2B5EF4-FFF2-40B4-BE49-F238E27FC236}">
+                <a16:creationId xmlns:a16="http://schemas.microsoft.com/office/drawing/2014/main" id="{5223911B-3BA6-D000-192D-9E012F5D72E6}"/>
               </a:ext>
             </a:extLst>
           </p:cNvPr>
@@ -24477,25 +24334,55 @@
         </p:nvPicPr>
         <p:blipFill>
           <a:blip r:embed="rId4"/>
-          <a:srcRect l="16004" r="6415"/>
+          <a:srcRect l="30906" t="24775" r="30861" b="29405"/>
           <a:stretch/>
         </p:blipFill>
         <p:spPr>
           <a:xfrm>
-            <a:off x="9592362" y="33453"/>
-            <a:ext cx="2554664" cy="6824547"/>
+            <a:off x="5777552" y="2046028"/>
+            <a:ext cx="761300" cy="528870"/>
           </a:xfrm>
           <a:prstGeom prst="rect">
             <a:avLst/>
           </a:prstGeom>
         </p:spPr>
       </p:pic>
+      <p:pic>
+        <p:nvPicPr>
+          <p:cNvPr id="20" name="Image 19" descr="Une image contenant Police, Graphique, graphisme, logo&#10;&#10;Le contenu généré par l’IA peut être incorrect.">
+            <a:extLst>
+              <a:ext uri="{FF2B5EF4-FFF2-40B4-BE49-F238E27FC236}">
+                <a16:creationId xmlns:a16="http://schemas.microsoft.com/office/drawing/2014/main" id="{EEC13E4E-E6F5-4528-F434-190F4B708E84}"/>
+              </a:ext>
+            </a:extLst>
+          </p:cNvPr>
+          <p:cNvPicPr>
+            <a:picLocks noChangeAspect="1"/>
+          </p:cNvPicPr>
+          <p:nvPr/>
+        </p:nvPicPr>
+        <p:blipFill>
+          <a:blip r:embed="rId5"/>
+          <a:stretch>
+            <a:fillRect/>
+          </a:stretch>
+        </p:blipFill>
+        <p:spPr>
+          <a:xfrm>
+            <a:off x="7008466" y="4857890"/>
+            <a:ext cx="999108" cy="366339"/>
+          </a:xfrm>
+          <a:prstGeom prst="rect">
+            <a:avLst/>
+          </a:prstGeom>
+        </p:spPr>
+      </p:pic>
       <p:grpSp>
         <p:nvGrpSpPr>
-          <p:cNvPr id="21" name="Groupe 20">
-            <a:extLst>
-              <a:ext uri="{FF2B5EF4-FFF2-40B4-BE49-F238E27FC236}">
-                <a16:creationId xmlns:a16="http://schemas.microsoft.com/office/drawing/2014/main" id="{7B30AE66-1B3D-18C3-0720-D71B6CF6E7ED}"/>
+          <p:cNvPr id="14" name="Groupe 13">
+            <a:extLst>
+              <a:ext uri="{FF2B5EF4-FFF2-40B4-BE49-F238E27FC236}">
+                <a16:creationId xmlns:a16="http://schemas.microsoft.com/office/drawing/2014/main" id="{8D4B6A6D-0EA9-2601-EC78-EEA8FC513159}"/>
               </a:ext>
             </a:extLst>
           </p:cNvPr>
@@ -24504,18 +24391,1463 @@
         </p:nvGrpSpPr>
         <p:grpSpPr>
           <a:xfrm>
-            <a:off x="6771902" y="4550110"/>
-            <a:ext cx="2273149" cy="385902"/>
-            <a:chOff x="8119532" y="4555035"/>
-            <a:chExt cx="2273149" cy="385902"/>
+            <a:off x="8037652" y="313788"/>
+            <a:ext cx="3375785" cy="6574679"/>
+            <a:chOff x="8381777" y="313788"/>
+            <a:chExt cx="3375785" cy="6574679"/>
           </a:xfrm>
         </p:grpSpPr>
+        <p:grpSp>
+          <p:nvGrpSpPr>
+            <p:cNvPr id="25" name="Groupe 24">
+              <a:extLst>
+                <a:ext uri="{FF2B5EF4-FFF2-40B4-BE49-F238E27FC236}">
+                  <a16:creationId xmlns:a16="http://schemas.microsoft.com/office/drawing/2014/main" id="{1473BFCA-3339-4B0B-4BB5-BC82A073E424}"/>
+                </a:ext>
+              </a:extLst>
+            </p:cNvPr>
+            <p:cNvGrpSpPr/>
+            <p:nvPr/>
+          </p:nvGrpSpPr>
+          <p:grpSpPr>
+            <a:xfrm>
+              <a:off x="9257233" y="313788"/>
+              <a:ext cx="722153" cy="879271"/>
+              <a:chOff x="433209" y="3689400"/>
+              <a:chExt cx="722153" cy="879271"/>
+            </a:xfrm>
+          </p:grpSpPr>
+          <p:pic>
+            <p:nvPicPr>
+              <p:cNvPr id="26" name="Graphique 25" descr="Base de données avec un remplissage uni">
+                <a:extLst>
+                  <a:ext uri="{FF2B5EF4-FFF2-40B4-BE49-F238E27FC236}">
+                    <a16:creationId xmlns:a16="http://schemas.microsoft.com/office/drawing/2014/main" id="{ECAC4365-8445-6A22-6882-CD8B9D8213ED}"/>
+                  </a:ext>
+                </a:extLst>
+              </p:cNvPr>
+              <p:cNvPicPr>
+                <a:picLocks noChangeAspect="1"/>
+              </p:cNvPicPr>
+              <p:nvPr/>
+            </p:nvPicPr>
+            <p:blipFill>
+              <a:blip r:embed="rId6">
+                <a:extLst>
+                  <a:ext uri="{96DAC541-7B7A-43D3-8B79-37D633B846F1}">
+                    <asvg:svgBlip xmlns:asvg="http://schemas.microsoft.com/office/drawing/2016/SVG/main" r:embed="rId7"/>
+                  </a:ext>
+                </a:extLst>
+              </a:blip>
+              <a:stretch>
+                <a:fillRect/>
+              </a:stretch>
+            </p:blipFill>
+            <p:spPr>
+              <a:xfrm>
+                <a:off x="433209" y="3846518"/>
+                <a:ext cx="722153" cy="722153"/>
+              </a:xfrm>
+              <a:prstGeom prst="rect">
+                <a:avLst/>
+              </a:prstGeom>
+            </p:spPr>
+          </p:pic>
+          <p:sp>
+            <p:nvSpPr>
+              <p:cNvPr id="27" name="ZoneTexte 26">
+                <a:extLst>
+                  <a:ext uri="{FF2B5EF4-FFF2-40B4-BE49-F238E27FC236}">
+                    <a16:creationId xmlns:a16="http://schemas.microsoft.com/office/drawing/2014/main" id="{4FED59BB-3FFB-75BB-AFD2-1A1631C76E54}"/>
+                  </a:ext>
+                </a:extLst>
+              </p:cNvPr>
+              <p:cNvSpPr txBox="1"/>
+              <p:nvPr/>
+            </p:nvSpPr>
+            <p:spPr>
+              <a:xfrm>
+                <a:off x="462755" y="3689400"/>
+                <a:ext cx="667170" cy="276999"/>
+              </a:xfrm>
+              <a:prstGeom prst="rect">
+                <a:avLst/>
+              </a:prstGeom>
+              <a:noFill/>
+            </p:spPr>
+            <p:txBody>
+              <a:bodyPr wrap="none" rtlCol="0">
+                <a:spAutoFit/>
+              </a:bodyPr>
+              <a:lstStyle/>
+              <a:p>
+                <a:r>
+                  <a:rPr lang="fr-FR" sz="1200" dirty="0">
+                    <a:solidFill>
+                      <a:schemeClr val="accent6">
+                        <a:lumMod val="75000"/>
+                      </a:schemeClr>
+                    </a:solidFill>
+                  </a:rPr>
+                  <a:t>images</a:t>
+                </a:r>
+              </a:p>
+            </p:txBody>
+          </p:sp>
+        </p:grpSp>
+        <p:grpSp>
+          <p:nvGrpSpPr>
+            <p:cNvPr id="22" name="Groupe 21">
+              <a:extLst>
+                <a:ext uri="{FF2B5EF4-FFF2-40B4-BE49-F238E27FC236}">
+                  <a16:creationId xmlns:a16="http://schemas.microsoft.com/office/drawing/2014/main" id="{96043283-506B-E612-EC0E-FFFFD84A3A5C}"/>
+                </a:ext>
+              </a:extLst>
+            </p:cNvPr>
+            <p:cNvGrpSpPr/>
+            <p:nvPr/>
+          </p:nvGrpSpPr>
+          <p:grpSpPr>
+            <a:xfrm>
+              <a:off x="9188332" y="1329723"/>
+              <a:ext cx="982641" cy="969486"/>
+              <a:chOff x="3724650" y="3670213"/>
+              <a:chExt cx="982641" cy="969486"/>
+            </a:xfrm>
+          </p:grpSpPr>
+          <p:sp>
+            <p:nvSpPr>
+              <p:cNvPr id="23" name="ZoneTexte 22">
+                <a:extLst>
+                  <a:ext uri="{FF2B5EF4-FFF2-40B4-BE49-F238E27FC236}">
+                    <a16:creationId xmlns:a16="http://schemas.microsoft.com/office/drawing/2014/main" id="{1C4A2E10-5A11-935B-D37D-90D5248488AF}"/>
+                  </a:ext>
+                </a:extLst>
+              </p:cNvPr>
+              <p:cNvSpPr txBox="1"/>
+              <p:nvPr/>
+            </p:nvSpPr>
+            <p:spPr>
+              <a:xfrm>
+                <a:off x="3724650" y="3670213"/>
+                <a:ext cx="982641" cy="276999"/>
+              </a:xfrm>
+              <a:prstGeom prst="rect">
+                <a:avLst/>
+              </a:prstGeom>
+              <a:solidFill>
+                <a:schemeClr val="bg1"/>
+              </a:solidFill>
+            </p:spPr>
+            <p:txBody>
+              <a:bodyPr wrap="none" rtlCol="0">
+                <a:spAutoFit/>
+              </a:bodyPr>
+              <a:lstStyle/>
+              <a:p>
+                <a:r>
+                  <a:rPr lang="fr-FR" sz="1200" dirty="0" err="1">
+                    <a:solidFill>
+                      <a:schemeClr val="accent6">
+                        <a:lumMod val="75000"/>
+                      </a:schemeClr>
+                    </a:solidFill>
+                  </a:rPr>
+                  <a:t>Ocerized</a:t>
+                </a:r>
+                <a:r>
+                  <a:rPr lang="fr-FR" sz="1200" dirty="0">
+                    <a:solidFill>
+                      <a:schemeClr val="accent6">
+                        <a:lumMod val="75000"/>
+                      </a:schemeClr>
+                    </a:solidFill>
+                  </a:rPr>
+                  <a:t> txt</a:t>
+                </a:r>
+              </a:p>
+            </p:txBody>
+          </p:sp>
+          <p:pic>
+            <p:nvPicPr>
+              <p:cNvPr id="24" name="Graphique 23" descr="Base de données avec un remplissage uni">
+                <a:extLst>
+                  <a:ext uri="{FF2B5EF4-FFF2-40B4-BE49-F238E27FC236}">
+                    <a16:creationId xmlns:a16="http://schemas.microsoft.com/office/drawing/2014/main" id="{A0771888-FA3D-2ED4-137E-544CAB3F3645}"/>
+                  </a:ext>
+                </a:extLst>
+              </p:cNvPr>
+              <p:cNvPicPr>
+                <a:picLocks noChangeAspect="1"/>
+              </p:cNvPicPr>
+              <p:nvPr/>
+            </p:nvPicPr>
+            <p:blipFill>
+              <a:blip r:embed="rId6">
+                <a:extLst>
+                  <a:ext uri="{96DAC541-7B7A-43D3-8B79-37D633B846F1}">
+                    <asvg:svgBlip xmlns:asvg="http://schemas.microsoft.com/office/drawing/2016/SVG/main" r:embed="rId8"/>
+                  </a:ext>
+                </a:extLst>
+              </a:blip>
+              <a:stretch>
+                <a:fillRect/>
+              </a:stretch>
+            </p:blipFill>
+            <p:spPr>
+              <a:xfrm>
+                <a:off x="3823097" y="3917546"/>
+                <a:ext cx="722153" cy="722153"/>
+              </a:xfrm>
+              <a:prstGeom prst="rect">
+                <a:avLst/>
+              </a:prstGeom>
+            </p:spPr>
+          </p:pic>
+        </p:grpSp>
+        <p:grpSp>
+          <p:nvGrpSpPr>
+            <p:cNvPr id="28" name="Groupe 27">
+              <a:extLst>
+                <a:ext uri="{FF2B5EF4-FFF2-40B4-BE49-F238E27FC236}">
+                  <a16:creationId xmlns:a16="http://schemas.microsoft.com/office/drawing/2014/main" id="{D150C14D-5B90-4DCE-9F5F-157E8517797E}"/>
+                </a:ext>
+              </a:extLst>
+            </p:cNvPr>
+            <p:cNvGrpSpPr/>
+            <p:nvPr/>
+          </p:nvGrpSpPr>
+          <p:grpSpPr>
+            <a:xfrm>
+              <a:off x="9708841" y="4176129"/>
+              <a:ext cx="865173" cy="884775"/>
+              <a:chOff x="5074635" y="5243008"/>
+              <a:chExt cx="865173" cy="884775"/>
+            </a:xfrm>
+          </p:grpSpPr>
+          <p:pic>
+            <p:nvPicPr>
+              <p:cNvPr id="29" name="Graphique 28" descr="Base de données avec un remplissage uni">
+                <a:extLst>
+                  <a:ext uri="{FF2B5EF4-FFF2-40B4-BE49-F238E27FC236}">
+                    <a16:creationId xmlns:a16="http://schemas.microsoft.com/office/drawing/2014/main" id="{78DB0856-3288-477F-ABB0-C3EBD018444B}"/>
+                  </a:ext>
+                </a:extLst>
+              </p:cNvPr>
+              <p:cNvPicPr>
+                <a:picLocks noChangeAspect="1"/>
+              </p:cNvPicPr>
+              <p:nvPr/>
+            </p:nvPicPr>
+            <p:blipFill>
+              <a:blip r:embed="rId6">
+                <a:extLst>
+                  <a:ext uri="{96DAC541-7B7A-43D3-8B79-37D633B846F1}">
+                    <asvg:svgBlip xmlns:asvg="http://schemas.microsoft.com/office/drawing/2016/SVG/main" r:embed="rId8"/>
+                  </a:ext>
+                </a:extLst>
+              </a:blip>
+              <a:stretch>
+                <a:fillRect/>
+              </a:stretch>
+            </p:blipFill>
+            <p:spPr>
+              <a:xfrm>
+                <a:off x="5175691" y="5405630"/>
+                <a:ext cx="722153" cy="722153"/>
+              </a:xfrm>
+              <a:prstGeom prst="rect">
+                <a:avLst/>
+              </a:prstGeom>
+            </p:spPr>
+          </p:pic>
+          <p:sp>
+            <p:nvSpPr>
+              <p:cNvPr id="30" name="ZoneTexte 29">
+                <a:extLst>
+                  <a:ext uri="{FF2B5EF4-FFF2-40B4-BE49-F238E27FC236}">
+                    <a16:creationId xmlns:a16="http://schemas.microsoft.com/office/drawing/2014/main" id="{EC689107-55B2-6542-EFA9-4F03011A0D32}"/>
+                  </a:ext>
+                </a:extLst>
+              </p:cNvPr>
+              <p:cNvSpPr txBox="1"/>
+              <p:nvPr/>
+            </p:nvSpPr>
+            <p:spPr>
+              <a:xfrm>
+                <a:off x="5074635" y="5243008"/>
+                <a:ext cx="865173" cy="276999"/>
+              </a:xfrm>
+              <a:prstGeom prst="rect">
+                <a:avLst/>
+              </a:prstGeom>
+              <a:noFill/>
+            </p:spPr>
+            <p:txBody>
+              <a:bodyPr wrap="none" rtlCol="0">
+                <a:spAutoFit/>
+              </a:bodyPr>
+              <a:lstStyle/>
+              <a:p>
+                <a:r>
+                  <a:rPr lang="fr-FR" sz="1200" dirty="0">
+                    <a:solidFill>
+                      <a:schemeClr val="accent6">
+                        <a:lumMod val="75000"/>
+                      </a:schemeClr>
+                    </a:solidFill>
+                  </a:rPr>
+                  <a:t>Train data</a:t>
+                </a:r>
+              </a:p>
+            </p:txBody>
+          </p:sp>
+        </p:grpSp>
+        <p:grpSp>
+          <p:nvGrpSpPr>
+            <p:cNvPr id="31" name="Groupe 30">
+              <a:extLst>
+                <a:ext uri="{FF2B5EF4-FFF2-40B4-BE49-F238E27FC236}">
+                  <a16:creationId xmlns:a16="http://schemas.microsoft.com/office/drawing/2014/main" id="{5698F6D0-4A71-CD9D-6F3D-064C40CF9500}"/>
+                </a:ext>
+              </a:extLst>
+            </p:cNvPr>
+            <p:cNvGrpSpPr/>
+            <p:nvPr/>
+          </p:nvGrpSpPr>
+          <p:grpSpPr>
+            <a:xfrm>
+              <a:off x="10985133" y="5287006"/>
+              <a:ext cx="722153" cy="888933"/>
+              <a:chOff x="7761750" y="3698069"/>
+              <a:chExt cx="722153" cy="888933"/>
+            </a:xfrm>
+          </p:grpSpPr>
+          <p:pic>
+            <p:nvPicPr>
+              <p:cNvPr id="32" name="Graphique 31" descr="Base de données avec un remplissage uni">
+                <a:extLst>
+                  <a:ext uri="{FF2B5EF4-FFF2-40B4-BE49-F238E27FC236}">
+                    <a16:creationId xmlns:a16="http://schemas.microsoft.com/office/drawing/2014/main" id="{1AA52FED-334F-517C-4D73-A2B65CC46145}"/>
+                  </a:ext>
+                </a:extLst>
+              </p:cNvPr>
+              <p:cNvPicPr>
+                <a:picLocks noChangeAspect="1"/>
+              </p:cNvPicPr>
+              <p:nvPr/>
+            </p:nvPicPr>
+            <p:blipFill>
+              <a:blip r:embed="rId6">
+                <a:extLst>
+                  <a:ext uri="{96DAC541-7B7A-43D3-8B79-37D633B846F1}">
+                    <asvg:svgBlip xmlns:asvg="http://schemas.microsoft.com/office/drawing/2016/SVG/main" r:embed="rId8"/>
+                  </a:ext>
+                </a:extLst>
+              </a:blip>
+              <a:stretch>
+                <a:fillRect/>
+              </a:stretch>
+            </p:blipFill>
+            <p:spPr>
+              <a:xfrm>
+                <a:off x="7761750" y="3864849"/>
+                <a:ext cx="722153" cy="722153"/>
+              </a:xfrm>
+              <a:prstGeom prst="rect">
+                <a:avLst/>
+              </a:prstGeom>
+            </p:spPr>
+          </p:pic>
+          <p:sp>
+            <p:nvSpPr>
+              <p:cNvPr id="33" name="ZoneTexte 32">
+                <a:extLst>
+                  <a:ext uri="{FF2B5EF4-FFF2-40B4-BE49-F238E27FC236}">
+                    <a16:creationId xmlns:a16="http://schemas.microsoft.com/office/drawing/2014/main" id="{72786D1A-DD60-D1D1-58CA-F98BF4E7C730}"/>
+                  </a:ext>
+                </a:extLst>
+              </p:cNvPr>
+              <p:cNvSpPr txBox="1"/>
+              <p:nvPr/>
+            </p:nvSpPr>
+            <p:spPr>
+              <a:xfrm>
+                <a:off x="7824699" y="3698069"/>
+                <a:ext cx="596253" cy="276999"/>
+              </a:xfrm>
+              <a:prstGeom prst="rect">
+                <a:avLst/>
+              </a:prstGeom>
+              <a:noFill/>
+            </p:spPr>
+            <p:txBody>
+              <a:bodyPr wrap="none" rtlCol="0">
+                <a:spAutoFit/>
+              </a:bodyPr>
+              <a:lstStyle/>
+              <a:p>
+                <a:r>
+                  <a:rPr lang="fr-FR" sz="1200" dirty="0">
+                    <a:solidFill>
+                      <a:schemeClr val="accent6">
+                        <a:lumMod val="75000"/>
+                      </a:schemeClr>
+                    </a:solidFill>
+                  </a:rPr>
+                  <a:t>Model</a:t>
+                </a:r>
+              </a:p>
+            </p:txBody>
+          </p:sp>
+        </p:grpSp>
+        <p:grpSp>
+          <p:nvGrpSpPr>
+            <p:cNvPr id="34" name="Groupe 33">
+              <a:extLst>
+                <a:ext uri="{FF2B5EF4-FFF2-40B4-BE49-F238E27FC236}">
+                  <a16:creationId xmlns:a16="http://schemas.microsoft.com/office/drawing/2014/main" id="{83C62F6B-04BA-8E02-89E0-A1C3B9B4CF20}"/>
+                </a:ext>
+              </a:extLst>
+            </p:cNvPr>
+            <p:cNvGrpSpPr/>
+            <p:nvPr/>
+          </p:nvGrpSpPr>
+          <p:grpSpPr>
+            <a:xfrm>
+              <a:off x="8381777" y="5909234"/>
+              <a:ext cx="722153" cy="979233"/>
+              <a:chOff x="9474411" y="3573862"/>
+              <a:chExt cx="722153" cy="979233"/>
+            </a:xfrm>
+          </p:grpSpPr>
+          <p:pic>
+            <p:nvPicPr>
+              <p:cNvPr id="35" name="Graphique 34" descr="Base de données avec un remplissage uni">
+                <a:extLst>
+                  <a:ext uri="{FF2B5EF4-FFF2-40B4-BE49-F238E27FC236}">
+                    <a16:creationId xmlns:a16="http://schemas.microsoft.com/office/drawing/2014/main" id="{19897385-430E-7803-E51D-DB9D7A7E67F9}"/>
+                  </a:ext>
+                </a:extLst>
+              </p:cNvPr>
+              <p:cNvPicPr>
+                <a:picLocks noChangeAspect="1"/>
+              </p:cNvPicPr>
+              <p:nvPr/>
+            </p:nvPicPr>
+            <p:blipFill>
+              <a:blip r:embed="rId6">
+                <a:extLst>
+                  <a:ext uri="{96DAC541-7B7A-43D3-8B79-37D633B846F1}">
+                    <asvg:svgBlip xmlns:asvg="http://schemas.microsoft.com/office/drawing/2016/SVG/main" r:embed="rId8"/>
+                  </a:ext>
+                </a:extLst>
+              </a:blip>
+              <a:stretch>
+                <a:fillRect/>
+              </a:stretch>
+            </p:blipFill>
+            <p:spPr>
+              <a:xfrm>
+                <a:off x="9474411" y="3830942"/>
+                <a:ext cx="722153" cy="722153"/>
+              </a:xfrm>
+              <a:prstGeom prst="rect">
+                <a:avLst/>
+              </a:prstGeom>
+            </p:spPr>
+          </p:pic>
+          <p:sp>
+            <p:nvSpPr>
+              <p:cNvPr id="36" name="ZoneTexte 35">
+                <a:extLst>
+                  <a:ext uri="{FF2B5EF4-FFF2-40B4-BE49-F238E27FC236}">
+                    <a16:creationId xmlns:a16="http://schemas.microsoft.com/office/drawing/2014/main" id="{6ACCEF71-4188-E1F9-BF4A-47AA93144002}"/>
+                  </a:ext>
+                </a:extLst>
+              </p:cNvPr>
+              <p:cNvSpPr txBox="1"/>
+              <p:nvPr/>
+            </p:nvSpPr>
+            <p:spPr>
+              <a:xfrm>
+                <a:off x="9502126" y="3573862"/>
+                <a:ext cx="672428" cy="276999"/>
+              </a:xfrm>
+              <a:prstGeom prst="rect">
+                <a:avLst/>
+              </a:prstGeom>
+              <a:noFill/>
+            </p:spPr>
+            <p:txBody>
+              <a:bodyPr wrap="none" rtlCol="0">
+                <a:spAutoFit/>
+              </a:bodyPr>
+              <a:lstStyle/>
+              <a:p>
+                <a:r>
+                  <a:rPr lang="fr-FR" sz="1200" dirty="0" err="1">
+                    <a:solidFill>
+                      <a:schemeClr val="accent6">
+                        <a:lumMod val="75000"/>
+                      </a:schemeClr>
+                    </a:solidFill>
+                  </a:rPr>
+                  <a:t>Metrics</a:t>
+                </a:r>
+                <a:endParaRPr lang="fr-FR" sz="1200" dirty="0">
+                  <a:solidFill>
+                    <a:schemeClr val="accent6">
+                      <a:lumMod val="75000"/>
+                    </a:schemeClr>
+                  </a:solidFill>
+                </a:endParaRPr>
+              </a:p>
+            </p:txBody>
+          </p:sp>
+        </p:grpSp>
+        <p:grpSp>
+          <p:nvGrpSpPr>
+            <p:cNvPr id="37" name="Groupe 36">
+              <a:extLst>
+                <a:ext uri="{FF2B5EF4-FFF2-40B4-BE49-F238E27FC236}">
+                  <a16:creationId xmlns:a16="http://schemas.microsoft.com/office/drawing/2014/main" id="{DCAD0582-F1A1-9BF5-2162-5F8968EA75AB}"/>
+                </a:ext>
+              </a:extLst>
+            </p:cNvPr>
+            <p:cNvGrpSpPr/>
+            <p:nvPr/>
+          </p:nvGrpSpPr>
+          <p:grpSpPr>
+            <a:xfrm>
+              <a:off x="8529315" y="4580891"/>
+              <a:ext cx="804195" cy="936230"/>
+              <a:chOff x="5075960" y="5451419"/>
+              <a:chExt cx="804195" cy="936230"/>
+            </a:xfrm>
+          </p:grpSpPr>
+          <p:pic>
+            <p:nvPicPr>
+              <p:cNvPr id="38" name="Graphique 37" descr="Base de données avec un remplissage uni">
+                <a:extLst>
+                  <a:ext uri="{FF2B5EF4-FFF2-40B4-BE49-F238E27FC236}">
+                    <a16:creationId xmlns:a16="http://schemas.microsoft.com/office/drawing/2014/main" id="{0CE6DA26-C592-43C9-4E6E-40DE036FA1AD}"/>
+                  </a:ext>
+                </a:extLst>
+              </p:cNvPr>
+              <p:cNvPicPr>
+                <a:picLocks noChangeAspect="1"/>
+              </p:cNvPicPr>
+              <p:nvPr/>
+            </p:nvPicPr>
+            <p:blipFill>
+              <a:blip r:embed="rId6">
+                <a:extLst>
+                  <a:ext uri="{96DAC541-7B7A-43D3-8B79-37D633B846F1}">
+                    <asvg:svgBlip xmlns:asvg="http://schemas.microsoft.com/office/drawing/2016/SVG/main" r:embed="rId8"/>
+                  </a:ext>
+                </a:extLst>
+              </a:blip>
+              <a:stretch>
+                <a:fillRect/>
+              </a:stretch>
+            </p:blipFill>
+            <p:spPr>
+              <a:xfrm>
+                <a:off x="5151298" y="5665496"/>
+                <a:ext cx="722153" cy="722153"/>
+              </a:xfrm>
+              <a:prstGeom prst="rect">
+                <a:avLst/>
+              </a:prstGeom>
+            </p:spPr>
+          </p:pic>
+          <p:sp>
+            <p:nvSpPr>
+              <p:cNvPr id="39" name="ZoneTexte 38">
+                <a:extLst>
+                  <a:ext uri="{FF2B5EF4-FFF2-40B4-BE49-F238E27FC236}">
+                    <a16:creationId xmlns:a16="http://schemas.microsoft.com/office/drawing/2014/main" id="{30A5AE36-18F6-04FF-E42A-934F34DB6D48}"/>
+                  </a:ext>
+                </a:extLst>
+              </p:cNvPr>
+              <p:cNvSpPr txBox="1"/>
+              <p:nvPr/>
+            </p:nvSpPr>
+            <p:spPr>
+              <a:xfrm>
+                <a:off x="5075960" y="5451419"/>
+                <a:ext cx="804195" cy="276999"/>
+              </a:xfrm>
+              <a:prstGeom prst="rect">
+                <a:avLst/>
+              </a:prstGeom>
+              <a:noFill/>
+            </p:spPr>
+            <p:txBody>
+              <a:bodyPr wrap="none" rtlCol="0">
+                <a:spAutoFit/>
+              </a:bodyPr>
+              <a:lstStyle/>
+              <a:p>
+                <a:r>
+                  <a:rPr lang="fr-FR" sz="1200" dirty="0">
+                    <a:solidFill>
+                      <a:schemeClr val="accent6">
+                        <a:lumMod val="75000"/>
+                      </a:schemeClr>
+                    </a:solidFill>
+                  </a:rPr>
+                  <a:t>Test data</a:t>
+                </a:r>
+              </a:p>
+            </p:txBody>
+          </p:sp>
+        </p:grpSp>
+        <p:grpSp>
+          <p:nvGrpSpPr>
+            <p:cNvPr id="40" name="Groupe 39">
+              <a:extLst>
+                <a:ext uri="{FF2B5EF4-FFF2-40B4-BE49-F238E27FC236}">
+                  <a16:creationId xmlns:a16="http://schemas.microsoft.com/office/drawing/2014/main" id="{4BD7082C-56E7-BBB4-847B-EBD2A36BCBB6}"/>
+                </a:ext>
+              </a:extLst>
+            </p:cNvPr>
+            <p:cNvGrpSpPr/>
+            <p:nvPr/>
+          </p:nvGrpSpPr>
+          <p:grpSpPr>
+            <a:xfrm>
+              <a:off x="10919960" y="4058738"/>
+              <a:ext cx="837602" cy="920856"/>
+              <a:chOff x="5117966" y="5206927"/>
+              <a:chExt cx="837602" cy="920856"/>
+            </a:xfrm>
+          </p:grpSpPr>
+          <p:pic>
+            <p:nvPicPr>
+              <p:cNvPr id="41" name="Graphique 40" descr="Base de données avec un remplissage uni">
+                <a:extLst>
+                  <a:ext uri="{FF2B5EF4-FFF2-40B4-BE49-F238E27FC236}">
+                    <a16:creationId xmlns:a16="http://schemas.microsoft.com/office/drawing/2014/main" id="{FA0CDBCA-EC47-830B-5192-CD37FA086BA7}"/>
+                  </a:ext>
+                </a:extLst>
+              </p:cNvPr>
+              <p:cNvPicPr>
+                <a:picLocks noChangeAspect="1"/>
+              </p:cNvPicPr>
+              <p:nvPr/>
+            </p:nvPicPr>
+            <p:blipFill>
+              <a:blip r:embed="rId6">
+                <a:extLst>
+                  <a:ext uri="{96DAC541-7B7A-43D3-8B79-37D633B846F1}">
+                    <asvg:svgBlip xmlns:asvg="http://schemas.microsoft.com/office/drawing/2016/SVG/main" r:embed="rId8"/>
+                  </a:ext>
+                </a:extLst>
+              </a:blip>
+              <a:stretch>
+                <a:fillRect/>
+              </a:stretch>
+            </p:blipFill>
+            <p:spPr>
+              <a:xfrm>
+                <a:off x="5175691" y="5405630"/>
+                <a:ext cx="722153" cy="722153"/>
+              </a:xfrm>
+              <a:prstGeom prst="rect">
+                <a:avLst/>
+              </a:prstGeom>
+            </p:spPr>
+          </p:pic>
+          <p:sp>
+            <p:nvSpPr>
+              <p:cNvPr id="42" name="ZoneTexte 41">
+                <a:extLst>
+                  <a:ext uri="{FF2B5EF4-FFF2-40B4-BE49-F238E27FC236}">
+                    <a16:creationId xmlns:a16="http://schemas.microsoft.com/office/drawing/2014/main" id="{3EF40398-B86A-0A45-2C15-758AE4400023}"/>
+                  </a:ext>
+                </a:extLst>
+              </p:cNvPr>
+              <p:cNvSpPr txBox="1"/>
+              <p:nvPr/>
+            </p:nvSpPr>
+            <p:spPr>
+              <a:xfrm>
+                <a:off x="5117966" y="5206927"/>
+                <a:ext cx="837602" cy="276999"/>
+              </a:xfrm>
+              <a:prstGeom prst="rect">
+                <a:avLst/>
+              </a:prstGeom>
+              <a:noFill/>
+            </p:spPr>
+            <p:txBody>
+              <a:bodyPr wrap="none" rtlCol="0">
+                <a:spAutoFit/>
+              </a:bodyPr>
+              <a:lstStyle/>
+              <a:p>
+                <a:r>
+                  <a:rPr lang="fr-FR" sz="1200" dirty="0" err="1">
+                    <a:solidFill>
+                      <a:schemeClr val="accent6">
+                        <a:lumMod val="75000"/>
+                      </a:schemeClr>
+                    </a:solidFill>
+                  </a:rPr>
+                  <a:t>Vectorizer</a:t>
+                </a:r>
+                <a:endParaRPr lang="fr-FR" sz="1200" dirty="0">
+                  <a:solidFill>
+                    <a:schemeClr val="accent6">
+                      <a:lumMod val="75000"/>
+                    </a:schemeClr>
+                  </a:solidFill>
+                </a:endParaRPr>
+              </a:p>
+            </p:txBody>
+          </p:sp>
+        </p:grpSp>
+        <p:grpSp>
+          <p:nvGrpSpPr>
+            <p:cNvPr id="43" name="Groupe 42">
+              <a:extLst>
+                <a:ext uri="{FF2B5EF4-FFF2-40B4-BE49-F238E27FC236}">
+                  <a16:creationId xmlns:a16="http://schemas.microsoft.com/office/drawing/2014/main" id="{25E5F32D-3132-E937-BD07-34B479C84C66}"/>
+                </a:ext>
+              </a:extLst>
+            </p:cNvPr>
+            <p:cNvGrpSpPr/>
+            <p:nvPr/>
+          </p:nvGrpSpPr>
+          <p:grpSpPr>
+            <a:xfrm>
+              <a:off x="9205772" y="2564214"/>
+              <a:ext cx="947760" cy="912376"/>
+              <a:chOff x="3619236" y="3678454"/>
+              <a:chExt cx="947760" cy="912376"/>
+            </a:xfrm>
+          </p:grpSpPr>
+          <p:sp>
+            <p:nvSpPr>
+              <p:cNvPr id="44" name="ZoneTexte 43">
+                <a:extLst>
+                  <a:ext uri="{FF2B5EF4-FFF2-40B4-BE49-F238E27FC236}">
+                    <a16:creationId xmlns:a16="http://schemas.microsoft.com/office/drawing/2014/main" id="{90770276-AE71-1A54-ABD4-968AF8DA73B6}"/>
+                  </a:ext>
+                </a:extLst>
+              </p:cNvPr>
+              <p:cNvSpPr txBox="1"/>
+              <p:nvPr/>
+            </p:nvSpPr>
+            <p:spPr>
+              <a:xfrm>
+                <a:off x="3619236" y="3678454"/>
+                <a:ext cx="947760" cy="276999"/>
+              </a:xfrm>
+              <a:prstGeom prst="rect">
+                <a:avLst/>
+              </a:prstGeom>
+              <a:solidFill>
+                <a:schemeClr val="bg1"/>
+              </a:solidFill>
+            </p:spPr>
+            <p:txBody>
+              <a:bodyPr wrap="none" rtlCol="0">
+                <a:spAutoFit/>
+              </a:bodyPr>
+              <a:lstStyle/>
+              <a:p>
+                <a:r>
+                  <a:rPr lang="fr-FR" sz="1200" dirty="0" err="1">
+                    <a:solidFill>
+                      <a:schemeClr val="accent6">
+                        <a:lumMod val="75000"/>
+                      </a:schemeClr>
+                    </a:solidFill>
+                  </a:rPr>
+                  <a:t>Cleaned</a:t>
+                </a:r>
+                <a:r>
+                  <a:rPr lang="fr-FR" sz="1200" dirty="0">
+                    <a:solidFill>
+                      <a:schemeClr val="accent6">
+                        <a:lumMod val="75000"/>
+                      </a:schemeClr>
+                    </a:solidFill>
+                  </a:rPr>
+                  <a:t> txt</a:t>
+                </a:r>
+              </a:p>
+            </p:txBody>
+          </p:sp>
+          <p:pic>
+            <p:nvPicPr>
+              <p:cNvPr id="45" name="Graphique 44" descr="Base de données avec un remplissage uni">
+                <a:extLst>
+                  <a:ext uri="{FF2B5EF4-FFF2-40B4-BE49-F238E27FC236}">
+                    <a16:creationId xmlns:a16="http://schemas.microsoft.com/office/drawing/2014/main" id="{F17238C7-9B9F-CAC0-89A1-EB76A44CB10F}"/>
+                  </a:ext>
+                </a:extLst>
+              </p:cNvPr>
+              <p:cNvPicPr>
+                <a:picLocks noChangeAspect="1"/>
+              </p:cNvPicPr>
+              <p:nvPr/>
+            </p:nvPicPr>
+            <p:blipFill>
+              <a:blip r:embed="rId6">
+                <a:extLst>
+                  <a:ext uri="{96DAC541-7B7A-43D3-8B79-37D633B846F1}">
+                    <asvg:svgBlip xmlns:asvg="http://schemas.microsoft.com/office/drawing/2016/SVG/main" r:embed="rId8"/>
+                  </a:ext>
+                </a:extLst>
+              </a:blip>
+              <a:stretch>
+                <a:fillRect/>
+              </a:stretch>
+            </p:blipFill>
+            <p:spPr>
+              <a:xfrm>
+                <a:off x="3732039" y="3868677"/>
+                <a:ext cx="722153" cy="722153"/>
+              </a:xfrm>
+              <a:prstGeom prst="rect">
+                <a:avLst/>
+              </a:prstGeom>
+            </p:spPr>
+          </p:pic>
+        </p:grpSp>
+      </p:grpSp>
+      <p:grpSp>
+        <p:nvGrpSpPr>
+          <p:cNvPr id="11" name="Groupe 10">
+            <a:extLst>
+              <a:ext uri="{FF2B5EF4-FFF2-40B4-BE49-F238E27FC236}">
+                <a16:creationId xmlns:a16="http://schemas.microsoft.com/office/drawing/2014/main" id="{4AB3B2B0-B8AE-2231-48E0-014F9A1C2E62}"/>
+              </a:ext>
+            </a:extLst>
+          </p:cNvPr>
+          <p:cNvGrpSpPr/>
+          <p:nvPr/>
+        </p:nvGrpSpPr>
+        <p:grpSpPr>
+          <a:xfrm>
+            <a:off x="10790426" y="2299209"/>
+            <a:ext cx="960071" cy="342782"/>
+            <a:chOff x="2224726" y="3609661"/>
+            <a:chExt cx="960071" cy="342782"/>
+          </a:xfrm>
+        </p:grpSpPr>
+        <p:sp>
+          <p:nvSpPr>
+            <p:cNvPr id="12" name="ZoneTexte 11">
+              <a:extLst>
+                <a:ext uri="{FF2B5EF4-FFF2-40B4-BE49-F238E27FC236}">
+                  <a16:creationId xmlns:a16="http://schemas.microsoft.com/office/drawing/2014/main" id="{3FB96E1B-3B3A-9FE9-FA1D-F1655B301A2F}"/>
+                </a:ext>
+              </a:extLst>
+            </p:cNvPr>
+            <p:cNvSpPr txBox="1"/>
+            <p:nvPr/>
+          </p:nvSpPr>
+          <p:spPr>
+            <a:xfrm>
+              <a:off x="2224726" y="3619576"/>
+              <a:ext cx="960071" cy="316909"/>
+            </a:xfrm>
+            <a:prstGeom prst="rect">
+              <a:avLst/>
+            </a:prstGeom>
+            <a:ln w="41275" cap="rnd">
+              <a:round/>
+            </a:ln>
+          </p:spPr>
+          <p:style>
+            <a:lnRef idx="2">
+              <a:schemeClr val="accent5"/>
+            </a:lnRef>
+            <a:fillRef idx="1">
+              <a:schemeClr val="lt1"/>
+            </a:fillRef>
+            <a:effectRef idx="0">
+              <a:schemeClr val="accent5"/>
+            </a:effectRef>
+            <a:fontRef idx="minor">
+              <a:schemeClr val="dk1"/>
+            </a:fontRef>
+          </p:style>
+          <p:txBody>
+            <a:bodyPr wrap="square" rtlCol="0">
+              <a:noAutofit/>
+            </a:bodyPr>
+            <a:lstStyle/>
+            <a:p>
+              <a:r>
+                <a:rPr lang="fr-FR" sz="1400" b="1" dirty="0"/>
+                <a:t>ETL</a:t>
+              </a:r>
+            </a:p>
+          </p:txBody>
+        </p:sp>
         <p:pic>
           <p:nvPicPr>
-            <p:cNvPr id="19" name="Image 18" descr="Une image contenant dessin humoristique, clipart, Police, lapin&#10;&#10;Le contenu généré par l’IA peut être incorrect.">
+            <p:cNvPr id="13" name="Image 12" descr="Une image contenant symbole, Graphique, clipart, conception&#10;&#10;Le contenu généré par l’IA peut être incorrect.">
               <a:extLst>
                 <a:ext uri="{FF2B5EF4-FFF2-40B4-BE49-F238E27FC236}">
-                  <a16:creationId xmlns:a16="http://schemas.microsoft.com/office/drawing/2014/main" id="{3F7CA652-F17D-35D5-4835-FA02462BFC9E}"/>
+                  <a16:creationId xmlns:a16="http://schemas.microsoft.com/office/drawing/2014/main" id="{16F45C12-D698-30BA-9EDF-917D2173A5E5}"/>
+                </a:ext>
+              </a:extLst>
+            </p:cNvPr>
+            <p:cNvPicPr>
+              <a:picLocks noChangeAspect="1"/>
+            </p:cNvPicPr>
+            <p:nvPr/>
+          </p:nvPicPr>
+          <p:blipFill>
+            <a:blip r:embed="rId9"/>
+            <a:stretch>
+              <a:fillRect/>
+            </a:stretch>
+          </p:blipFill>
+          <p:spPr>
+            <a:xfrm>
+              <a:off x="2785129" y="3609661"/>
+              <a:ext cx="342782" cy="342782"/>
+            </a:xfrm>
+            <a:prstGeom prst="rect">
+              <a:avLst/>
+            </a:prstGeom>
+          </p:spPr>
+        </p:pic>
+      </p:grpSp>
+      <p:grpSp>
+        <p:nvGrpSpPr>
+          <p:cNvPr id="51" name="Groupe 50">
+            <a:extLst>
+              <a:ext uri="{FF2B5EF4-FFF2-40B4-BE49-F238E27FC236}">
+                <a16:creationId xmlns:a16="http://schemas.microsoft.com/office/drawing/2014/main" id="{90A34393-EFD4-4259-7DF5-E56591D827BE}"/>
+              </a:ext>
+            </a:extLst>
+          </p:cNvPr>
+          <p:cNvGrpSpPr/>
+          <p:nvPr/>
+        </p:nvGrpSpPr>
+        <p:grpSpPr>
+          <a:xfrm>
+            <a:off x="10782391" y="1262066"/>
+            <a:ext cx="960071" cy="342782"/>
+            <a:chOff x="2224726" y="3604093"/>
+            <a:chExt cx="960071" cy="342782"/>
+          </a:xfrm>
+        </p:grpSpPr>
+        <p:sp>
+          <p:nvSpPr>
+            <p:cNvPr id="52" name="ZoneTexte 51">
+              <a:extLst>
+                <a:ext uri="{FF2B5EF4-FFF2-40B4-BE49-F238E27FC236}">
+                  <a16:creationId xmlns:a16="http://schemas.microsoft.com/office/drawing/2014/main" id="{154D4C89-A5A7-19BD-91B4-63396E58FF39}"/>
+                </a:ext>
+              </a:extLst>
+            </p:cNvPr>
+            <p:cNvSpPr txBox="1"/>
+            <p:nvPr/>
+          </p:nvSpPr>
+          <p:spPr>
+            <a:xfrm>
+              <a:off x="2224726" y="3619576"/>
+              <a:ext cx="960071" cy="316909"/>
+            </a:xfrm>
+            <a:prstGeom prst="rect">
+              <a:avLst/>
+            </a:prstGeom>
+            <a:ln w="41275" cap="rnd">
+              <a:round/>
+            </a:ln>
+          </p:spPr>
+          <p:style>
+            <a:lnRef idx="2">
+              <a:schemeClr val="accent5"/>
+            </a:lnRef>
+            <a:fillRef idx="1">
+              <a:schemeClr val="lt1"/>
+            </a:fillRef>
+            <a:effectRef idx="0">
+              <a:schemeClr val="accent5"/>
+            </a:effectRef>
+            <a:fontRef idx="minor">
+              <a:schemeClr val="dk1"/>
+            </a:fontRef>
+          </p:style>
+          <p:txBody>
+            <a:bodyPr wrap="square" rtlCol="0">
+              <a:noAutofit/>
+            </a:bodyPr>
+            <a:lstStyle/>
+            <a:p>
+              <a:r>
+                <a:rPr lang="fr-FR" sz="1400" b="1" dirty="0"/>
+                <a:t>ETL</a:t>
+              </a:r>
+            </a:p>
+          </p:txBody>
+        </p:sp>
+        <p:pic>
+          <p:nvPicPr>
+            <p:cNvPr id="53" name="Image 52" descr="Une image contenant symbole, Graphique, clipart, conception&#10;&#10;Le contenu généré par l’IA peut être incorrect.">
+              <a:extLst>
+                <a:ext uri="{FF2B5EF4-FFF2-40B4-BE49-F238E27FC236}">
+                  <a16:creationId xmlns:a16="http://schemas.microsoft.com/office/drawing/2014/main" id="{3C974A91-1365-CC0F-41F6-CEAF9E8DB736}"/>
+                </a:ext>
+              </a:extLst>
+            </p:cNvPr>
+            <p:cNvPicPr>
+              <a:picLocks noChangeAspect="1"/>
+            </p:cNvPicPr>
+            <p:nvPr/>
+          </p:nvPicPr>
+          <p:blipFill>
+            <a:blip r:embed="rId9"/>
+            <a:stretch>
+              <a:fillRect/>
+            </a:stretch>
+          </p:blipFill>
+          <p:spPr>
+            <a:xfrm>
+              <a:off x="2801404" y="3604093"/>
+              <a:ext cx="342782" cy="342782"/>
+            </a:xfrm>
+            <a:prstGeom prst="rect">
+              <a:avLst/>
+            </a:prstGeom>
+          </p:spPr>
+        </p:pic>
+      </p:grpSp>
+      <p:grpSp>
+        <p:nvGrpSpPr>
+          <p:cNvPr id="54" name="Groupe 53">
+            <a:extLst>
+              <a:ext uri="{FF2B5EF4-FFF2-40B4-BE49-F238E27FC236}">
+                <a16:creationId xmlns:a16="http://schemas.microsoft.com/office/drawing/2014/main" id="{225ADEB2-B41B-EFD5-E403-4CA832454C92}"/>
+              </a:ext>
+            </a:extLst>
+          </p:cNvPr>
+          <p:cNvGrpSpPr/>
+          <p:nvPr/>
+        </p:nvGrpSpPr>
+        <p:grpSpPr>
+          <a:xfrm>
+            <a:off x="10727724" y="4936012"/>
+            <a:ext cx="960071" cy="345491"/>
+            <a:chOff x="2224726" y="3590994"/>
+            <a:chExt cx="960071" cy="345491"/>
+          </a:xfrm>
+        </p:grpSpPr>
+        <p:sp>
+          <p:nvSpPr>
+            <p:cNvPr id="55" name="ZoneTexte 54">
+              <a:extLst>
+                <a:ext uri="{FF2B5EF4-FFF2-40B4-BE49-F238E27FC236}">
+                  <a16:creationId xmlns:a16="http://schemas.microsoft.com/office/drawing/2014/main" id="{F9958389-EF4F-2672-8F79-5ABB9496107E}"/>
+                </a:ext>
+              </a:extLst>
+            </p:cNvPr>
+            <p:cNvSpPr txBox="1"/>
+            <p:nvPr/>
+          </p:nvSpPr>
+          <p:spPr>
+            <a:xfrm>
+              <a:off x="2224726" y="3619576"/>
+              <a:ext cx="960071" cy="316909"/>
+            </a:xfrm>
+            <a:prstGeom prst="rect">
+              <a:avLst/>
+            </a:prstGeom>
+            <a:ln w="41275" cap="rnd">
+              <a:round/>
+            </a:ln>
+          </p:spPr>
+          <p:style>
+            <a:lnRef idx="2">
+              <a:schemeClr val="accent5"/>
+            </a:lnRef>
+            <a:fillRef idx="1">
+              <a:schemeClr val="lt1"/>
+            </a:fillRef>
+            <a:effectRef idx="0">
+              <a:schemeClr val="accent5"/>
+            </a:effectRef>
+            <a:fontRef idx="minor">
+              <a:schemeClr val="dk1"/>
+            </a:fontRef>
+          </p:style>
+          <p:txBody>
+            <a:bodyPr wrap="square" rtlCol="0">
+              <a:noAutofit/>
+            </a:bodyPr>
+            <a:lstStyle/>
+            <a:p>
+              <a:r>
+                <a:rPr lang="fr-FR" sz="1400" b="1" dirty="0"/>
+                <a:t>train</a:t>
+              </a:r>
+            </a:p>
+          </p:txBody>
+        </p:sp>
+        <p:pic>
+          <p:nvPicPr>
+            <p:cNvPr id="56" name="Image 55" descr="Une image contenant symbole, Graphique, clipart, conception&#10;&#10;Le contenu généré par l’IA peut être incorrect.">
+              <a:extLst>
+                <a:ext uri="{FF2B5EF4-FFF2-40B4-BE49-F238E27FC236}">
+                  <a16:creationId xmlns:a16="http://schemas.microsoft.com/office/drawing/2014/main" id="{7D64803E-29E0-9383-A273-13AEC6797A2A}"/>
+                </a:ext>
+              </a:extLst>
+            </p:cNvPr>
+            <p:cNvPicPr>
+              <a:picLocks noChangeAspect="1"/>
+            </p:cNvPicPr>
+            <p:nvPr/>
+          </p:nvPicPr>
+          <p:blipFill>
+            <a:blip r:embed="rId9"/>
+            <a:stretch>
+              <a:fillRect/>
+            </a:stretch>
+          </p:blipFill>
+          <p:spPr>
+            <a:xfrm>
+              <a:off x="2812662" y="3590994"/>
+              <a:ext cx="342782" cy="342782"/>
+            </a:xfrm>
+            <a:prstGeom prst="rect">
+              <a:avLst/>
+            </a:prstGeom>
+          </p:spPr>
+        </p:pic>
+      </p:grpSp>
+      <p:grpSp>
+        <p:nvGrpSpPr>
+          <p:cNvPr id="61" name="Groupe 60">
+            <a:extLst>
+              <a:ext uri="{FF2B5EF4-FFF2-40B4-BE49-F238E27FC236}">
+                <a16:creationId xmlns:a16="http://schemas.microsoft.com/office/drawing/2014/main" id="{8F19C8BA-1D83-72BF-38D7-2A375610250C}"/>
+              </a:ext>
+            </a:extLst>
+          </p:cNvPr>
+          <p:cNvGrpSpPr/>
+          <p:nvPr/>
+        </p:nvGrpSpPr>
+        <p:grpSpPr>
+          <a:xfrm>
+            <a:off x="10532050" y="3289402"/>
+            <a:ext cx="1569015" cy="367254"/>
+            <a:chOff x="10532050" y="3220578"/>
+            <a:chExt cx="1569015" cy="367254"/>
+          </a:xfrm>
+        </p:grpSpPr>
+        <p:sp>
+          <p:nvSpPr>
+            <p:cNvPr id="17" name="ZoneTexte 16">
+              <a:extLst>
+                <a:ext uri="{FF2B5EF4-FFF2-40B4-BE49-F238E27FC236}">
+                  <a16:creationId xmlns:a16="http://schemas.microsoft.com/office/drawing/2014/main" id="{C736BD58-E5C1-A30D-5715-6E6383692EEE}"/>
+                </a:ext>
+              </a:extLst>
+            </p:cNvPr>
+            <p:cNvSpPr txBox="1"/>
+            <p:nvPr/>
+          </p:nvSpPr>
+          <p:spPr>
+            <a:xfrm>
+              <a:off x="10532050" y="3226220"/>
+              <a:ext cx="1569015" cy="361612"/>
+            </a:xfrm>
+            <a:prstGeom prst="rect">
+              <a:avLst/>
+            </a:prstGeom>
+            <a:ln w="41275" cap="rnd">
+              <a:round/>
+            </a:ln>
+          </p:spPr>
+          <p:style>
+            <a:lnRef idx="2">
+              <a:schemeClr val="accent5"/>
+            </a:lnRef>
+            <a:fillRef idx="1">
+              <a:schemeClr val="lt1"/>
+            </a:fillRef>
+            <a:effectRef idx="0">
+              <a:schemeClr val="accent5"/>
+            </a:effectRef>
+            <a:fontRef idx="minor">
+              <a:schemeClr val="dk1"/>
+            </a:fontRef>
+          </p:style>
+          <p:txBody>
+            <a:bodyPr wrap="square" rtlCol="0">
+              <a:noAutofit/>
+            </a:bodyPr>
+            <a:lstStyle/>
+            <a:p>
+              <a:r>
+                <a:rPr lang="fr-FR" sz="1400" b="1" dirty="0" err="1"/>
+                <a:t>preprocessing</a:t>
+              </a:r>
+              <a:endParaRPr lang="fr-FR" sz="1400" b="1" dirty="0"/>
+            </a:p>
+          </p:txBody>
+        </p:sp>
+        <p:pic>
+          <p:nvPicPr>
+            <p:cNvPr id="57" name="Image 56" descr="Une image contenant symbole, Graphique, clipart, conception&#10;&#10;Le contenu généré par l’IA peut être incorrect.">
+              <a:extLst>
+                <a:ext uri="{FF2B5EF4-FFF2-40B4-BE49-F238E27FC236}">
+                  <a16:creationId xmlns:a16="http://schemas.microsoft.com/office/drawing/2014/main" id="{91E629DB-F088-EC3C-3E87-2DDC290A892F}"/>
+                </a:ext>
+              </a:extLst>
+            </p:cNvPr>
+            <p:cNvPicPr>
+              <a:picLocks noChangeAspect="1"/>
+            </p:cNvPicPr>
+            <p:nvPr/>
+          </p:nvPicPr>
+          <p:blipFill>
+            <a:blip r:embed="rId9"/>
+            <a:stretch>
+              <a:fillRect/>
+            </a:stretch>
+          </p:blipFill>
+          <p:spPr>
+            <a:xfrm>
+              <a:off x="11748805" y="3220578"/>
+              <a:ext cx="342782" cy="342782"/>
+            </a:xfrm>
+            <a:prstGeom prst="rect">
+              <a:avLst/>
+            </a:prstGeom>
+          </p:spPr>
+        </p:pic>
+      </p:grpSp>
+      <p:grpSp>
+        <p:nvGrpSpPr>
+          <p:cNvPr id="58" name="Groupe 57">
+            <a:extLst>
+              <a:ext uri="{FF2B5EF4-FFF2-40B4-BE49-F238E27FC236}">
+                <a16:creationId xmlns:a16="http://schemas.microsoft.com/office/drawing/2014/main" id="{0C05EA0E-62FD-47A4-793F-0930BA8C37AE}"/>
+              </a:ext>
+            </a:extLst>
+          </p:cNvPr>
+          <p:cNvGrpSpPr/>
+          <p:nvPr/>
+        </p:nvGrpSpPr>
+        <p:grpSpPr>
+          <a:xfrm>
+            <a:off x="10364165" y="6134484"/>
+            <a:ext cx="960071" cy="345491"/>
+            <a:chOff x="2224726" y="3590994"/>
+            <a:chExt cx="960071" cy="345491"/>
+          </a:xfrm>
+        </p:grpSpPr>
+        <p:sp>
+          <p:nvSpPr>
+            <p:cNvPr id="59" name="ZoneTexte 58">
+              <a:extLst>
+                <a:ext uri="{FF2B5EF4-FFF2-40B4-BE49-F238E27FC236}">
+                  <a16:creationId xmlns:a16="http://schemas.microsoft.com/office/drawing/2014/main" id="{046AB7A7-B6F7-B4B7-4B71-EFB0FA80896E}"/>
+                </a:ext>
+              </a:extLst>
+            </p:cNvPr>
+            <p:cNvSpPr txBox="1"/>
+            <p:nvPr/>
+          </p:nvSpPr>
+          <p:spPr>
+            <a:xfrm>
+              <a:off x="2224726" y="3619576"/>
+              <a:ext cx="960071" cy="316909"/>
+            </a:xfrm>
+            <a:prstGeom prst="rect">
+              <a:avLst/>
+            </a:prstGeom>
+            <a:ln w="41275" cap="rnd">
+              <a:round/>
+            </a:ln>
+          </p:spPr>
+          <p:style>
+            <a:lnRef idx="2">
+              <a:schemeClr val="accent5"/>
+            </a:lnRef>
+            <a:fillRef idx="1">
+              <a:schemeClr val="lt1"/>
+            </a:fillRef>
+            <a:effectRef idx="0">
+              <a:schemeClr val="accent5"/>
+            </a:effectRef>
+            <a:fontRef idx="minor">
+              <a:schemeClr val="dk1"/>
+            </a:fontRef>
+          </p:style>
+          <p:txBody>
+            <a:bodyPr wrap="square" rtlCol="0">
+              <a:noAutofit/>
+            </a:bodyPr>
+            <a:lstStyle/>
+            <a:p>
+              <a:r>
+                <a:rPr lang="fr-FR" sz="1400" b="1" dirty="0" err="1"/>
+                <a:t>eval</a:t>
+              </a:r>
+              <a:endParaRPr lang="fr-FR" sz="1400" b="1" dirty="0"/>
+            </a:p>
+          </p:txBody>
+        </p:sp>
+        <p:pic>
+          <p:nvPicPr>
+            <p:cNvPr id="60" name="Image 59" descr="Une image contenant symbole, Graphique, clipart, conception&#10;&#10;Le contenu généré par l’IA peut être incorrect.">
+              <a:extLst>
+                <a:ext uri="{FF2B5EF4-FFF2-40B4-BE49-F238E27FC236}">
+                  <a16:creationId xmlns:a16="http://schemas.microsoft.com/office/drawing/2014/main" id="{51BB0A2B-A562-5276-59E6-B9E659BBA981}"/>
+                </a:ext>
+              </a:extLst>
+            </p:cNvPr>
+            <p:cNvPicPr>
+              <a:picLocks noChangeAspect="1"/>
+            </p:cNvPicPr>
+            <p:nvPr/>
+          </p:nvPicPr>
+          <p:blipFill>
+            <a:blip r:embed="rId9"/>
+            <a:stretch>
+              <a:fillRect/>
+            </a:stretch>
+          </p:blipFill>
+          <p:spPr>
+            <a:xfrm>
+              <a:off x="2812662" y="3590994"/>
+              <a:ext cx="342782" cy="342782"/>
+            </a:xfrm>
+            <a:prstGeom prst="rect">
+              <a:avLst/>
+            </a:prstGeom>
+          </p:spPr>
+        </p:pic>
+      </p:grpSp>
+      <p:grpSp>
+        <p:nvGrpSpPr>
+          <p:cNvPr id="7" name="Groupe 6">
+            <a:extLst>
+              <a:ext uri="{FF2B5EF4-FFF2-40B4-BE49-F238E27FC236}">
+                <a16:creationId xmlns:a16="http://schemas.microsoft.com/office/drawing/2014/main" id="{6D778974-DE47-E4E9-5049-9A885DAAF333}"/>
+              </a:ext>
+            </a:extLst>
+          </p:cNvPr>
+          <p:cNvGrpSpPr/>
+          <p:nvPr/>
+        </p:nvGrpSpPr>
+        <p:grpSpPr>
+          <a:xfrm>
+            <a:off x="3158484" y="5281721"/>
+            <a:ext cx="1636568" cy="1354217"/>
+            <a:chOff x="10430230" y="3528632"/>
+            <a:chExt cx="1636568" cy="1354217"/>
+          </a:xfrm>
+        </p:grpSpPr>
+        <p:sp>
+          <p:nvSpPr>
+            <p:cNvPr id="8" name="ZoneTexte 7">
+              <a:extLst>
+                <a:ext uri="{FF2B5EF4-FFF2-40B4-BE49-F238E27FC236}">
+                  <a16:creationId xmlns:a16="http://schemas.microsoft.com/office/drawing/2014/main" id="{56BA0E01-2C11-3310-DBBE-576AD6377968}"/>
+                </a:ext>
+              </a:extLst>
+            </p:cNvPr>
+            <p:cNvSpPr txBox="1"/>
+            <p:nvPr/>
+          </p:nvSpPr>
+          <p:spPr>
+            <a:xfrm>
+              <a:off x="10430230" y="3528632"/>
+              <a:ext cx="1636568" cy="1354217"/>
+            </a:xfrm>
+            <a:prstGeom prst="rect">
+              <a:avLst/>
+            </a:prstGeom>
+            <a:noFill/>
+            <a:ln>
+              <a:solidFill>
+                <a:schemeClr val="tx1"/>
+              </a:solidFill>
+            </a:ln>
+          </p:spPr>
+          <p:txBody>
+            <a:bodyPr wrap="square" rtlCol="0">
+              <a:spAutoFit/>
+            </a:bodyPr>
+            <a:lstStyle/>
+            <a:p>
+              <a:endParaRPr lang="fr-FR" dirty="0"/>
+            </a:p>
+            <a:p>
+              <a:endParaRPr lang="fr-FR" dirty="0"/>
+            </a:p>
+            <a:p>
+              <a:endParaRPr lang="fr-FR" dirty="0"/>
+            </a:p>
+            <a:p>
+              <a:r>
+                <a:rPr lang="fr-FR" sz="1400" dirty="0"/>
+                <a:t>- </a:t>
+              </a:r>
+              <a:r>
+                <a:rPr lang="fr-FR" sz="1400" dirty="0" err="1"/>
+                <a:t>Experiment</a:t>
+              </a:r>
+              <a:endParaRPr lang="fr-FR" sz="1400" dirty="0"/>
+            </a:p>
+            <a:p>
+              <a:r>
+                <a:rPr lang="fr-FR" sz="1400" dirty="0"/>
+                <a:t>- Git Hash</a:t>
+              </a:r>
+            </a:p>
+          </p:txBody>
+        </p:sp>
+        <p:pic>
+          <p:nvPicPr>
+            <p:cNvPr id="9" name="Image 8" descr="Une image contenant dessin humoristique, clipart, Police, lapin&#10;&#10;Le contenu généré par l’IA peut être incorrect.">
+              <a:extLst>
+                <a:ext uri="{FF2B5EF4-FFF2-40B4-BE49-F238E27FC236}">
+                  <a16:creationId xmlns:a16="http://schemas.microsoft.com/office/drawing/2014/main" id="{71462FF5-635A-5F29-6CAC-E5196EF0D203}"/>
+                </a:ext>
+              </a:extLst>
+            </p:cNvPr>
+            <p:cNvPicPr>
+              <a:picLocks noChangeAspect="1"/>
+            </p:cNvPicPr>
+            <p:nvPr/>
+          </p:nvPicPr>
+          <p:blipFill>
+            <a:blip r:embed="rId10"/>
+            <a:stretch>
+              <a:fillRect/>
+            </a:stretch>
+          </p:blipFill>
+          <p:spPr>
+            <a:xfrm>
+              <a:off x="10607420" y="3558191"/>
+              <a:ext cx="1282188" cy="366339"/>
+            </a:xfrm>
+            <a:prstGeom prst="rect">
+              <a:avLst/>
+            </a:prstGeom>
+          </p:spPr>
+        </p:pic>
+        <p:pic>
+          <p:nvPicPr>
+            <p:cNvPr id="10" name="Image 9" descr="Une image contenant Police, Graphique, graphisme, logo&#10;&#10;Le contenu généré par l’IA peut être incorrect.">
+              <a:extLst>
+                <a:ext uri="{FF2B5EF4-FFF2-40B4-BE49-F238E27FC236}">
+                  <a16:creationId xmlns:a16="http://schemas.microsoft.com/office/drawing/2014/main" id="{CD9E584E-1D98-B740-C18E-D21EEAF3CEEB}"/>
                 </a:ext>
               </a:extLst>
             </p:cNvPr>
@@ -24532,860 +25864,8 @@
           </p:blipFill>
           <p:spPr>
             <a:xfrm>
-              <a:off x="9110493" y="4555035"/>
-              <a:ext cx="1282188" cy="366339"/>
-            </a:xfrm>
-            <a:prstGeom prst="rect">
-              <a:avLst/>
-            </a:prstGeom>
-          </p:spPr>
-        </p:pic>
-        <p:pic>
-          <p:nvPicPr>
-            <p:cNvPr id="20" name="Image 19" descr="Une image contenant Police, Graphique, graphisme, logo&#10;&#10;Le contenu généré par l’IA peut être incorrect.">
-              <a:extLst>
-                <a:ext uri="{FF2B5EF4-FFF2-40B4-BE49-F238E27FC236}">
-                  <a16:creationId xmlns:a16="http://schemas.microsoft.com/office/drawing/2014/main" id="{EEC13E4E-E6F5-4528-F434-190F4B708E84}"/>
-                </a:ext>
-              </a:extLst>
-            </p:cNvPr>
-            <p:cNvPicPr>
-              <a:picLocks noChangeAspect="1"/>
-            </p:cNvPicPr>
-            <p:nvPr/>
-          </p:nvPicPr>
-          <p:blipFill>
-            <a:blip r:embed="rId6"/>
-            <a:stretch>
-              <a:fillRect/>
-            </a:stretch>
-          </p:blipFill>
-          <p:spPr>
-            <a:xfrm>
-              <a:off x="8119532" y="4574598"/>
+              <a:off x="10657946" y="3953288"/>
               <a:ext cx="999108" cy="366339"/>
-            </a:xfrm>
-            <a:prstGeom prst="rect">
-              <a:avLst/>
-            </a:prstGeom>
-          </p:spPr>
-        </p:pic>
-      </p:grpSp>
-      <p:grpSp>
-        <p:nvGrpSpPr>
-          <p:cNvPr id="22" name="Groupe 21">
-            <a:extLst>
-              <a:ext uri="{FF2B5EF4-FFF2-40B4-BE49-F238E27FC236}">
-                <a16:creationId xmlns:a16="http://schemas.microsoft.com/office/drawing/2014/main" id="{96043283-506B-E612-EC0E-FFFFD84A3A5C}"/>
-              </a:ext>
-            </a:extLst>
-          </p:cNvPr>
-          <p:cNvGrpSpPr/>
-          <p:nvPr/>
-        </p:nvGrpSpPr>
-        <p:grpSpPr>
-          <a:xfrm>
-            <a:off x="9765970" y="1363176"/>
-            <a:ext cx="982641" cy="969486"/>
-            <a:chOff x="3724650" y="3670213"/>
-            <a:chExt cx="982641" cy="969486"/>
-          </a:xfrm>
-        </p:grpSpPr>
-        <p:sp>
-          <p:nvSpPr>
-            <p:cNvPr id="23" name="ZoneTexte 22">
-              <a:extLst>
-                <a:ext uri="{FF2B5EF4-FFF2-40B4-BE49-F238E27FC236}">
-                  <a16:creationId xmlns:a16="http://schemas.microsoft.com/office/drawing/2014/main" id="{1C4A2E10-5A11-935B-D37D-90D5248488AF}"/>
-                </a:ext>
-              </a:extLst>
-            </p:cNvPr>
-            <p:cNvSpPr txBox="1"/>
-            <p:nvPr/>
-          </p:nvSpPr>
-          <p:spPr>
-            <a:xfrm>
-              <a:off x="3724650" y="3670213"/>
-              <a:ext cx="982641" cy="276999"/>
-            </a:xfrm>
-            <a:prstGeom prst="rect">
-              <a:avLst/>
-            </a:prstGeom>
-            <a:solidFill>
-              <a:schemeClr val="bg1"/>
-            </a:solidFill>
-          </p:spPr>
-          <p:txBody>
-            <a:bodyPr wrap="none" rtlCol="0">
-              <a:spAutoFit/>
-            </a:bodyPr>
-            <a:lstStyle/>
-            <a:p>
-              <a:r>
-                <a:rPr lang="fr-FR" sz="1200" dirty="0" err="1">
-                  <a:solidFill>
-                    <a:schemeClr val="accent6">
-                      <a:lumMod val="75000"/>
-                    </a:schemeClr>
-                  </a:solidFill>
-                </a:rPr>
-                <a:t>Ocerized</a:t>
-              </a:r>
-              <a:r>
-                <a:rPr lang="fr-FR" sz="1200" dirty="0">
-                  <a:solidFill>
-                    <a:schemeClr val="accent6">
-                      <a:lumMod val="75000"/>
-                    </a:schemeClr>
-                  </a:solidFill>
-                </a:rPr>
-                <a:t> txt</a:t>
-              </a:r>
-            </a:p>
-          </p:txBody>
-        </p:sp>
-        <p:pic>
-          <p:nvPicPr>
-            <p:cNvPr id="24" name="Graphique 23" descr="Base de données avec un remplissage uni">
-              <a:extLst>
-                <a:ext uri="{FF2B5EF4-FFF2-40B4-BE49-F238E27FC236}">
-                  <a16:creationId xmlns:a16="http://schemas.microsoft.com/office/drawing/2014/main" id="{A0771888-FA3D-2ED4-137E-544CAB3F3645}"/>
-                </a:ext>
-              </a:extLst>
-            </p:cNvPr>
-            <p:cNvPicPr>
-              <a:picLocks noChangeAspect="1"/>
-            </p:cNvPicPr>
-            <p:nvPr/>
-          </p:nvPicPr>
-          <p:blipFill>
-            <a:blip r:embed="rId7">
-              <a:extLst>
-                <a:ext uri="{96DAC541-7B7A-43D3-8B79-37D633B846F1}">
-                  <asvg:svgBlip xmlns:asvg="http://schemas.microsoft.com/office/drawing/2016/SVG/main" r:embed="rId8"/>
-                </a:ext>
-              </a:extLst>
-            </a:blip>
-            <a:stretch>
-              <a:fillRect/>
-            </a:stretch>
-          </p:blipFill>
-          <p:spPr>
-            <a:xfrm>
-              <a:off x="3823097" y="3917546"/>
-              <a:ext cx="722153" cy="722153"/>
-            </a:xfrm>
-            <a:prstGeom prst="rect">
-              <a:avLst/>
-            </a:prstGeom>
-          </p:spPr>
-        </p:pic>
-      </p:grpSp>
-      <p:grpSp>
-        <p:nvGrpSpPr>
-          <p:cNvPr id="25" name="Groupe 24">
-            <a:extLst>
-              <a:ext uri="{FF2B5EF4-FFF2-40B4-BE49-F238E27FC236}">
-                <a16:creationId xmlns:a16="http://schemas.microsoft.com/office/drawing/2014/main" id="{1473BFCA-3339-4B0B-4BB5-BC82A073E424}"/>
-              </a:ext>
-            </a:extLst>
-          </p:cNvPr>
-          <p:cNvGrpSpPr/>
-          <p:nvPr/>
-        </p:nvGrpSpPr>
-        <p:grpSpPr>
-          <a:xfrm>
-            <a:off x="9820267" y="329583"/>
-            <a:ext cx="736757" cy="896929"/>
-            <a:chOff x="418605" y="3671742"/>
-            <a:chExt cx="736757" cy="896929"/>
-          </a:xfrm>
-        </p:grpSpPr>
-        <p:pic>
-          <p:nvPicPr>
-            <p:cNvPr id="26" name="Graphique 25" descr="Base de données avec un remplissage uni">
-              <a:extLst>
-                <a:ext uri="{FF2B5EF4-FFF2-40B4-BE49-F238E27FC236}">
-                  <a16:creationId xmlns:a16="http://schemas.microsoft.com/office/drawing/2014/main" id="{ECAC4365-8445-6A22-6882-CD8B9D8213ED}"/>
-                </a:ext>
-              </a:extLst>
-            </p:cNvPr>
-            <p:cNvPicPr>
-              <a:picLocks noChangeAspect="1"/>
-            </p:cNvPicPr>
-            <p:nvPr/>
-          </p:nvPicPr>
-          <p:blipFill>
-            <a:blip r:embed="rId7">
-              <a:extLst>
-                <a:ext uri="{96DAC541-7B7A-43D3-8B79-37D633B846F1}">
-                  <asvg:svgBlip xmlns:asvg="http://schemas.microsoft.com/office/drawing/2016/SVG/main" r:embed="rId9"/>
-                </a:ext>
-              </a:extLst>
-            </a:blip>
-            <a:stretch>
-              <a:fillRect/>
-            </a:stretch>
-          </p:blipFill>
-          <p:spPr>
-            <a:xfrm>
-              <a:off x="433209" y="3846518"/>
-              <a:ext cx="722153" cy="722153"/>
-            </a:xfrm>
-            <a:prstGeom prst="rect">
-              <a:avLst/>
-            </a:prstGeom>
-          </p:spPr>
-        </p:pic>
-        <p:sp>
-          <p:nvSpPr>
-            <p:cNvPr id="27" name="ZoneTexte 26">
-              <a:extLst>
-                <a:ext uri="{FF2B5EF4-FFF2-40B4-BE49-F238E27FC236}">
-                  <a16:creationId xmlns:a16="http://schemas.microsoft.com/office/drawing/2014/main" id="{4FED59BB-3FFB-75BB-AFD2-1A1631C76E54}"/>
-                </a:ext>
-              </a:extLst>
-            </p:cNvPr>
-            <p:cNvSpPr txBox="1"/>
-            <p:nvPr/>
-          </p:nvSpPr>
-          <p:spPr>
-            <a:xfrm>
-              <a:off x="418605" y="3671742"/>
-              <a:ext cx="667170" cy="276999"/>
-            </a:xfrm>
-            <a:prstGeom prst="rect">
-              <a:avLst/>
-            </a:prstGeom>
-            <a:noFill/>
-          </p:spPr>
-          <p:txBody>
-            <a:bodyPr wrap="none" rtlCol="0">
-              <a:spAutoFit/>
-            </a:bodyPr>
-            <a:lstStyle/>
-            <a:p>
-              <a:r>
-                <a:rPr lang="fr-FR" sz="1200" dirty="0">
-                  <a:solidFill>
-                    <a:schemeClr val="accent6">
-                      <a:lumMod val="75000"/>
-                    </a:schemeClr>
-                  </a:solidFill>
-                </a:rPr>
-                <a:t>images</a:t>
-              </a:r>
-            </a:p>
-          </p:txBody>
-        </p:sp>
-      </p:grpSp>
-      <p:grpSp>
-        <p:nvGrpSpPr>
-          <p:cNvPr id="28" name="Groupe 27">
-            <a:extLst>
-              <a:ext uri="{FF2B5EF4-FFF2-40B4-BE49-F238E27FC236}">
-                <a16:creationId xmlns:a16="http://schemas.microsoft.com/office/drawing/2014/main" id="{D150C14D-5B90-4DCE-9F5F-157E8517797E}"/>
-              </a:ext>
-            </a:extLst>
-          </p:cNvPr>
-          <p:cNvGrpSpPr/>
-          <p:nvPr/>
-        </p:nvGrpSpPr>
-        <p:grpSpPr>
-          <a:xfrm>
-            <a:off x="10286479" y="4209582"/>
-            <a:ext cx="865173" cy="884775"/>
-            <a:chOff x="5074635" y="5243008"/>
-            <a:chExt cx="865173" cy="884775"/>
-          </a:xfrm>
-        </p:grpSpPr>
-        <p:pic>
-          <p:nvPicPr>
-            <p:cNvPr id="29" name="Graphique 28" descr="Base de données avec un remplissage uni">
-              <a:extLst>
-                <a:ext uri="{FF2B5EF4-FFF2-40B4-BE49-F238E27FC236}">
-                  <a16:creationId xmlns:a16="http://schemas.microsoft.com/office/drawing/2014/main" id="{78DB0856-3288-477F-ABB0-C3EBD018444B}"/>
-                </a:ext>
-              </a:extLst>
-            </p:cNvPr>
-            <p:cNvPicPr>
-              <a:picLocks noChangeAspect="1"/>
-            </p:cNvPicPr>
-            <p:nvPr/>
-          </p:nvPicPr>
-          <p:blipFill>
-            <a:blip r:embed="rId7">
-              <a:extLst>
-                <a:ext uri="{96DAC541-7B7A-43D3-8B79-37D633B846F1}">
-                  <asvg:svgBlip xmlns:asvg="http://schemas.microsoft.com/office/drawing/2016/SVG/main" r:embed="rId8"/>
-                </a:ext>
-              </a:extLst>
-            </a:blip>
-            <a:stretch>
-              <a:fillRect/>
-            </a:stretch>
-          </p:blipFill>
-          <p:spPr>
-            <a:xfrm>
-              <a:off x="5175691" y="5405630"/>
-              <a:ext cx="722153" cy="722153"/>
-            </a:xfrm>
-            <a:prstGeom prst="rect">
-              <a:avLst/>
-            </a:prstGeom>
-          </p:spPr>
-        </p:pic>
-        <p:sp>
-          <p:nvSpPr>
-            <p:cNvPr id="30" name="ZoneTexte 29">
-              <a:extLst>
-                <a:ext uri="{FF2B5EF4-FFF2-40B4-BE49-F238E27FC236}">
-                  <a16:creationId xmlns:a16="http://schemas.microsoft.com/office/drawing/2014/main" id="{EC689107-55B2-6542-EFA9-4F03011A0D32}"/>
-                </a:ext>
-              </a:extLst>
-            </p:cNvPr>
-            <p:cNvSpPr txBox="1"/>
-            <p:nvPr/>
-          </p:nvSpPr>
-          <p:spPr>
-            <a:xfrm>
-              <a:off x="5074635" y="5243008"/>
-              <a:ext cx="865173" cy="276999"/>
-            </a:xfrm>
-            <a:prstGeom prst="rect">
-              <a:avLst/>
-            </a:prstGeom>
-            <a:noFill/>
-          </p:spPr>
-          <p:txBody>
-            <a:bodyPr wrap="none" rtlCol="0">
-              <a:spAutoFit/>
-            </a:bodyPr>
-            <a:lstStyle/>
-            <a:p>
-              <a:r>
-                <a:rPr lang="fr-FR" sz="1200" dirty="0">
-                  <a:solidFill>
-                    <a:schemeClr val="accent6">
-                      <a:lumMod val="75000"/>
-                    </a:schemeClr>
-                  </a:solidFill>
-                </a:rPr>
-                <a:t>Train data</a:t>
-              </a:r>
-            </a:p>
-          </p:txBody>
-        </p:sp>
-      </p:grpSp>
-      <p:grpSp>
-        <p:nvGrpSpPr>
-          <p:cNvPr id="31" name="Groupe 30">
-            <a:extLst>
-              <a:ext uri="{FF2B5EF4-FFF2-40B4-BE49-F238E27FC236}">
-                <a16:creationId xmlns:a16="http://schemas.microsoft.com/office/drawing/2014/main" id="{5698F6D0-4A71-CD9D-6F3D-064C40CF9500}"/>
-              </a:ext>
-            </a:extLst>
-          </p:cNvPr>
-          <p:cNvGrpSpPr/>
-          <p:nvPr/>
-        </p:nvGrpSpPr>
-        <p:grpSpPr>
-          <a:xfrm>
-            <a:off x="11543723" y="5163778"/>
-            <a:ext cx="722153" cy="943256"/>
-            <a:chOff x="7742702" y="3541388"/>
-            <a:chExt cx="722153" cy="943256"/>
-          </a:xfrm>
-        </p:grpSpPr>
-        <p:pic>
-          <p:nvPicPr>
-            <p:cNvPr id="32" name="Graphique 31" descr="Base de données avec un remplissage uni">
-              <a:extLst>
-                <a:ext uri="{FF2B5EF4-FFF2-40B4-BE49-F238E27FC236}">
-                  <a16:creationId xmlns:a16="http://schemas.microsoft.com/office/drawing/2014/main" id="{1AA52FED-334F-517C-4D73-A2B65CC46145}"/>
-                </a:ext>
-              </a:extLst>
-            </p:cNvPr>
-            <p:cNvPicPr>
-              <a:picLocks noChangeAspect="1"/>
-            </p:cNvPicPr>
-            <p:nvPr/>
-          </p:nvPicPr>
-          <p:blipFill>
-            <a:blip r:embed="rId7">
-              <a:extLst>
-                <a:ext uri="{96DAC541-7B7A-43D3-8B79-37D633B846F1}">
-                  <asvg:svgBlip xmlns:asvg="http://schemas.microsoft.com/office/drawing/2016/SVG/main" r:embed="rId8"/>
-                </a:ext>
-              </a:extLst>
-            </a:blip>
-            <a:stretch>
-              <a:fillRect/>
-            </a:stretch>
-          </p:blipFill>
-          <p:spPr>
-            <a:xfrm>
-              <a:off x="7742702" y="3762491"/>
-              <a:ext cx="722153" cy="722153"/>
-            </a:xfrm>
-            <a:prstGeom prst="rect">
-              <a:avLst/>
-            </a:prstGeom>
-          </p:spPr>
-        </p:pic>
-        <p:sp>
-          <p:nvSpPr>
-            <p:cNvPr id="33" name="ZoneTexte 32">
-              <a:extLst>
-                <a:ext uri="{FF2B5EF4-FFF2-40B4-BE49-F238E27FC236}">
-                  <a16:creationId xmlns:a16="http://schemas.microsoft.com/office/drawing/2014/main" id="{72786D1A-DD60-D1D1-58CA-F98BF4E7C730}"/>
-                </a:ext>
-              </a:extLst>
-            </p:cNvPr>
-            <p:cNvSpPr txBox="1"/>
-            <p:nvPr/>
-          </p:nvSpPr>
-          <p:spPr>
-            <a:xfrm>
-              <a:off x="7763512" y="3541388"/>
-              <a:ext cx="596253" cy="276999"/>
-            </a:xfrm>
-            <a:prstGeom prst="rect">
-              <a:avLst/>
-            </a:prstGeom>
-            <a:noFill/>
-          </p:spPr>
-          <p:txBody>
-            <a:bodyPr wrap="none" rtlCol="0">
-              <a:spAutoFit/>
-            </a:bodyPr>
-            <a:lstStyle/>
-            <a:p>
-              <a:r>
-                <a:rPr lang="fr-FR" sz="1200" dirty="0">
-                  <a:solidFill>
-                    <a:schemeClr val="accent6">
-                      <a:lumMod val="75000"/>
-                    </a:schemeClr>
-                  </a:solidFill>
-                </a:rPr>
-                <a:t>Model</a:t>
-              </a:r>
-            </a:p>
-          </p:txBody>
-        </p:sp>
-      </p:grpSp>
-      <p:grpSp>
-        <p:nvGrpSpPr>
-          <p:cNvPr id="34" name="Groupe 33">
-            <a:extLst>
-              <a:ext uri="{FF2B5EF4-FFF2-40B4-BE49-F238E27FC236}">
-                <a16:creationId xmlns:a16="http://schemas.microsoft.com/office/drawing/2014/main" id="{83C62F6B-04BA-8E02-89E0-A1C3B9B4CF20}"/>
-              </a:ext>
-            </a:extLst>
-          </p:cNvPr>
-          <p:cNvGrpSpPr/>
-          <p:nvPr/>
-        </p:nvGrpSpPr>
-        <p:grpSpPr>
-          <a:xfrm>
-            <a:off x="8959415" y="5942687"/>
-            <a:ext cx="722153" cy="979233"/>
-            <a:chOff x="9474411" y="3573862"/>
-            <a:chExt cx="722153" cy="979233"/>
-          </a:xfrm>
-        </p:grpSpPr>
-        <p:pic>
-          <p:nvPicPr>
-            <p:cNvPr id="35" name="Graphique 34" descr="Base de données avec un remplissage uni">
-              <a:extLst>
-                <a:ext uri="{FF2B5EF4-FFF2-40B4-BE49-F238E27FC236}">
-                  <a16:creationId xmlns:a16="http://schemas.microsoft.com/office/drawing/2014/main" id="{19897385-430E-7803-E51D-DB9D7A7E67F9}"/>
-                </a:ext>
-              </a:extLst>
-            </p:cNvPr>
-            <p:cNvPicPr>
-              <a:picLocks noChangeAspect="1"/>
-            </p:cNvPicPr>
-            <p:nvPr/>
-          </p:nvPicPr>
-          <p:blipFill>
-            <a:blip r:embed="rId7">
-              <a:extLst>
-                <a:ext uri="{96DAC541-7B7A-43D3-8B79-37D633B846F1}">
-                  <asvg:svgBlip xmlns:asvg="http://schemas.microsoft.com/office/drawing/2016/SVG/main" r:embed="rId8"/>
-                </a:ext>
-              </a:extLst>
-            </a:blip>
-            <a:stretch>
-              <a:fillRect/>
-            </a:stretch>
-          </p:blipFill>
-          <p:spPr>
-            <a:xfrm>
-              <a:off x="9474411" y="3830942"/>
-              <a:ext cx="722153" cy="722153"/>
-            </a:xfrm>
-            <a:prstGeom prst="rect">
-              <a:avLst/>
-            </a:prstGeom>
-          </p:spPr>
-        </p:pic>
-        <p:sp>
-          <p:nvSpPr>
-            <p:cNvPr id="36" name="ZoneTexte 35">
-              <a:extLst>
-                <a:ext uri="{FF2B5EF4-FFF2-40B4-BE49-F238E27FC236}">
-                  <a16:creationId xmlns:a16="http://schemas.microsoft.com/office/drawing/2014/main" id="{6ACCEF71-4188-E1F9-BF4A-47AA93144002}"/>
-                </a:ext>
-              </a:extLst>
-            </p:cNvPr>
-            <p:cNvSpPr txBox="1"/>
-            <p:nvPr/>
-          </p:nvSpPr>
-          <p:spPr>
-            <a:xfrm>
-              <a:off x="9502126" y="3573862"/>
-              <a:ext cx="672428" cy="276999"/>
-            </a:xfrm>
-            <a:prstGeom prst="rect">
-              <a:avLst/>
-            </a:prstGeom>
-            <a:noFill/>
-          </p:spPr>
-          <p:txBody>
-            <a:bodyPr wrap="none" rtlCol="0">
-              <a:spAutoFit/>
-            </a:bodyPr>
-            <a:lstStyle/>
-            <a:p>
-              <a:r>
-                <a:rPr lang="fr-FR" sz="1200" dirty="0" err="1">
-                  <a:solidFill>
-                    <a:schemeClr val="accent6">
-                      <a:lumMod val="75000"/>
-                    </a:schemeClr>
-                  </a:solidFill>
-                </a:rPr>
-                <a:t>Metrics</a:t>
-              </a:r>
-              <a:endParaRPr lang="fr-FR" sz="1200" dirty="0">
-                <a:solidFill>
-                  <a:schemeClr val="accent6">
-                    <a:lumMod val="75000"/>
-                  </a:schemeClr>
-                </a:solidFill>
-              </a:endParaRPr>
-            </a:p>
-          </p:txBody>
-        </p:sp>
-      </p:grpSp>
-      <p:grpSp>
-        <p:nvGrpSpPr>
-          <p:cNvPr id="37" name="Groupe 36">
-            <a:extLst>
-              <a:ext uri="{FF2B5EF4-FFF2-40B4-BE49-F238E27FC236}">
-                <a16:creationId xmlns:a16="http://schemas.microsoft.com/office/drawing/2014/main" id="{DCAD0582-F1A1-9BF5-2162-5F8968EA75AB}"/>
-              </a:ext>
-            </a:extLst>
-          </p:cNvPr>
-          <p:cNvGrpSpPr/>
-          <p:nvPr/>
-        </p:nvGrpSpPr>
-        <p:grpSpPr>
-          <a:xfrm>
-            <a:off x="9106953" y="4614344"/>
-            <a:ext cx="804195" cy="936230"/>
-            <a:chOff x="5075960" y="5451419"/>
-            <a:chExt cx="804195" cy="936230"/>
-          </a:xfrm>
-        </p:grpSpPr>
-        <p:pic>
-          <p:nvPicPr>
-            <p:cNvPr id="38" name="Graphique 37" descr="Base de données avec un remplissage uni">
-              <a:extLst>
-                <a:ext uri="{FF2B5EF4-FFF2-40B4-BE49-F238E27FC236}">
-                  <a16:creationId xmlns:a16="http://schemas.microsoft.com/office/drawing/2014/main" id="{0CE6DA26-C592-43C9-4E6E-40DE036FA1AD}"/>
-                </a:ext>
-              </a:extLst>
-            </p:cNvPr>
-            <p:cNvPicPr>
-              <a:picLocks noChangeAspect="1"/>
-            </p:cNvPicPr>
-            <p:nvPr/>
-          </p:nvPicPr>
-          <p:blipFill>
-            <a:blip r:embed="rId7">
-              <a:extLst>
-                <a:ext uri="{96DAC541-7B7A-43D3-8B79-37D633B846F1}">
-                  <asvg:svgBlip xmlns:asvg="http://schemas.microsoft.com/office/drawing/2016/SVG/main" r:embed="rId8"/>
-                </a:ext>
-              </a:extLst>
-            </a:blip>
-            <a:stretch>
-              <a:fillRect/>
-            </a:stretch>
-          </p:blipFill>
-          <p:spPr>
-            <a:xfrm>
-              <a:off x="5151298" y="5665496"/>
-              <a:ext cx="722153" cy="722153"/>
-            </a:xfrm>
-            <a:prstGeom prst="rect">
-              <a:avLst/>
-            </a:prstGeom>
-          </p:spPr>
-        </p:pic>
-        <p:sp>
-          <p:nvSpPr>
-            <p:cNvPr id="39" name="ZoneTexte 38">
-              <a:extLst>
-                <a:ext uri="{FF2B5EF4-FFF2-40B4-BE49-F238E27FC236}">
-                  <a16:creationId xmlns:a16="http://schemas.microsoft.com/office/drawing/2014/main" id="{30A5AE36-18F6-04FF-E42A-934F34DB6D48}"/>
-                </a:ext>
-              </a:extLst>
-            </p:cNvPr>
-            <p:cNvSpPr txBox="1"/>
-            <p:nvPr/>
-          </p:nvSpPr>
-          <p:spPr>
-            <a:xfrm>
-              <a:off x="5075960" y="5451419"/>
-              <a:ext cx="804195" cy="276999"/>
-            </a:xfrm>
-            <a:prstGeom prst="rect">
-              <a:avLst/>
-            </a:prstGeom>
-            <a:noFill/>
-          </p:spPr>
-          <p:txBody>
-            <a:bodyPr wrap="none" rtlCol="0">
-              <a:spAutoFit/>
-            </a:bodyPr>
-            <a:lstStyle/>
-            <a:p>
-              <a:r>
-                <a:rPr lang="fr-FR" sz="1200" dirty="0">
-                  <a:solidFill>
-                    <a:schemeClr val="accent6">
-                      <a:lumMod val="75000"/>
-                    </a:schemeClr>
-                  </a:solidFill>
-                </a:rPr>
-                <a:t>Test data</a:t>
-              </a:r>
-            </a:p>
-          </p:txBody>
-        </p:sp>
-      </p:grpSp>
-      <p:grpSp>
-        <p:nvGrpSpPr>
-          <p:cNvPr id="40" name="Groupe 39">
-            <a:extLst>
-              <a:ext uri="{FF2B5EF4-FFF2-40B4-BE49-F238E27FC236}">
-                <a16:creationId xmlns:a16="http://schemas.microsoft.com/office/drawing/2014/main" id="{4BD7082C-56E7-BBB4-847B-EBD2A36BCBB6}"/>
-              </a:ext>
-            </a:extLst>
-          </p:cNvPr>
-          <p:cNvGrpSpPr/>
-          <p:nvPr/>
-        </p:nvGrpSpPr>
-        <p:grpSpPr>
-          <a:xfrm>
-            <a:off x="11454268" y="4093666"/>
-            <a:ext cx="837602" cy="919381"/>
-            <a:chOff x="5074636" y="5208402"/>
-            <a:chExt cx="837602" cy="919381"/>
-          </a:xfrm>
-        </p:grpSpPr>
-        <p:pic>
-          <p:nvPicPr>
-            <p:cNvPr id="41" name="Graphique 40" descr="Base de données avec un remplissage uni">
-              <a:extLst>
-                <a:ext uri="{FF2B5EF4-FFF2-40B4-BE49-F238E27FC236}">
-                  <a16:creationId xmlns:a16="http://schemas.microsoft.com/office/drawing/2014/main" id="{FA0CDBCA-EC47-830B-5192-CD37FA086BA7}"/>
-                </a:ext>
-              </a:extLst>
-            </p:cNvPr>
-            <p:cNvPicPr>
-              <a:picLocks noChangeAspect="1"/>
-            </p:cNvPicPr>
-            <p:nvPr/>
-          </p:nvPicPr>
-          <p:blipFill>
-            <a:blip r:embed="rId7">
-              <a:extLst>
-                <a:ext uri="{96DAC541-7B7A-43D3-8B79-37D633B846F1}">
-                  <asvg:svgBlip xmlns:asvg="http://schemas.microsoft.com/office/drawing/2016/SVG/main" r:embed="rId8"/>
-                </a:ext>
-              </a:extLst>
-            </a:blip>
-            <a:stretch>
-              <a:fillRect/>
-            </a:stretch>
-          </p:blipFill>
-          <p:spPr>
-            <a:xfrm>
-              <a:off x="5175691" y="5405630"/>
-              <a:ext cx="722153" cy="722153"/>
-            </a:xfrm>
-            <a:prstGeom prst="rect">
-              <a:avLst/>
-            </a:prstGeom>
-          </p:spPr>
-        </p:pic>
-        <p:sp>
-          <p:nvSpPr>
-            <p:cNvPr id="42" name="ZoneTexte 41">
-              <a:extLst>
-                <a:ext uri="{FF2B5EF4-FFF2-40B4-BE49-F238E27FC236}">
-                  <a16:creationId xmlns:a16="http://schemas.microsoft.com/office/drawing/2014/main" id="{3EF40398-B86A-0A45-2C15-758AE4400023}"/>
-                </a:ext>
-              </a:extLst>
-            </p:cNvPr>
-            <p:cNvSpPr txBox="1"/>
-            <p:nvPr/>
-          </p:nvSpPr>
-          <p:spPr>
-            <a:xfrm>
-              <a:off x="5074636" y="5208402"/>
-              <a:ext cx="837602" cy="276999"/>
-            </a:xfrm>
-            <a:prstGeom prst="rect">
-              <a:avLst/>
-            </a:prstGeom>
-            <a:noFill/>
-          </p:spPr>
-          <p:txBody>
-            <a:bodyPr wrap="none" rtlCol="0">
-              <a:spAutoFit/>
-            </a:bodyPr>
-            <a:lstStyle/>
-            <a:p>
-              <a:r>
-                <a:rPr lang="fr-FR" sz="1200" dirty="0" err="1">
-                  <a:solidFill>
-                    <a:schemeClr val="accent6">
-                      <a:lumMod val="75000"/>
-                    </a:schemeClr>
-                  </a:solidFill>
-                </a:rPr>
-                <a:t>Vectorizer</a:t>
-              </a:r>
-              <a:endParaRPr lang="fr-FR" sz="1200" dirty="0">
-                <a:solidFill>
-                  <a:schemeClr val="accent6">
-                    <a:lumMod val="75000"/>
-                  </a:schemeClr>
-                </a:solidFill>
-              </a:endParaRPr>
-            </a:p>
-          </p:txBody>
-        </p:sp>
-      </p:grpSp>
-      <p:grpSp>
-        <p:nvGrpSpPr>
-          <p:cNvPr id="43" name="Groupe 42">
-            <a:extLst>
-              <a:ext uri="{FF2B5EF4-FFF2-40B4-BE49-F238E27FC236}">
-                <a16:creationId xmlns:a16="http://schemas.microsoft.com/office/drawing/2014/main" id="{25E5F32D-3132-E937-BD07-34B479C84C66}"/>
-              </a:ext>
-            </a:extLst>
-          </p:cNvPr>
-          <p:cNvGrpSpPr/>
-          <p:nvPr/>
-        </p:nvGrpSpPr>
-        <p:grpSpPr>
-          <a:xfrm>
-            <a:off x="9783410" y="2597667"/>
-            <a:ext cx="947760" cy="912376"/>
-            <a:chOff x="3619236" y="3678454"/>
-            <a:chExt cx="947760" cy="912376"/>
-          </a:xfrm>
-        </p:grpSpPr>
-        <p:sp>
-          <p:nvSpPr>
-            <p:cNvPr id="44" name="ZoneTexte 43">
-              <a:extLst>
-                <a:ext uri="{FF2B5EF4-FFF2-40B4-BE49-F238E27FC236}">
-                  <a16:creationId xmlns:a16="http://schemas.microsoft.com/office/drawing/2014/main" id="{90770276-AE71-1A54-ABD4-968AF8DA73B6}"/>
-                </a:ext>
-              </a:extLst>
-            </p:cNvPr>
-            <p:cNvSpPr txBox="1"/>
-            <p:nvPr/>
-          </p:nvSpPr>
-          <p:spPr>
-            <a:xfrm>
-              <a:off x="3619236" y="3678454"/>
-              <a:ext cx="947760" cy="276999"/>
-            </a:xfrm>
-            <a:prstGeom prst="rect">
-              <a:avLst/>
-            </a:prstGeom>
-            <a:solidFill>
-              <a:schemeClr val="bg1"/>
-            </a:solidFill>
-          </p:spPr>
-          <p:txBody>
-            <a:bodyPr wrap="none" rtlCol="0">
-              <a:spAutoFit/>
-            </a:bodyPr>
-            <a:lstStyle/>
-            <a:p>
-              <a:r>
-                <a:rPr lang="fr-FR" sz="1200" dirty="0" err="1">
-                  <a:solidFill>
-                    <a:schemeClr val="accent6">
-                      <a:lumMod val="75000"/>
-                    </a:schemeClr>
-                  </a:solidFill>
-                </a:rPr>
-                <a:t>Cleaned</a:t>
-              </a:r>
-              <a:r>
-                <a:rPr lang="fr-FR" sz="1200" dirty="0">
-                  <a:solidFill>
-                    <a:schemeClr val="accent6">
-                      <a:lumMod val="75000"/>
-                    </a:schemeClr>
-                  </a:solidFill>
-                </a:rPr>
-                <a:t> txt</a:t>
-              </a:r>
-            </a:p>
-          </p:txBody>
-        </p:sp>
-        <p:pic>
-          <p:nvPicPr>
-            <p:cNvPr id="45" name="Graphique 44" descr="Base de données avec un remplissage uni">
-              <a:extLst>
-                <a:ext uri="{FF2B5EF4-FFF2-40B4-BE49-F238E27FC236}">
-                  <a16:creationId xmlns:a16="http://schemas.microsoft.com/office/drawing/2014/main" id="{F17238C7-9B9F-CAC0-89A1-EB76A44CB10F}"/>
-                </a:ext>
-              </a:extLst>
-            </p:cNvPr>
-            <p:cNvPicPr>
-              <a:picLocks noChangeAspect="1"/>
-            </p:cNvPicPr>
-            <p:nvPr/>
-          </p:nvPicPr>
-          <p:blipFill>
-            <a:blip r:embed="rId7">
-              <a:extLst>
-                <a:ext uri="{96DAC541-7B7A-43D3-8B79-37D633B846F1}">
-                  <asvg:svgBlip xmlns:asvg="http://schemas.microsoft.com/office/drawing/2016/SVG/main" r:embed="rId8"/>
-                </a:ext>
-              </a:extLst>
-            </a:blip>
-            <a:stretch>
-              <a:fillRect/>
-            </a:stretch>
-          </p:blipFill>
-          <p:spPr>
-            <a:xfrm>
-              <a:off x="3732039" y="3868677"/>
-              <a:ext cx="722153" cy="722153"/>
             </a:xfrm>
             <a:prstGeom prst="rect">
               <a:avLst/>
@@ -25403,10 +25883,1819 @@
   <p:clrMapOvr>
     <a:masterClrMapping/>
   </p:clrMapOvr>
+  <p:timing>
+    <p:tnLst>
+      <p:par>
+        <p:cTn id="1" dur="indefinite" restart="never" nodeType="tmRoot">
+          <p:childTnLst>
+            <p:seq concurrent="1" nextAc="seek">
+              <p:cTn id="2" dur="indefinite" nodeType="mainSeq">
+                <p:childTnLst>
+                  <p:par>
+                    <p:cTn id="3" fill="hold">
+                      <p:stCondLst>
+                        <p:cond delay="indefinite"/>
+                      </p:stCondLst>
+                      <p:childTnLst>
+                        <p:par>
+                          <p:cTn id="4" fill="hold">
+                            <p:stCondLst>
+                              <p:cond delay="0"/>
+                            </p:stCondLst>
+                            <p:childTnLst>
+                              <p:par>
+                                <p:cTn id="5" presetID="1" presetClass="entr" presetSubtype="0" fill="hold" nodeType="clickEffect">
+                                  <p:stCondLst>
+                                    <p:cond delay="0"/>
+                                  </p:stCondLst>
+                                  <p:childTnLst>
+                                    <p:set>
+                                      <p:cBhvr>
+                                        <p:cTn id="6" dur="1" fill="hold">
+                                          <p:stCondLst>
+                                            <p:cond delay="0"/>
+                                          </p:stCondLst>
+                                        </p:cTn>
+                                        <p:tgtEl>
+                                          <p:spTgt spid="14"/>
+                                        </p:tgtEl>
+                                        <p:attrNameLst>
+                                          <p:attrName>style.visibility</p:attrName>
+                                        </p:attrNameLst>
+                                      </p:cBhvr>
+                                      <p:to>
+                                        <p:strVal val="visible"/>
+                                      </p:to>
+                                    </p:set>
+                                  </p:childTnLst>
+                                </p:cTn>
+                              </p:par>
+                            </p:childTnLst>
+                          </p:cTn>
+                        </p:par>
+                      </p:childTnLst>
+                    </p:cTn>
+                  </p:par>
+                  <p:par>
+                    <p:cTn id="7" fill="hold">
+                      <p:stCondLst>
+                        <p:cond delay="indefinite"/>
+                      </p:stCondLst>
+                      <p:childTnLst>
+                        <p:par>
+                          <p:cTn id="8" fill="hold">
+                            <p:stCondLst>
+                              <p:cond delay="0"/>
+                            </p:stCondLst>
+                            <p:childTnLst>
+                              <p:par>
+                                <p:cTn id="9" presetID="1" presetClass="entr" presetSubtype="0" fill="hold" nodeType="clickEffect">
+                                  <p:stCondLst>
+                                    <p:cond delay="0"/>
+                                  </p:stCondLst>
+                                  <p:childTnLst>
+                                    <p:set>
+                                      <p:cBhvr>
+                                        <p:cTn id="10" dur="1" fill="hold">
+                                          <p:stCondLst>
+                                            <p:cond delay="0"/>
+                                          </p:stCondLst>
+                                        </p:cTn>
+                                        <p:tgtEl>
+                                          <p:spTgt spid="6">
+                                            <p:txEl>
+                                              <p:pRg st="6" end="6"/>
+                                            </p:txEl>
+                                          </p:spTgt>
+                                        </p:tgtEl>
+                                        <p:attrNameLst>
+                                          <p:attrName>style.visibility</p:attrName>
+                                        </p:attrNameLst>
+                                      </p:cBhvr>
+                                      <p:to>
+                                        <p:strVal val="visible"/>
+                                      </p:to>
+                                    </p:set>
+                                  </p:childTnLst>
+                                </p:cTn>
+                              </p:par>
+                              <p:par>
+                                <p:cTn id="11" presetID="1" presetClass="entr" presetSubtype="0" fill="hold" nodeType="withEffect">
+                                  <p:stCondLst>
+                                    <p:cond delay="0"/>
+                                  </p:stCondLst>
+                                  <p:childTnLst>
+                                    <p:set>
+                                      <p:cBhvr>
+                                        <p:cTn id="12" dur="1" fill="hold">
+                                          <p:stCondLst>
+                                            <p:cond delay="0"/>
+                                          </p:stCondLst>
+                                        </p:cTn>
+                                        <p:tgtEl>
+                                          <p:spTgt spid="6">
+                                            <p:txEl>
+                                              <p:pRg st="7" end="7"/>
+                                            </p:txEl>
+                                          </p:spTgt>
+                                        </p:tgtEl>
+                                        <p:attrNameLst>
+                                          <p:attrName>style.visibility</p:attrName>
+                                        </p:attrNameLst>
+                                      </p:cBhvr>
+                                      <p:to>
+                                        <p:strVal val="visible"/>
+                                      </p:to>
+                                    </p:set>
+                                  </p:childTnLst>
+                                </p:cTn>
+                              </p:par>
+                            </p:childTnLst>
+                          </p:cTn>
+                        </p:par>
+                      </p:childTnLst>
+                    </p:cTn>
+                  </p:par>
+                  <p:par>
+                    <p:cTn id="13" fill="hold">
+                      <p:stCondLst>
+                        <p:cond delay="indefinite"/>
+                      </p:stCondLst>
+                      <p:childTnLst>
+                        <p:par>
+                          <p:cTn id="14" fill="hold">
+                            <p:stCondLst>
+                              <p:cond delay="0"/>
+                            </p:stCondLst>
+                            <p:childTnLst>
+                              <p:par>
+                                <p:cTn id="15" presetID="1" presetClass="entr" presetSubtype="0" fill="hold" nodeType="clickEffect">
+                                  <p:stCondLst>
+                                    <p:cond delay="0"/>
+                                  </p:stCondLst>
+                                  <p:childTnLst>
+                                    <p:set>
+                                      <p:cBhvr>
+                                        <p:cTn id="16" dur="1" fill="hold">
+                                          <p:stCondLst>
+                                            <p:cond delay="0"/>
+                                          </p:stCondLst>
+                                        </p:cTn>
+                                        <p:tgtEl>
+                                          <p:spTgt spid="18"/>
+                                        </p:tgtEl>
+                                        <p:attrNameLst>
+                                          <p:attrName>style.visibility</p:attrName>
+                                        </p:attrNameLst>
+                                      </p:cBhvr>
+                                      <p:to>
+                                        <p:strVal val="visible"/>
+                                      </p:to>
+                                    </p:set>
+                                  </p:childTnLst>
+                                </p:cTn>
+                              </p:par>
+                            </p:childTnLst>
+                          </p:cTn>
+                        </p:par>
+                      </p:childTnLst>
+                    </p:cTn>
+                  </p:par>
+                  <p:par>
+                    <p:cTn id="17" fill="hold">
+                      <p:stCondLst>
+                        <p:cond delay="indefinite"/>
+                      </p:stCondLst>
+                      <p:childTnLst>
+                        <p:par>
+                          <p:cTn id="18" fill="hold">
+                            <p:stCondLst>
+                              <p:cond delay="0"/>
+                            </p:stCondLst>
+                            <p:childTnLst>
+                              <p:par>
+                                <p:cTn id="19" presetID="1" presetClass="entr" presetSubtype="0" fill="hold" nodeType="clickEffect">
+                                  <p:stCondLst>
+                                    <p:cond delay="0"/>
+                                  </p:stCondLst>
+                                  <p:childTnLst>
+                                    <p:set>
+                                      <p:cBhvr>
+                                        <p:cTn id="20" dur="1" fill="hold">
+                                          <p:stCondLst>
+                                            <p:cond delay="0"/>
+                                          </p:stCondLst>
+                                        </p:cTn>
+                                        <p:tgtEl>
+                                          <p:spTgt spid="6">
+                                            <p:txEl>
+                                              <p:pRg st="8" end="8"/>
+                                            </p:txEl>
+                                          </p:spTgt>
+                                        </p:tgtEl>
+                                        <p:attrNameLst>
+                                          <p:attrName>style.visibility</p:attrName>
+                                        </p:attrNameLst>
+                                      </p:cBhvr>
+                                      <p:to>
+                                        <p:strVal val="visible"/>
+                                      </p:to>
+                                    </p:set>
+                                  </p:childTnLst>
+                                </p:cTn>
+                              </p:par>
+                              <p:par>
+                                <p:cTn id="21" presetID="1" presetClass="entr" presetSubtype="0" fill="hold" nodeType="withEffect">
+                                  <p:stCondLst>
+                                    <p:cond delay="0"/>
+                                  </p:stCondLst>
+                                  <p:childTnLst>
+                                    <p:set>
+                                      <p:cBhvr>
+                                        <p:cTn id="22" dur="1" fill="hold">
+                                          <p:stCondLst>
+                                            <p:cond delay="0"/>
+                                          </p:stCondLst>
+                                        </p:cTn>
+                                        <p:tgtEl>
+                                          <p:spTgt spid="51"/>
+                                        </p:tgtEl>
+                                        <p:attrNameLst>
+                                          <p:attrName>style.visibility</p:attrName>
+                                        </p:attrNameLst>
+                                      </p:cBhvr>
+                                      <p:to>
+                                        <p:strVal val="visible"/>
+                                      </p:to>
+                                    </p:set>
+                                  </p:childTnLst>
+                                </p:cTn>
+                              </p:par>
+                              <p:par>
+                                <p:cTn id="23" presetID="1" presetClass="entr" presetSubtype="0" fill="hold" nodeType="withEffect">
+                                  <p:stCondLst>
+                                    <p:cond delay="0"/>
+                                  </p:stCondLst>
+                                  <p:childTnLst>
+                                    <p:set>
+                                      <p:cBhvr>
+                                        <p:cTn id="24" dur="1" fill="hold">
+                                          <p:stCondLst>
+                                            <p:cond delay="0"/>
+                                          </p:stCondLst>
+                                        </p:cTn>
+                                        <p:tgtEl>
+                                          <p:spTgt spid="11"/>
+                                        </p:tgtEl>
+                                        <p:attrNameLst>
+                                          <p:attrName>style.visibility</p:attrName>
+                                        </p:attrNameLst>
+                                      </p:cBhvr>
+                                      <p:to>
+                                        <p:strVal val="visible"/>
+                                      </p:to>
+                                    </p:set>
+                                  </p:childTnLst>
+                                </p:cTn>
+                              </p:par>
+                              <p:par>
+                                <p:cTn id="25" presetID="1" presetClass="entr" presetSubtype="0" fill="hold" nodeType="withEffect">
+                                  <p:stCondLst>
+                                    <p:cond delay="0"/>
+                                  </p:stCondLst>
+                                  <p:childTnLst>
+                                    <p:set>
+                                      <p:cBhvr>
+                                        <p:cTn id="26" dur="1" fill="hold">
+                                          <p:stCondLst>
+                                            <p:cond delay="0"/>
+                                          </p:stCondLst>
+                                        </p:cTn>
+                                        <p:tgtEl>
+                                          <p:spTgt spid="61"/>
+                                        </p:tgtEl>
+                                        <p:attrNameLst>
+                                          <p:attrName>style.visibility</p:attrName>
+                                        </p:attrNameLst>
+                                      </p:cBhvr>
+                                      <p:to>
+                                        <p:strVal val="visible"/>
+                                      </p:to>
+                                    </p:set>
+                                  </p:childTnLst>
+                                </p:cTn>
+                              </p:par>
+                              <p:par>
+                                <p:cTn id="27" presetID="1" presetClass="entr" presetSubtype="0" fill="hold" nodeType="withEffect">
+                                  <p:stCondLst>
+                                    <p:cond delay="0"/>
+                                  </p:stCondLst>
+                                  <p:childTnLst>
+                                    <p:set>
+                                      <p:cBhvr>
+                                        <p:cTn id="28" dur="1" fill="hold">
+                                          <p:stCondLst>
+                                            <p:cond delay="0"/>
+                                          </p:stCondLst>
+                                        </p:cTn>
+                                        <p:tgtEl>
+                                          <p:spTgt spid="54"/>
+                                        </p:tgtEl>
+                                        <p:attrNameLst>
+                                          <p:attrName>style.visibility</p:attrName>
+                                        </p:attrNameLst>
+                                      </p:cBhvr>
+                                      <p:to>
+                                        <p:strVal val="visible"/>
+                                      </p:to>
+                                    </p:set>
+                                  </p:childTnLst>
+                                </p:cTn>
+                              </p:par>
+                              <p:par>
+                                <p:cTn id="29" presetID="1" presetClass="entr" presetSubtype="0" fill="hold" nodeType="withEffect">
+                                  <p:stCondLst>
+                                    <p:cond delay="0"/>
+                                  </p:stCondLst>
+                                  <p:childTnLst>
+                                    <p:set>
+                                      <p:cBhvr>
+                                        <p:cTn id="30" dur="1" fill="hold">
+                                          <p:stCondLst>
+                                            <p:cond delay="0"/>
+                                          </p:stCondLst>
+                                        </p:cTn>
+                                        <p:tgtEl>
+                                          <p:spTgt spid="58"/>
+                                        </p:tgtEl>
+                                        <p:attrNameLst>
+                                          <p:attrName>style.visibility</p:attrName>
+                                        </p:attrNameLst>
+                                      </p:cBhvr>
+                                      <p:to>
+                                        <p:strVal val="visible"/>
+                                      </p:to>
+                                    </p:set>
+                                  </p:childTnLst>
+                                </p:cTn>
+                              </p:par>
+                            </p:childTnLst>
+                          </p:cTn>
+                        </p:par>
+                      </p:childTnLst>
+                    </p:cTn>
+                  </p:par>
+                  <p:par>
+                    <p:cTn id="31" fill="hold">
+                      <p:stCondLst>
+                        <p:cond delay="indefinite"/>
+                      </p:stCondLst>
+                      <p:childTnLst>
+                        <p:par>
+                          <p:cTn id="32" fill="hold">
+                            <p:stCondLst>
+                              <p:cond delay="0"/>
+                            </p:stCondLst>
+                            <p:childTnLst>
+                              <p:par>
+                                <p:cTn id="33" presetID="1" presetClass="entr" presetSubtype="0" fill="hold" nodeType="clickEffect">
+                                  <p:stCondLst>
+                                    <p:cond delay="0"/>
+                                  </p:stCondLst>
+                                  <p:childTnLst>
+                                    <p:set>
+                                      <p:cBhvr>
+                                        <p:cTn id="34" dur="1" fill="hold">
+                                          <p:stCondLst>
+                                            <p:cond delay="0"/>
+                                          </p:stCondLst>
+                                        </p:cTn>
+                                        <p:tgtEl>
+                                          <p:spTgt spid="6">
+                                            <p:txEl>
+                                              <p:pRg st="9" end="9"/>
+                                            </p:txEl>
+                                          </p:spTgt>
+                                        </p:tgtEl>
+                                        <p:attrNameLst>
+                                          <p:attrName>style.visibility</p:attrName>
+                                        </p:attrNameLst>
+                                      </p:cBhvr>
+                                      <p:to>
+                                        <p:strVal val="visible"/>
+                                      </p:to>
+                                    </p:set>
+                                  </p:childTnLst>
+                                </p:cTn>
+                              </p:par>
+                            </p:childTnLst>
+                          </p:cTn>
+                        </p:par>
+                      </p:childTnLst>
+                    </p:cTn>
+                  </p:par>
+                  <p:par>
+                    <p:cTn id="35" fill="hold">
+                      <p:stCondLst>
+                        <p:cond delay="indefinite"/>
+                      </p:stCondLst>
+                      <p:childTnLst>
+                        <p:par>
+                          <p:cTn id="36" fill="hold">
+                            <p:stCondLst>
+                              <p:cond delay="0"/>
+                            </p:stCondLst>
+                            <p:childTnLst>
+                              <p:par>
+                                <p:cTn id="37" presetID="1" presetClass="entr" presetSubtype="0" fill="hold" nodeType="clickEffect">
+                                  <p:stCondLst>
+                                    <p:cond delay="0"/>
+                                  </p:stCondLst>
+                                  <p:childTnLst>
+                                    <p:set>
+                                      <p:cBhvr>
+                                        <p:cTn id="38" dur="1" fill="hold">
+                                          <p:stCondLst>
+                                            <p:cond delay="0"/>
+                                          </p:stCondLst>
+                                        </p:cTn>
+                                        <p:tgtEl>
+                                          <p:spTgt spid="6">
+                                            <p:txEl>
+                                              <p:pRg st="10" end="10"/>
+                                            </p:txEl>
+                                          </p:spTgt>
+                                        </p:tgtEl>
+                                        <p:attrNameLst>
+                                          <p:attrName>style.visibility</p:attrName>
+                                        </p:attrNameLst>
+                                      </p:cBhvr>
+                                      <p:to>
+                                        <p:strVal val="visible"/>
+                                      </p:to>
+                                    </p:set>
+                                  </p:childTnLst>
+                                </p:cTn>
+                              </p:par>
+                              <p:par>
+                                <p:cTn id="39" presetID="1" presetClass="entr" presetSubtype="0" fill="hold" nodeType="withEffect">
+                                  <p:stCondLst>
+                                    <p:cond delay="0"/>
+                                  </p:stCondLst>
+                                  <p:childTnLst>
+                                    <p:set>
+                                      <p:cBhvr>
+                                        <p:cTn id="40" dur="1" fill="hold">
+                                          <p:stCondLst>
+                                            <p:cond delay="0"/>
+                                          </p:stCondLst>
+                                        </p:cTn>
+                                        <p:tgtEl>
+                                          <p:spTgt spid="20"/>
+                                        </p:tgtEl>
+                                        <p:attrNameLst>
+                                          <p:attrName>style.visibility</p:attrName>
+                                        </p:attrNameLst>
+                                      </p:cBhvr>
+                                      <p:to>
+                                        <p:strVal val="visible"/>
+                                      </p:to>
+                                    </p:set>
+                                  </p:childTnLst>
+                                </p:cTn>
+                              </p:par>
+                              <p:par>
+                                <p:cTn id="41" presetID="1" presetClass="entr" presetSubtype="0" fill="hold" nodeType="withEffect">
+                                  <p:stCondLst>
+                                    <p:cond delay="0"/>
+                                  </p:stCondLst>
+                                  <p:childTnLst>
+                                    <p:set>
+                                      <p:cBhvr>
+                                        <p:cTn id="42" dur="1" fill="hold">
+                                          <p:stCondLst>
+                                            <p:cond delay="0"/>
+                                          </p:stCondLst>
+                                        </p:cTn>
+                                        <p:tgtEl>
+                                          <p:spTgt spid="7"/>
+                                        </p:tgtEl>
+                                        <p:attrNameLst>
+                                          <p:attrName>style.visibility</p:attrName>
+                                        </p:attrNameLst>
+                                      </p:cBhvr>
+                                      <p:to>
+                                        <p:strVal val="visible"/>
+                                      </p:to>
+                                    </p:set>
+                                  </p:childTnLst>
+                                </p:cTn>
+                              </p:par>
+                            </p:childTnLst>
+                          </p:cTn>
+                        </p:par>
+                      </p:childTnLst>
+                    </p:cTn>
+                  </p:par>
+                </p:childTnLst>
+              </p:cTn>
+              <p:prevCondLst>
+                <p:cond evt="onPrev" delay="0">
+                  <p:tgtEl>
+                    <p:sldTgt/>
+                  </p:tgtEl>
+                </p:cond>
+              </p:prevCondLst>
+              <p:nextCondLst>
+                <p:cond evt="onNext" delay="0">
+                  <p:tgtEl>
+                    <p:sldTgt/>
+                  </p:tgtEl>
+                </p:cond>
+              </p:nextCondLst>
+            </p:seq>
+          </p:childTnLst>
+        </p:cTn>
+      </p:par>
+    </p:tnLst>
+  </p:timing>
 </p:sld>
 </file>
 
 <file path=ppt/slides/slide4.xml><?xml version="1.0" encoding="utf-8"?>
+<p:sld xmlns:a="http://schemas.openxmlformats.org/drawingml/2006/main" xmlns:r="http://schemas.openxmlformats.org/officeDocument/2006/relationships" xmlns:p="http://schemas.openxmlformats.org/presentationml/2006/main">
+  <p:cSld>
+    <p:spTree>
+      <p:nvGrpSpPr>
+        <p:cNvPr id="1" name="">
+          <a:extLst>
+            <a:ext uri="{FF2B5EF4-FFF2-40B4-BE49-F238E27FC236}">
+              <a16:creationId xmlns:a16="http://schemas.microsoft.com/office/drawing/2014/main" id="{131A0678-82AE-1ECA-1DE7-4D984FCB61E3}"/>
+            </a:ext>
+          </a:extLst>
+        </p:cNvPr>
+        <p:cNvGrpSpPr/>
+        <p:nvPr/>
+      </p:nvGrpSpPr>
+      <p:grpSpPr>
+        <a:xfrm>
+          <a:off x="0" y="0"/>
+          <a:ext cx="0" cy="0"/>
+          <a:chOff x="0" y="0"/>
+          <a:chExt cx="0" cy="0"/>
+        </a:xfrm>
+      </p:grpSpPr>
+      <p:sp>
+        <p:nvSpPr>
+          <p:cNvPr id="2" name="Titre 1">
+            <a:extLst>
+              <a:ext uri="{FF2B5EF4-FFF2-40B4-BE49-F238E27FC236}">
+                <a16:creationId xmlns:a16="http://schemas.microsoft.com/office/drawing/2014/main" id="{04EBA52E-51A0-DDE4-3CD2-824C40CD8514}"/>
+              </a:ext>
+            </a:extLst>
+          </p:cNvPr>
+          <p:cNvSpPr>
+            <a:spLocks noGrp="1"/>
+          </p:cNvSpPr>
+          <p:nvPr>
+            <p:ph type="title"/>
+          </p:nvPr>
+        </p:nvSpPr>
+        <p:spPr>
+          <a:xfrm>
+            <a:off x="838200" y="222062"/>
+            <a:ext cx="10963274" cy="583781"/>
+          </a:xfrm>
+        </p:spPr>
+        <p:txBody>
+          <a:bodyPr/>
+          <a:lstStyle/>
+          <a:p>
+            <a:r>
+              <a:rPr lang="fr-FR" dirty="0"/>
+              <a:t>Cycle de vie du Modèle</a:t>
+            </a:r>
+            <a:endParaRPr lang="en-US" dirty="0"/>
+          </a:p>
+        </p:txBody>
+      </p:sp>
+      <p:sp>
+        <p:nvSpPr>
+          <p:cNvPr id="3" name="Espace réservé de la date 2">
+            <a:extLst>
+              <a:ext uri="{FF2B5EF4-FFF2-40B4-BE49-F238E27FC236}">
+                <a16:creationId xmlns:a16="http://schemas.microsoft.com/office/drawing/2014/main" id="{0CABD475-80FE-0784-3B8C-28518319946F}"/>
+              </a:ext>
+            </a:extLst>
+          </p:cNvPr>
+          <p:cNvSpPr>
+            <a:spLocks noGrp="1"/>
+          </p:cNvSpPr>
+          <p:nvPr>
+            <p:ph type="dt" sz="half" idx="10"/>
+          </p:nvPr>
+        </p:nvSpPr>
+        <p:spPr>
+          <a:xfrm>
+            <a:off x="838200" y="6356350"/>
+            <a:ext cx="2743200" cy="365125"/>
+          </a:xfrm>
+        </p:spPr>
+        <p:txBody>
+          <a:bodyPr/>
+          <a:lstStyle/>
+          <a:p>
+            <a:r>
+              <a:rPr lang="en-US" dirty="0"/>
+              <a:t>2025</a:t>
+            </a:r>
+          </a:p>
+        </p:txBody>
+      </p:sp>
+      <p:sp>
+        <p:nvSpPr>
+          <p:cNvPr id="4" name="Espace réservé du pied de page 3">
+            <a:extLst>
+              <a:ext uri="{FF2B5EF4-FFF2-40B4-BE49-F238E27FC236}">
+                <a16:creationId xmlns:a16="http://schemas.microsoft.com/office/drawing/2014/main" id="{AB03E550-85EA-91CF-F085-F2867D73D187}"/>
+              </a:ext>
+            </a:extLst>
+          </p:cNvPr>
+          <p:cNvSpPr>
+            <a:spLocks noGrp="1"/>
+          </p:cNvSpPr>
+          <p:nvPr>
+            <p:ph type="ftr" sz="quarter" idx="11"/>
+          </p:nvPr>
+        </p:nvSpPr>
+        <p:spPr>
+          <a:xfrm>
+            <a:off x="4038600" y="6356350"/>
+            <a:ext cx="4114800" cy="365125"/>
+          </a:xfrm>
+        </p:spPr>
+        <p:txBody>
+          <a:bodyPr/>
+          <a:lstStyle/>
+          <a:p>
+            <a:r>
+              <a:rPr lang="en-US"/>
+              <a:t>Projet classification de documents</a:t>
+            </a:r>
+            <a:endParaRPr lang="en-US" dirty="0"/>
+          </a:p>
+        </p:txBody>
+      </p:sp>
+      <p:sp>
+        <p:nvSpPr>
+          <p:cNvPr id="6" name="Espace réservé du contenu 5">
+            <a:extLst>
+              <a:ext uri="{FF2B5EF4-FFF2-40B4-BE49-F238E27FC236}">
+                <a16:creationId xmlns:a16="http://schemas.microsoft.com/office/drawing/2014/main" id="{6B7877B6-DAE3-2CAA-0F3E-F48640A3E17A}"/>
+              </a:ext>
+            </a:extLst>
+          </p:cNvPr>
+          <p:cNvSpPr>
+            <a:spLocks noGrp="1"/>
+          </p:cNvSpPr>
+          <p:nvPr>
+            <p:ph sz="quarter" idx="16"/>
+          </p:nvPr>
+        </p:nvSpPr>
+        <p:spPr>
+          <a:xfrm>
+            <a:off x="828773" y="1198563"/>
+            <a:ext cx="10963275" cy="5155078"/>
+          </a:xfrm>
+        </p:spPr>
+        <p:txBody>
+          <a:bodyPr/>
+          <a:lstStyle/>
+          <a:p>
+            <a:r>
+              <a:rPr lang="fr-FR" b="1" u="sng" dirty="0"/>
+              <a:t>Docker TRAINING-Admin-Backend</a:t>
+            </a:r>
+          </a:p>
+          <a:p>
+            <a:pPr lvl="1"/>
+            <a:r>
+              <a:rPr lang="en-US" dirty="0" err="1"/>
+              <a:t>Analyse</a:t>
+            </a:r>
+            <a:r>
+              <a:rPr lang="en-US" dirty="0"/>
+              <a:t> des performances des </a:t>
+            </a:r>
+            <a:r>
+              <a:rPr lang="en-US" dirty="0" err="1"/>
+              <a:t>modèles</a:t>
+            </a:r>
+            <a:endParaRPr lang="en-US" dirty="0"/>
+          </a:p>
+          <a:p>
+            <a:pPr lvl="2"/>
+            <a:r>
+              <a:rPr lang="fr-FR" dirty="0">
+                <a:solidFill>
+                  <a:prstClr val="black"/>
+                </a:solidFill>
+              </a:rPr>
+              <a:t> </a:t>
+            </a:r>
+            <a:r>
+              <a:rPr lang="fr-FR" dirty="0">
+                <a:solidFill>
+                  <a:srgbClr val="5B9BD5"/>
+                </a:solidFill>
+              </a:rPr>
+              <a:t>/</a:t>
+            </a:r>
+            <a:r>
+              <a:rPr lang="fr-FR" dirty="0" err="1">
+                <a:solidFill>
+                  <a:srgbClr val="5B9BD5"/>
+                </a:solidFill>
+              </a:rPr>
+              <a:t>get_mlflow_runs</a:t>
+            </a:r>
+            <a:r>
+              <a:rPr lang="fr-FR" dirty="0">
+                <a:solidFill>
+                  <a:srgbClr val="5B9BD5"/>
+                </a:solidFill>
+              </a:rPr>
+              <a:t> </a:t>
+            </a:r>
+            <a:r>
+              <a:rPr lang="fr-FR" dirty="0">
+                <a:solidFill>
+                  <a:prstClr val="black"/>
+                </a:solidFill>
+              </a:rPr>
+              <a:t>récupère les expériences </a:t>
+            </a:r>
+          </a:p>
+          <a:p>
+            <a:pPr lvl="1"/>
+            <a:r>
+              <a:rPr lang="en-US" dirty="0" err="1"/>
+              <a:t>Reproductibilité</a:t>
+            </a:r>
+            <a:r>
+              <a:rPr lang="en-US" dirty="0"/>
+              <a:t> et retour </a:t>
+            </a:r>
+            <a:r>
+              <a:rPr lang="en-US" dirty="0" err="1"/>
+              <a:t>en</a:t>
+            </a:r>
+            <a:r>
+              <a:rPr lang="en-US" dirty="0"/>
+              <a:t> </a:t>
+            </a:r>
+            <a:r>
+              <a:rPr lang="en-US" dirty="0" err="1"/>
+              <a:t>arrière</a:t>
+            </a:r>
+            <a:endParaRPr lang="en-US" dirty="0"/>
+          </a:p>
+          <a:p>
+            <a:pPr lvl="2"/>
+            <a:r>
+              <a:rPr lang="fr-FR" dirty="0"/>
+              <a:t> </a:t>
+            </a:r>
+            <a:r>
+              <a:rPr lang="fr-FR" dirty="0">
+                <a:solidFill>
+                  <a:schemeClr val="accent5"/>
+                </a:solidFill>
+              </a:rPr>
+              <a:t>/</a:t>
+            </a:r>
+            <a:r>
+              <a:rPr lang="fr-FR" dirty="0" err="1">
+                <a:solidFill>
+                  <a:schemeClr val="accent5"/>
+                </a:solidFill>
+              </a:rPr>
+              <a:t>revert_to_commit</a:t>
+            </a:r>
+            <a:r>
+              <a:rPr lang="fr-FR" dirty="0">
+                <a:solidFill>
+                  <a:schemeClr val="accent5"/>
+                </a:solidFill>
+              </a:rPr>
+              <a:t> </a:t>
+            </a:r>
+            <a:r>
+              <a:rPr lang="fr-FR" dirty="0"/>
+              <a:t>à partir du git-hash, restaure toute l’</a:t>
+            </a:r>
+            <a:r>
+              <a:rPr lang="fr-FR" dirty="0" err="1"/>
+              <a:t>experience</a:t>
+            </a:r>
+            <a:r>
+              <a:rPr lang="fr-FR" dirty="0"/>
+              <a:t> avec </a:t>
+            </a:r>
+          </a:p>
+          <a:p>
+            <a:pPr lvl="3"/>
+            <a:r>
+              <a:rPr lang="fr-FR" dirty="0"/>
+              <a:t>Images d’entrainement</a:t>
+            </a:r>
+          </a:p>
+          <a:p>
+            <a:pPr lvl="3"/>
+            <a:r>
+              <a:rPr lang="fr-FR" dirty="0"/>
+              <a:t>Données intermédiaires après </a:t>
+            </a:r>
+            <a:r>
+              <a:rPr lang="fr-FR" dirty="0" err="1"/>
+              <a:t>feature</a:t>
+            </a:r>
+            <a:r>
+              <a:rPr lang="fr-FR" dirty="0"/>
+              <a:t> engineering et train/test split</a:t>
+            </a:r>
+          </a:p>
+          <a:p>
+            <a:pPr lvl="3"/>
+            <a:r>
+              <a:rPr lang="fr-FR" dirty="0"/>
+              <a:t>Modèle de vectorisation</a:t>
+            </a:r>
+          </a:p>
+          <a:p>
+            <a:pPr lvl="3"/>
+            <a:r>
+              <a:rPr lang="fr-FR" dirty="0"/>
+              <a:t>Modèle de prédiction</a:t>
+            </a:r>
+          </a:p>
+          <a:p>
+            <a:pPr lvl="3"/>
+            <a:r>
+              <a:rPr lang="fr-FR" dirty="0" err="1"/>
+              <a:t>Métrics</a:t>
+            </a:r>
+            <a:endParaRPr lang="fr-FR" dirty="0"/>
+          </a:p>
+          <a:p>
+            <a:pPr marL="914400" lvl="2" indent="0">
+              <a:buNone/>
+            </a:pPr>
+            <a:r>
+              <a:rPr lang="fr-FR" dirty="0">
+                <a:sym typeface="Wingdings" panose="05000000000000000000" pitchFamily="2" charset="2"/>
+              </a:rPr>
+              <a:t> L’expérience est complètement reproductible</a:t>
+            </a:r>
+            <a:endParaRPr lang="fr-FR" dirty="0"/>
+          </a:p>
+          <a:p>
+            <a:pPr lvl="1"/>
+            <a:r>
+              <a:rPr lang="fr-FR" dirty="0"/>
+              <a:t>Sélection et choix du modèle à déployer par l’Admin</a:t>
+            </a:r>
+          </a:p>
+          <a:p>
+            <a:pPr lvl="2"/>
+            <a:r>
+              <a:rPr lang="fr-FR" dirty="0"/>
+              <a:t> </a:t>
+            </a:r>
+            <a:r>
+              <a:rPr lang="fr-FR" dirty="0">
+                <a:solidFill>
+                  <a:schemeClr val="accent5"/>
+                </a:solidFill>
+              </a:rPr>
+              <a:t>/</a:t>
+            </a:r>
+            <a:r>
+              <a:rPr lang="fr-FR" dirty="0" err="1">
+                <a:solidFill>
+                  <a:schemeClr val="accent5"/>
+                </a:solidFill>
+              </a:rPr>
+              <a:t>register_model</a:t>
+            </a:r>
+            <a:r>
+              <a:rPr lang="fr-FR" dirty="0"/>
+              <a:t> Publication du modèle choisi sur Amazon S3 :</a:t>
+            </a:r>
+            <a:endParaRPr lang="fr-FR" dirty="0">
+              <a:solidFill>
+                <a:schemeClr val="accent5"/>
+              </a:solidFill>
+            </a:endParaRPr>
+          </a:p>
+          <a:p>
+            <a:pPr lvl="1"/>
+            <a:endParaRPr lang="fr-FR" dirty="0"/>
+          </a:p>
+        </p:txBody>
+      </p:sp>
+      <p:pic>
+        <p:nvPicPr>
+          <p:cNvPr id="15" name="Image 14" descr="Une image contenant Police, logo, symbole, Graphique&#10;&#10;Le contenu généré par l’IA peut être incorrect.">
+            <a:extLst>
+              <a:ext uri="{FF2B5EF4-FFF2-40B4-BE49-F238E27FC236}">
+                <a16:creationId xmlns:a16="http://schemas.microsoft.com/office/drawing/2014/main" id="{EDCA3F96-FAC7-FA06-3FBA-3D708FB75EC1}"/>
+              </a:ext>
+            </a:extLst>
+          </p:cNvPr>
+          <p:cNvPicPr>
+            <a:picLocks noChangeAspect="1"/>
+          </p:cNvPicPr>
+          <p:nvPr/>
+        </p:nvPicPr>
+        <p:blipFill>
+          <a:blip r:embed="rId2"/>
+          <a:srcRect l="-3197" t="27080" r="-3106" b="27204"/>
+          <a:stretch/>
+        </p:blipFill>
+        <p:spPr>
+          <a:xfrm>
+            <a:off x="9982555" y="2723680"/>
+            <a:ext cx="1170212" cy="503265"/>
+          </a:xfrm>
+          <a:prstGeom prst="rect">
+            <a:avLst/>
+          </a:prstGeom>
+        </p:spPr>
+      </p:pic>
+      <p:pic>
+        <p:nvPicPr>
+          <p:cNvPr id="16" name="Image 15" descr="Une image contenant Graphique, logo, graphisme, Police&#10;&#10;Le contenu généré par l’IA peut être incorrect.">
+            <a:extLst>
+              <a:ext uri="{FF2B5EF4-FFF2-40B4-BE49-F238E27FC236}">
+                <a16:creationId xmlns:a16="http://schemas.microsoft.com/office/drawing/2014/main" id="{5466067C-F3D9-0243-9F02-509AB01453FE}"/>
+              </a:ext>
+            </a:extLst>
+          </p:cNvPr>
+          <p:cNvPicPr>
+            <a:picLocks noChangeAspect="1"/>
+          </p:cNvPicPr>
+          <p:nvPr/>
+        </p:nvPicPr>
+        <p:blipFill>
+          <a:blip r:embed="rId3"/>
+          <a:srcRect l="30906" t="24775" r="30861" b="29405"/>
+          <a:stretch/>
+        </p:blipFill>
+        <p:spPr>
+          <a:xfrm>
+            <a:off x="11172096" y="2698075"/>
+            <a:ext cx="761300" cy="528870"/>
+          </a:xfrm>
+          <a:prstGeom prst="rect">
+            <a:avLst/>
+          </a:prstGeom>
+        </p:spPr>
+      </p:pic>
+      <p:pic>
+        <p:nvPicPr>
+          <p:cNvPr id="20" name="Image 19" descr="Une image contenant Police, Graphique, graphisme, logo&#10;&#10;Le contenu généré par l’IA peut être incorrect.">
+            <a:extLst>
+              <a:ext uri="{FF2B5EF4-FFF2-40B4-BE49-F238E27FC236}">
+                <a16:creationId xmlns:a16="http://schemas.microsoft.com/office/drawing/2014/main" id="{77752A14-CC56-4761-4D4E-4BFD2DD890F2}"/>
+              </a:ext>
+            </a:extLst>
+          </p:cNvPr>
+          <p:cNvPicPr>
+            <a:picLocks noChangeAspect="1"/>
+          </p:cNvPicPr>
+          <p:nvPr/>
+        </p:nvPicPr>
+        <p:blipFill>
+          <a:blip r:embed="rId4"/>
+          <a:stretch>
+            <a:fillRect/>
+          </a:stretch>
+        </p:blipFill>
+        <p:spPr>
+          <a:xfrm>
+            <a:off x="6934223" y="2000844"/>
+            <a:ext cx="999108" cy="366339"/>
+          </a:xfrm>
+          <a:prstGeom prst="rect">
+            <a:avLst/>
+          </a:prstGeom>
+        </p:spPr>
+      </p:pic>
+      <p:sp>
+        <p:nvSpPr>
+          <p:cNvPr id="7" name="Espace réservé du numéro de diapositive 4">
+            <a:extLst>
+              <a:ext uri="{FF2B5EF4-FFF2-40B4-BE49-F238E27FC236}">
+                <a16:creationId xmlns:a16="http://schemas.microsoft.com/office/drawing/2014/main" id="{A21E4108-FB04-FF3B-2F94-0E675C9ED698}"/>
+              </a:ext>
+            </a:extLst>
+          </p:cNvPr>
+          <p:cNvSpPr>
+            <a:spLocks noGrp="1"/>
+          </p:cNvSpPr>
+          <p:nvPr>
+            <p:ph type="sldNum" sz="quarter" idx="12"/>
+          </p:nvPr>
+        </p:nvSpPr>
+        <p:spPr>
+          <a:xfrm>
+            <a:off x="8610600" y="6356350"/>
+            <a:ext cx="2743200" cy="365125"/>
+          </a:xfrm>
+        </p:spPr>
+        <p:txBody>
+          <a:bodyPr/>
+          <a:lstStyle/>
+          <a:p>
+            <a:fld id="{B5CEABB6-07DC-46E8-9B57-56EC44A396E5}" type="slidenum">
+              <a:rPr lang="en-US" smtClean="0"/>
+              <a:pPr/>
+              <a:t>4</a:t>
+            </a:fld>
+            <a:endParaRPr lang="en-US" dirty="0"/>
+          </a:p>
+        </p:txBody>
+      </p:sp>
+      <p:grpSp>
+        <p:nvGrpSpPr>
+          <p:cNvPr id="8" name="Groupe 7">
+            <a:extLst>
+              <a:ext uri="{FF2B5EF4-FFF2-40B4-BE49-F238E27FC236}">
+                <a16:creationId xmlns:a16="http://schemas.microsoft.com/office/drawing/2014/main" id="{58E8BC23-4121-8168-1A35-223D2827C367}"/>
+              </a:ext>
+            </a:extLst>
+          </p:cNvPr>
+          <p:cNvGrpSpPr/>
+          <p:nvPr/>
+        </p:nvGrpSpPr>
+        <p:grpSpPr>
+          <a:xfrm>
+            <a:off x="8727633" y="976743"/>
+            <a:ext cx="1636568" cy="1354217"/>
+            <a:chOff x="10430230" y="3528632"/>
+            <a:chExt cx="1636568" cy="1354217"/>
+          </a:xfrm>
+        </p:grpSpPr>
+        <p:sp>
+          <p:nvSpPr>
+            <p:cNvPr id="9" name="ZoneTexte 8">
+              <a:extLst>
+                <a:ext uri="{FF2B5EF4-FFF2-40B4-BE49-F238E27FC236}">
+                  <a16:creationId xmlns:a16="http://schemas.microsoft.com/office/drawing/2014/main" id="{7DD434DC-6C02-21D8-56C6-A5FDDFBD54CD}"/>
+                </a:ext>
+              </a:extLst>
+            </p:cNvPr>
+            <p:cNvSpPr txBox="1"/>
+            <p:nvPr/>
+          </p:nvSpPr>
+          <p:spPr>
+            <a:xfrm>
+              <a:off x="10430230" y="3528632"/>
+              <a:ext cx="1636568" cy="1354217"/>
+            </a:xfrm>
+            <a:prstGeom prst="rect">
+              <a:avLst/>
+            </a:prstGeom>
+            <a:noFill/>
+            <a:ln>
+              <a:solidFill>
+                <a:schemeClr val="tx1"/>
+              </a:solidFill>
+            </a:ln>
+          </p:spPr>
+          <p:txBody>
+            <a:bodyPr wrap="square" rtlCol="0">
+              <a:spAutoFit/>
+            </a:bodyPr>
+            <a:lstStyle/>
+            <a:p>
+              <a:endParaRPr lang="fr-FR" dirty="0"/>
+            </a:p>
+            <a:p>
+              <a:endParaRPr lang="fr-FR" dirty="0"/>
+            </a:p>
+            <a:p>
+              <a:endParaRPr lang="fr-FR" dirty="0"/>
+            </a:p>
+            <a:p>
+              <a:r>
+                <a:rPr lang="fr-FR" sz="1400" dirty="0"/>
+                <a:t>- </a:t>
+              </a:r>
+              <a:r>
+                <a:rPr lang="fr-FR" sz="1400" dirty="0" err="1"/>
+                <a:t>Experiment</a:t>
+              </a:r>
+              <a:endParaRPr lang="fr-FR" sz="1400" dirty="0"/>
+            </a:p>
+            <a:p>
+              <a:r>
+                <a:rPr lang="fr-FR" sz="1400" dirty="0"/>
+                <a:t>- Git Hash</a:t>
+              </a:r>
+            </a:p>
+          </p:txBody>
+        </p:sp>
+        <p:pic>
+          <p:nvPicPr>
+            <p:cNvPr id="10" name="Image 9" descr="Une image contenant dessin humoristique, clipart, Police, lapin&#10;&#10;Le contenu généré par l’IA peut être incorrect.">
+              <a:extLst>
+                <a:ext uri="{FF2B5EF4-FFF2-40B4-BE49-F238E27FC236}">
+                  <a16:creationId xmlns:a16="http://schemas.microsoft.com/office/drawing/2014/main" id="{16F2B37C-BDC0-2132-48F6-9F7AAC0B7264}"/>
+                </a:ext>
+              </a:extLst>
+            </p:cNvPr>
+            <p:cNvPicPr>
+              <a:picLocks noChangeAspect="1"/>
+            </p:cNvPicPr>
+            <p:nvPr/>
+          </p:nvPicPr>
+          <p:blipFill>
+            <a:blip r:embed="rId5"/>
+            <a:stretch>
+              <a:fillRect/>
+            </a:stretch>
+          </p:blipFill>
+          <p:spPr>
+            <a:xfrm>
+              <a:off x="10607420" y="3558191"/>
+              <a:ext cx="1282188" cy="366339"/>
+            </a:xfrm>
+            <a:prstGeom prst="rect">
+              <a:avLst/>
+            </a:prstGeom>
+          </p:spPr>
+        </p:pic>
+        <p:pic>
+          <p:nvPicPr>
+            <p:cNvPr id="14" name="Image 13" descr="Une image contenant Police, Graphique, graphisme, logo&#10;&#10;Le contenu généré par l’IA peut être incorrect.">
+              <a:extLst>
+                <a:ext uri="{FF2B5EF4-FFF2-40B4-BE49-F238E27FC236}">
+                  <a16:creationId xmlns:a16="http://schemas.microsoft.com/office/drawing/2014/main" id="{7BE771B6-85D5-73BB-BDB5-493C1762AFAD}"/>
+                </a:ext>
+              </a:extLst>
+            </p:cNvPr>
+            <p:cNvPicPr>
+              <a:picLocks noChangeAspect="1"/>
+            </p:cNvPicPr>
+            <p:nvPr/>
+          </p:nvPicPr>
+          <p:blipFill>
+            <a:blip r:embed="rId4"/>
+            <a:stretch>
+              <a:fillRect/>
+            </a:stretch>
+          </p:blipFill>
+          <p:spPr>
+            <a:xfrm>
+              <a:off x="10657946" y="3953288"/>
+              <a:ext cx="999108" cy="366339"/>
+            </a:xfrm>
+            <a:prstGeom prst="rect">
+              <a:avLst/>
+            </a:prstGeom>
+          </p:spPr>
+        </p:pic>
+      </p:grpSp>
+      <p:grpSp>
+        <p:nvGrpSpPr>
+          <p:cNvPr id="19" name="Groupe 18">
+            <a:extLst>
+              <a:ext uri="{FF2B5EF4-FFF2-40B4-BE49-F238E27FC236}">
+                <a16:creationId xmlns:a16="http://schemas.microsoft.com/office/drawing/2014/main" id="{8794EBF2-FA70-E9FE-149E-BF68BA52EF32}"/>
+              </a:ext>
+            </a:extLst>
+          </p:cNvPr>
+          <p:cNvGrpSpPr/>
+          <p:nvPr/>
+        </p:nvGrpSpPr>
+        <p:grpSpPr>
+          <a:xfrm>
+            <a:off x="9468947" y="5096191"/>
+            <a:ext cx="762420" cy="960763"/>
+            <a:chOff x="8474329" y="3786059"/>
+            <a:chExt cx="957921" cy="1167191"/>
+          </a:xfrm>
+        </p:grpSpPr>
+        <p:sp>
+          <p:nvSpPr>
+            <p:cNvPr id="21" name="ZoneTexte 20">
+              <a:extLst>
+                <a:ext uri="{FF2B5EF4-FFF2-40B4-BE49-F238E27FC236}">
+                  <a16:creationId xmlns:a16="http://schemas.microsoft.com/office/drawing/2014/main" id="{26E3D774-DC05-701A-AA96-1ED7063A29A0}"/>
+                </a:ext>
+              </a:extLst>
+            </p:cNvPr>
+            <p:cNvSpPr txBox="1"/>
+            <p:nvPr/>
+          </p:nvSpPr>
+          <p:spPr>
+            <a:xfrm>
+              <a:off x="8495878" y="3786059"/>
+              <a:ext cx="936372" cy="373905"/>
+            </a:xfrm>
+            <a:prstGeom prst="rect">
+              <a:avLst/>
+            </a:prstGeom>
+            <a:noFill/>
+          </p:spPr>
+          <p:txBody>
+            <a:bodyPr wrap="none" rtlCol="0">
+              <a:spAutoFit/>
+            </a:bodyPr>
+            <a:lstStyle/>
+            <a:p>
+              <a:r>
+                <a:rPr lang="fr-FR" sz="1400" dirty="0" err="1">
+                  <a:solidFill>
+                    <a:schemeClr val="accent2">
+                      <a:lumMod val="75000"/>
+                    </a:schemeClr>
+                  </a:solidFill>
+                </a:rPr>
+                <a:t>Models</a:t>
+              </a:r>
+              <a:endParaRPr lang="fr-FR" sz="1400" dirty="0">
+                <a:solidFill>
+                  <a:schemeClr val="accent2">
+                    <a:lumMod val="75000"/>
+                  </a:schemeClr>
+                </a:solidFill>
+              </a:endParaRPr>
+            </a:p>
+          </p:txBody>
+        </p:sp>
+        <p:pic>
+          <p:nvPicPr>
+            <p:cNvPr id="46" name="Image 45" descr="Une image contenant Graphique, conception&#10;&#10;Le contenu généré par l’IA peut être incorrect.">
+              <a:extLst>
+                <a:ext uri="{FF2B5EF4-FFF2-40B4-BE49-F238E27FC236}">
+                  <a16:creationId xmlns:a16="http://schemas.microsoft.com/office/drawing/2014/main" id="{3F87C83C-E3C3-DD28-DB6C-535D5E2376E1}"/>
+                </a:ext>
+              </a:extLst>
+            </p:cNvPr>
+            <p:cNvPicPr>
+              <a:picLocks noChangeAspect="1"/>
+            </p:cNvPicPr>
+            <p:nvPr/>
+          </p:nvPicPr>
+          <p:blipFill>
+            <a:blip r:embed="rId6"/>
+            <a:srcRect l="11406" t="1461" r="10410" b="5393"/>
+            <a:stretch/>
+          </p:blipFill>
+          <p:spPr>
+            <a:xfrm>
+              <a:off x="8474329" y="4140127"/>
+              <a:ext cx="910012" cy="813123"/>
+            </a:xfrm>
+            <a:prstGeom prst="rect">
+              <a:avLst/>
+            </a:prstGeom>
+          </p:spPr>
+        </p:pic>
+      </p:grpSp>
+    </p:spTree>
+    <p:extLst>
+      <p:ext uri="{BB962C8B-B14F-4D97-AF65-F5344CB8AC3E}">
+        <p14:creationId xmlns:p14="http://schemas.microsoft.com/office/powerpoint/2010/main" val="4093655772"/>
+      </p:ext>
+    </p:extLst>
+  </p:cSld>
+  <p:clrMapOvr>
+    <a:masterClrMapping/>
+  </p:clrMapOvr>
+  <p:timing>
+    <p:tnLst>
+      <p:par>
+        <p:cTn id="1" dur="indefinite" restart="never" nodeType="tmRoot">
+          <p:childTnLst>
+            <p:seq concurrent="1" nextAc="seek">
+              <p:cTn id="2" dur="indefinite" nodeType="mainSeq">
+                <p:childTnLst>
+                  <p:par>
+                    <p:cTn id="3" fill="hold">
+                      <p:stCondLst>
+                        <p:cond delay="indefinite"/>
+                      </p:stCondLst>
+                      <p:childTnLst>
+                        <p:par>
+                          <p:cTn id="4" fill="hold">
+                            <p:stCondLst>
+                              <p:cond delay="0"/>
+                            </p:stCondLst>
+                            <p:childTnLst>
+                              <p:par>
+                                <p:cTn id="5" presetID="1" presetClass="entr" presetSubtype="0" fill="hold" nodeType="clickEffect">
+                                  <p:stCondLst>
+                                    <p:cond delay="0"/>
+                                  </p:stCondLst>
+                                  <p:childTnLst>
+                                    <p:set>
+                                      <p:cBhvr>
+                                        <p:cTn id="6" dur="1" fill="hold">
+                                          <p:stCondLst>
+                                            <p:cond delay="0"/>
+                                          </p:stCondLst>
+                                        </p:cTn>
+                                        <p:tgtEl>
+                                          <p:spTgt spid="6">
+                                            <p:txEl>
+                                              <p:pRg st="2" end="2"/>
+                                            </p:txEl>
+                                          </p:spTgt>
+                                        </p:tgtEl>
+                                        <p:attrNameLst>
+                                          <p:attrName>style.visibility</p:attrName>
+                                        </p:attrNameLst>
+                                      </p:cBhvr>
+                                      <p:to>
+                                        <p:strVal val="visible"/>
+                                      </p:to>
+                                    </p:set>
+                                  </p:childTnLst>
+                                </p:cTn>
+                              </p:par>
+                              <p:par>
+                                <p:cTn id="7" presetID="1" presetClass="entr" presetSubtype="0" fill="hold" nodeType="withEffect">
+                                  <p:stCondLst>
+                                    <p:cond delay="0"/>
+                                  </p:stCondLst>
+                                  <p:childTnLst>
+                                    <p:set>
+                                      <p:cBhvr>
+                                        <p:cTn id="8" dur="1" fill="hold">
+                                          <p:stCondLst>
+                                            <p:cond delay="0"/>
+                                          </p:stCondLst>
+                                        </p:cTn>
+                                        <p:tgtEl>
+                                          <p:spTgt spid="20"/>
+                                        </p:tgtEl>
+                                        <p:attrNameLst>
+                                          <p:attrName>style.visibility</p:attrName>
+                                        </p:attrNameLst>
+                                      </p:cBhvr>
+                                      <p:to>
+                                        <p:strVal val="visible"/>
+                                      </p:to>
+                                    </p:set>
+                                  </p:childTnLst>
+                                </p:cTn>
+                              </p:par>
+                              <p:par>
+                                <p:cTn id="9" presetID="1" presetClass="entr" presetSubtype="0" fill="hold" nodeType="withEffect">
+                                  <p:stCondLst>
+                                    <p:cond delay="0"/>
+                                  </p:stCondLst>
+                                  <p:childTnLst>
+                                    <p:set>
+                                      <p:cBhvr>
+                                        <p:cTn id="10" dur="1" fill="hold">
+                                          <p:stCondLst>
+                                            <p:cond delay="0"/>
+                                          </p:stCondLst>
+                                        </p:cTn>
+                                        <p:tgtEl>
+                                          <p:spTgt spid="8"/>
+                                        </p:tgtEl>
+                                        <p:attrNameLst>
+                                          <p:attrName>style.visibility</p:attrName>
+                                        </p:attrNameLst>
+                                      </p:cBhvr>
+                                      <p:to>
+                                        <p:strVal val="visible"/>
+                                      </p:to>
+                                    </p:set>
+                                  </p:childTnLst>
+                                </p:cTn>
+                              </p:par>
+                            </p:childTnLst>
+                          </p:cTn>
+                        </p:par>
+                      </p:childTnLst>
+                    </p:cTn>
+                  </p:par>
+                  <p:par>
+                    <p:cTn id="11" fill="hold">
+                      <p:stCondLst>
+                        <p:cond delay="indefinite"/>
+                      </p:stCondLst>
+                      <p:childTnLst>
+                        <p:par>
+                          <p:cTn id="12" fill="hold">
+                            <p:stCondLst>
+                              <p:cond delay="0"/>
+                            </p:stCondLst>
+                            <p:childTnLst>
+                              <p:par>
+                                <p:cTn id="13" presetID="1" presetClass="entr" presetSubtype="0" fill="hold" nodeType="clickEffect">
+                                  <p:stCondLst>
+                                    <p:cond delay="0"/>
+                                  </p:stCondLst>
+                                  <p:childTnLst>
+                                    <p:set>
+                                      <p:cBhvr>
+                                        <p:cTn id="14" dur="1" fill="hold">
+                                          <p:stCondLst>
+                                            <p:cond delay="0"/>
+                                          </p:stCondLst>
+                                        </p:cTn>
+                                        <p:tgtEl>
+                                          <p:spTgt spid="6">
+                                            <p:txEl>
+                                              <p:pRg st="4" end="4"/>
+                                            </p:txEl>
+                                          </p:spTgt>
+                                        </p:tgtEl>
+                                        <p:attrNameLst>
+                                          <p:attrName>style.visibility</p:attrName>
+                                        </p:attrNameLst>
+                                      </p:cBhvr>
+                                      <p:to>
+                                        <p:strVal val="visible"/>
+                                      </p:to>
+                                    </p:set>
+                                  </p:childTnLst>
+                                </p:cTn>
+                              </p:par>
+                              <p:par>
+                                <p:cTn id="15" presetID="1" presetClass="entr" presetSubtype="0" fill="hold" nodeType="withEffect">
+                                  <p:stCondLst>
+                                    <p:cond delay="0"/>
+                                  </p:stCondLst>
+                                  <p:childTnLst>
+                                    <p:set>
+                                      <p:cBhvr>
+                                        <p:cTn id="16" dur="1" fill="hold">
+                                          <p:stCondLst>
+                                            <p:cond delay="0"/>
+                                          </p:stCondLst>
+                                        </p:cTn>
+                                        <p:tgtEl>
+                                          <p:spTgt spid="15"/>
+                                        </p:tgtEl>
+                                        <p:attrNameLst>
+                                          <p:attrName>style.visibility</p:attrName>
+                                        </p:attrNameLst>
+                                      </p:cBhvr>
+                                      <p:to>
+                                        <p:strVal val="visible"/>
+                                      </p:to>
+                                    </p:set>
+                                  </p:childTnLst>
+                                </p:cTn>
+                              </p:par>
+                              <p:par>
+                                <p:cTn id="17" presetID="1" presetClass="entr" presetSubtype="0" fill="hold" nodeType="withEffect">
+                                  <p:stCondLst>
+                                    <p:cond delay="0"/>
+                                  </p:stCondLst>
+                                  <p:childTnLst>
+                                    <p:set>
+                                      <p:cBhvr>
+                                        <p:cTn id="18" dur="1" fill="hold">
+                                          <p:stCondLst>
+                                            <p:cond delay="0"/>
+                                          </p:stCondLst>
+                                        </p:cTn>
+                                        <p:tgtEl>
+                                          <p:spTgt spid="16"/>
+                                        </p:tgtEl>
+                                        <p:attrNameLst>
+                                          <p:attrName>style.visibility</p:attrName>
+                                        </p:attrNameLst>
+                                      </p:cBhvr>
+                                      <p:to>
+                                        <p:strVal val="visible"/>
+                                      </p:to>
+                                    </p:set>
+                                  </p:childTnLst>
+                                </p:cTn>
+                              </p:par>
+                              <p:par>
+                                <p:cTn id="19" presetID="1" presetClass="entr" presetSubtype="0" fill="hold" nodeType="withEffect">
+                                  <p:stCondLst>
+                                    <p:cond delay="0"/>
+                                  </p:stCondLst>
+                                  <p:childTnLst>
+                                    <p:set>
+                                      <p:cBhvr>
+                                        <p:cTn id="20" dur="1" fill="hold">
+                                          <p:stCondLst>
+                                            <p:cond delay="0"/>
+                                          </p:stCondLst>
+                                        </p:cTn>
+                                        <p:tgtEl>
+                                          <p:spTgt spid="6">
+                                            <p:txEl>
+                                              <p:pRg st="5" end="5"/>
+                                            </p:txEl>
+                                          </p:spTgt>
+                                        </p:tgtEl>
+                                        <p:attrNameLst>
+                                          <p:attrName>style.visibility</p:attrName>
+                                        </p:attrNameLst>
+                                      </p:cBhvr>
+                                      <p:to>
+                                        <p:strVal val="visible"/>
+                                      </p:to>
+                                    </p:set>
+                                  </p:childTnLst>
+                                </p:cTn>
+                              </p:par>
+                              <p:par>
+                                <p:cTn id="21" presetID="1" presetClass="entr" presetSubtype="0" fill="hold" nodeType="withEffect">
+                                  <p:stCondLst>
+                                    <p:cond delay="0"/>
+                                  </p:stCondLst>
+                                  <p:childTnLst>
+                                    <p:set>
+                                      <p:cBhvr>
+                                        <p:cTn id="22" dur="1" fill="hold">
+                                          <p:stCondLst>
+                                            <p:cond delay="0"/>
+                                          </p:stCondLst>
+                                        </p:cTn>
+                                        <p:tgtEl>
+                                          <p:spTgt spid="6">
+                                            <p:txEl>
+                                              <p:pRg st="6" end="6"/>
+                                            </p:txEl>
+                                          </p:spTgt>
+                                        </p:tgtEl>
+                                        <p:attrNameLst>
+                                          <p:attrName>style.visibility</p:attrName>
+                                        </p:attrNameLst>
+                                      </p:cBhvr>
+                                      <p:to>
+                                        <p:strVal val="visible"/>
+                                      </p:to>
+                                    </p:set>
+                                  </p:childTnLst>
+                                </p:cTn>
+                              </p:par>
+                              <p:par>
+                                <p:cTn id="23" presetID="1" presetClass="entr" presetSubtype="0" fill="hold" nodeType="withEffect">
+                                  <p:stCondLst>
+                                    <p:cond delay="0"/>
+                                  </p:stCondLst>
+                                  <p:childTnLst>
+                                    <p:set>
+                                      <p:cBhvr>
+                                        <p:cTn id="24" dur="1" fill="hold">
+                                          <p:stCondLst>
+                                            <p:cond delay="0"/>
+                                          </p:stCondLst>
+                                        </p:cTn>
+                                        <p:tgtEl>
+                                          <p:spTgt spid="6">
+                                            <p:txEl>
+                                              <p:pRg st="7" end="7"/>
+                                            </p:txEl>
+                                          </p:spTgt>
+                                        </p:tgtEl>
+                                        <p:attrNameLst>
+                                          <p:attrName>style.visibility</p:attrName>
+                                        </p:attrNameLst>
+                                      </p:cBhvr>
+                                      <p:to>
+                                        <p:strVal val="visible"/>
+                                      </p:to>
+                                    </p:set>
+                                  </p:childTnLst>
+                                </p:cTn>
+                              </p:par>
+                              <p:par>
+                                <p:cTn id="25" presetID="1" presetClass="entr" presetSubtype="0" fill="hold" nodeType="withEffect">
+                                  <p:stCondLst>
+                                    <p:cond delay="0"/>
+                                  </p:stCondLst>
+                                  <p:childTnLst>
+                                    <p:set>
+                                      <p:cBhvr>
+                                        <p:cTn id="26" dur="1" fill="hold">
+                                          <p:stCondLst>
+                                            <p:cond delay="0"/>
+                                          </p:stCondLst>
+                                        </p:cTn>
+                                        <p:tgtEl>
+                                          <p:spTgt spid="6">
+                                            <p:txEl>
+                                              <p:pRg st="8" end="8"/>
+                                            </p:txEl>
+                                          </p:spTgt>
+                                        </p:tgtEl>
+                                        <p:attrNameLst>
+                                          <p:attrName>style.visibility</p:attrName>
+                                        </p:attrNameLst>
+                                      </p:cBhvr>
+                                      <p:to>
+                                        <p:strVal val="visible"/>
+                                      </p:to>
+                                    </p:set>
+                                  </p:childTnLst>
+                                </p:cTn>
+                              </p:par>
+                              <p:par>
+                                <p:cTn id="27" presetID="1" presetClass="entr" presetSubtype="0" fill="hold" nodeType="withEffect">
+                                  <p:stCondLst>
+                                    <p:cond delay="0"/>
+                                  </p:stCondLst>
+                                  <p:childTnLst>
+                                    <p:set>
+                                      <p:cBhvr>
+                                        <p:cTn id="28" dur="1" fill="hold">
+                                          <p:stCondLst>
+                                            <p:cond delay="0"/>
+                                          </p:stCondLst>
+                                        </p:cTn>
+                                        <p:tgtEl>
+                                          <p:spTgt spid="6">
+                                            <p:txEl>
+                                              <p:pRg st="9" end="9"/>
+                                            </p:txEl>
+                                          </p:spTgt>
+                                        </p:tgtEl>
+                                        <p:attrNameLst>
+                                          <p:attrName>style.visibility</p:attrName>
+                                        </p:attrNameLst>
+                                      </p:cBhvr>
+                                      <p:to>
+                                        <p:strVal val="visible"/>
+                                      </p:to>
+                                    </p:set>
+                                  </p:childTnLst>
+                                </p:cTn>
+                              </p:par>
+                            </p:childTnLst>
+                          </p:cTn>
+                        </p:par>
+                      </p:childTnLst>
+                    </p:cTn>
+                  </p:par>
+                  <p:par>
+                    <p:cTn id="29" fill="hold">
+                      <p:stCondLst>
+                        <p:cond delay="indefinite"/>
+                      </p:stCondLst>
+                      <p:childTnLst>
+                        <p:par>
+                          <p:cTn id="30" fill="hold">
+                            <p:stCondLst>
+                              <p:cond delay="0"/>
+                            </p:stCondLst>
+                            <p:childTnLst>
+                              <p:par>
+                                <p:cTn id="31" presetID="1" presetClass="entr" presetSubtype="0" fill="hold" nodeType="clickEffect">
+                                  <p:stCondLst>
+                                    <p:cond delay="0"/>
+                                  </p:stCondLst>
+                                  <p:childTnLst>
+                                    <p:set>
+                                      <p:cBhvr>
+                                        <p:cTn id="32" dur="1" fill="hold">
+                                          <p:stCondLst>
+                                            <p:cond delay="0"/>
+                                          </p:stCondLst>
+                                        </p:cTn>
+                                        <p:tgtEl>
+                                          <p:spTgt spid="6">
+                                            <p:txEl>
+                                              <p:pRg st="10" end="10"/>
+                                            </p:txEl>
+                                          </p:spTgt>
+                                        </p:tgtEl>
+                                        <p:attrNameLst>
+                                          <p:attrName>style.visibility</p:attrName>
+                                        </p:attrNameLst>
+                                      </p:cBhvr>
+                                      <p:to>
+                                        <p:strVal val="visible"/>
+                                      </p:to>
+                                    </p:set>
+                                  </p:childTnLst>
+                                </p:cTn>
+                              </p:par>
+                            </p:childTnLst>
+                          </p:cTn>
+                        </p:par>
+                      </p:childTnLst>
+                    </p:cTn>
+                  </p:par>
+                  <p:par>
+                    <p:cTn id="33" fill="hold">
+                      <p:stCondLst>
+                        <p:cond delay="indefinite"/>
+                      </p:stCondLst>
+                      <p:childTnLst>
+                        <p:par>
+                          <p:cTn id="34" fill="hold">
+                            <p:stCondLst>
+                              <p:cond delay="0"/>
+                            </p:stCondLst>
+                            <p:childTnLst>
+                              <p:par>
+                                <p:cTn id="35" presetID="1" presetClass="entr" presetSubtype="0" fill="hold" nodeType="clickEffect">
+                                  <p:stCondLst>
+                                    <p:cond delay="0"/>
+                                  </p:stCondLst>
+                                  <p:childTnLst>
+                                    <p:set>
+                                      <p:cBhvr>
+                                        <p:cTn id="36" dur="1" fill="hold">
+                                          <p:stCondLst>
+                                            <p:cond delay="0"/>
+                                          </p:stCondLst>
+                                        </p:cTn>
+                                        <p:tgtEl>
+                                          <p:spTgt spid="6">
+                                            <p:txEl>
+                                              <p:pRg st="12" end="12"/>
+                                            </p:txEl>
+                                          </p:spTgt>
+                                        </p:tgtEl>
+                                        <p:attrNameLst>
+                                          <p:attrName>style.visibility</p:attrName>
+                                        </p:attrNameLst>
+                                      </p:cBhvr>
+                                      <p:to>
+                                        <p:strVal val="visible"/>
+                                      </p:to>
+                                    </p:set>
+                                  </p:childTnLst>
+                                </p:cTn>
+                              </p:par>
+                              <p:par>
+                                <p:cTn id="37" presetID="1" presetClass="entr" presetSubtype="0" fill="hold" nodeType="withEffect">
+                                  <p:stCondLst>
+                                    <p:cond delay="0"/>
+                                  </p:stCondLst>
+                                  <p:childTnLst>
+                                    <p:set>
+                                      <p:cBhvr>
+                                        <p:cTn id="38" dur="1" fill="hold">
+                                          <p:stCondLst>
+                                            <p:cond delay="0"/>
+                                          </p:stCondLst>
+                                        </p:cTn>
+                                        <p:tgtEl>
+                                          <p:spTgt spid="19"/>
+                                        </p:tgtEl>
+                                        <p:attrNameLst>
+                                          <p:attrName>style.visibility</p:attrName>
+                                        </p:attrNameLst>
+                                      </p:cBhvr>
+                                      <p:to>
+                                        <p:strVal val="visible"/>
+                                      </p:to>
+                                    </p:set>
+                                  </p:childTnLst>
+                                </p:cTn>
+                              </p:par>
+                            </p:childTnLst>
+                          </p:cTn>
+                        </p:par>
+                      </p:childTnLst>
+                    </p:cTn>
+                  </p:par>
+                </p:childTnLst>
+              </p:cTn>
+              <p:prevCondLst>
+                <p:cond evt="onPrev" delay="0">
+                  <p:tgtEl>
+                    <p:sldTgt/>
+                  </p:tgtEl>
+                </p:cond>
+              </p:prevCondLst>
+              <p:nextCondLst>
+                <p:cond evt="onNext" delay="0">
+                  <p:tgtEl>
+                    <p:sldTgt/>
+                  </p:tgtEl>
+                </p:cond>
+              </p:nextCondLst>
+            </p:seq>
+          </p:childTnLst>
+        </p:cTn>
+      </p:par>
+    </p:tnLst>
+  </p:timing>
+</p:sld>
+</file>
+
+<file path=ppt/slides/slide5.xml><?xml version="1.0" encoding="utf-8"?>
 <p:sld xmlns:a="http://schemas.openxmlformats.org/drawingml/2006/main" xmlns:r="http://schemas.openxmlformats.org/officeDocument/2006/relationships" xmlns:p="http://schemas.openxmlformats.org/presentationml/2006/main">
   <p:cSld>
     <p:spTree>
@@ -25559,7 +27848,7 @@
             <a:fld id="{B5CEABB6-07DC-46E8-9B57-56EC44A396E5}" type="slidenum">
               <a:rPr lang="en-US" smtClean="0"/>
               <a:pPr/>
-              <a:t>4</a:t>
+              <a:t>5</a:t>
             </a:fld>
             <a:endParaRPr lang="en-US" dirty="0"/>
           </a:p>
@@ -25590,26 +27879,6 @@
         <p:txBody>
           <a:bodyPr/>
           <a:lstStyle/>
-          <a:p>
-            <a:r>
-              <a:rPr lang="fr-FR" dirty="0"/>
-              <a:t>Défis techniques</a:t>
-            </a:r>
-          </a:p>
-          <a:p>
-            <a:pPr lvl="1"/>
-            <a:r>
-              <a:rPr lang="fr-FR" dirty="0"/>
-              <a:t>DVC in docker (branche dédiée git, gestion PR)</a:t>
-            </a:r>
-          </a:p>
-          <a:p>
-            <a:pPr lvl="1"/>
-            <a:r>
-              <a:rPr lang="fr-FR" dirty="0"/>
-              <a:t>Orchestration &amp; gestion des volumes</a:t>
-            </a:r>
-          </a:p>
           <a:p>
             <a:r>
               <a:rPr lang="fr-FR" dirty="0"/>
@@ -25656,8 +27925,8 @@
         </p:blipFill>
         <p:spPr>
           <a:xfrm>
-            <a:off x="1178743" y="3016395"/>
-            <a:ext cx="6249580" cy="3475499"/>
+            <a:off x="1115066" y="1911119"/>
+            <a:ext cx="6740158" cy="3748318"/>
           </a:xfrm>
           <a:prstGeom prst="rect">
             <a:avLst/>
@@ -25678,7 +27947,7 @@
         </p:nvSpPr>
         <p:spPr>
           <a:xfrm>
-            <a:off x="7686674" y="3249891"/>
+            <a:off x="8077200" y="2182075"/>
             <a:ext cx="4114800" cy="3477362"/>
           </a:xfrm>
           <a:prstGeom prst="rect">
@@ -25960,67 +28229,6 @@
           </a:p>
         </p:txBody>
       </p:sp>
-      <p:sp>
-        <p:nvSpPr>
-          <p:cNvPr id="9" name="ZoneTexte 8">
-            <a:extLst>
-              <a:ext uri="{FF2B5EF4-FFF2-40B4-BE49-F238E27FC236}">
-                <a16:creationId xmlns:a16="http://schemas.microsoft.com/office/drawing/2014/main" id="{67797CEF-DF44-97CB-ABE1-2538143C2729}"/>
-              </a:ext>
-            </a:extLst>
-          </p:cNvPr>
-          <p:cNvSpPr txBox="1"/>
-          <p:nvPr/>
-        </p:nvSpPr>
-        <p:spPr>
-          <a:xfrm>
-            <a:off x="7540658" y="1192785"/>
-            <a:ext cx="3200400" cy="461665"/>
-          </a:xfrm>
-          <a:prstGeom prst="rect">
-            <a:avLst/>
-          </a:prstGeom>
-          <a:noFill/>
-        </p:spPr>
-        <p:txBody>
-          <a:bodyPr wrap="square" rtlCol="0">
-            <a:spAutoFit/>
-          </a:bodyPr>
-          <a:lstStyle/>
-          <a:p>
-            <a:pPr algn="ctr"/>
-            <a:r>
-              <a:rPr lang="fr-FR" sz="2400" b="1" dirty="0">
-                <a:solidFill>
-                  <a:srgbClr val="FFC000"/>
-                </a:solidFill>
-              </a:rPr>
-              <a:t>A SIMPLIFIER</a:t>
-            </a:r>
-            <a:r>
-              <a:rPr lang="fr-FR" b="1" dirty="0">
-                <a:solidFill>
-                  <a:srgbClr val="FFC000"/>
-                </a:solidFill>
-              </a:rPr>
-              <a:t> </a:t>
-            </a:r>
-            <a:r>
-              <a:rPr lang="fr-FR" sz="2400" b="1" dirty="0">
-                <a:solidFill>
-                  <a:srgbClr val="FFC000"/>
-                </a:solidFill>
-              </a:rPr>
-              <a:t>?</a:t>
-            </a:r>
-            <a:endParaRPr lang="fr-FR" b="1" dirty="0">
-              <a:solidFill>
-                <a:srgbClr val="FFC000"/>
-              </a:solidFill>
-            </a:endParaRPr>
-          </a:p>
-        </p:txBody>
-      </p:sp>
     </p:spTree>
     <p:extLst>
       <p:ext uri="{BB962C8B-B14F-4D97-AF65-F5344CB8AC3E}">
@@ -26034,7 +28242,7 @@
 </p:sld>
 </file>
 
-<file path=ppt/slides/slide5.xml><?xml version="1.0" encoding="utf-8"?>
+<file path=ppt/slides/slide6.xml><?xml version="1.0" encoding="utf-8"?>
 <p:sld xmlns:a="http://schemas.openxmlformats.org/drawingml/2006/main" xmlns:r="http://schemas.openxmlformats.org/officeDocument/2006/relationships" xmlns:p="http://schemas.openxmlformats.org/presentationml/2006/main">
   <p:cSld>
     <p:spTree>
@@ -26188,7 +28396,7 @@
             <a:fld id="{B5CEABB6-07DC-46E8-9B57-56EC44A396E5}" type="slidenum">
               <a:rPr lang="en-US" smtClean="0"/>
               <a:pPr/>
-              <a:t>5</a:t>
+              <a:t>6</a:t>
             </a:fld>
             <a:endParaRPr lang="en-US" dirty="0"/>
           </a:p>
@@ -27029,6 +29237,26 @@
 </file>
 
 <file path=customXml/item1.xml><?xml version="1.0" encoding="utf-8"?>
+<p:properties xmlns:p="http://schemas.microsoft.com/office/2006/metadata/properties" xmlns:xsi="http://www.w3.org/2001/XMLSchema-instance" xmlns:pc="http://schemas.microsoft.com/office/infopath/2007/PartnerControls">
+  <documentManagement>
+    <_ip_UnifiedCompliancePolicyUIAction xmlns="http://schemas.microsoft.com/sharepoint/v3" xsi:nil="true"/>
+    <Image xmlns="71af3243-3dd4-4a8d-8c0d-dd76da1f02a5">
+      <Url xsi:nil="true"/>
+      <Description xsi:nil="true"/>
+    </Image>
+    <Status xmlns="71af3243-3dd4-4a8d-8c0d-dd76da1f02a5">Not started</Status>
+    <Background xmlns="71af3243-3dd4-4a8d-8c0d-dd76da1f02a5">false</Background>
+    <_ip_UnifiedCompliancePolicyProperties xmlns="http://schemas.microsoft.com/sharepoint/v3" xsi:nil="true"/>
+    <ImageTagsTaxHTField xmlns="71af3243-3dd4-4a8d-8c0d-dd76da1f02a5">
+      <Terms xmlns="http://schemas.microsoft.com/office/infopath/2007/PartnerControls"/>
+    </ImageTagsTaxHTField>
+    <TaxCatchAll xmlns="230e9df3-be65-4c73-a93b-d1236ebd677e" xsi:nil="true"/>
+    <MediaServiceKeyPoints xmlns="71af3243-3dd4-4a8d-8c0d-dd76da1f02a5" xsi:nil="true"/>
+  </documentManagement>
+</p:properties>
+</file>
+
+<file path=customXml/item2.xml><?xml version="1.0" encoding="utf-8"?>
 <ct:contentTypeSchema xmlns:ct="http://schemas.microsoft.com/office/2006/metadata/contentType" xmlns:ma="http://schemas.microsoft.com/office/2006/metadata/properties/metaAttributes" ct:_="" ma:_="" ma:contentTypeName="Document" ma:contentTypeID="0x01010079F111ED35F8CC479449609E8A0923A6" ma:contentTypeVersion="27" ma:contentTypeDescription="Create a new document." ma:contentTypeScope="" ma:versionID="c6f9a84f66a9c8b9a21755b9ffafb945">
   <xsd:schema xmlns:xsd="http://www.w3.org/2001/XMLSchema" xmlns:xs="http://www.w3.org/2001/XMLSchema" xmlns:p="http://schemas.microsoft.com/office/2006/metadata/properties" xmlns:ns1="http://schemas.microsoft.com/sharepoint/v3" xmlns:ns2="71af3243-3dd4-4a8d-8c0d-dd76da1f02a5" xmlns:ns3="16c05727-aa75-4e4a-9b5f-8a80a1165891" xmlns:ns4="230e9df3-be65-4c73-a93b-d1236ebd677e" targetNamespace="http://schemas.microsoft.com/office/2006/metadata/properties" ma:root="true" ma:fieldsID="27df39e3e7036dff54f89ddd5805ce72" ns1:_="" ns2:_="" ns3:_="" ns4:_="">
     <xsd:import namespace="http://schemas.microsoft.com/sharepoint/v3"/>
@@ -27334,26 +29562,6 @@
 </ct:contentTypeSchema>
 </file>
 
-<file path=customXml/item2.xml><?xml version="1.0" encoding="utf-8"?>
-<p:properties xmlns:p="http://schemas.microsoft.com/office/2006/metadata/properties" xmlns:xsi="http://www.w3.org/2001/XMLSchema-instance" xmlns:pc="http://schemas.microsoft.com/office/infopath/2007/PartnerControls">
-  <documentManagement>
-    <_ip_UnifiedCompliancePolicyUIAction xmlns="http://schemas.microsoft.com/sharepoint/v3" xsi:nil="true"/>
-    <Image xmlns="71af3243-3dd4-4a8d-8c0d-dd76da1f02a5">
-      <Url xsi:nil="true"/>
-      <Description xsi:nil="true"/>
-    </Image>
-    <Status xmlns="71af3243-3dd4-4a8d-8c0d-dd76da1f02a5">Not started</Status>
-    <Background xmlns="71af3243-3dd4-4a8d-8c0d-dd76da1f02a5">false</Background>
-    <_ip_UnifiedCompliancePolicyProperties xmlns="http://schemas.microsoft.com/sharepoint/v3" xsi:nil="true"/>
-    <ImageTagsTaxHTField xmlns="71af3243-3dd4-4a8d-8c0d-dd76da1f02a5">
-      <Terms xmlns="http://schemas.microsoft.com/office/infopath/2007/PartnerControls"/>
-    </ImageTagsTaxHTField>
-    <TaxCatchAll xmlns="230e9df3-be65-4c73-a93b-d1236ebd677e" xsi:nil="true"/>
-    <MediaServiceKeyPoints xmlns="71af3243-3dd4-4a8d-8c0d-dd76da1f02a5" xsi:nil="true"/>
-  </documentManagement>
-</p:properties>
-</file>
-
 <file path=customXml/item3.xml><?xml version="1.0" encoding="utf-8"?>
 <?mso-contentType ?>
 <FormTemplates xmlns="http://schemas.microsoft.com/sharepoint/v3/contenttype/forms">
@@ -27364,6 +29572,18 @@
 </file>
 
 <file path=customXml/itemProps1.xml><?xml version="1.0" encoding="utf-8"?>
+<ds:datastoreItem xmlns:ds="http://schemas.openxmlformats.org/officeDocument/2006/customXml" ds:itemID="{6EA97235-BEC4-4F82-87A8-2F5DAD53B5F9}">
+  <ds:schemaRefs>
+    <ds:schemaRef ds:uri="http://schemas.microsoft.com/office/2006/metadata/properties"/>
+    <ds:schemaRef ds:uri="http://schemas.microsoft.com/office/infopath/2007/PartnerControls"/>
+    <ds:schemaRef ds:uri="http://schemas.microsoft.com/sharepoint/v3"/>
+    <ds:schemaRef ds:uri="71af3243-3dd4-4a8d-8c0d-dd76da1f02a5"/>
+    <ds:schemaRef ds:uri="230e9df3-be65-4c73-a93b-d1236ebd677e"/>
+  </ds:schemaRefs>
+</ds:datastoreItem>
+</file>
+
+<file path=customXml/itemProps2.xml><?xml version="1.0" encoding="utf-8"?>
 <ds:datastoreItem xmlns:ds="http://schemas.openxmlformats.org/officeDocument/2006/customXml" ds:itemID="{2C1F447F-FAA8-4106-988B-648F3C8EDB2D}">
   <ds:schemaRefs>
     <ds:schemaRef ds:uri="http://schemas.microsoft.com/office/2006/metadata/contentType"/>
@@ -27384,18 +29604,6 @@
 </ds:datastoreItem>
 </file>
 
-<file path=customXml/itemProps2.xml><?xml version="1.0" encoding="utf-8"?>
-<ds:datastoreItem xmlns:ds="http://schemas.openxmlformats.org/officeDocument/2006/customXml" ds:itemID="{6EA97235-BEC4-4F82-87A8-2F5DAD53B5F9}">
-  <ds:schemaRefs>
-    <ds:schemaRef ds:uri="http://schemas.microsoft.com/office/2006/metadata/properties"/>
-    <ds:schemaRef ds:uri="http://schemas.microsoft.com/office/infopath/2007/PartnerControls"/>
-    <ds:schemaRef ds:uri="http://schemas.microsoft.com/sharepoint/v3"/>
-    <ds:schemaRef ds:uri="71af3243-3dd4-4a8d-8c0d-dd76da1f02a5"/>
-    <ds:schemaRef ds:uri="230e9df3-be65-4c73-a93b-d1236ebd677e"/>
-  </ds:schemaRefs>
-</ds:datastoreItem>
-</file>
-
 <file path=customXml/itemProps3.xml><?xml version="1.0" encoding="utf-8"?>
 <ds:datastoreItem xmlns:ds="http://schemas.openxmlformats.org/officeDocument/2006/customXml" ds:itemID="{79BF405E-7930-4D5C-ABB3-493E9D6D6CEA}">
   <ds:schemaRefs>
